--- a/Präsentationen/HTML.pptx
+++ b/Präsentationen/HTML.pptx
@@ -4327,6 +4327,10 @@
           <a:bodyPr/>
           <a:lstStyle/>
           <a:p>
+            <a:r>
+              <a:rPr lang="de-CH" dirty="0" smtClean="0"/>
+              <a:t>HTML</a:t>
+            </a:r>
             <a:endParaRPr lang="de-CH" dirty="0"/>
           </a:p>
         </p:txBody>
@@ -4346,7 +4350,11 @@
           <a:bodyPr/>
           <a:lstStyle/>
           <a:p>
-            <a:endParaRPr lang="de-CH"/>
+            <a:r>
+              <a:rPr lang="de-CH" dirty="0" smtClean="0"/>
+              <a:t>Eine Einführung</a:t>
+            </a:r>
+            <a:endParaRPr lang="de-CH" dirty="0"/>
           </a:p>
         </p:txBody>
       </p:sp>
@@ -6250,8 +6258,8 @@
         </p:nvCxnSpPr>
         <p:spPr>
           <a:xfrm flipH="1" flipV="1">
-            <a:off x="8761615" y="2389187"/>
-            <a:ext cx="421349" cy="1153429"/>
+            <a:off x="7326630" y="2263140"/>
+            <a:ext cx="1856335" cy="1279477"/>
           </a:xfrm>
           <a:prstGeom prst="straightConnector1">
             <a:avLst/>
@@ -6327,9 +6335,280 @@
   <p:timing>
     <p:tnLst>
       <p:par>
-        <p:cTn id="1" dur="indefinite" restart="never" nodeType="tmRoot"/>
+        <p:cTn id="1" dur="indefinite" restart="never" nodeType="tmRoot">
+          <p:childTnLst>
+            <p:seq concurrent="1" nextAc="seek">
+              <p:cTn id="2" dur="indefinite" nodeType="mainSeq">
+                <p:childTnLst>
+                  <p:par>
+                    <p:cTn id="3" fill="hold">
+                      <p:stCondLst>
+                        <p:cond delay="indefinite"/>
+                      </p:stCondLst>
+                      <p:childTnLst>
+                        <p:par>
+                          <p:cTn id="4" fill="hold">
+                            <p:stCondLst>
+                              <p:cond delay="0"/>
+                            </p:stCondLst>
+                            <p:childTnLst>
+                              <p:par>
+                                <p:cTn id="5" presetID="1" presetClass="entr" presetSubtype="0" fill="hold" nodeType="clickEffect">
+                                  <p:stCondLst>
+                                    <p:cond delay="0"/>
+                                  </p:stCondLst>
+                                  <p:childTnLst>
+                                    <p:set>
+                                      <p:cBhvr>
+                                        <p:cTn id="6" dur="1" fill="hold">
+                                          <p:stCondLst>
+                                            <p:cond delay="0"/>
+                                          </p:stCondLst>
+                                        </p:cTn>
+                                        <p:tgtEl>
+                                          <p:spTgt spid="5"/>
+                                        </p:tgtEl>
+                                        <p:attrNameLst>
+                                          <p:attrName>style.visibility</p:attrName>
+                                        </p:attrNameLst>
+                                      </p:cBhvr>
+                                      <p:to>
+                                        <p:strVal val="visible"/>
+                                      </p:to>
+                                    </p:set>
+                                  </p:childTnLst>
+                                </p:cTn>
+                              </p:par>
+                              <p:par>
+                                <p:cTn id="7" presetID="1" presetClass="entr" presetSubtype="0" fill="hold" grpId="0" nodeType="withEffect">
+                                  <p:stCondLst>
+                                    <p:cond delay="0"/>
+                                  </p:stCondLst>
+                                  <p:childTnLst>
+                                    <p:set>
+                                      <p:cBhvr>
+                                        <p:cTn id="8" dur="1" fill="hold">
+                                          <p:stCondLst>
+                                            <p:cond delay="0"/>
+                                          </p:stCondLst>
+                                        </p:cTn>
+                                        <p:tgtEl>
+                                          <p:spTgt spid="6"/>
+                                        </p:tgtEl>
+                                        <p:attrNameLst>
+                                          <p:attrName>style.visibility</p:attrName>
+                                        </p:attrNameLst>
+                                      </p:cBhvr>
+                                      <p:to>
+                                        <p:strVal val="visible"/>
+                                      </p:to>
+                                    </p:set>
+                                  </p:childTnLst>
+                                </p:cTn>
+                              </p:par>
+                            </p:childTnLst>
+                          </p:cTn>
+                        </p:par>
+                      </p:childTnLst>
+                    </p:cTn>
+                  </p:par>
+                  <p:par>
+                    <p:cTn id="9" fill="hold">
+                      <p:stCondLst>
+                        <p:cond delay="indefinite"/>
+                      </p:stCondLst>
+                      <p:childTnLst>
+                        <p:par>
+                          <p:cTn id="10" fill="hold">
+                            <p:stCondLst>
+                              <p:cond delay="0"/>
+                            </p:stCondLst>
+                            <p:childTnLst>
+                              <p:par>
+                                <p:cTn id="11" presetID="1" presetClass="entr" presetSubtype="0" fill="hold" nodeType="clickEffect">
+                                  <p:stCondLst>
+                                    <p:cond delay="0"/>
+                                  </p:stCondLst>
+                                  <p:childTnLst>
+                                    <p:set>
+                                      <p:cBhvr>
+                                        <p:cTn id="12" dur="1" fill="hold">
+                                          <p:stCondLst>
+                                            <p:cond delay="0"/>
+                                          </p:stCondLst>
+                                        </p:cTn>
+                                        <p:tgtEl>
+                                          <p:spTgt spid="7"/>
+                                        </p:tgtEl>
+                                        <p:attrNameLst>
+                                          <p:attrName>style.visibility</p:attrName>
+                                        </p:attrNameLst>
+                                      </p:cBhvr>
+                                      <p:to>
+                                        <p:strVal val="visible"/>
+                                      </p:to>
+                                    </p:set>
+                                  </p:childTnLst>
+                                </p:cTn>
+                              </p:par>
+                              <p:par>
+                                <p:cTn id="13" presetID="1" presetClass="entr" presetSubtype="0" fill="hold" grpId="0" nodeType="withEffect">
+                                  <p:stCondLst>
+                                    <p:cond delay="0"/>
+                                  </p:stCondLst>
+                                  <p:childTnLst>
+                                    <p:set>
+                                      <p:cBhvr>
+                                        <p:cTn id="14" dur="1" fill="hold">
+                                          <p:stCondLst>
+                                            <p:cond delay="0"/>
+                                          </p:stCondLst>
+                                        </p:cTn>
+                                        <p:tgtEl>
+                                          <p:spTgt spid="9"/>
+                                        </p:tgtEl>
+                                        <p:attrNameLst>
+                                          <p:attrName>style.visibility</p:attrName>
+                                        </p:attrNameLst>
+                                      </p:cBhvr>
+                                      <p:to>
+                                        <p:strVal val="visible"/>
+                                      </p:to>
+                                    </p:set>
+                                  </p:childTnLst>
+                                </p:cTn>
+                              </p:par>
+                              <p:par>
+                                <p:cTn id="15" presetID="1" presetClass="entr" presetSubtype="0" fill="hold" nodeType="withEffect">
+                                  <p:stCondLst>
+                                    <p:cond delay="0"/>
+                                  </p:stCondLst>
+                                  <p:childTnLst>
+                                    <p:set>
+                                      <p:cBhvr>
+                                        <p:cTn id="16" dur="1" fill="hold">
+                                          <p:stCondLst>
+                                            <p:cond delay="0"/>
+                                          </p:stCondLst>
+                                        </p:cTn>
+                                        <p:tgtEl>
+                                          <p:spTgt spid="10"/>
+                                        </p:tgtEl>
+                                        <p:attrNameLst>
+                                          <p:attrName>style.visibility</p:attrName>
+                                        </p:attrNameLst>
+                                      </p:cBhvr>
+                                      <p:to>
+                                        <p:strVal val="visible"/>
+                                      </p:to>
+                                    </p:set>
+                                  </p:childTnLst>
+                                </p:cTn>
+                              </p:par>
+                            </p:childTnLst>
+                          </p:cTn>
+                        </p:par>
+                      </p:childTnLst>
+                    </p:cTn>
+                  </p:par>
+                  <p:par>
+                    <p:cTn id="17" fill="hold">
+                      <p:stCondLst>
+                        <p:cond delay="indefinite"/>
+                      </p:stCondLst>
+                      <p:childTnLst>
+                        <p:par>
+                          <p:cTn id="18" fill="hold">
+                            <p:stCondLst>
+                              <p:cond delay="0"/>
+                            </p:stCondLst>
+                            <p:childTnLst>
+                              <p:par>
+                                <p:cTn id="19" presetID="1" presetClass="entr" presetSubtype="0" fill="hold" grpId="0" nodeType="clickEffect">
+                                  <p:stCondLst>
+                                    <p:cond delay="0"/>
+                                  </p:stCondLst>
+                                  <p:childTnLst>
+                                    <p:set>
+                                      <p:cBhvr>
+                                        <p:cTn id="20" dur="1" fill="hold">
+                                          <p:stCondLst>
+                                            <p:cond delay="0"/>
+                                          </p:stCondLst>
+                                        </p:cTn>
+                                        <p:tgtEl>
+                                          <p:spTgt spid="12"/>
+                                        </p:tgtEl>
+                                        <p:attrNameLst>
+                                          <p:attrName>style.visibility</p:attrName>
+                                        </p:attrNameLst>
+                                      </p:cBhvr>
+                                      <p:to>
+                                        <p:strVal val="visible"/>
+                                      </p:to>
+                                    </p:set>
+                                  </p:childTnLst>
+                                </p:cTn>
+                              </p:par>
+                              <p:par>
+                                <p:cTn id="21" presetID="1" presetClass="entr" presetSubtype="0" fill="hold" nodeType="withEffect">
+                                  <p:stCondLst>
+                                    <p:cond delay="0"/>
+                                  </p:stCondLst>
+                                  <p:childTnLst>
+                                    <p:set>
+                                      <p:cBhvr>
+                                        <p:cTn id="22" dur="1" fill="hold">
+                                          <p:stCondLst>
+                                            <p:cond delay="0"/>
+                                          </p:stCondLst>
+                                        </p:cTn>
+                                        <p:tgtEl>
+                                          <p:spTgt spid="11"/>
+                                        </p:tgtEl>
+                                        <p:attrNameLst>
+                                          <p:attrName>style.visibility</p:attrName>
+                                        </p:attrNameLst>
+                                      </p:cBhvr>
+                                      <p:to>
+                                        <p:strVal val="visible"/>
+                                      </p:to>
+                                    </p:set>
+                                  </p:childTnLst>
+                                </p:cTn>
+                              </p:par>
+                            </p:childTnLst>
+                          </p:cTn>
+                        </p:par>
+                      </p:childTnLst>
+                    </p:cTn>
+                  </p:par>
+                </p:childTnLst>
+              </p:cTn>
+              <p:prevCondLst>
+                <p:cond evt="onPrev" delay="0">
+                  <p:tgtEl>
+                    <p:sldTgt/>
+                  </p:tgtEl>
+                </p:cond>
+              </p:prevCondLst>
+              <p:nextCondLst>
+                <p:cond evt="onNext" delay="0">
+                  <p:tgtEl>
+                    <p:sldTgt/>
+                  </p:tgtEl>
+                </p:cond>
+              </p:nextCondLst>
+            </p:seq>
+          </p:childTnLst>
+        </p:cTn>
       </p:par>
     </p:tnLst>
+    <p:bldLst>
+      <p:bldP spid="6" grpId="0" animBg="1"/>
+      <p:bldP spid="9" grpId="0" animBg="1"/>
+      <p:bldP spid="12" grpId="0" animBg="1"/>
+    </p:bldLst>
   </p:timing>
 </p:sld>
 </file>
@@ -6431,7 +6710,7 @@
         </p:nvSpPr>
         <p:spPr>
           <a:xfrm>
-            <a:off x="6772275" y="1533520"/>
+            <a:off x="6772275" y="1825625"/>
             <a:ext cx="3162300" cy="923330"/>
           </a:xfrm>
           <a:prstGeom prst="rect">
@@ -6904,6 +7183,210 @@
               </a:rPr>
               <a:t>b&gt;</a:t>
             </a:r>
+          </a:p>
+          <a:p>
+            <a:endParaRPr lang="de-CH" dirty="0"/>
+          </a:p>
+        </p:txBody>
+      </p:sp>
+      <p:sp>
+        <p:nvSpPr>
+          <p:cNvPr id="6" name="Textfeld 5"/>
+          <p:cNvSpPr txBox="1"/>
+          <p:nvPr/>
+        </p:nvSpPr>
+        <p:spPr>
+          <a:xfrm rot="19670930">
+            <a:off x="3154680" y="2021771"/>
+            <a:ext cx="5749290" cy="2308324"/>
+          </a:xfrm>
+          <a:prstGeom prst="rect">
+            <a:avLst/>
+          </a:prstGeom>
+        </p:spPr>
+        <p:style>
+          <a:lnRef idx="2">
+            <a:schemeClr val="accent5">
+              <a:shade val="50000"/>
+            </a:schemeClr>
+          </a:lnRef>
+          <a:fillRef idx="1">
+            <a:schemeClr val="accent5"/>
+          </a:fillRef>
+          <a:effectRef idx="0">
+            <a:schemeClr val="accent5"/>
+          </a:effectRef>
+          <a:fontRef idx="minor">
+            <a:schemeClr val="lt1"/>
+          </a:fontRef>
+        </p:style>
+        <p:txBody>
+          <a:bodyPr wrap="square" rtlCol="0">
+            <a:spAutoFit/>
+          </a:bodyPr>
+          <a:lstStyle/>
+          <a:p>
+            <a:r>
+              <a:rPr lang="de-CH" dirty="0" err="1" smtClean="0"/>
+              <a:t>Quicktip</a:t>
+            </a:r>
+            <a:r>
+              <a:rPr lang="de-CH" dirty="0" smtClean="0"/>
+              <a:t>:</a:t>
+            </a:r>
+          </a:p>
+          <a:p>
+            <a:r>
+              <a:rPr lang="de-CH" dirty="0" smtClean="0"/>
+              <a:t>Ihr könnt gewisse Dinge ausklammern. Einfach den Text den ihr nicht braucht mit &lt;!– TEXT </a:t>
+            </a:r>
+            <a:r>
+              <a:rPr lang="de-CH" dirty="0" smtClean="0">
+                <a:sym typeface="Wingdings" panose="05000000000000000000" pitchFamily="2" charset="2"/>
+              </a:rPr>
+              <a:t>--&gt; umklammern:</a:t>
+            </a:r>
+          </a:p>
+          <a:p>
+            <a:endParaRPr lang="de-CH" dirty="0" smtClean="0">
+              <a:sym typeface="Wingdings" panose="05000000000000000000" pitchFamily="2" charset="2"/>
+            </a:endParaRPr>
+          </a:p>
+          <a:p>
+            <a:r>
+              <a:rPr lang="de-CH" dirty="0">
+                <a:solidFill>
+                  <a:srgbClr val="0000FF"/>
+                </a:solidFill>
+                <a:latin typeface="Courier New" panose="02070309020205020404" pitchFamily="49" charset="0"/>
+              </a:rPr>
+              <a:t>&lt;</a:t>
+            </a:r>
+            <a:r>
+              <a:rPr lang="de-CH" dirty="0" err="1">
+                <a:solidFill>
+                  <a:srgbClr val="0000FF"/>
+                </a:solidFill>
+                <a:latin typeface="Courier New" panose="02070309020205020404" pitchFamily="49" charset="0"/>
+              </a:rPr>
+              <a:t>html</a:t>
+            </a:r>
+            <a:r>
+              <a:rPr lang="de-CH" dirty="0">
+                <a:solidFill>
+                  <a:srgbClr val="0000FF"/>
+                </a:solidFill>
+                <a:latin typeface="Courier New" panose="02070309020205020404" pitchFamily="49" charset="0"/>
+              </a:rPr>
+              <a:t>&gt;</a:t>
+            </a:r>
+            <a:r>
+              <a:rPr lang="de-CH" b="1" dirty="0">
+                <a:solidFill>
+                  <a:srgbClr val="000000"/>
+                </a:solidFill>
+                <a:latin typeface="Courier New" panose="02070309020205020404" pitchFamily="49" charset="0"/>
+              </a:rPr>
+              <a:t> </a:t>
+            </a:r>
+            <a:endParaRPr lang="de-CH" b="1" dirty="0" smtClean="0">
+              <a:solidFill>
+                <a:srgbClr val="000000"/>
+              </a:solidFill>
+              <a:latin typeface="Courier New" panose="02070309020205020404" pitchFamily="49" charset="0"/>
+            </a:endParaRPr>
+          </a:p>
+          <a:p>
+            <a:r>
+              <a:rPr lang="de-CH" b="1" dirty="0">
+                <a:solidFill>
+                  <a:srgbClr val="000000"/>
+                </a:solidFill>
+                <a:latin typeface="Courier New" panose="02070309020205020404" pitchFamily="49" charset="0"/>
+              </a:rPr>
+              <a:t> </a:t>
+            </a:r>
+            <a:r>
+              <a:rPr lang="de-CH" b="1" dirty="0" smtClean="0">
+                <a:solidFill>
+                  <a:srgbClr val="000000"/>
+                </a:solidFill>
+                <a:latin typeface="Courier New" panose="02070309020205020404" pitchFamily="49" charset="0"/>
+              </a:rPr>
+              <a:t> </a:t>
+            </a:r>
+            <a:r>
+              <a:rPr lang="de-CH" dirty="0" smtClean="0">
+                <a:solidFill>
+                  <a:srgbClr val="008000"/>
+                </a:solidFill>
+                <a:latin typeface="Courier New" panose="02070309020205020404" pitchFamily="49" charset="0"/>
+              </a:rPr>
+              <a:t>&lt;!-- </a:t>
+            </a:r>
+            <a:r>
+              <a:rPr lang="de-CH" dirty="0">
+                <a:solidFill>
+                  <a:srgbClr val="008000"/>
+                </a:solidFill>
+                <a:latin typeface="Courier New" panose="02070309020205020404" pitchFamily="49" charset="0"/>
+              </a:rPr>
+              <a:t>Niemand wird das sehen </a:t>
+            </a:r>
+            <a:r>
+              <a:rPr lang="de-CH" dirty="0" smtClean="0">
+                <a:solidFill>
+                  <a:srgbClr val="008000"/>
+                </a:solidFill>
+                <a:latin typeface="Courier New" panose="02070309020205020404" pitchFamily="49" charset="0"/>
+              </a:rPr>
+              <a:t>--&gt;</a:t>
+            </a:r>
+            <a:endParaRPr lang="de-CH" b="1" dirty="0" smtClean="0">
+              <a:solidFill>
+                <a:srgbClr val="000000"/>
+              </a:solidFill>
+              <a:latin typeface="Courier New" panose="02070309020205020404" pitchFamily="49" charset="0"/>
+            </a:endParaRPr>
+          </a:p>
+          <a:p>
+            <a:r>
+              <a:rPr lang="de-CH" dirty="0" smtClean="0">
+                <a:solidFill>
+                  <a:srgbClr val="0000FF"/>
+                </a:solidFill>
+                <a:latin typeface="Courier New" panose="02070309020205020404" pitchFamily="49" charset="0"/>
+              </a:rPr>
+              <a:t>&lt;/</a:t>
+            </a:r>
+            <a:r>
+              <a:rPr lang="de-CH" dirty="0" err="1">
+                <a:solidFill>
+                  <a:srgbClr val="0000FF"/>
+                </a:solidFill>
+                <a:latin typeface="Courier New" panose="02070309020205020404" pitchFamily="49" charset="0"/>
+              </a:rPr>
+              <a:t>html</a:t>
+            </a:r>
+            <a:r>
+              <a:rPr lang="de-CH" dirty="0">
+                <a:solidFill>
+                  <a:srgbClr val="0000FF"/>
+                </a:solidFill>
+                <a:latin typeface="Courier New" panose="02070309020205020404" pitchFamily="49" charset="0"/>
+              </a:rPr>
+              <a:t>&gt;</a:t>
+            </a:r>
+            <a:r>
+              <a:rPr lang="de-CH" b="1" dirty="0">
+                <a:solidFill>
+                  <a:srgbClr val="000000"/>
+                </a:solidFill>
+                <a:latin typeface="Courier New" panose="02070309020205020404" pitchFamily="49" charset="0"/>
+              </a:rPr>
+              <a:t> </a:t>
+            </a:r>
+            <a:endParaRPr lang="de-CH" dirty="0"/>
           </a:p>
           <a:p>
             <a:endParaRPr lang="de-CH" dirty="0"/>
@@ -7208,6 +7691,97 @@
                       </p:childTnLst>
                     </p:cTn>
                   </p:par>
+                  <p:par>
+                    <p:cTn id="25" fill="hold">
+                      <p:stCondLst>
+                        <p:cond delay="indefinite"/>
+                      </p:stCondLst>
+                      <p:childTnLst>
+                        <p:par>
+                          <p:cTn id="26" fill="hold">
+                            <p:stCondLst>
+                              <p:cond delay="0"/>
+                            </p:stCondLst>
+                            <p:childTnLst>
+                              <p:par>
+                                <p:cTn id="27" presetID="2" presetClass="entr" presetSubtype="4" fill="hold" grpId="0" nodeType="clickEffect">
+                                  <p:stCondLst>
+                                    <p:cond delay="0"/>
+                                  </p:stCondLst>
+                                  <p:childTnLst>
+                                    <p:set>
+                                      <p:cBhvr>
+                                        <p:cTn id="28" dur="1" fill="hold">
+                                          <p:stCondLst>
+                                            <p:cond delay="0"/>
+                                          </p:stCondLst>
+                                        </p:cTn>
+                                        <p:tgtEl>
+                                          <p:spTgt spid="6"/>
+                                        </p:tgtEl>
+                                        <p:attrNameLst>
+                                          <p:attrName>style.visibility</p:attrName>
+                                        </p:attrNameLst>
+                                      </p:cBhvr>
+                                      <p:to>
+                                        <p:strVal val="visible"/>
+                                      </p:to>
+                                    </p:set>
+                                    <p:anim calcmode="lin" valueType="num">
+                                      <p:cBhvr additive="base">
+                                        <p:cTn id="29" dur="500" fill="hold"/>
+                                        <p:tgtEl>
+                                          <p:spTgt spid="6"/>
+                                        </p:tgtEl>
+                                        <p:attrNameLst>
+                                          <p:attrName>ppt_x</p:attrName>
+                                        </p:attrNameLst>
+                                      </p:cBhvr>
+                                      <p:tavLst>
+                                        <p:tav tm="0">
+                                          <p:val>
+                                            <p:strVal val="#ppt_x"/>
+                                          </p:val>
+                                        </p:tav>
+                                        <p:tav tm="100000">
+                                          <p:val>
+                                            <p:strVal val="#ppt_x"/>
+                                          </p:val>
+                                        </p:tav>
+                                      </p:tavLst>
+                                    </p:anim>
+                                    <p:anim calcmode="lin" valueType="num">
+                                      <p:cBhvr additive="base">
+                                        <p:cTn id="30" dur="500" fill="hold"/>
+                                        <p:tgtEl>
+                                          <p:spTgt spid="6"/>
+                                        </p:tgtEl>
+                                        <p:attrNameLst>
+                                          <p:attrName>ppt_y</p:attrName>
+                                        </p:attrNameLst>
+                                      </p:cBhvr>
+                                      <p:tavLst>
+                                        <p:tav tm="0">
+                                          <p:val>
+                                            <p:strVal val="1+#ppt_h/2"/>
+                                          </p:val>
+                                        </p:tav>
+                                        <p:tav tm="100000">
+                                          <p:val>
+                                            <p:strVal val="#ppt_y"/>
+                                          </p:val>
+                                        </p:tav>
+                                      </p:tavLst>
+                                    </p:anim>
+                                  </p:childTnLst>
+                                </p:cTn>
+                              </p:par>
+                            </p:childTnLst>
+                          </p:cTn>
+                        </p:par>
+                      </p:childTnLst>
+                    </p:cTn>
+                  </p:par>
                 </p:childTnLst>
               </p:cTn>
               <p:prevCondLst>
@@ -7234,6 +7808,7 @@
       <p:bldP spid="4" grpId="0"/>
       <p:bldP spid="5" grpId="0"/>
       <p:bldP spid="7" grpId="0"/>
+      <p:bldP spid="6" grpId="0" animBg="1"/>
     </p:bldLst>
   </p:timing>
 </p:sld>
@@ -8623,13 +9198,13 @@
           <p:nvPr>
             <p:extLst>
               <p:ext uri="{D42A27DB-BD31-4B8C-83A1-F6EECF244321}">
-                <p14:modId xmlns:p14="http://schemas.microsoft.com/office/powerpoint/2010/main" val="1525649199"/>
+                <p14:modId xmlns:p14="http://schemas.microsoft.com/office/powerpoint/2010/main" val="1020206413"/>
               </p:ext>
             </p:extLst>
           </p:nvPr>
         </p:nvGraphicFramePr>
         <p:xfrm>
-          <a:off x="838200" y="3349363"/>
+          <a:off x="918210" y="2766433"/>
           <a:ext cx="10908496" cy="1854200"/>
         </p:xfrm>
         <a:graphic>
@@ -9072,20 +9647,24 @@
           <a:bodyPr/>
           <a:lstStyle/>
           <a:p>
+            <a:pPr>
+              <a:buFont typeface="Arial" panose="020B0604020202020204" pitchFamily="34" charset="0"/>
+              <a:buChar char="•"/>
+            </a:pPr>
             <a:r>
               <a:rPr lang="de-CH" dirty="0" err="1" smtClean="0"/>
               <a:t>Enhält</a:t>
             </a:r>
             <a:r>
               <a:rPr lang="de-CH" dirty="0" smtClean="0"/>
-              <a:t> alle anderen HTML </a:t>
-            </a:r>
-            <a:r>
-              <a:rPr lang="de-CH" dirty="0" smtClean="0"/>
-              <a:t>Tags</a:t>
-            </a:r>
-          </a:p>
-          <a:p>
+              <a:t> alle anderen HTML Tags</a:t>
+            </a:r>
+          </a:p>
+          <a:p>
+            <a:pPr>
+              <a:buFont typeface="Arial" panose="020B0604020202020204" pitchFamily="34" charset="0"/>
+              <a:buChar char="•"/>
+            </a:pPr>
             <a:r>
               <a:rPr lang="de-CH" dirty="0" smtClean="0"/>
               <a:t>Aus XML-Sicht: Root Tag</a:t>
@@ -9102,7 +9681,7 @@
         </p:nvSpPr>
         <p:spPr>
           <a:xfrm>
-            <a:off x="6410325" y="2570133"/>
+            <a:off x="5998845" y="2671733"/>
             <a:ext cx="6096000" cy="2862322"/>
           </a:xfrm>
           <a:prstGeom prst="rect">
@@ -9768,9 +10347,133 @@
   <p:timing>
     <p:tnLst>
       <p:par>
-        <p:cTn id="1" dur="indefinite" restart="never" nodeType="tmRoot"/>
+        <p:cTn id="1" dur="indefinite" restart="never" nodeType="tmRoot">
+          <p:childTnLst>
+            <p:seq concurrent="1" nextAc="seek">
+              <p:cTn id="2" dur="indefinite" nodeType="mainSeq">
+                <p:childTnLst>
+                  <p:par>
+                    <p:cTn id="3" fill="hold">
+                      <p:stCondLst>
+                        <p:cond delay="indefinite"/>
+                      </p:stCondLst>
+                      <p:childTnLst>
+                        <p:par>
+                          <p:cTn id="4" fill="hold">
+                            <p:stCondLst>
+                              <p:cond delay="0"/>
+                            </p:stCondLst>
+                            <p:childTnLst>
+                              <p:par>
+                                <p:cTn id="5" presetID="1" presetClass="entr" presetSubtype="0" fill="hold" grpId="0" nodeType="clickEffect">
+                                  <p:stCondLst>
+                                    <p:cond delay="0"/>
+                                  </p:stCondLst>
+                                  <p:childTnLst>
+                                    <p:set>
+                                      <p:cBhvr>
+                                        <p:cTn id="6" dur="1" fill="hold">
+                                          <p:stCondLst>
+                                            <p:cond delay="0"/>
+                                          </p:stCondLst>
+                                        </p:cTn>
+                                        <p:tgtEl>
+                                          <p:spTgt spid="3">
+                                            <p:txEl>
+                                              <p:pRg st="0" end="0"/>
+                                            </p:txEl>
+                                          </p:spTgt>
+                                        </p:tgtEl>
+                                        <p:attrNameLst>
+                                          <p:attrName>style.visibility</p:attrName>
+                                        </p:attrNameLst>
+                                      </p:cBhvr>
+                                      <p:to>
+                                        <p:strVal val="visible"/>
+                                      </p:to>
+                                    </p:set>
+                                  </p:childTnLst>
+                                </p:cTn>
+                              </p:par>
+                            </p:childTnLst>
+                          </p:cTn>
+                        </p:par>
+                      </p:childTnLst>
+                    </p:cTn>
+                  </p:par>
+                  <p:par>
+                    <p:cTn id="7" fill="hold">
+                      <p:stCondLst>
+                        <p:cond delay="indefinite"/>
+                      </p:stCondLst>
+                      <p:childTnLst>
+                        <p:par>
+                          <p:cTn id="8" fill="hold">
+                            <p:stCondLst>
+                              <p:cond delay="0"/>
+                            </p:stCondLst>
+                            <p:childTnLst>
+                              <p:par>
+                                <p:cTn id="9" presetID="1" presetClass="entr" presetSubtype="0" fill="hold" grpId="0" nodeType="clickEffect">
+                                  <p:stCondLst>
+                                    <p:cond delay="0"/>
+                                  </p:stCondLst>
+                                  <p:childTnLst>
+                                    <p:set>
+                                      <p:cBhvr>
+                                        <p:cTn id="10" dur="1" fill="hold">
+                                          <p:stCondLst>
+                                            <p:cond delay="0"/>
+                                          </p:stCondLst>
+                                        </p:cTn>
+                                        <p:tgtEl>
+                                          <p:spTgt spid="3">
+                                            <p:txEl>
+                                              <p:pRg st="1" end="1"/>
+                                            </p:txEl>
+                                          </p:spTgt>
+                                        </p:tgtEl>
+                                        <p:attrNameLst>
+                                          <p:attrName>style.visibility</p:attrName>
+                                        </p:attrNameLst>
+                                      </p:cBhvr>
+                                      <p:to>
+                                        <p:strVal val="visible"/>
+                                      </p:to>
+                                    </p:set>
+                                  </p:childTnLst>
+                                </p:cTn>
+                              </p:par>
+                            </p:childTnLst>
+                          </p:cTn>
+                        </p:par>
+                      </p:childTnLst>
+                    </p:cTn>
+                  </p:par>
+                </p:childTnLst>
+              </p:cTn>
+              <p:prevCondLst>
+                <p:cond evt="onPrev" delay="0">
+                  <p:tgtEl>
+                    <p:sldTgt/>
+                  </p:tgtEl>
+                </p:cond>
+              </p:prevCondLst>
+              <p:nextCondLst>
+                <p:cond evt="onNext" delay="0">
+                  <p:tgtEl>
+                    <p:sldTgt/>
+                  </p:tgtEl>
+                </p:cond>
+              </p:nextCondLst>
+            </p:seq>
+          </p:childTnLst>
+        </p:cTn>
       </p:par>
     </p:tnLst>
+    <p:bldLst>
+      <p:bldP spid="3" grpId="0" build="p"/>
+    </p:bldLst>
   </p:timing>
 </p:sld>
 </file>
@@ -9845,6 +10548,10 @@
           </a:bodyPr>
           <a:lstStyle/>
           <a:p>
+            <a:pPr>
+              <a:buFont typeface="Arial" panose="020B0604020202020204" pitchFamily="34" charset="0"/>
+              <a:buChar char="•"/>
+            </a:pPr>
             <a:r>
               <a:rPr lang="de-CH" dirty="0" smtClean="0"/>
               <a:t>Enthält Informationen </a:t>
@@ -9875,7 +10582,10 @@
             </a:r>
           </a:p>
           <a:p>
-            <a:pPr fontAlgn="ctr"/>
+            <a:pPr fontAlgn="ctr">
+              <a:buFont typeface="Arial" panose="020B0604020202020204" pitchFamily="34" charset="0"/>
+              <a:buChar char="•"/>
+            </a:pPr>
             <a:r>
               <a:rPr lang="de-CH" dirty="0" smtClean="0"/>
               <a:t>Mögliche Tags:</a:t>
@@ -10027,7 +10737,7 @@
         </p:nvSpPr>
         <p:spPr>
           <a:xfrm>
-            <a:off x="6419850" y="1825625"/>
+            <a:off x="6010275" y="2751455"/>
             <a:ext cx="6096000" cy="2862322"/>
           </a:xfrm>
           <a:prstGeom prst="rect">
@@ -10679,9 +11389,350 @@
   <p:timing>
     <p:tnLst>
       <p:par>
-        <p:cTn id="1" dur="indefinite" restart="never" nodeType="tmRoot"/>
+        <p:cTn id="1" dur="indefinite" restart="never" nodeType="tmRoot">
+          <p:childTnLst>
+            <p:seq concurrent="1" nextAc="seek">
+              <p:cTn id="2" dur="indefinite" nodeType="mainSeq">
+                <p:childTnLst>
+                  <p:par>
+                    <p:cTn id="3" fill="hold">
+                      <p:stCondLst>
+                        <p:cond delay="indefinite"/>
+                      </p:stCondLst>
+                      <p:childTnLst>
+                        <p:par>
+                          <p:cTn id="4" fill="hold">
+                            <p:stCondLst>
+                              <p:cond delay="0"/>
+                            </p:stCondLst>
+                            <p:childTnLst>
+                              <p:par>
+                                <p:cTn id="5" presetID="1" presetClass="entr" presetSubtype="0" fill="hold" grpId="0" nodeType="clickEffect">
+                                  <p:stCondLst>
+                                    <p:cond delay="0"/>
+                                  </p:stCondLst>
+                                  <p:childTnLst>
+                                    <p:set>
+                                      <p:cBhvr>
+                                        <p:cTn id="6" dur="1" fill="hold">
+                                          <p:stCondLst>
+                                            <p:cond delay="0"/>
+                                          </p:stCondLst>
+                                        </p:cTn>
+                                        <p:tgtEl>
+                                          <p:spTgt spid="3">
+                                            <p:txEl>
+                                              <p:pRg st="0" end="0"/>
+                                            </p:txEl>
+                                          </p:spTgt>
+                                        </p:tgtEl>
+                                        <p:attrNameLst>
+                                          <p:attrName>style.visibility</p:attrName>
+                                        </p:attrNameLst>
+                                      </p:cBhvr>
+                                      <p:to>
+                                        <p:strVal val="visible"/>
+                                      </p:to>
+                                    </p:set>
+                                  </p:childTnLst>
+                                </p:cTn>
+                              </p:par>
+                            </p:childTnLst>
+                          </p:cTn>
+                        </p:par>
+                      </p:childTnLst>
+                    </p:cTn>
+                  </p:par>
+                  <p:par>
+                    <p:cTn id="7" fill="hold">
+                      <p:stCondLst>
+                        <p:cond delay="indefinite"/>
+                      </p:stCondLst>
+                      <p:childTnLst>
+                        <p:par>
+                          <p:cTn id="8" fill="hold">
+                            <p:stCondLst>
+                              <p:cond delay="0"/>
+                            </p:stCondLst>
+                            <p:childTnLst>
+                              <p:par>
+                                <p:cTn id="9" presetID="1" presetClass="entr" presetSubtype="0" fill="hold" grpId="0" nodeType="clickEffect">
+                                  <p:stCondLst>
+                                    <p:cond delay="0"/>
+                                  </p:stCondLst>
+                                  <p:childTnLst>
+                                    <p:set>
+                                      <p:cBhvr>
+                                        <p:cTn id="10" dur="1" fill="hold">
+                                          <p:stCondLst>
+                                            <p:cond delay="0"/>
+                                          </p:stCondLst>
+                                        </p:cTn>
+                                        <p:tgtEl>
+                                          <p:spTgt spid="3">
+                                            <p:txEl>
+                                              <p:pRg st="1" end="1"/>
+                                            </p:txEl>
+                                          </p:spTgt>
+                                        </p:tgtEl>
+                                        <p:attrNameLst>
+                                          <p:attrName>style.visibility</p:attrName>
+                                        </p:attrNameLst>
+                                      </p:cBhvr>
+                                      <p:to>
+                                        <p:strVal val="visible"/>
+                                      </p:to>
+                                    </p:set>
+                                  </p:childTnLst>
+                                </p:cTn>
+                              </p:par>
+                              <p:par>
+                                <p:cTn id="11" presetID="1" presetClass="entr" presetSubtype="0" fill="hold" grpId="0" nodeType="withEffect">
+                                  <p:stCondLst>
+                                    <p:cond delay="0"/>
+                                  </p:stCondLst>
+                                  <p:childTnLst>
+                                    <p:set>
+                                      <p:cBhvr>
+                                        <p:cTn id="12" dur="1" fill="hold">
+                                          <p:stCondLst>
+                                            <p:cond delay="0"/>
+                                          </p:stCondLst>
+                                        </p:cTn>
+                                        <p:tgtEl>
+                                          <p:spTgt spid="3">
+                                            <p:txEl>
+                                              <p:pRg st="2" end="2"/>
+                                            </p:txEl>
+                                          </p:spTgt>
+                                        </p:tgtEl>
+                                        <p:attrNameLst>
+                                          <p:attrName>style.visibility</p:attrName>
+                                        </p:attrNameLst>
+                                      </p:cBhvr>
+                                      <p:to>
+                                        <p:strVal val="visible"/>
+                                      </p:to>
+                                    </p:set>
+                                  </p:childTnLst>
+                                </p:cTn>
+                              </p:par>
+                              <p:par>
+                                <p:cTn id="13" presetID="1" presetClass="entr" presetSubtype="0" fill="hold" grpId="0" nodeType="withEffect">
+                                  <p:stCondLst>
+                                    <p:cond delay="0"/>
+                                  </p:stCondLst>
+                                  <p:childTnLst>
+                                    <p:set>
+                                      <p:cBhvr>
+                                        <p:cTn id="14" dur="1" fill="hold">
+                                          <p:stCondLst>
+                                            <p:cond delay="0"/>
+                                          </p:stCondLst>
+                                        </p:cTn>
+                                        <p:tgtEl>
+                                          <p:spTgt spid="3">
+                                            <p:txEl>
+                                              <p:pRg st="3" end="3"/>
+                                            </p:txEl>
+                                          </p:spTgt>
+                                        </p:tgtEl>
+                                        <p:attrNameLst>
+                                          <p:attrName>style.visibility</p:attrName>
+                                        </p:attrNameLst>
+                                      </p:cBhvr>
+                                      <p:to>
+                                        <p:strVal val="visible"/>
+                                      </p:to>
+                                    </p:set>
+                                  </p:childTnLst>
+                                </p:cTn>
+                              </p:par>
+                              <p:par>
+                                <p:cTn id="15" presetID="1" presetClass="entr" presetSubtype="0" fill="hold" grpId="0" nodeType="withEffect">
+                                  <p:stCondLst>
+                                    <p:cond delay="0"/>
+                                  </p:stCondLst>
+                                  <p:childTnLst>
+                                    <p:set>
+                                      <p:cBhvr>
+                                        <p:cTn id="16" dur="1" fill="hold">
+                                          <p:stCondLst>
+                                            <p:cond delay="0"/>
+                                          </p:stCondLst>
+                                        </p:cTn>
+                                        <p:tgtEl>
+                                          <p:spTgt spid="3">
+                                            <p:txEl>
+                                              <p:pRg st="4" end="4"/>
+                                            </p:txEl>
+                                          </p:spTgt>
+                                        </p:tgtEl>
+                                        <p:attrNameLst>
+                                          <p:attrName>style.visibility</p:attrName>
+                                        </p:attrNameLst>
+                                      </p:cBhvr>
+                                      <p:to>
+                                        <p:strVal val="visible"/>
+                                      </p:to>
+                                    </p:set>
+                                  </p:childTnLst>
+                                </p:cTn>
+                              </p:par>
+                              <p:par>
+                                <p:cTn id="17" presetID="1" presetClass="entr" presetSubtype="0" fill="hold" grpId="0" nodeType="withEffect">
+                                  <p:stCondLst>
+                                    <p:cond delay="0"/>
+                                  </p:stCondLst>
+                                  <p:childTnLst>
+                                    <p:set>
+                                      <p:cBhvr>
+                                        <p:cTn id="18" dur="1" fill="hold">
+                                          <p:stCondLst>
+                                            <p:cond delay="0"/>
+                                          </p:stCondLst>
+                                        </p:cTn>
+                                        <p:tgtEl>
+                                          <p:spTgt spid="3">
+                                            <p:txEl>
+                                              <p:pRg st="5" end="5"/>
+                                            </p:txEl>
+                                          </p:spTgt>
+                                        </p:tgtEl>
+                                        <p:attrNameLst>
+                                          <p:attrName>style.visibility</p:attrName>
+                                        </p:attrNameLst>
+                                      </p:cBhvr>
+                                      <p:to>
+                                        <p:strVal val="visible"/>
+                                      </p:to>
+                                    </p:set>
+                                  </p:childTnLst>
+                                </p:cTn>
+                              </p:par>
+                              <p:par>
+                                <p:cTn id="19" presetID="1" presetClass="entr" presetSubtype="0" fill="hold" grpId="0" nodeType="withEffect">
+                                  <p:stCondLst>
+                                    <p:cond delay="0"/>
+                                  </p:stCondLst>
+                                  <p:childTnLst>
+                                    <p:set>
+                                      <p:cBhvr>
+                                        <p:cTn id="20" dur="1" fill="hold">
+                                          <p:stCondLst>
+                                            <p:cond delay="0"/>
+                                          </p:stCondLst>
+                                        </p:cTn>
+                                        <p:tgtEl>
+                                          <p:spTgt spid="3">
+                                            <p:txEl>
+                                              <p:pRg st="6" end="6"/>
+                                            </p:txEl>
+                                          </p:spTgt>
+                                        </p:tgtEl>
+                                        <p:attrNameLst>
+                                          <p:attrName>style.visibility</p:attrName>
+                                        </p:attrNameLst>
+                                      </p:cBhvr>
+                                      <p:to>
+                                        <p:strVal val="visible"/>
+                                      </p:to>
+                                    </p:set>
+                                  </p:childTnLst>
+                                </p:cTn>
+                              </p:par>
+                              <p:par>
+                                <p:cTn id="21" presetID="1" presetClass="entr" presetSubtype="0" fill="hold" grpId="0" nodeType="withEffect">
+                                  <p:stCondLst>
+                                    <p:cond delay="0"/>
+                                  </p:stCondLst>
+                                  <p:childTnLst>
+                                    <p:set>
+                                      <p:cBhvr>
+                                        <p:cTn id="22" dur="1" fill="hold">
+                                          <p:stCondLst>
+                                            <p:cond delay="0"/>
+                                          </p:stCondLst>
+                                        </p:cTn>
+                                        <p:tgtEl>
+                                          <p:spTgt spid="3">
+                                            <p:txEl>
+                                              <p:pRg st="7" end="7"/>
+                                            </p:txEl>
+                                          </p:spTgt>
+                                        </p:tgtEl>
+                                        <p:attrNameLst>
+                                          <p:attrName>style.visibility</p:attrName>
+                                        </p:attrNameLst>
+                                      </p:cBhvr>
+                                      <p:to>
+                                        <p:strVal val="visible"/>
+                                      </p:to>
+                                    </p:set>
+                                  </p:childTnLst>
+                                </p:cTn>
+                              </p:par>
+                              <p:par>
+                                <p:cTn id="23" presetID="1" presetClass="entr" presetSubtype="0" fill="hold" grpId="0" nodeType="withEffect">
+                                  <p:stCondLst>
+                                    <p:cond delay="0"/>
+                                  </p:stCondLst>
+                                  <p:childTnLst>
+                                    <p:set>
+                                      <p:cBhvr>
+                                        <p:cTn id="24" dur="1" fill="hold">
+                                          <p:stCondLst>
+                                            <p:cond delay="0"/>
+                                          </p:stCondLst>
+                                        </p:cTn>
+                                        <p:tgtEl>
+                                          <p:spTgt spid="3">
+                                            <p:txEl>
+                                              <p:pRg st="8" end="8"/>
+                                            </p:txEl>
+                                          </p:spTgt>
+                                        </p:tgtEl>
+                                        <p:attrNameLst>
+                                          <p:attrName>style.visibility</p:attrName>
+                                        </p:attrNameLst>
+                                      </p:cBhvr>
+                                      <p:to>
+                                        <p:strVal val="visible"/>
+                                      </p:to>
+                                    </p:set>
+                                  </p:childTnLst>
+                                </p:cTn>
+                              </p:par>
+                            </p:childTnLst>
+                          </p:cTn>
+                        </p:par>
+                      </p:childTnLst>
+                    </p:cTn>
+                  </p:par>
+                </p:childTnLst>
+              </p:cTn>
+              <p:prevCondLst>
+                <p:cond evt="onPrev" delay="0">
+                  <p:tgtEl>
+                    <p:sldTgt/>
+                  </p:tgtEl>
+                </p:cond>
+              </p:prevCondLst>
+              <p:nextCondLst>
+                <p:cond evt="onNext" delay="0">
+                  <p:tgtEl>
+                    <p:sldTgt/>
+                  </p:tgtEl>
+                </p:cond>
+              </p:nextCondLst>
+            </p:seq>
+          </p:childTnLst>
+        </p:cTn>
       </p:par>
     </p:tnLst>
+    <p:bldLst>
+      <p:bldP spid="3" grpId="0" build="p"/>
+    </p:bldLst>
   </p:timing>
 </p:sld>
 </file>
@@ -10821,7 +11872,7 @@
         </p:nvSpPr>
         <p:spPr>
           <a:xfrm>
-            <a:off x="6172200" y="1825625"/>
+            <a:off x="5676900" y="2570133"/>
             <a:ext cx="6096000" cy="2862322"/>
           </a:xfrm>
           <a:prstGeom prst="rect">
@@ -11449,9 +12500,226 @@
   <p:timing>
     <p:tnLst>
       <p:par>
-        <p:cTn id="1" dur="indefinite" restart="never" nodeType="tmRoot"/>
+        <p:cTn id="1" dur="indefinite" restart="never" nodeType="tmRoot">
+          <p:childTnLst>
+            <p:seq concurrent="1" nextAc="seek">
+              <p:cTn id="2" dur="indefinite" nodeType="mainSeq">
+                <p:childTnLst>
+                  <p:par>
+                    <p:cTn id="3" fill="hold">
+                      <p:stCondLst>
+                        <p:cond delay="indefinite"/>
+                      </p:stCondLst>
+                      <p:childTnLst>
+                        <p:par>
+                          <p:cTn id="4" fill="hold">
+                            <p:stCondLst>
+                              <p:cond delay="0"/>
+                            </p:stCondLst>
+                            <p:childTnLst>
+                              <p:par>
+                                <p:cTn id="5" presetID="1" presetClass="entr" presetSubtype="0" fill="hold" grpId="0" nodeType="clickEffect">
+                                  <p:stCondLst>
+                                    <p:cond delay="0"/>
+                                  </p:stCondLst>
+                                  <p:childTnLst>
+                                    <p:set>
+                                      <p:cBhvr>
+                                        <p:cTn id="6" dur="1" fill="hold">
+                                          <p:stCondLst>
+                                            <p:cond delay="0"/>
+                                          </p:stCondLst>
+                                        </p:cTn>
+                                        <p:tgtEl>
+                                          <p:spTgt spid="3">
+                                            <p:txEl>
+                                              <p:pRg st="0" end="0"/>
+                                            </p:txEl>
+                                          </p:spTgt>
+                                        </p:tgtEl>
+                                        <p:attrNameLst>
+                                          <p:attrName>style.visibility</p:attrName>
+                                        </p:attrNameLst>
+                                      </p:cBhvr>
+                                      <p:to>
+                                        <p:strVal val="visible"/>
+                                      </p:to>
+                                    </p:set>
+                                  </p:childTnLst>
+                                </p:cTn>
+                              </p:par>
+                            </p:childTnLst>
+                          </p:cTn>
+                        </p:par>
+                      </p:childTnLst>
+                    </p:cTn>
+                  </p:par>
+                  <p:par>
+                    <p:cTn id="7" fill="hold">
+                      <p:stCondLst>
+                        <p:cond delay="indefinite"/>
+                      </p:stCondLst>
+                      <p:childTnLst>
+                        <p:par>
+                          <p:cTn id="8" fill="hold">
+                            <p:stCondLst>
+                              <p:cond delay="0"/>
+                            </p:stCondLst>
+                            <p:childTnLst>
+                              <p:par>
+                                <p:cTn id="9" presetID="1" presetClass="entr" presetSubtype="0" fill="hold" grpId="0" nodeType="clickEffect">
+                                  <p:stCondLst>
+                                    <p:cond delay="0"/>
+                                  </p:stCondLst>
+                                  <p:childTnLst>
+                                    <p:set>
+                                      <p:cBhvr>
+                                        <p:cTn id="10" dur="1" fill="hold">
+                                          <p:stCondLst>
+                                            <p:cond delay="0"/>
+                                          </p:stCondLst>
+                                        </p:cTn>
+                                        <p:tgtEl>
+                                          <p:spTgt spid="3">
+                                            <p:txEl>
+                                              <p:pRg st="1" end="1"/>
+                                            </p:txEl>
+                                          </p:spTgt>
+                                        </p:tgtEl>
+                                        <p:attrNameLst>
+                                          <p:attrName>style.visibility</p:attrName>
+                                        </p:attrNameLst>
+                                      </p:cBhvr>
+                                      <p:to>
+                                        <p:strVal val="visible"/>
+                                      </p:to>
+                                    </p:set>
+                                  </p:childTnLst>
+                                </p:cTn>
+                              </p:par>
+                              <p:par>
+                                <p:cTn id="11" presetID="1" presetClass="entr" presetSubtype="0" fill="hold" grpId="0" nodeType="withEffect">
+                                  <p:stCondLst>
+                                    <p:cond delay="0"/>
+                                  </p:stCondLst>
+                                  <p:childTnLst>
+                                    <p:set>
+                                      <p:cBhvr>
+                                        <p:cTn id="12" dur="1" fill="hold">
+                                          <p:stCondLst>
+                                            <p:cond delay="0"/>
+                                          </p:stCondLst>
+                                        </p:cTn>
+                                        <p:tgtEl>
+                                          <p:spTgt spid="3">
+                                            <p:txEl>
+                                              <p:pRg st="2" end="2"/>
+                                            </p:txEl>
+                                          </p:spTgt>
+                                        </p:tgtEl>
+                                        <p:attrNameLst>
+                                          <p:attrName>style.visibility</p:attrName>
+                                        </p:attrNameLst>
+                                      </p:cBhvr>
+                                      <p:to>
+                                        <p:strVal val="visible"/>
+                                      </p:to>
+                                    </p:set>
+                                  </p:childTnLst>
+                                </p:cTn>
+                              </p:par>
+                              <p:par>
+                                <p:cTn id="13" presetID="1" presetClass="entr" presetSubtype="0" fill="hold" grpId="0" nodeType="withEffect">
+                                  <p:stCondLst>
+                                    <p:cond delay="0"/>
+                                  </p:stCondLst>
+                                  <p:childTnLst>
+                                    <p:set>
+                                      <p:cBhvr>
+                                        <p:cTn id="14" dur="1" fill="hold">
+                                          <p:stCondLst>
+                                            <p:cond delay="0"/>
+                                          </p:stCondLst>
+                                        </p:cTn>
+                                        <p:tgtEl>
+                                          <p:spTgt spid="3">
+                                            <p:txEl>
+                                              <p:pRg st="3" end="3"/>
+                                            </p:txEl>
+                                          </p:spTgt>
+                                        </p:tgtEl>
+                                        <p:attrNameLst>
+                                          <p:attrName>style.visibility</p:attrName>
+                                        </p:attrNameLst>
+                                      </p:cBhvr>
+                                      <p:to>
+                                        <p:strVal val="visible"/>
+                                      </p:to>
+                                    </p:set>
+                                  </p:childTnLst>
+                                </p:cTn>
+                              </p:par>
+                              <p:par>
+                                <p:cTn id="15" presetID="1" presetClass="entr" presetSubtype="0" fill="hold" grpId="0" nodeType="withEffect">
+                                  <p:stCondLst>
+                                    <p:cond delay="0"/>
+                                  </p:stCondLst>
+                                  <p:childTnLst>
+                                    <p:set>
+                                      <p:cBhvr>
+                                        <p:cTn id="16" dur="1" fill="hold">
+                                          <p:stCondLst>
+                                            <p:cond delay="0"/>
+                                          </p:stCondLst>
+                                        </p:cTn>
+                                        <p:tgtEl>
+                                          <p:spTgt spid="3">
+                                            <p:txEl>
+                                              <p:pRg st="4" end="4"/>
+                                            </p:txEl>
+                                          </p:spTgt>
+                                        </p:tgtEl>
+                                        <p:attrNameLst>
+                                          <p:attrName>style.visibility</p:attrName>
+                                        </p:attrNameLst>
+                                      </p:cBhvr>
+                                      <p:to>
+                                        <p:strVal val="visible"/>
+                                      </p:to>
+                                    </p:set>
+                                  </p:childTnLst>
+                                </p:cTn>
+                              </p:par>
+                            </p:childTnLst>
+                          </p:cTn>
+                        </p:par>
+                      </p:childTnLst>
+                    </p:cTn>
+                  </p:par>
+                </p:childTnLst>
+              </p:cTn>
+              <p:prevCondLst>
+                <p:cond evt="onPrev" delay="0">
+                  <p:tgtEl>
+                    <p:sldTgt/>
+                  </p:tgtEl>
+                </p:cond>
+              </p:prevCondLst>
+              <p:nextCondLst>
+                <p:cond evt="onNext" delay="0">
+                  <p:tgtEl>
+                    <p:sldTgt/>
+                  </p:tgtEl>
+                </p:cond>
+              </p:nextCondLst>
+            </p:seq>
+          </p:childTnLst>
+        </p:cTn>
       </p:par>
     </p:tnLst>
+    <p:bldLst>
+      <p:bldP spid="3" grpId="0" build="p"/>
+    </p:bldLst>
   </p:timing>
 </p:sld>
 </file>
@@ -11817,9 +13085,126 @@
   <p:timing>
     <p:tnLst>
       <p:par>
-        <p:cTn id="1" dur="indefinite" restart="never" nodeType="tmRoot"/>
+        <p:cTn id="1" dur="indefinite" restart="never" nodeType="tmRoot">
+          <p:childTnLst>
+            <p:seq concurrent="1" nextAc="seek">
+              <p:cTn id="2" dur="indefinite" nodeType="mainSeq">
+                <p:childTnLst>
+                  <p:par>
+                    <p:cTn id="3" fill="hold">
+                      <p:stCondLst>
+                        <p:cond delay="indefinite"/>
+                      </p:stCondLst>
+                      <p:childTnLst>
+                        <p:par>
+                          <p:cTn id="4" fill="hold">
+                            <p:stCondLst>
+                              <p:cond delay="0"/>
+                            </p:stCondLst>
+                            <p:childTnLst>
+                              <p:par>
+                                <p:cTn id="5" presetID="1" presetClass="entr" presetSubtype="0" fill="hold" grpId="0" nodeType="clickEffect">
+                                  <p:stCondLst>
+                                    <p:cond delay="0"/>
+                                  </p:stCondLst>
+                                  <p:childTnLst>
+                                    <p:set>
+                                      <p:cBhvr>
+                                        <p:cTn id="6" dur="1" fill="hold">
+                                          <p:stCondLst>
+                                            <p:cond delay="0"/>
+                                          </p:stCondLst>
+                                        </p:cTn>
+                                        <p:tgtEl>
+                                          <p:spTgt spid="4"/>
+                                        </p:tgtEl>
+                                        <p:attrNameLst>
+                                          <p:attrName>style.visibility</p:attrName>
+                                        </p:attrNameLst>
+                                      </p:cBhvr>
+                                      <p:to>
+                                        <p:strVal val="visible"/>
+                                      </p:to>
+                                    </p:set>
+                                  </p:childTnLst>
+                                </p:cTn>
+                              </p:par>
+                            </p:childTnLst>
+                          </p:cTn>
+                        </p:par>
+                      </p:childTnLst>
+                    </p:cTn>
+                  </p:par>
+                  <p:par>
+                    <p:cTn id="7" fill="hold">
+                      <p:stCondLst>
+                        <p:cond delay="indefinite"/>
+                      </p:stCondLst>
+                      <p:childTnLst>
+                        <p:par>
+                          <p:cTn id="8" fill="hold">
+                            <p:stCondLst>
+                              <p:cond delay="0"/>
+                            </p:stCondLst>
+                            <p:childTnLst>
+                              <p:par>
+                                <p:cTn id="9" presetID="1" presetClass="entr" presetSubtype="0" fill="hold" grpId="0" nodeType="clickEffect">
+                                  <p:stCondLst>
+                                    <p:cond delay="0"/>
+                                  </p:stCondLst>
+                                  <p:childTnLst>
+                                    <p:set>
+                                      <p:cBhvr>
+                                        <p:cTn id="10" dur="1" fill="hold">
+                                          <p:stCondLst>
+                                            <p:cond delay="0"/>
+                                          </p:stCondLst>
+                                        </p:cTn>
+                                        <p:tgtEl>
+                                          <p:spTgt spid="5"/>
+                                        </p:tgtEl>
+                                        <p:attrNameLst>
+                                          <p:attrName>style.visibility</p:attrName>
+                                        </p:attrNameLst>
+                                      </p:cBhvr>
+                                      <p:to>
+                                        <p:strVal val="visible"/>
+                                      </p:to>
+                                    </p:set>
+                                  </p:childTnLst>
+                                </p:cTn>
+                              </p:par>
+                            </p:childTnLst>
+                          </p:cTn>
+                        </p:par>
+                      </p:childTnLst>
+                    </p:cTn>
+                  </p:par>
+                </p:childTnLst>
+              </p:cTn>
+              <p:prevCondLst>
+                <p:cond evt="onPrev" delay="0">
+                  <p:tgtEl>
+                    <p:sldTgt/>
+                  </p:tgtEl>
+                </p:cond>
+              </p:prevCondLst>
+              <p:nextCondLst>
+                <p:cond evt="onNext" delay="0">
+                  <p:tgtEl>
+                    <p:sldTgt/>
+                  </p:tgtEl>
+                </p:cond>
+              </p:nextCondLst>
+            </p:seq>
+          </p:childTnLst>
+        </p:cTn>
       </p:par>
     </p:tnLst>
+    <p:bldLst>
+      <p:bldP spid="4" grpId="0"/>
+      <p:bldP spid="5" grpId="0"/>
+    </p:bldLst>
   </p:timing>
 </p:sld>
 </file>
@@ -12865,6 +14250,123 @@
       </p:grpSpPr>
       <p:sp>
         <p:nvSpPr>
+          <p:cNvPr id="6" name="Rechteck 5"/>
+          <p:cNvSpPr/>
+          <p:nvPr/>
+        </p:nvSpPr>
+        <p:spPr>
+          <a:xfrm>
+            <a:off x="5594889" y="4402226"/>
+            <a:ext cx="3631122" cy="369332"/>
+          </a:xfrm>
+          <a:prstGeom prst="rect">
+            <a:avLst/>
+          </a:prstGeom>
+        </p:spPr>
+        <p:txBody>
+          <a:bodyPr wrap="none">
+            <a:spAutoFit/>
+          </a:bodyPr>
+          <a:lstStyle/>
+          <a:p>
+            <a:r>
+              <a:rPr lang="de-CH" dirty="0">
+                <a:solidFill>
+                  <a:srgbClr val="0000FF"/>
+                </a:solidFill>
+                <a:latin typeface="Courier New" panose="02070309020205020404" pitchFamily="49" charset="0"/>
+              </a:rPr>
+              <a:t>&lt;</a:t>
+            </a:r>
+            <a:r>
+              <a:rPr lang="de-CH" dirty="0" err="1">
+                <a:solidFill>
+                  <a:srgbClr val="0000FF"/>
+                </a:solidFill>
+                <a:latin typeface="Courier New" panose="02070309020205020404" pitchFamily="49" charset="0"/>
+              </a:rPr>
+              <a:t>input</a:t>
+            </a:r>
+            <a:r>
+              <a:rPr lang="de-CH" dirty="0">
+                <a:solidFill>
+                  <a:srgbClr val="000000"/>
+                </a:solidFill>
+                <a:latin typeface="Courier New" panose="02070309020205020404" pitchFamily="49" charset="0"/>
+              </a:rPr>
+              <a:t> </a:t>
+            </a:r>
+            <a:r>
+              <a:rPr lang="de-CH" dirty="0">
+                <a:solidFill>
+                  <a:srgbClr val="FF0000"/>
+                </a:solidFill>
+                <a:latin typeface="Courier New" panose="02070309020205020404" pitchFamily="49" charset="0"/>
+              </a:rPr>
+              <a:t>type</a:t>
+            </a:r>
+            <a:r>
+              <a:rPr lang="de-CH" dirty="0">
+                <a:solidFill>
+                  <a:srgbClr val="000000"/>
+                </a:solidFill>
+                <a:latin typeface="Courier New" panose="02070309020205020404" pitchFamily="49" charset="0"/>
+              </a:rPr>
+              <a:t>=</a:t>
+            </a:r>
+            <a:r>
+              <a:rPr lang="de-CH" b="1" dirty="0">
+                <a:solidFill>
+                  <a:srgbClr val="8000FF"/>
+                </a:solidFill>
+                <a:latin typeface="Courier New" panose="02070309020205020404" pitchFamily="49" charset="0"/>
+              </a:rPr>
+              <a:t>"</a:t>
+            </a:r>
+            <a:r>
+              <a:rPr lang="de-CH" b="1" dirty="0" err="1">
+                <a:solidFill>
+                  <a:srgbClr val="8000FF"/>
+                </a:solidFill>
+                <a:latin typeface="Courier New" panose="02070309020205020404" pitchFamily="49" charset="0"/>
+              </a:rPr>
+              <a:t>checkbox</a:t>
+            </a:r>
+            <a:r>
+              <a:rPr lang="de-CH" b="1" dirty="0">
+                <a:solidFill>
+                  <a:srgbClr val="8000FF"/>
+                </a:solidFill>
+                <a:latin typeface="Courier New" panose="02070309020205020404" pitchFamily="49" charset="0"/>
+              </a:rPr>
+              <a:t>"</a:t>
+            </a:r>
+            <a:r>
+              <a:rPr lang="de-CH" dirty="0">
+                <a:solidFill>
+                  <a:srgbClr val="000000"/>
+                </a:solidFill>
+                <a:latin typeface="Courier New" panose="02070309020205020404" pitchFamily="49" charset="0"/>
+              </a:rPr>
+              <a:t> </a:t>
+            </a:r>
+            <a:r>
+              <a:rPr lang="de-CH" dirty="0">
+                <a:solidFill>
+                  <a:srgbClr val="0000FF"/>
+                </a:solidFill>
+                <a:latin typeface="Courier New" panose="02070309020205020404" pitchFamily="49" charset="0"/>
+              </a:rPr>
+              <a:t>/&gt;</a:t>
+            </a:r>
+            <a:endParaRPr lang="de-CH" dirty="0">
+              <a:effectLst/>
+            </a:endParaRPr>
+          </a:p>
+        </p:txBody>
+      </p:sp>
+      <p:sp>
+        <p:nvSpPr>
           <p:cNvPr id="2" name="Titel 1"/>
           <p:cNvSpPr>
             <a:spLocks noGrp="1"/>
@@ -12923,7 +14425,7 @@
         </p:nvSpPr>
         <p:spPr>
           <a:xfrm>
-            <a:off x="838200" y="2984500"/>
+            <a:off x="1097280" y="2261879"/>
             <a:ext cx="7035800" cy="1200329"/>
           </a:xfrm>
           <a:prstGeom prst="rect">
@@ -12942,7 +14444,7 @@
               <a:buChar char="•"/>
             </a:pPr>
             <a:r>
-              <a:rPr lang="de-CH" sz="2400" dirty="0" smtClean="0"/>
+              <a:rPr lang="de-CH" sz="2400" smtClean="0"/>
               <a:t>Immer doppelte Anführungszeichen benutzen</a:t>
             </a:r>
           </a:p>
@@ -12952,7 +14454,7 @@
               <a:buChar char="•"/>
             </a:pPr>
             <a:r>
-              <a:rPr lang="de-CH" sz="2400" dirty="0" smtClean="0"/>
+              <a:rPr lang="de-CH" sz="2400" smtClean="0"/>
               <a:t>Attribute immer in Anführungs- und Schlusszeichen.</a:t>
             </a:r>
           </a:p>
@@ -12962,10 +14464,100 @@
               <a:buChar char="•"/>
             </a:pPr>
             <a:r>
-              <a:rPr lang="de-CH" sz="2400" dirty="0" smtClean="0"/>
+              <a:rPr lang="de-CH" sz="2400" smtClean="0"/>
               <a:t>Attribute immer klein schreiben</a:t>
             </a:r>
             <a:endParaRPr lang="de-CH" sz="2400" dirty="0"/>
+          </a:p>
+        </p:txBody>
+      </p:sp>
+      <p:sp>
+        <p:nvSpPr>
+          <p:cNvPr id="3" name="Rechteck 2"/>
+          <p:cNvSpPr/>
+          <p:nvPr/>
+        </p:nvSpPr>
+        <p:spPr>
+          <a:xfrm>
+            <a:off x="1097280" y="4423606"/>
+            <a:ext cx="3079689" cy="369332"/>
+          </a:xfrm>
+          <a:prstGeom prst="rect">
+            <a:avLst/>
+          </a:prstGeom>
+        </p:spPr>
+        <p:txBody>
+          <a:bodyPr wrap="none">
+            <a:spAutoFit/>
+          </a:bodyPr>
+          <a:lstStyle/>
+          <a:p>
+            <a:r>
+              <a:rPr lang="de-CH" dirty="0" smtClean="0">
+                <a:solidFill>
+                  <a:srgbClr val="0000FF"/>
+                </a:solidFill>
+                <a:latin typeface="Courier New" panose="02070309020205020404" pitchFamily="49" charset="0"/>
+              </a:rPr>
+              <a:t>&lt;</a:t>
+            </a:r>
+            <a:r>
+              <a:rPr lang="de-CH" dirty="0" err="1" smtClean="0">
+                <a:solidFill>
+                  <a:srgbClr val="0000FF"/>
+                </a:solidFill>
+                <a:latin typeface="Courier New" panose="02070309020205020404" pitchFamily="49" charset="0"/>
+              </a:rPr>
+              <a:t>input</a:t>
+            </a:r>
+            <a:r>
+              <a:rPr lang="de-CH" dirty="0" smtClean="0">
+                <a:solidFill>
+                  <a:srgbClr val="000000"/>
+                </a:solidFill>
+                <a:latin typeface="Courier New" panose="02070309020205020404" pitchFamily="49" charset="0"/>
+              </a:rPr>
+              <a:t> </a:t>
+            </a:r>
+            <a:r>
+              <a:rPr lang="de-CH" dirty="0" smtClean="0">
+                <a:solidFill>
+                  <a:srgbClr val="FF0000"/>
+                </a:solidFill>
+                <a:latin typeface="Courier New" panose="02070309020205020404" pitchFamily="49" charset="0"/>
+              </a:rPr>
+              <a:t>TYPE</a:t>
+            </a:r>
+            <a:r>
+              <a:rPr lang="de-CH" dirty="0" smtClean="0">
+                <a:solidFill>
+                  <a:srgbClr val="000000"/>
+                </a:solidFill>
+                <a:latin typeface="Courier New" panose="02070309020205020404" pitchFamily="49" charset="0"/>
+              </a:rPr>
+              <a:t>=</a:t>
+            </a:r>
+            <a:r>
+              <a:rPr lang="de-CH" dirty="0" err="1" smtClean="0">
+                <a:solidFill>
+                  <a:srgbClr val="FF8000"/>
+                </a:solidFill>
+                <a:latin typeface="Courier New" panose="02070309020205020404" pitchFamily="49" charset="0"/>
+              </a:rPr>
+              <a:t>checkbox</a:t>
+            </a:r>
+            <a:r>
+              <a:rPr lang="de-CH" dirty="0" smtClean="0">
+                <a:solidFill>
+                  <a:srgbClr val="0000FF"/>
+                </a:solidFill>
+                <a:latin typeface="Courier New" panose="02070309020205020404" pitchFamily="49" charset="0"/>
+              </a:rPr>
+              <a:t>&gt;</a:t>
+            </a:r>
+            <a:endParaRPr lang="de-CH" dirty="0">
+              <a:effectLst/>
+            </a:endParaRPr>
           </a:p>
         </p:txBody>
       </p:sp>
@@ -13000,7 +14592,7 @@
                             </p:stCondLst>
                             <p:childTnLst>
                               <p:par>
-                                <p:cTn id="5" presetID="2" presetClass="entr" presetSubtype="4" fill="hold" nodeType="clickEffect">
+                                <p:cTn id="5" presetID="1" presetClass="entr" presetSubtype="0" fill="hold" grpId="0" nodeType="clickEffect">
                                   <p:stCondLst>
                                     <p:cond delay="0"/>
                                   </p:stCondLst>
@@ -13008,6 +14600,141 @@
                                     <p:set>
                                       <p:cBhvr>
                                         <p:cTn id="6" dur="1" fill="hold">
+                                          <p:stCondLst>
+                                            <p:cond delay="0"/>
+                                          </p:stCondLst>
+                                        </p:cTn>
+                                        <p:tgtEl>
+                                          <p:spTgt spid="5"/>
+                                        </p:tgtEl>
+                                        <p:attrNameLst>
+                                          <p:attrName>style.visibility</p:attrName>
+                                        </p:attrNameLst>
+                                      </p:cBhvr>
+                                      <p:to>
+                                        <p:strVal val="visible"/>
+                                      </p:to>
+                                    </p:set>
+                                  </p:childTnLst>
+                                </p:cTn>
+                              </p:par>
+                            </p:childTnLst>
+                          </p:cTn>
+                        </p:par>
+                      </p:childTnLst>
+                    </p:cTn>
+                  </p:par>
+                  <p:par>
+                    <p:cTn id="7" fill="hold">
+                      <p:stCondLst>
+                        <p:cond delay="indefinite"/>
+                      </p:stCondLst>
+                      <p:childTnLst>
+                        <p:par>
+                          <p:cTn id="8" fill="hold">
+                            <p:stCondLst>
+                              <p:cond delay="0"/>
+                            </p:stCondLst>
+                            <p:childTnLst>
+                              <p:par>
+                                <p:cTn id="9" presetID="1" presetClass="entr" presetSubtype="0" fill="hold" grpId="0" nodeType="clickEffect">
+                                  <p:stCondLst>
+                                    <p:cond delay="0"/>
+                                  </p:stCondLst>
+                                  <p:childTnLst>
+                                    <p:set>
+                                      <p:cBhvr>
+                                        <p:cTn id="10" dur="1" fill="hold">
+                                          <p:stCondLst>
+                                            <p:cond delay="0"/>
+                                          </p:stCondLst>
+                                        </p:cTn>
+                                        <p:tgtEl>
+                                          <p:spTgt spid="6"/>
+                                        </p:tgtEl>
+                                        <p:attrNameLst>
+                                          <p:attrName>style.visibility</p:attrName>
+                                        </p:attrNameLst>
+                                      </p:cBhvr>
+                                      <p:to>
+                                        <p:strVal val="visible"/>
+                                      </p:to>
+                                    </p:set>
+                                  </p:childTnLst>
+                                </p:cTn>
+                              </p:par>
+                            </p:childTnLst>
+                          </p:cTn>
+                        </p:par>
+                      </p:childTnLst>
+                    </p:cTn>
+                  </p:par>
+                  <p:par>
+                    <p:cTn id="11" fill="hold">
+                      <p:stCondLst>
+                        <p:cond delay="indefinite"/>
+                      </p:stCondLst>
+                      <p:childTnLst>
+                        <p:par>
+                          <p:cTn id="12" fill="hold">
+                            <p:stCondLst>
+                              <p:cond delay="0"/>
+                            </p:stCondLst>
+                            <p:childTnLst>
+                              <p:par>
+                                <p:cTn id="13" presetID="1" presetClass="entr" presetSubtype="0" fill="hold" grpId="0" nodeType="clickEffect">
+                                  <p:stCondLst>
+                                    <p:cond delay="0"/>
+                                  </p:stCondLst>
+                                  <p:childTnLst>
+                                    <p:set>
+                                      <p:cBhvr>
+                                        <p:cTn id="14" dur="1" fill="hold">
+                                          <p:stCondLst>
+                                            <p:cond delay="0"/>
+                                          </p:stCondLst>
+                                        </p:cTn>
+                                        <p:tgtEl>
+                                          <p:spTgt spid="3"/>
+                                        </p:tgtEl>
+                                        <p:attrNameLst>
+                                          <p:attrName>style.visibility</p:attrName>
+                                        </p:attrNameLst>
+                                      </p:cBhvr>
+                                      <p:to>
+                                        <p:strVal val="visible"/>
+                                      </p:to>
+                                    </p:set>
+                                  </p:childTnLst>
+                                </p:cTn>
+                              </p:par>
+                            </p:childTnLst>
+                          </p:cTn>
+                        </p:par>
+                      </p:childTnLst>
+                    </p:cTn>
+                  </p:par>
+                  <p:par>
+                    <p:cTn id="15" fill="hold">
+                      <p:stCondLst>
+                        <p:cond delay="indefinite"/>
+                      </p:stCondLst>
+                      <p:childTnLst>
+                        <p:par>
+                          <p:cTn id="16" fill="hold">
+                            <p:stCondLst>
+                              <p:cond delay="0"/>
+                            </p:stCondLst>
+                            <p:childTnLst>
+                              <p:par>
+                                <p:cTn id="17" presetID="2" presetClass="entr" presetSubtype="4" fill="hold" nodeType="clickEffect">
+                                  <p:stCondLst>
+                                    <p:cond delay="0"/>
+                                  </p:stCondLst>
+                                  <p:childTnLst>
+                                    <p:set>
+                                      <p:cBhvr>
+                                        <p:cTn id="18" dur="1" fill="hold">
                                           <p:stCondLst>
                                             <p:cond delay="0"/>
                                           </p:stCondLst>
@@ -13025,7 +14752,7 @@
                                     </p:set>
                                     <p:anim calcmode="lin" valueType="num">
                                       <p:cBhvr additive="base">
-                                        <p:cTn id="7" dur="500" fill="hold"/>
+                                        <p:cTn id="19" dur="500" fill="hold"/>
                                         <p:tgtEl>
                                           <p:spTgt spid="4"/>
                                         </p:tgtEl>
@@ -13048,7 +14775,7 @@
                                     </p:anim>
                                     <p:anim calcmode="lin" valueType="num">
                                       <p:cBhvr additive="base">
-                                        <p:cTn id="8" dur="500" fill="hold"/>
+                                        <p:cTn id="20" dur="500" fill="hold"/>
                                         <p:tgtEl>
                                           <p:spTgt spid="4"/>
                                         </p:tgtEl>
@@ -13099,6 +14826,11 @@
         </p:cTn>
       </p:par>
     </p:tnLst>
+    <p:bldLst>
+      <p:bldP spid="6" grpId="0"/>
+      <p:bldP spid="5" grpId="0"/>
+      <p:bldP spid="3" grpId="0"/>
+    </p:bldLst>
   </p:timing>
 </p:sld>
 </file>
@@ -13168,6 +14900,36 @@
           </a:p>
         </p:txBody>
       </p:sp>
+      <p:pic>
+        <p:nvPicPr>
+          <p:cNvPr id="4" name="Grafik 3"/>
+          <p:cNvPicPr>
+            <a:picLocks noChangeAspect="1"/>
+          </p:cNvPicPr>
+          <p:nvPr/>
+        </p:nvPicPr>
+        <p:blipFill>
+          <a:blip r:embed="rId2">
+            <a:extLst>
+              <a:ext uri="{28A0092B-C50C-407E-A947-70E740481C1C}">
+                <a14:useLocalDpi xmlns:a14="http://schemas.microsoft.com/office/drawing/2010/main" val="0"/>
+              </a:ext>
+            </a:extLst>
+          </a:blip>
+          <a:stretch>
+            <a:fillRect/>
+          </a:stretch>
+        </p:blipFill>
+        <p:spPr>
+          <a:xfrm>
+            <a:off x="4841557" y="2785851"/>
+            <a:ext cx="2143125" cy="2143125"/>
+          </a:xfrm>
+          <a:prstGeom prst="rect">
+            <a:avLst/>
+          </a:prstGeom>
+        </p:spPr>
+      </p:pic>
     </p:spTree>
     <p:extLst>
       <p:ext uri="{BB962C8B-B14F-4D97-AF65-F5344CB8AC3E}">
@@ -13978,7 +15740,7 @@
         </p:nvSpPr>
         <p:spPr>
           <a:xfrm rot="20025303">
-            <a:off x="6187847" y="4391389"/>
+            <a:off x="5879237" y="4045477"/>
             <a:ext cx="5588000" cy="1200329"/>
           </a:xfrm>
           <a:prstGeom prst="rect">
@@ -14183,7 +15945,7 @@
                             </p:stCondLst>
                             <p:childTnLst>
                               <p:par>
-                                <p:cTn id="5" presetID="1" presetClass="entr" presetSubtype="0" fill="hold" grpId="0" nodeType="clickEffect">
+                                <p:cTn id="5" presetID="2" presetClass="entr" presetSubtype="4" fill="hold" grpId="0" nodeType="clickEffect">
                                   <p:stCondLst>
                                     <p:cond delay="0"/>
                                   </p:stCondLst>
@@ -14206,6 +15968,52 @@
                                         <p:strVal val="visible"/>
                                       </p:to>
                                     </p:set>
+                                    <p:anim calcmode="lin" valueType="num">
+                                      <p:cBhvr additive="base">
+                                        <p:cTn id="7" dur="500" fill="hold"/>
+                                        <p:tgtEl>
+                                          <p:spTgt spid="4"/>
+                                        </p:tgtEl>
+                                        <p:attrNameLst>
+                                          <p:attrName>ppt_x</p:attrName>
+                                        </p:attrNameLst>
+                                      </p:cBhvr>
+                                      <p:tavLst>
+                                        <p:tav tm="0">
+                                          <p:val>
+                                            <p:strVal val="#ppt_x"/>
+                                          </p:val>
+                                        </p:tav>
+                                        <p:tav tm="100000">
+                                          <p:val>
+                                            <p:strVal val="#ppt_x"/>
+                                          </p:val>
+                                        </p:tav>
+                                      </p:tavLst>
+                                    </p:anim>
+                                    <p:anim calcmode="lin" valueType="num">
+                                      <p:cBhvr additive="base">
+                                        <p:cTn id="8" dur="500" fill="hold"/>
+                                        <p:tgtEl>
+                                          <p:spTgt spid="4"/>
+                                        </p:tgtEl>
+                                        <p:attrNameLst>
+                                          <p:attrName>ppt_y</p:attrName>
+                                        </p:attrNameLst>
+                                      </p:cBhvr>
+                                      <p:tavLst>
+                                        <p:tav tm="0">
+                                          <p:val>
+                                            <p:strVal val="1+#ppt_h/2"/>
+                                          </p:val>
+                                        </p:tav>
+                                        <p:tav tm="100000">
+                                          <p:val>
+                                            <p:strVal val="#ppt_y"/>
+                                          </p:val>
+                                        </p:tav>
+                                      </p:tavLst>
+                                    </p:anim>
                                   </p:childTnLst>
                                 </p:cTn>
                               </p:par>
@@ -14879,8 +16687,8 @@
         </p:nvSpPr>
         <p:spPr>
           <a:xfrm>
-            <a:off x="838200" y="1825625"/>
-            <a:ext cx="5279967" cy="4351338"/>
+            <a:off x="1501140" y="3105785"/>
+            <a:ext cx="5279967" cy="906145"/>
           </a:xfrm>
         </p:spPr>
         <p:txBody>
@@ -14982,13 +16790,40 @@
           </a:p>
           <a:p>
             <a:r>
+              <a:rPr lang="it-IT" dirty="0" smtClean="0">
+                <a:solidFill>
+                  <a:srgbClr val="0000FF"/>
+                </a:solidFill>
+                <a:latin typeface="Courier New" panose="02070309020205020404" pitchFamily="49" charset="0"/>
+              </a:rPr>
+              <a:t>  &lt;</a:t>
+            </a:r>
+            <a:r>
+              <a:rPr lang="it-IT" dirty="0">
+                <a:solidFill>
+                  <a:srgbClr val="0000FF"/>
+                </a:solidFill>
+                <a:latin typeface="Courier New" panose="02070309020205020404" pitchFamily="49" charset="0"/>
+              </a:rPr>
+              <a:t>li&gt;</a:t>
+            </a:r>
+            <a:r>
               <a:rPr lang="it-IT" b="1" dirty="0">
                 <a:solidFill>
                   <a:srgbClr val="000000"/>
                 </a:solidFill>
                 <a:latin typeface="Courier New" panose="02070309020205020404" pitchFamily="49" charset="0"/>
               </a:rPr>
-              <a:t>	</a:t>
+              <a:t>JD</a:t>
+            </a:r>
+            <a:r>
+              <a:rPr lang="it-IT" dirty="0">
+                <a:solidFill>
+                  <a:srgbClr val="0000FF"/>
+                </a:solidFill>
+                <a:latin typeface="Courier New" panose="02070309020205020404" pitchFamily="49" charset="0"/>
+              </a:rPr>
+              <a:t>&lt;/li</a:t>
             </a:r>
             <a:r>
               <a:rPr lang="it-IT" dirty="0" smtClean="0">
@@ -14997,35 +16832,10 @@
                 </a:solidFill>
                 <a:latin typeface="Courier New" panose="02070309020205020404" pitchFamily="49" charset="0"/>
               </a:rPr>
-              <a:t>&lt;</a:t>
-            </a:r>
-            <a:r>
-              <a:rPr lang="it-IT" dirty="0">
-                <a:solidFill>
-                  <a:srgbClr val="0000FF"/>
-                </a:solidFill>
-                <a:latin typeface="Courier New" panose="02070309020205020404" pitchFamily="49" charset="0"/>
-              </a:rPr>
-              <a:t>li&gt;</a:t>
-            </a:r>
-            <a:r>
-              <a:rPr lang="it-IT" b="1" dirty="0">
-                <a:solidFill>
-                  <a:srgbClr val="000000"/>
-                </a:solidFill>
-                <a:latin typeface="Courier New" panose="02070309020205020404" pitchFamily="49" charset="0"/>
-              </a:rPr>
-              <a:t>JD</a:t>
-            </a:r>
-            <a:r>
-              <a:rPr lang="it-IT" dirty="0">
-                <a:solidFill>
-                  <a:srgbClr val="0000FF"/>
-                </a:solidFill>
-                <a:latin typeface="Courier New" panose="02070309020205020404" pitchFamily="49" charset="0"/>
-              </a:rPr>
-              <a:t>&lt;/li</a:t>
-            </a:r>
+              <a:t>&gt;</a:t>
+            </a:r>
+          </a:p>
+          <a:p>
             <a:r>
               <a:rPr lang="it-IT" dirty="0" smtClean="0">
                 <a:solidFill>
@@ -15033,27 +16843,7 @@
                 </a:solidFill>
                 <a:latin typeface="Courier New" panose="02070309020205020404" pitchFamily="49" charset="0"/>
               </a:rPr>
-              <a:t>&gt;</a:t>
-            </a:r>
-          </a:p>
-          <a:p>
-            <a:r>
-              <a:rPr lang="it-IT" dirty="0">
-                <a:solidFill>
-                  <a:srgbClr val="0000FF"/>
-                </a:solidFill>
-                <a:latin typeface="Courier New" panose="02070309020205020404" pitchFamily="49" charset="0"/>
-              </a:rPr>
-              <a:t>	</a:t>
-            </a:r>
-            <a:r>
-              <a:rPr lang="it-IT" dirty="0" smtClean="0">
-                <a:solidFill>
-                  <a:srgbClr val="0000FF"/>
-                </a:solidFill>
-                <a:latin typeface="Courier New" panose="02070309020205020404" pitchFamily="49" charset="0"/>
-              </a:rPr>
-              <a:t>&lt;</a:t>
+              <a:t>  &lt;</a:t>
             </a:r>
             <a:r>
               <a:rPr lang="it-IT" dirty="0">
@@ -15100,13 +16890,87 @@
           </a:p>
           <a:p>
             <a:r>
+              <a:rPr lang="it-IT" dirty="0" smtClean="0">
+                <a:solidFill>
+                  <a:srgbClr val="0000FF"/>
+                </a:solidFill>
+                <a:latin typeface="Courier New" panose="02070309020205020404" pitchFamily="49" charset="0"/>
+              </a:rPr>
+              <a:t>  &lt;</a:t>
+            </a:r>
+            <a:r>
+              <a:rPr lang="it-IT" dirty="0">
+                <a:solidFill>
+                  <a:srgbClr val="0000FF"/>
+                </a:solidFill>
+                <a:latin typeface="Courier New" panose="02070309020205020404" pitchFamily="49" charset="0"/>
+              </a:rPr>
+              <a:t>li&gt;</a:t>
+            </a:r>
+            <a:r>
+              <a:rPr lang="it-IT" b="1" dirty="0" err="1">
+                <a:solidFill>
+                  <a:srgbClr val="000000"/>
+                </a:solidFill>
+                <a:latin typeface="Courier New" panose="02070309020205020404" pitchFamily="49" charset="0"/>
+              </a:rPr>
+              <a:t>Elliot</a:t>
+            </a:r>
+            <a:r>
+              <a:rPr lang="it-IT" dirty="0">
+                <a:solidFill>
+                  <a:srgbClr val="0000FF"/>
+                </a:solidFill>
+                <a:latin typeface="Courier New" panose="02070309020205020404" pitchFamily="49" charset="0"/>
+              </a:rPr>
+              <a:t>&lt;/li</a:t>
+            </a:r>
+            <a:r>
+              <a:rPr lang="it-IT" dirty="0" smtClean="0">
+                <a:solidFill>
+                  <a:srgbClr val="0000FF"/>
+                </a:solidFill>
+                <a:latin typeface="Courier New" panose="02070309020205020404" pitchFamily="49" charset="0"/>
+              </a:rPr>
+              <a:t>&gt;</a:t>
+            </a:r>
+          </a:p>
+          <a:p>
+            <a:r>
+              <a:rPr lang="it-IT" dirty="0" smtClean="0">
+                <a:solidFill>
+                  <a:srgbClr val="0000FF"/>
+                </a:solidFill>
+                <a:latin typeface="Courier New" panose="02070309020205020404" pitchFamily="49" charset="0"/>
+              </a:rPr>
+              <a:t>  &lt;</a:t>
+            </a:r>
+            <a:r>
+              <a:rPr lang="it-IT" dirty="0">
+                <a:solidFill>
+                  <a:srgbClr val="0000FF"/>
+                </a:solidFill>
+                <a:latin typeface="Courier New" panose="02070309020205020404" pitchFamily="49" charset="0"/>
+              </a:rPr>
+              <a:t>li&gt;</a:t>
+            </a:r>
+            <a:r>
               <a:rPr lang="it-IT" b="1" dirty="0">
                 <a:solidFill>
                   <a:srgbClr val="000000"/>
                 </a:solidFill>
                 <a:latin typeface="Courier New" panose="02070309020205020404" pitchFamily="49" charset="0"/>
               </a:rPr>
-              <a:t>	</a:t>
+              <a:t>Carla</a:t>
+            </a:r>
+            <a:r>
+              <a:rPr lang="it-IT" dirty="0">
+                <a:solidFill>
+                  <a:srgbClr val="0000FF"/>
+                </a:solidFill>
+                <a:latin typeface="Courier New" panose="02070309020205020404" pitchFamily="49" charset="0"/>
+              </a:rPr>
+              <a:t>&lt;/li</a:t>
             </a:r>
             <a:r>
               <a:rPr lang="it-IT" dirty="0" smtClean="0">
@@ -15115,35 +16979,10 @@
                 </a:solidFill>
                 <a:latin typeface="Courier New" panose="02070309020205020404" pitchFamily="49" charset="0"/>
               </a:rPr>
-              <a:t>&lt;</a:t>
-            </a:r>
-            <a:r>
-              <a:rPr lang="it-IT" dirty="0">
-                <a:solidFill>
-                  <a:srgbClr val="0000FF"/>
-                </a:solidFill>
-                <a:latin typeface="Courier New" panose="02070309020205020404" pitchFamily="49" charset="0"/>
-              </a:rPr>
-              <a:t>li&gt;</a:t>
-            </a:r>
-            <a:r>
-              <a:rPr lang="it-IT" b="1" dirty="0" err="1">
-                <a:solidFill>
-                  <a:srgbClr val="000000"/>
-                </a:solidFill>
-                <a:latin typeface="Courier New" panose="02070309020205020404" pitchFamily="49" charset="0"/>
-              </a:rPr>
-              <a:t>Elliot</a:t>
-            </a:r>
-            <a:r>
-              <a:rPr lang="it-IT" dirty="0">
-                <a:solidFill>
-                  <a:srgbClr val="0000FF"/>
-                </a:solidFill>
-                <a:latin typeface="Courier New" panose="02070309020205020404" pitchFamily="49" charset="0"/>
-              </a:rPr>
-              <a:t>&lt;/li</a:t>
-            </a:r>
+              <a:t>&gt;</a:t>
+            </a:r>
+          </a:p>
+          <a:p>
             <a:r>
               <a:rPr lang="it-IT" dirty="0" smtClean="0">
                 <a:solidFill>
@@ -15151,83 +16990,7 @@
                 </a:solidFill>
                 <a:latin typeface="Courier New" panose="02070309020205020404" pitchFamily="49" charset="0"/>
               </a:rPr>
-              <a:t>&gt;</a:t>
-            </a:r>
-          </a:p>
-          <a:p>
-            <a:r>
-              <a:rPr lang="it-IT" dirty="0">
-                <a:solidFill>
-                  <a:srgbClr val="0000FF"/>
-                </a:solidFill>
-                <a:latin typeface="Courier New" panose="02070309020205020404" pitchFamily="49" charset="0"/>
-              </a:rPr>
-              <a:t>	</a:t>
-            </a:r>
-            <a:r>
-              <a:rPr lang="it-IT" dirty="0" smtClean="0">
-                <a:solidFill>
-                  <a:srgbClr val="0000FF"/>
-                </a:solidFill>
-                <a:latin typeface="Courier New" panose="02070309020205020404" pitchFamily="49" charset="0"/>
-              </a:rPr>
-              <a:t>&lt;</a:t>
-            </a:r>
-            <a:r>
-              <a:rPr lang="it-IT" dirty="0">
-                <a:solidFill>
-                  <a:srgbClr val="0000FF"/>
-                </a:solidFill>
-                <a:latin typeface="Courier New" panose="02070309020205020404" pitchFamily="49" charset="0"/>
-              </a:rPr>
-              <a:t>li&gt;</a:t>
-            </a:r>
-            <a:r>
-              <a:rPr lang="it-IT" b="1" dirty="0">
-                <a:solidFill>
-                  <a:srgbClr val="000000"/>
-                </a:solidFill>
-                <a:latin typeface="Courier New" panose="02070309020205020404" pitchFamily="49" charset="0"/>
-              </a:rPr>
-              <a:t>Carla</a:t>
-            </a:r>
-            <a:r>
-              <a:rPr lang="it-IT" dirty="0">
-                <a:solidFill>
-                  <a:srgbClr val="0000FF"/>
-                </a:solidFill>
-                <a:latin typeface="Courier New" panose="02070309020205020404" pitchFamily="49" charset="0"/>
-              </a:rPr>
-              <a:t>&lt;/li</a:t>
-            </a:r>
-            <a:r>
-              <a:rPr lang="it-IT" dirty="0" smtClean="0">
-                <a:solidFill>
-                  <a:srgbClr val="0000FF"/>
-                </a:solidFill>
-                <a:latin typeface="Courier New" panose="02070309020205020404" pitchFamily="49" charset="0"/>
-              </a:rPr>
-              <a:t>&gt;</a:t>
-            </a:r>
-          </a:p>
-          <a:p>
-            <a:r>
-              <a:rPr lang="it-IT" dirty="0">
-                <a:solidFill>
-                  <a:srgbClr val="0000FF"/>
-                </a:solidFill>
-                <a:latin typeface="Courier New" panose="02070309020205020404" pitchFamily="49" charset="0"/>
-              </a:rPr>
-              <a:t>	</a:t>
-            </a:r>
-            <a:r>
-              <a:rPr lang="it-IT" dirty="0" smtClean="0">
-                <a:solidFill>
-                  <a:srgbClr val="0000FF"/>
-                </a:solidFill>
-                <a:latin typeface="Courier New" panose="02070309020205020404" pitchFamily="49" charset="0"/>
-              </a:rPr>
-              <a:t>&lt;</a:t>
+              <a:t>  &lt;</a:t>
             </a:r>
             <a:r>
               <a:rPr lang="it-IT" dirty="0">
@@ -15322,9 +17085,288 @@
   <p:timing>
     <p:tnLst>
       <p:par>
-        <p:cTn id="1" dur="indefinite" restart="never" nodeType="tmRoot"/>
+        <p:cTn id="1" dur="indefinite" restart="never" nodeType="tmRoot">
+          <p:childTnLst>
+            <p:seq concurrent="1" nextAc="seek">
+              <p:cTn id="2" dur="indefinite" nodeType="mainSeq">
+                <p:childTnLst>
+                  <p:par>
+                    <p:cTn id="3" fill="hold">
+                      <p:stCondLst>
+                        <p:cond delay="indefinite"/>
+                      </p:stCondLst>
+                      <p:childTnLst>
+                        <p:par>
+                          <p:cTn id="4" fill="hold">
+                            <p:stCondLst>
+                              <p:cond delay="0"/>
+                            </p:stCondLst>
+                            <p:childTnLst>
+                              <p:par>
+                                <p:cTn id="5" presetID="1" presetClass="entr" presetSubtype="0" fill="hold" grpId="0" nodeType="clickEffect">
+                                  <p:stCondLst>
+                                    <p:cond delay="0"/>
+                                  </p:stCondLst>
+                                  <p:childTnLst>
+                                    <p:set>
+                                      <p:cBhvr>
+                                        <p:cTn id="6" dur="1" fill="hold">
+                                          <p:stCondLst>
+                                            <p:cond delay="0"/>
+                                          </p:stCondLst>
+                                        </p:cTn>
+                                        <p:tgtEl>
+                                          <p:spTgt spid="4">
+                                            <p:txEl>
+                                              <p:pRg st="0" end="0"/>
+                                            </p:txEl>
+                                          </p:spTgt>
+                                        </p:tgtEl>
+                                        <p:attrNameLst>
+                                          <p:attrName>style.visibility</p:attrName>
+                                        </p:attrNameLst>
+                                      </p:cBhvr>
+                                      <p:to>
+                                        <p:strVal val="visible"/>
+                                      </p:to>
+                                    </p:set>
+                                  </p:childTnLst>
+                                </p:cTn>
+                              </p:par>
+                            </p:childTnLst>
+                          </p:cTn>
+                        </p:par>
+                      </p:childTnLst>
+                    </p:cTn>
+                  </p:par>
+                  <p:par>
+                    <p:cTn id="7" fill="hold">
+                      <p:stCondLst>
+                        <p:cond delay="indefinite"/>
+                      </p:stCondLst>
+                      <p:childTnLst>
+                        <p:par>
+                          <p:cTn id="8" fill="hold">
+                            <p:stCondLst>
+                              <p:cond delay="0"/>
+                            </p:stCondLst>
+                            <p:childTnLst>
+                              <p:par>
+                                <p:cTn id="9" presetID="1" presetClass="entr" presetSubtype="0" fill="hold" grpId="0" nodeType="clickEffect">
+                                  <p:stCondLst>
+                                    <p:cond delay="0"/>
+                                  </p:stCondLst>
+                                  <p:childTnLst>
+                                    <p:set>
+                                      <p:cBhvr>
+                                        <p:cTn id="10" dur="1" fill="hold">
+                                          <p:stCondLst>
+                                            <p:cond delay="0"/>
+                                          </p:stCondLst>
+                                        </p:cTn>
+                                        <p:tgtEl>
+                                          <p:spTgt spid="4">
+                                            <p:txEl>
+                                              <p:pRg st="1" end="1"/>
+                                            </p:txEl>
+                                          </p:spTgt>
+                                        </p:tgtEl>
+                                        <p:attrNameLst>
+                                          <p:attrName>style.visibility</p:attrName>
+                                        </p:attrNameLst>
+                                      </p:cBhvr>
+                                      <p:to>
+                                        <p:strVal val="visible"/>
+                                      </p:to>
+                                    </p:set>
+                                  </p:childTnLst>
+                                </p:cTn>
+                              </p:par>
+                              <p:par>
+                                <p:cTn id="11" presetID="1" presetClass="entr" presetSubtype="0" fill="hold" grpId="0" nodeType="withEffect">
+                                  <p:stCondLst>
+                                    <p:cond delay="0"/>
+                                  </p:stCondLst>
+                                  <p:childTnLst>
+                                    <p:set>
+                                      <p:cBhvr>
+                                        <p:cTn id="12" dur="1" fill="hold">
+                                          <p:stCondLst>
+                                            <p:cond delay="0"/>
+                                          </p:stCondLst>
+                                        </p:cTn>
+                                        <p:tgtEl>
+                                          <p:spTgt spid="4">
+                                            <p:txEl>
+                                              <p:pRg st="2" end="2"/>
+                                            </p:txEl>
+                                          </p:spTgt>
+                                        </p:tgtEl>
+                                        <p:attrNameLst>
+                                          <p:attrName>style.visibility</p:attrName>
+                                        </p:attrNameLst>
+                                      </p:cBhvr>
+                                      <p:to>
+                                        <p:strVal val="visible"/>
+                                      </p:to>
+                                    </p:set>
+                                  </p:childTnLst>
+                                </p:cTn>
+                              </p:par>
+                              <p:par>
+                                <p:cTn id="13" presetID="1" presetClass="entr" presetSubtype="0" fill="hold" grpId="0" nodeType="withEffect">
+                                  <p:stCondLst>
+                                    <p:cond delay="0"/>
+                                  </p:stCondLst>
+                                  <p:childTnLst>
+                                    <p:set>
+                                      <p:cBhvr>
+                                        <p:cTn id="14" dur="1" fill="hold">
+                                          <p:stCondLst>
+                                            <p:cond delay="0"/>
+                                          </p:stCondLst>
+                                        </p:cTn>
+                                        <p:tgtEl>
+                                          <p:spTgt spid="4">
+                                            <p:txEl>
+                                              <p:pRg st="3" end="3"/>
+                                            </p:txEl>
+                                          </p:spTgt>
+                                        </p:tgtEl>
+                                        <p:attrNameLst>
+                                          <p:attrName>style.visibility</p:attrName>
+                                        </p:attrNameLst>
+                                      </p:cBhvr>
+                                      <p:to>
+                                        <p:strVal val="visible"/>
+                                      </p:to>
+                                    </p:set>
+                                  </p:childTnLst>
+                                </p:cTn>
+                              </p:par>
+                              <p:par>
+                                <p:cTn id="15" presetID="1" presetClass="entr" presetSubtype="0" fill="hold" grpId="0" nodeType="withEffect">
+                                  <p:stCondLst>
+                                    <p:cond delay="0"/>
+                                  </p:stCondLst>
+                                  <p:childTnLst>
+                                    <p:set>
+                                      <p:cBhvr>
+                                        <p:cTn id="16" dur="1" fill="hold">
+                                          <p:stCondLst>
+                                            <p:cond delay="0"/>
+                                          </p:stCondLst>
+                                        </p:cTn>
+                                        <p:tgtEl>
+                                          <p:spTgt spid="4">
+                                            <p:txEl>
+                                              <p:pRg st="4" end="4"/>
+                                            </p:txEl>
+                                          </p:spTgt>
+                                        </p:tgtEl>
+                                        <p:attrNameLst>
+                                          <p:attrName>style.visibility</p:attrName>
+                                        </p:attrNameLst>
+                                      </p:cBhvr>
+                                      <p:to>
+                                        <p:strVal val="visible"/>
+                                      </p:to>
+                                    </p:set>
+                                  </p:childTnLst>
+                                </p:cTn>
+                              </p:par>
+                              <p:par>
+                                <p:cTn id="17" presetID="1" presetClass="entr" presetSubtype="0" fill="hold" grpId="0" nodeType="withEffect">
+                                  <p:stCondLst>
+                                    <p:cond delay="0"/>
+                                  </p:stCondLst>
+                                  <p:childTnLst>
+                                    <p:set>
+                                      <p:cBhvr>
+                                        <p:cTn id="18" dur="1" fill="hold">
+                                          <p:stCondLst>
+                                            <p:cond delay="0"/>
+                                          </p:stCondLst>
+                                        </p:cTn>
+                                        <p:tgtEl>
+                                          <p:spTgt spid="4">
+                                            <p:txEl>
+                                              <p:pRg st="5" end="5"/>
+                                            </p:txEl>
+                                          </p:spTgt>
+                                        </p:tgtEl>
+                                        <p:attrNameLst>
+                                          <p:attrName>style.visibility</p:attrName>
+                                        </p:attrNameLst>
+                                      </p:cBhvr>
+                                      <p:to>
+                                        <p:strVal val="visible"/>
+                                      </p:to>
+                                    </p:set>
+                                  </p:childTnLst>
+                                </p:cTn>
+                              </p:par>
+                              <p:par>
+                                <p:cTn id="19" presetID="1" presetClass="entr" presetSubtype="0" fill="hold" grpId="0" nodeType="withEffect">
+                                  <p:stCondLst>
+                                    <p:cond delay="0"/>
+                                  </p:stCondLst>
+                                  <p:childTnLst>
+                                    <p:set>
+                                      <p:cBhvr>
+                                        <p:cTn id="20" dur="1" fill="hold">
+                                          <p:stCondLst>
+                                            <p:cond delay="0"/>
+                                          </p:stCondLst>
+                                        </p:cTn>
+                                        <p:tgtEl>
+                                          <p:spTgt spid="4">
+                                            <p:txEl>
+                                              <p:pRg st="6" end="6"/>
+                                            </p:txEl>
+                                          </p:spTgt>
+                                        </p:tgtEl>
+                                        <p:attrNameLst>
+                                          <p:attrName>style.visibility</p:attrName>
+                                        </p:attrNameLst>
+                                      </p:cBhvr>
+                                      <p:to>
+                                        <p:strVal val="visible"/>
+                                      </p:to>
+                                    </p:set>
+                                  </p:childTnLst>
+                                </p:cTn>
+                              </p:par>
+                            </p:childTnLst>
+                          </p:cTn>
+                        </p:par>
+                      </p:childTnLst>
+                    </p:cTn>
+                  </p:par>
+                </p:childTnLst>
+              </p:cTn>
+              <p:prevCondLst>
+                <p:cond evt="onPrev" delay="0">
+                  <p:tgtEl>
+                    <p:sldTgt/>
+                  </p:tgtEl>
+                </p:cond>
+              </p:prevCondLst>
+              <p:nextCondLst>
+                <p:cond evt="onNext" delay="0">
+                  <p:tgtEl>
+                    <p:sldTgt/>
+                  </p:tgtEl>
+                </p:cond>
+              </p:nextCondLst>
+            </p:seq>
+          </p:childTnLst>
+        </p:cTn>
       </p:par>
     </p:tnLst>
+    <p:bldLst>
+      <p:bldP spid="4" grpId="0" uiExpand="1" build="p"/>
+    </p:bldLst>
   </p:timing>
 </p:sld>
 </file>
@@ -15381,7 +17423,7 @@
         </p:nvSpPr>
         <p:spPr>
           <a:xfrm>
-            <a:off x="838200" y="1825625"/>
+            <a:off x="1145771" y="3162935"/>
             <a:ext cx="4980709" cy="4351338"/>
           </a:xfrm>
         </p:spPr>
@@ -15427,7 +17469,7 @@
         </p:nvSpPr>
         <p:spPr>
           <a:xfrm>
-            <a:off x="7276407" y="2338385"/>
+            <a:off x="6842067" y="2753281"/>
             <a:ext cx="3746269" cy="2585323"/>
           </a:xfrm>
           <a:prstGeom prst="rect">
@@ -15482,7 +17524,16 @@
                 </a:solidFill>
                 <a:latin typeface="Courier New" panose="02070309020205020404" pitchFamily="49" charset="0"/>
               </a:rPr>
-              <a:t>	</a:t>
+              <a:t> </a:t>
+            </a:r>
+            <a:r>
+              <a:rPr lang="it-IT" b="1" dirty="0" smtClean="0">
+                <a:solidFill>
+                  <a:srgbClr val="000000"/>
+                </a:solidFill>
+                <a:latin typeface="Courier New" panose="02070309020205020404" pitchFamily="49" charset="0"/>
+              </a:rPr>
+              <a:t> </a:t>
             </a:r>
             <a:r>
               <a:rPr lang="it-IT" dirty="0" smtClean="0">
@@ -15532,13 +17583,69 @@
           </a:p>
           <a:p>
             <a:r>
+              <a:rPr lang="it-IT" dirty="0" smtClean="0">
+                <a:solidFill>
+                  <a:srgbClr val="0000FF"/>
+                </a:solidFill>
+                <a:latin typeface="Courier New" panose="02070309020205020404" pitchFamily="49" charset="0"/>
+              </a:rPr>
+              <a:t>  &lt;li&gt;</a:t>
+            </a:r>
+            <a:r>
+              <a:rPr lang="it-IT" b="1" dirty="0" smtClean="0">
+                <a:solidFill>
+                  <a:srgbClr val="000000"/>
+                </a:solidFill>
+                <a:latin typeface="Courier New" panose="02070309020205020404" pitchFamily="49" charset="0"/>
+              </a:rPr>
+              <a:t>Apollo 12</a:t>
+            </a:r>
+            <a:r>
+              <a:rPr lang="it-IT" dirty="0" smtClean="0">
+                <a:solidFill>
+                  <a:srgbClr val="0000FF"/>
+                </a:solidFill>
+                <a:latin typeface="Courier New" panose="02070309020205020404" pitchFamily="49" charset="0"/>
+              </a:rPr>
+              <a:t>&lt;/li&gt;</a:t>
+            </a:r>
+          </a:p>
+          <a:p>
+            <a:r>
+              <a:rPr lang="it-IT" dirty="0" smtClean="0">
+                <a:solidFill>
+                  <a:srgbClr val="0000FF"/>
+                </a:solidFill>
+                <a:latin typeface="Courier New" panose="02070309020205020404" pitchFamily="49" charset="0"/>
+              </a:rPr>
+              <a:t>  &lt;</a:t>
+            </a:r>
+            <a:r>
               <a:rPr lang="it-IT" dirty="0">
                 <a:solidFill>
                   <a:srgbClr val="0000FF"/>
                 </a:solidFill>
                 <a:latin typeface="Courier New" panose="02070309020205020404" pitchFamily="49" charset="0"/>
               </a:rPr>
-              <a:t>	</a:t>
+              <a:t>li&gt;</a:t>
+            </a:r>
+            <a:r>
+              <a:rPr lang="it-IT" b="1" dirty="0">
+                <a:solidFill>
+                  <a:srgbClr val="000000"/>
+                </a:solidFill>
+                <a:latin typeface="Courier New" panose="02070309020205020404" pitchFamily="49" charset="0"/>
+              </a:rPr>
+              <a:t>Apollo 14</a:t>
+            </a:r>
+            <a:r>
+              <a:rPr lang="it-IT" dirty="0">
+                <a:solidFill>
+                  <a:srgbClr val="0000FF"/>
+                </a:solidFill>
+                <a:latin typeface="Courier New" panose="02070309020205020404" pitchFamily="49" charset="0"/>
+              </a:rPr>
+              <a:t>&lt;/li</a:t>
             </a:r>
             <a:r>
               <a:rPr lang="it-IT" dirty="0" smtClean="0">
@@ -15547,7 +17654,18 @@
                 </a:solidFill>
                 <a:latin typeface="Courier New" panose="02070309020205020404" pitchFamily="49" charset="0"/>
               </a:rPr>
-              <a:t>&lt;</a:t>
+              <a:t>&gt;</a:t>
+            </a:r>
+          </a:p>
+          <a:p>
+            <a:r>
+              <a:rPr lang="it-IT" dirty="0" smtClean="0">
+                <a:solidFill>
+                  <a:srgbClr val="0000FF"/>
+                </a:solidFill>
+                <a:latin typeface="Courier New" panose="02070309020205020404" pitchFamily="49" charset="0"/>
+              </a:rPr>
+              <a:t>  &lt;</a:t>
             </a:r>
             <a:r>
               <a:rPr lang="it-IT" dirty="0">
@@ -15565,7 +17683,7 @@
                 </a:solidFill>
                 <a:latin typeface="Courier New" panose="02070309020205020404" pitchFamily="49" charset="0"/>
               </a:rPr>
-              <a:t>Apollo 12</a:t>
+              <a:t>Apollo 15</a:t>
             </a:r>
             <a:r>
               <a:rPr lang="it-IT" dirty="0">
@@ -15588,13 +17706,40 @@
           </a:p>
           <a:p>
             <a:r>
+              <a:rPr lang="it-IT" dirty="0" smtClean="0">
+                <a:solidFill>
+                  <a:srgbClr val="0000FF"/>
+                </a:solidFill>
+                <a:latin typeface="Courier New" panose="02070309020205020404" pitchFamily="49" charset="0"/>
+              </a:rPr>
+              <a:t>  &lt;</a:t>
+            </a:r>
+            <a:r>
               <a:rPr lang="it-IT" dirty="0">
                 <a:solidFill>
                   <a:srgbClr val="0000FF"/>
                 </a:solidFill>
                 <a:latin typeface="Courier New" panose="02070309020205020404" pitchFamily="49" charset="0"/>
               </a:rPr>
-              <a:t>	</a:t>
+              <a:t>li&gt;</a:t>
+            </a:r>
+            <a:r>
+              <a:rPr lang="it-IT" b="1" dirty="0">
+                <a:solidFill>
+                  <a:srgbClr val="000000"/>
+                </a:solidFill>
+                <a:latin typeface="Courier New" panose="02070309020205020404" pitchFamily="49" charset="0"/>
+              </a:rPr>
+              <a:t>Apollo 15</a:t>
+            </a:r>
+            <a:r>
+              <a:rPr lang="it-IT" dirty="0">
+                <a:solidFill>
+                  <a:srgbClr val="0000FF"/>
+                </a:solidFill>
+                <a:latin typeface="Courier New" panose="02070309020205020404" pitchFamily="49" charset="0"/>
+              </a:rPr>
+              <a:t>&lt;/li</a:t>
             </a:r>
             <a:r>
               <a:rPr lang="it-IT" dirty="0" smtClean="0">
@@ -15603,7 +17748,18 @@
                 </a:solidFill>
                 <a:latin typeface="Courier New" panose="02070309020205020404" pitchFamily="49" charset="0"/>
               </a:rPr>
-              <a:t>&lt;</a:t>
+              <a:t>&gt;</a:t>
+            </a:r>
+          </a:p>
+          <a:p>
+            <a:r>
+              <a:rPr lang="it-IT" dirty="0" smtClean="0">
+                <a:solidFill>
+                  <a:srgbClr val="0000FF"/>
+                </a:solidFill>
+                <a:latin typeface="Courier New" panose="02070309020205020404" pitchFamily="49" charset="0"/>
+              </a:rPr>
+              <a:t>  &lt;</a:t>
             </a:r>
             <a:r>
               <a:rPr lang="it-IT" dirty="0">
@@ -15621,7 +17777,7 @@
                 </a:solidFill>
                 <a:latin typeface="Courier New" panose="02070309020205020404" pitchFamily="49" charset="0"/>
               </a:rPr>
-              <a:t>Apollo 14</a:t>
+              <a:t>Apollo 16</a:t>
             </a:r>
             <a:r>
               <a:rPr lang="it-IT" dirty="0">
@@ -15644,190 +17800,13 @@
           </a:p>
           <a:p>
             <a:r>
-              <a:rPr lang="it-IT" dirty="0">
-                <a:solidFill>
-                  <a:srgbClr val="0000FF"/>
-                </a:solidFill>
-                <a:latin typeface="Courier New" panose="02070309020205020404" pitchFamily="49" charset="0"/>
-              </a:rPr>
-              <a:t>	</a:t>
-            </a:r>
-            <a:r>
               <a:rPr lang="it-IT" dirty="0" smtClean="0">
                 <a:solidFill>
                   <a:srgbClr val="0000FF"/>
                 </a:solidFill>
                 <a:latin typeface="Courier New" panose="02070309020205020404" pitchFamily="49" charset="0"/>
               </a:rPr>
-              <a:t>&lt;</a:t>
-            </a:r>
-            <a:r>
-              <a:rPr lang="it-IT" dirty="0">
-                <a:solidFill>
-                  <a:srgbClr val="0000FF"/>
-                </a:solidFill>
-                <a:latin typeface="Courier New" panose="02070309020205020404" pitchFamily="49" charset="0"/>
-              </a:rPr>
-              <a:t>li&gt;</a:t>
-            </a:r>
-            <a:r>
-              <a:rPr lang="it-IT" b="1" dirty="0">
-                <a:solidFill>
-                  <a:srgbClr val="000000"/>
-                </a:solidFill>
-                <a:latin typeface="Courier New" panose="02070309020205020404" pitchFamily="49" charset="0"/>
-              </a:rPr>
-              <a:t>Apollo 15</a:t>
-            </a:r>
-            <a:r>
-              <a:rPr lang="it-IT" dirty="0">
-                <a:solidFill>
-                  <a:srgbClr val="0000FF"/>
-                </a:solidFill>
-                <a:latin typeface="Courier New" panose="02070309020205020404" pitchFamily="49" charset="0"/>
-              </a:rPr>
-              <a:t>&lt;/li</a:t>
-            </a:r>
-            <a:r>
-              <a:rPr lang="it-IT" dirty="0" smtClean="0">
-                <a:solidFill>
-                  <a:srgbClr val="0000FF"/>
-                </a:solidFill>
-                <a:latin typeface="Courier New" panose="02070309020205020404" pitchFamily="49" charset="0"/>
-              </a:rPr>
-              <a:t>&gt;</a:t>
-            </a:r>
-          </a:p>
-          <a:p>
-            <a:r>
-              <a:rPr lang="it-IT" dirty="0">
-                <a:solidFill>
-                  <a:srgbClr val="0000FF"/>
-                </a:solidFill>
-                <a:latin typeface="Courier New" panose="02070309020205020404" pitchFamily="49" charset="0"/>
-              </a:rPr>
-              <a:t>	</a:t>
-            </a:r>
-            <a:r>
-              <a:rPr lang="it-IT" dirty="0" smtClean="0">
-                <a:solidFill>
-                  <a:srgbClr val="0000FF"/>
-                </a:solidFill>
-                <a:latin typeface="Courier New" panose="02070309020205020404" pitchFamily="49" charset="0"/>
-              </a:rPr>
-              <a:t>&lt;</a:t>
-            </a:r>
-            <a:r>
-              <a:rPr lang="it-IT" dirty="0">
-                <a:solidFill>
-                  <a:srgbClr val="0000FF"/>
-                </a:solidFill>
-                <a:latin typeface="Courier New" panose="02070309020205020404" pitchFamily="49" charset="0"/>
-              </a:rPr>
-              <a:t>li&gt;</a:t>
-            </a:r>
-            <a:r>
-              <a:rPr lang="it-IT" b="1" dirty="0">
-                <a:solidFill>
-                  <a:srgbClr val="000000"/>
-                </a:solidFill>
-                <a:latin typeface="Courier New" panose="02070309020205020404" pitchFamily="49" charset="0"/>
-              </a:rPr>
-              <a:t>Apollo 15</a:t>
-            </a:r>
-            <a:r>
-              <a:rPr lang="it-IT" dirty="0">
-                <a:solidFill>
-                  <a:srgbClr val="0000FF"/>
-                </a:solidFill>
-                <a:latin typeface="Courier New" panose="02070309020205020404" pitchFamily="49" charset="0"/>
-              </a:rPr>
-              <a:t>&lt;/li</a:t>
-            </a:r>
-            <a:r>
-              <a:rPr lang="it-IT" dirty="0" smtClean="0">
-                <a:solidFill>
-                  <a:srgbClr val="0000FF"/>
-                </a:solidFill>
-                <a:latin typeface="Courier New" panose="02070309020205020404" pitchFamily="49" charset="0"/>
-              </a:rPr>
-              <a:t>&gt;</a:t>
-            </a:r>
-          </a:p>
-          <a:p>
-            <a:r>
-              <a:rPr lang="it-IT" dirty="0">
-                <a:solidFill>
-                  <a:srgbClr val="0000FF"/>
-                </a:solidFill>
-                <a:latin typeface="Courier New" panose="02070309020205020404" pitchFamily="49" charset="0"/>
-              </a:rPr>
-              <a:t>	</a:t>
-            </a:r>
-            <a:r>
-              <a:rPr lang="it-IT" dirty="0" smtClean="0">
-                <a:solidFill>
-                  <a:srgbClr val="0000FF"/>
-                </a:solidFill>
-                <a:latin typeface="Courier New" panose="02070309020205020404" pitchFamily="49" charset="0"/>
-              </a:rPr>
-              <a:t>&lt;</a:t>
-            </a:r>
-            <a:r>
-              <a:rPr lang="it-IT" dirty="0">
-                <a:solidFill>
-                  <a:srgbClr val="0000FF"/>
-                </a:solidFill>
-                <a:latin typeface="Courier New" panose="02070309020205020404" pitchFamily="49" charset="0"/>
-              </a:rPr>
-              <a:t>li&gt;</a:t>
-            </a:r>
-            <a:r>
-              <a:rPr lang="it-IT" b="1" dirty="0">
-                <a:solidFill>
-                  <a:srgbClr val="000000"/>
-                </a:solidFill>
-                <a:latin typeface="Courier New" panose="02070309020205020404" pitchFamily="49" charset="0"/>
-              </a:rPr>
-              <a:t>Apollo 16</a:t>
-            </a:r>
-            <a:r>
-              <a:rPr lang="it-IT" dirty="0">
-                <a:solidFill>
-                  <a:srgbClr val="0000FF"/>
-                </a:solidFill>
-                <a:latin typeface="Courier New" panose="02070309020205020404" pitchFamily="49" charset="0"/>
-              </a:rPr>
-              <a:t>&lt;/li</a:t>
-            </a:r>
-            <a:r>
-              <a:rPr lang="it-IT" dirty="0" smtClean="0">
-                <a:solidFill>
-                  <a:srgbClr val="0000FF"/>
-                </a:solidFill>
-                <a:latin typeface="Courier New" panose="02070309020205020404" pitchFamily="49" charset="0"/>
-              </a:rPr>
-              <a:t>&gt;</a:t>
-            </a:r>
-          </a:p>
-          <a:p>
-            <a:r>
-              <a:rPr lang="it-IT" dirty="0">
-                <a:solidFill>
-                  <a:srgbClr val="0000FF"/>
-                </a:solidFill>
-                <a:latin typeface="Courier New" panose="02070309020205020404" pitchFamily="49" charset="0"/>
-              </a:rPr>
-              <a:t>	</a:t>
-            </a:r>
-            <a:r>
-              <a:rPr lang="it-IT" dirty="0" smtClean="0">
-                <a:solidFill>
-                  <a:srgbClr val="0000FF"/>
-                </a:solidFill>
-                <a:latin typeface="Courier New" panose="02070309020205020404" pitchFamily="49" charset="0"/>
-              </a:rPr>
-              <a:t>&lt;</a:t>
+              <a:t>  &lt;</a:t>
             </a:r>
             <a:r>
               <a:rPr lang="it-IT" dirty="0">
@@ -15913,9 +17892,350 @@
   <p:timing>
     <p:tnLst>
       <p:par>
-        <p:cTn id="1" dur="indefinite" restart="never" nodeType="tmRoot"/>
+        <p:cTn id="1" dur="indefinite" restart="never" nodeType="tmRoot">
+          <p:childTnLst>
+            <p:seq concurrent="1" nextAc="seek">
+              <p:cTn id="2" dur="indefinite" nodeType="mainSeq">
+                <p:childTnLst>
+                  <p:par>
+                    <p:cTn id="3" fill="hold">
+                      <p:stCondLst>
+                        <p:cond delay="indefinite"/>
+                      </p:stCondLst>
+                      <p:childTnLst>
+                        <p:par>
+                          <p:cTn id="4" fill="hold">
+                            <p:stCondLst>
+                              <p:cond delay="0"/>
+                            </p:stCondLst>
+                            <p:childTnLst>
+                              <p:par>
+                                <p:cTn id="5" presetID="1" presetClass="entr" presetSubtype="0" fill="hold" grpId="0" nodeType="clickEffect">
+                                  <p:stCondLst>
+                                    <p:cond delay="0"/>
+                                  </p:stCondLst>
+                                  <p:childTnLst>
+                                    <p:set>
+                                      <p:cBhvr>
+                                        <p:cTn id="6" dur="1" fill="hold">
+                                          <p:stCondLst>
+                                            <p:cond delay="0"/>
+                                          </p:stCondLst>
+                                        </p:cTn>
+                                        <p:tgtEl>
+                                          <p:spTgt spid="4">
+                                            <p:txEl>
+                                              <p:pRg st="0" end="0"/>
+                                            </p:txEl>
+                                          </p:spTgt>
+                                        </p:tgtEl>
+                                        <p:attrNameLst>
+                                          <p:attrName>style.visibility</p:attrName>
+                                        </p:attrNameLst>
+                                      </p:cBhvr>
+                                      <p:to>
+                                        <p:strVal val="visible"/>
+                                      </p:to>
+                                    </p:set>
+                                  </p:childTnLst>
+                                </p:cTn>
+                              </p:par>
+                            </p:childTnLst>
+                          </p:cTn>
+                        </p:par>
+                      </p:childTnLst>
+                    </p:cTn>
+                  </p:par>
+                  <p:par>
+                    <p:cTn id="7" fill="hold">
+                      <p:stCondLst>
+                        <p:cond delay="indefinite"/>
+                      </p:stCondLst>
+                      <p:childTnLst>
+                        <p:par>
+                          <p:cTn id="8" fill="hold">
+                            <p:stCondLst>
+                              <p:cond delay="0"/>
+                            </p:stCondLst>
+                            <p:childTnLst>
+                              <p:par>
+                                <p:cTn id="9" presetID="1" presetClass="entr" presetSubtype="0" fill="hold" grpId="0" nodeType="clickEffect">
+                                  <p:stCondLst>
+                                    <p:cond delay="0"/>
+                                  </p:stCondLst>
+                                  <p:childTnLst>
+                                    <p:set>
+                                      <p:cBhvr>
+                                        <p:cTn id="10" dur="1" fill="hold">
+                                          <p:stCondLst>
+                                            <p:cond delay="0"/>
+                                          </p:stCondLst>
+                                        </p:cTn>
+                                        <p:tgtEl>
+                                          <p:spTgt spid="4">
+                                            <p:txEl>
+                                              <p:pRg st="1" end="1"/>
+                                            </p:txEl>
+                                          </p:spTgt>
+                                        </p:tgtEl>
+                                        <p:attrNameLst>
+                                          <p:attrName>style.visibility</p:attrName>
+                                        </p:attrNameLst>
+                                      </p:cBhvr>
+                                      <p:to>
+                                        <p:strVal val="visible"/>
+                                      </p:to>
+                                    </p:set>
+                                  </p:childTnLst>
+                                </p:cTn>
+                              </p:par>
+                              <p:par>
+                                <p:cTn id="11" presetID="1" presetClass="entr" presetSubtype="0" fill="hold" grpId="0" nodeType="withEffect">
+                                  <p:stCondLst>
+                                    <p:cond delay="0"/>
+                                  </p:stCondLst>
+                                  <p:childTnLst>
+                                    <p:set>
+                                      <p:cBhvr>
+                                        <p:cTn id="12" dur="1" fill="hold">
+                                          <p:stCondLst>
+                                            <p:cond delay="0"/>
+                                          </p:stCondLst>
+                                        </p:cTn>
+                                        <p:tgtEl>
+                                          <p:spTgt spid="4">
+                                            <p:txEl>
+                                              <p:pRg st="2" end="2"/>
+                                            </p:txEl>
+                                          </p:spTgt>
+                                        </p:tgtEl>
+                                        <p:attrNameLst>
+                                          <p:attrName>style.visibility</p:attrName>
+                                        </p:attrNameLst>
+                                      </p:cBhvr>
+                                      <p:to>
+                                        <p:strVal val="visible"/>
+                                      </p:to>
+                                    </p:set>
+                                  </p:childTnLst>
+                                </p:cTn>
+                              </p:par>
+                              <p:par>
+                                <p:cTn id="13" presetID="1" presetClass="entr" presetSubtype="0" fill="hold" grpId="0" nodeType="withEffect">
+                                  <p:stCondLst>
+                                    <p:cond delay="0"/>
+                                  </p:stCondLst>
+                                  <p:childTnLst>
+                                    <p:set>
+                                      <p:cBhvr>
+                                        <p:cTn id="14" dur="1" fill="hold">
+                                          <p:stCondLst>
+                                            <p:cond delay="0"/>
+                                          </p:stCondLst>
+                                        </p:cTn>
+                                        <p:tgtEl>
+                                          <p:spTgt spid="4">
+                                            <p:txEl>
+                                              <p:pRg st="3" end="3"/>
+                                            </p:txEl>
+                                          </p:spTgt>
+                                        </p:tgtEl>
+                                        <p:attrNameLst>
+                                          <p:attrName>style.visibility</p:attrName>
+                                        </p:attrNameLst>
+                                      </p:cBhvr>
+                                      <p:to>
+                                        <p:strVal val="visible"/>
+                                      </p:to>
+                                    </p:set>
+                                  </p:childTnLst>
+                                </p:cTn>
+                              </p:par>
+                              <p:par>
+                                <p:cTn id="15" presetID="1" presetClass="entr" presetSubtype="0" fill="hold" grpId="0" nodeType="withEffect">
+                                  <p:stCondLst>
+                                    <p:cond delay="0"/>
+                                  </p:stCondLst>
+                                  <p:childTnLst>
+                                    <p:set>
+                                      <p:cBhvr>
+                                        <p:cTn id="16" dur="1" fill="hold">
+                                          <p:stCondLst>
+                                            <p:cond delay="0"/>
+                                          </p:stCondLst>
+                                        </p:cTn>
+                                        <p:tgtEl>
+                                          <p:spTgt spid="4">
+                                            <p:txEl>
+                                              <p:pRg st="4" end="4"/>
+                                            </p:txEl>
+                                          </p:spTgt>
+                                        </p:tgtEl>
+                                        <p:attrNameLst>
+                                          <p:attrName>style.visibility</p:attrName>
+                                        </p:attrNameLst>
+                                      </p:cBhvr>
+                                      <p:to>
+                                        <p:strVal val="visible"/>
+                                      </p:to>
+                                    </p:set>
+                                  </p:childTnLst>
+                                </p:cTn>
+                              </p:par>
+                              <p:par>
+                                <p:cTn id="17" presetID="1" presetClass="entr" presetSubtype="0" fill="hold" grpId="0" nodeType="withEffect">
+                                  <p:stCondLst>
+                                    <p:cond delay="0"/>
+                                  </p:stCondLst>
+                                  <p:childTnLst>
+                                    <p:set>
+                                      <p:cBhvr>
+                                        <p:cTn id="18" dur="1" fill="hold">
+                                          <p:stCondLst>
+                                            <p:cond delay="0"/>
+                                          </p:stCondLst>
+                                        </p:cTn>
+                                        <p:tgtEl>
+                                          <p:spTgt spid="4">
+                                            <p:txEl>
+                                              <p:pRg st="5" end="5"/>
+                                            </p:txEl>
+                                          </p:spTgt>
+                                        </p:tgtEl>
+                                        <p:attrNameLst>
+                                          <p:attrName>style.visibility</p:attrName>
+                                        </p:attrNameLst>
+                                      </p:cBhvr>
+                                      <p:to>
+                                        <p:strVal val="visible"/>
+                                      </p:to>
+                                    </p:set>
+                                  </p:childTnLst>
+                                </p:cTn>
+                              </p:par>
+                              <p:par>
+                                <p:cTn id="19" presetID="1" presetClass="entr" presetSubtype="0" fill="hold" grpId="0" nodeType="withEffect">
+                                  <p:stCondLst>
+                                    <p:cond delay="0"/>
+                                  </p:stCondLst>
+                                  <p:childTnLst>
+                                    <p:set>
+                                      <p:cBhvr>
+                                        <p:cTn id="20" dur="1" fill="hold">
+                                          <p:stCondLst>
+                                            <p:cond delay="0"/>
+                                          </p:stCondLst>
+                                        </p:cTn>
+                                        <p:tgtEl>
+                                          <p:spTgt spid="4">
+                                            <p:txEl>
+                                              <p:pRg st="6" end="6"/>
+                                            </p:txEl>
+                                          </p:spTgt>
+                                        </p:tgtEl>
+                                        <p:attrNameLst>
+                                          <p:attrName>style.visibility</p:attrName>
+                                        </p:attrNameLst>
+                                      </p:cBhvr>
+                                      <p:to>
+                                        <p:strVal val="visible"/>
+                                      </p:to>
+                                    </p:set>
+                                  </p:childTnLst>
+                                </p:cTn>
+                              </p:par>
+                              <p:par>
+                                <p:cTn id="21" presetID="1" presetClass="entr" presetSubtype="0" fill="hold" grpId="0" nodeType="withEffect">
+                                  <p:stCondLst>
+                                    <p:cond delay="0"/>
+                                  </p:stCondLst>
+                                  <p:childTnLst>
+                                    <p:set>
+                                      <p:cBhvr>
+                                        <p:cTn id="22" dur="1" fill="hold">
+                                          <p:stCondLst>
+                                            <p:cond delay="0"/>
+                                          </p:stCondLst>
+                                        </p:cTn>
+                                        <p:tgtEl>
+                                          <p:spTgt spid="4">
+                                            <p:txEl>
+                                              <p:pRg st="7" end="7"/>
+                                            </p:txEl>
+                                          </p:spTgt>
+                                        </p:tgtEl>
+                                        <p:attrNameLst>
+                                          <p:attrName>style.visibility</p:attrName>
+                                        </p:attrNameLst>
+                                      </p:cBhvr>
+                                      <p:to>
+                                        <p:strVal val="visible"/>
+                                      </p:to>
+                                    </p:set>
+                                  </p:childTnLst>
+                                </p:cTn>
+                              </p:par>
+                              <p:par>
+                                <p:cTn id="23" presetID="1" presetClass="entr" presetSubtype="0" fill="hold" grpId="0" nodeType="withEffect">
+                                  <p:stCondLst>
+                                    <p:cond delay="0"/>
+                                  </p:stCondLst>
+                                  <p:childTnLst>
+                                    <p:set>
+                                      <p:cBhvr>
+                                        <p:cTn id="24" dur="1" fill="hold">
+                                          <p:stCondLst>
+                                            <p:cond delay="0"/>
+                                          </p:stCondLst>
+                                        </p:cTn>
+                                        <p:tgtEl>
+                                          <p:spTgt spid="4">
+                                            <p:txEl>
+                                              <p:pRg st="8" end="8"/>
+                                            </p:txEl>
+                                          </p:spTgt>
+                                        </p:tgtEl>
+                                        <p:attrNameLst>
+                                          <p:attrName>style.visibility</p:attrName>
+                                        </p:attrNameLst>
+                                      </p:cBhvr>
+                                      <p:to>
+                                        <p:strVal val="visible"/>
+                                      </p:to>
+                                    </p:set>
+                                  </p:childTnLst>
+                                </p:cTn>
+                              </p:par>
+                            </p:childTnLst>
+                          </p:cTn>
+                        </p:par>
+                      </p:childTnLst>
+                    </p:cTn>
+                  </p:par>
+                </p:childTnLst>
+              </p:cTn>
+              <p:prevCondLst>
+                <p:cond evt="onPrev" delay="0">
+                  <p:tgtEl>
+                    <p:sldTgt/>
+                  </p:tgtEl>
+                </p:cond>
+              </p:prevCondLst>
+              <p:nextCondLst>
+                <p:cond evt="onNext" delay="0">
+                  <p:tgtEl>
+                    <p:sldTgt/>
+                  </p:tgtEl>
+                </p:cond>
+              </p:nextCondLst>
+            </p:seq>
+          </p:childTnLst>
+        </p:cTn>
       </p:par>
     </p:tnLst>
+    <p:bldLst>
+      <p:bldP spid="4" grpId="0" uiExpand="1" build="p"/>
+    </p:bldLst>
   </p:timing>
 </p:sld>
 </file>
@@ -15972,7 +18292,7 @@
         </p:nvSpPr>
         <p:spPr>
           <a:xfrm>
-            <a:off x="838200" y="1825625"/>
+            <a:off x="862792" y="3265425"/>
             <a:ext cx="4955771" cy="4351338"/>
           </a:xfrm>
         </p:spPr>
@@ -15996,8 +18316,13 @@
             </a:r>
             <a:r>
               <a:rPr lang="de-CH" dirty="0" smtClean="0"/>
-              <a:t>&gt; ummantelt</a:t>
-            </a:r>
+              <a:t>&gt; </a:t>
+            </a:r>
+            <a:r>
+              <a:rPr lang="de-CH" dirty="0" smtClean="0"/>
+              <a:t>ummantelt</a:t>
+            </a:r>
+            <a:endParaRPr lang="de-CH" dirty="0" smtClean="0"/>
           </a:p>
           <a:p>
             <a:r>
@@ -16024,7 +18349,7 @@
         </p:nvSpPr>
         <p:spPr>
           <a:xfrm>
-            <a:off x="6012873" y="2571142"/>
+            <a:off x="5818563" y="3176932"/>
             <a:ext cx="6179127" cy="1754326"/>
           </a:xfrm>
           <a:prstGeom prst="rect">
@@ -16064,22 +18389,13 @@
           </a:p>
           <a:p>
             <a:r>
-              <a:rPr lang="de-CH" b="1" dirty="0">
-                <a:solidFill>
-                  <a:srgbClr val="000000"/>
-                </a:solidFill>
-                <a:latin typeface="Courier New" panose="02070309020205020404" pitchFamily="49" charset="0"/>
-              </a:rPr>
-              <a:t>	</a:t>
-            </a:r>
-            <a:r>
               <a:rPr lang="de-CH" dirty="0" smtClean="0">
                 <a:solidFill>
                   <a:srgbClr val="0000FF"/>
                 </a:solidFill>
                 <a:latin typeface="Courier New" panose="02070309020205020404" pitchFamily="49" charset="0"/>
               </a:rPr>
-              <a:t>&lt;</a:t>
+              <a:t>  &lt;</a:t>
             </a:r>
             <a:r>
               <a:rPr lang="de-CH" dirty="0" err="1">
@@ -16144,22 +18460,13 @@
           </a:p>
           <a:p>
             <a:r>
-              <a:rPr lang="de-CH" b="1" dirty="0">
-                <a:solidFill>
-                  <a:srgbClr val="000000"/>
-                </a:solidFill>
-                <a:latin typeface="Courier New" panose="02070309020205020404" pitchFamily="49" charset="0"/>
-              </a:rPr>
-              <a:t>	</a:t>
-            </a:r>
-            <a:r>
               <a:rPr lang="de-CH" dirty="0" smtClean="0">
                 <a:solidFill>
                   <a:srgbClr val="0000FF"/>
                 </a:solidFill>
                 <a:latin typeface="Courier New" panose="02070309020205020404" pitchFamily="49" charset="0"/>
               </a:rPr>
-              <a:t>&lt;</a:t>
+              <a:t>  &lt;</a:t>
             </a:r>
             <a:r>
               <a:rPr lang="de-CH" dirty="0" err="1">
@@ -16233,22 +18540,13 @@
           </a:p>
           <a:p>
             <a:r>
-              <a:rPr lang="de-CH" b="1" dirty="0">
-                <a:solidFill>
-                  <a:srgbClr val="000000"/>
-                </a:solidFill>
-                <a:latin typeface="Courier New" panose="02070309020205020404" pitchFamily="49" charset="0"/>
-              </a:rPr>
-              <a:t>	</a:t>
-            </a:r>
-            <a:r>
               <a:rPr lang="de-CH" dirty="0" smtClean="0">
                 <a:solidFill>
                   <a:srgbClr val="0000FF"/>
                 </a:solidFill>
                 <a:latin typeface="Courier New" panose="02070309020205020404" pitchFamily="49" charset="0"/>
               </a:rPr>
-              <a:t>&lt;</a:t>
+              <a:t>  &lt;</a:t>
             </a:r>
             <a:r>
               <a:rPr lang="de-CH" dirty="0" err="1">
@@ -16319,7 +18617,16 @@
                 </a:solidFill>
                 <a:latin typeface="Courier New" panose="02070309020205020404" pitchFamily="49" charset="0"/>
               </a:rPr>
-              <a:t>	</a:t>
+              <a:t> </a:t>
+            </a:r>
+            <a:r>
+              <a:rPr lang="de-CH" b="1" dirty="0" smtClean="0">
+                <a:solidFill>
+                  <a:srgbClr val="000000"/>
+                </a:solidFill>
+                <a:latin typeface="Courier New" panose="02070309020205020404" pitchFamily="49" charset="0"/>
+              </a:rPr>
+              <a:t> </a:t>
             </a:r>
             <a:r>
               <a:rPr lang="de-CH" dirty="0" smtClean="0">
@@ -16438,9 +18745,275 @@
   <p:timing>
     <p:tnLst>
       <p:par>
-        <p:cTn id="1" dur="indefinite" restart="never" nodeType="tmRoot"/>
+        <p:cTn id="1" dur="indefinite" restart="never" nodeType="tmRoot">
+          <p:childTnLst>
+            <p:seq concurrent="1" nextAc="seek">
+              <p:cTn id="2" dur="indefinite" nodeType="mainSeq">
+                <p:childTnLst>
+                  <p:par>
+                    <p:cTn id="3" fill="hold">
+                      <p:stCondLst>
+                        <p:cond delay="indefinite"/>
+                      </p:stCondLst>
+                      <p:childTnLst>
+                        <p:par>
+                          <p:cTn id="4" fill="hold">
+                            <p:stCondLst>
+                              <p:cond delay="0"/>
+                            </p:stCondLst>
+                            <p:childTnLst>
+                              <p:par>
+                                <p:cTn id="5" presetID="1" presetClass="entr" presetSubtype="0" fill="hold" grpId="0" nodeType="clickEffect">
+                                  <p:stCondLst>
+                                    <p:cond delay="0"/>
+                                  </p:stCondLst>
+                                  <p:childTnLst>
+                                    <p:set>
+                                      <p:cBhvr>
+                                        <p:cTn id="6" dur="1" fill="hold">
+                                          <p:stCondLst>
+                                            <p:cond delay="0"/>
+                                          </p:stCondLst>
+                                        </p:cTn>
+                                        <p:tgtEl>
+                                          <p:spTgt spid="4">
+                                            <p:txEl>
+                                              <p:pRg st="0" end="0"/>
+                                            </p:txEl>
+                                          </p:spTgt>
+                                        </p:tgtEl>
+                                        <p:attrNameLst>
+                                          <p:attrName>style.visibility</p:attrName>
+                                        </p:attrNameLst>
+                                      </p:cBhvr>
+                                      <p:to>
+                                        <p:strVal val="visible"/>
+                                      </p:to>
+                                    </p:set>
+                                  </p:childTnLst>
+                                </p:cTn>
+                              </p:par>
+                              <p:par>
+                                <p:cTn id="7" presetID="1" presetClass="entr" presetSubtype="0" fill="hold" grpId="0" nodeType="withEffect">
+                                  <p:stCondLst>
+                                    <p:cond delay="0"/>
+                                  </p:stCondLst>
+                                  <p:childTnLst>
+                                    <p:set>
+                                      <p:cBhvr>
+                                        <p:cTn id="8" dur="1" fill="hold">
+                                          <p:stCondLst>
+                                            <p:cond delay="0"/>
+                                          </p:stCondLst>
+                                        </p:cTn>
+                                        <p:tgtEl>
+                                          <p:spTgt spid="4">
+                                            <p:txEl>
+                                              <p:pRg st="5" end="5"/>
+                                            </p:txEl>
+                                          </p:spTgt>
+                                        </p:tgtEl>
+                                        <p:attrNameLst>
+                                          <p:attrName>style.visibility</p:attrName>
+                                        </p:attrNameLst>
+                                      </p:cBhvr>
+                                      <p:to>
+                                        <p:strVal val="visible"/>
+                                      </p:to>
+                                    </p:set>
+                                  </p:childTnLst>
+                                </p:cTn>
+                              </p:par>
+                            </p:childTnLst>
+                          </p:cTn>
+                        </p:par>
+                      </p:childTnLst>
+                    </p:cTn>
+                  </p:par>
+                  <p:par>
+                    <p:cTn id="9" fill="hold">
+                      <p:stCondLst>
+                        <p:cond delay="indefinite"/>
+                      </p:stCondLst>
+                      <p:childTnLst>
+                        <p:par>
+                          <p:cTn id="10" fill="hold">
+                            <p:stCondLst>
+                              <p:cond delay="0"/>
+                            </p:stCondLst>
+                            <p:childTnLst>
+                              <p:par>
+                                <p:cTn id="11" presetID="1" presetClass="entr" presetSubtype="0" fill="hold" grpId="0" nodeType="clickEffect">
+                                  <p:stCondLst>
+                                    <p:cond delay="0"/>
+                                  </p:stCondLst>
+                                  <p:childTnLst>
+                                    <p:set>
+                                      <p:cBhvr>
+                                        <p:cTn id="12" dur="1" fill="hold">
+                                          <p:stCondLst>
+                                            <p:cond delay="0"/>
+                                          </p:stCondLst>
+                                        </p:cTn>
+                                        <p:tgtEl>
+                                          <p:spTgt spid="4">
+                                            <p:txEl>
+                                              <p:pRg st="1" end="1"/>
+                                            </p:txEl>
+                                          </p:spTgt>
+                                        </p:tgtEl>
+                                        <p:attrNameLst>
+                                          <p:attrName>style.visibility</p:attrName>
+                                        </p:attrNameLst>
+                                      </p:cBhvr>
+                                      <p:to>
+                                        <p:strVal val="visible"/>
+                                      </p:to>
+                                    </p:set>
+                                  </p:childTnLst>
+                                </p:cTn>
+                              </p:par>
+                              <p:par>
+                                <p:cTn id="13" presetID="1" presetClass="entr" presetSubtype="0" fill="hold" grpId="0" nodeType="withEffect">
+                                  <p:stCondLst>
+                                    <p:cond delay="0"/>
+                                  </p:stCondLst>
+                                  <p:childTnLst>
+                                    <p:set>
+                                      <p:cBhvr>
+                                        <p:cTn id="14" dur="1" fill="hold">
+                                          <p:stCondLst>
+                                            <p:cond delay="0"/>
+                                          </p:stCondLst>
+                                        </p:cTn>
+                                        <p:tgtEl>
+                                          <p:spTgt spid="4">
+                                            <p:txEl>
+                                              <p:pRg st="2" end="2"/>
+                                            </p:txEl>
+                                          </p:spTgt>
+                                        </p:tgtEl>
+                                        <p:attrNameLst>
+                                          <p:attrName>style.visibility</p:attrName>
+                                        </p:attrNameLst>
+                                      </p:cBhvr>
+                                      <p:to>
+                                        <p:strVal val="visible"/>
+                                      </p:to>
+                                    </p:set>
+                                  </p:childTnLst>
+                                </p:cTn>
+                              </p:par>
+                            </p:childTnLst>
+                          </p:cTn>
+                        </p:par>
+                      </p:childTnLst>
+                    </p:cTn>
+                  </p:par>
+                  <p:par>
+                    <p:cTn id="15" fill="hold">
+                      <p:stCondLst>
+                        <p:cond delay="indefinite"/>
+                      </p:stCondLst>
+                      <p:childTnLst>
+                        <p:par>
+                          <p:cTn id="16" fill="hold">
+                            <p:stCondLst>
+                              <p:cond delay="0"/>
+                            </p:stCondLst>
+                            <p:childTnLst>
+                              <p:par>
+                                <p:cTn id="17" presetID="1" presetClass="entr" presetSubtype="0" fill="hold" grpId="0" nodeType="clickEffect">
+                                  <p:stCondLst>
+                                    <p:cond delay="0"/>
+                                  </p:stCondLst>
+                                  <p:childTnLst>
+                                    <p:set>
+                                      <p:cBhvr>
+                                        <p:cTn id="18" dur="1" fill="hold">
+                                          <p:stCondLst>
+                                            <p:cond delay="0"/>
+                                          </p:stCondLst>
+                                        </p:cTn>
+                                        <p:tgtEl>
+                                          <p:spTgt spid="4">
+                                            <p:txEl>
+                                              <p:pRg st="3" end="3"/>
+                                            </p:txEl>
+                                          </p:spTgt>
+                                        </p:tgtEl>
+                                        <p:attrNameLst>
+                                          <p:attrName>style.visibility</p:attrName>
+                                        </p:attrNameLst>
+                                      </p:cBhvr>
+                                      <p:to>
+                                        <p:strVal val="visible"/>
+                                      </p:to>
+                                    </p:set>
+                                  </p:childTnLst>
+                                </p:cTn>
+                              </p:par>
+                              <p:par>
+                                <p:cTn id="19" presetID="1" presetClass="entr" presetSubtype="0" fill="hold" grpId="0" nodeType="withEffect">
+                                  <p:stCondLst>
+                                    <p:cond delay="0"/>
+                                  </p:stCondLst>
+                                  <p:childTnLst>
+                                    <p:set>
+                                      <p:cBhvr>
+                                        <p:cTn id="20" dur="1" fill="hold">
+                                          <p:stCondLst>
+                                            <p:cond delay="0"/>
+                                          </p:stCondLst>
+                                        </p:cTn>
+                                        <p:tgtEl>
+                                          <p:spTgt spid="4">
+                                            <p:txEl>
+                                              <p:pRg st="4" end="4"/>
+                                            </p:txEl>
+                                          </p:spTgt>
+                                        </p:tgtEl>
+                                        <p:attrNameLst>
+                                          <p:attrName>style.visibility</p:attrName>
+                                        </p:attrNameLst>
+                                      </p:cBhvr>
+                                      <p:to>
+                                        <p:strVal val="visible"/>
+                                      </p:to>
+                                    </p:set>
+                                  </p:childTnLst>
+                                </p:cTn>
+                              </p:par>
+                            </p:childTnLst>
+                          </p:cTn>
+                        </p:par>
+                      </p:childTnLst>
+                    </p:cTn>
+                  </p:par>
+                </p:childTnLst>
+              </p:cTn>
+              <p:prevCondLst>
+                <p:cond evt="onPrev" delay="0">
+                  <p:tgtEl>
+                    <p:sldTgt/>
+                  </p:tgtEl>
+                </p:cond>
+              </p:prevCondLst>
+              <p:nextCondLst>
+                <p:cond evt="onNext" delay="0">
+                  <p:tgtEl>
+                    <p:sldTgt/>
+                  </p:tgtEl>
+                </p:cond>
+              </p:nextCondLst>
+            </p:seq>
+          </p:childTnLst>
+        </p:cTn>
       </p:par>
     </p:tnLst>
+    <p:bldLst>
+      <p:bldP spid="4" grpId="0" uiExpand="1" build="p"/>
+    </p:bldLst>
   </p:timing>
 </p:sld>
 </file>
@@ -20108,8 +22681,21 @@
           <a:prstGeom prst="rect">
             <a:avLst/>
           </a:prstGeom>
-          <a:noFill/>
         </p:spPr>
+        <p:style>
+          <a:lnRef idx="2">
+            <a:schemeClr val="accent1"/>
+          </a:lnRef>
+          <a:fillRef idx="1">
+            <a:schemeClr val="lt1"/>
+          </a:fillRef>
+          <a:effectRef idx="0">
+            <a:schemeClr val="accent1"/>
+          </a:effectRef>
+          <a:fontRef idx="minor">
+            <a:schemeClr val="dk1"/>
+          </a:fontRef>
+        </p:style>
         <p:txBody>
           <a:bodyPr wrap="square" rtlCol="0">
             <a:spAutoFit/>
@@ -20177,8 +22763,21 @@
           <a:prstGeom prst="rect">
             <a:avLst/>
           </a:prstGeom>
-          <a:noFill/>
         </p:spPr>
+        <p:style>
+          <a:lnRef idx="2">
+            <a:schemeClr val="accent1"/>
+          </a:lnRef>
+          <a:fillRef idx="1">
+            <a:schemeClr val="lt1"/>
+          </a:fillRef>
+          <a:effectRef idx="0">
+            <a:schemeClr val="accent1"/>
+          </a:effectRef>
+          <a:fontRef idx="minor">
+            <a:schemeClr val="dk1"/>
+          </a:fontRef>
+        </p:style>
         <p:txBody>
           <a:bodyPr wrap="square" rtlCol="0">
             <a:spAutoFit/>
@@ -20211,8 +22810,8 @@
         </p:nvCxnSpPr>
         <p:spPr>
           <a:xfrm flipH="1" flipV="1">
-            <a:off x="5220393" y="3766113"/>
-            <a:ext cx="3041073" cy="1020246"/>
+            <a:off x="6469380" y="3766113"/>
+            <a:ext cx="1792086" cy="1020246"/>
           </a:xfrm>
           <a:prstGeom prst="straightConnector1">
             <a:avLst/>
@@ -20249,9 +22848,180 @@
   <p:timing>
     <p:tnLst>
       <p:par>
-        <p:cTn id="1" dur="indefinite" restart="never" nodeType="tmRoot"/>
+        <p:cTn id="1" dur="indefinite" restart="never" nodeType="tmRoot">
+          <p:childTnLst>
+            <p:seq concurrent="1" nextAc="seek">
+              <p:cTn id="2" dur="indefinite" nodeType="mainSeq">
+                <p:childTnLst>
+                  <p:par>
+                    <p:cTn id="3" fill="hold">
+                      <p:stCondLst>
+                        <p:cond delay="indefinite"/>
+                      </p:stCondLst>
+                      <p:childTnLst>
+                        <p:par>
+                          <p:cTn id="4" fill="hold">
+                            <p:stCondLst>
+                              <p:cond delay="0"/>
+                            </p:stCondLst>
+                            <p:childTnLst>
+                              <p:par>
+                                <p:cTn id="5" presetID="1" presetClass="entr" presetSubtype="0" fill="hold" grpId="0" nodeType="clickEffect">
+                                  <p:stCondLst>
+                                    <p:cond delay="0"/>
+                                  </p:stCondLst>
+                                  <p:childTnLst>
+                                    <p:set>
+                                      <p:cBhvr>
+                                        <p:cTn id="6" dur="1" fill="hold">
+                                          <p:stCondLst>
+                                            <p:cond delay="0"/>
+                                          </p:stCondLst>
+                                        </p:cTn>
+                                        <p:tgtEl>
+                                          <p:spTgt spid="5"/>
+                                        </p:tgtEl>
+                                        <p:attrNameLst>
+                                          <p:attrName>style.visibility</p:attrName>
+                                        </p:attrNameLst>
+                                      </p:cBhvr>
+                                      <p:to>
+                                        <p:strVal val="visible"/>
+                                      </p:to>
+                                    </p:set>
+                                  </p:childTnLst>
+                                </p:cTn>
+                              </p:par>
+                              <p:par>
+                                <p:cTn id="7" presetID="1" presetClass="entr" presetSubtype="0" fill="hold" nodeType="withEffect">
+                                  <p:stCondLst>
+                                    <p:cond delay="0"/>
+                                  </p:stCondLst>
+                                  <p:childTnLst>
+                                    <p:set>
+                                      <p:cBhvr>
+                                        <p:cTn id="8" dur="1" fill="hold">
+                                          <p:stCondLst>
+                                            <p:cond delay="0"/>
+                                          </p:stCondLst>
+                                        </p:cTn>
+                                        <p:tgtEl>
+                                          <p:spTgt spid="7"/>
+                                        </p:tgtEl>
+                                        <p:attrNameLst>
+                                          <p:attrName>style.visibility</p:attrName>
+                                        </p:attrNameLst>
+                                      </p:cBhvr>
+                                      <p:to>
+                                        <p:strVal val="visible"/>
+                                      </p:to>
+                                    </p:set>
+                                  </p:childTnLst>
+                                </p:cTn>
+                              </p:par>
+                            </p:childTnLst>
+                          </p:cTn>
+                        </p:par>
+                      </p:childTnLst>
+                    </p:cTn>
+                  </p:par>
+                  <p:par>
+                    <p:cTn id="9" fill="hold">
+                      <p:stCondLst>
+                        <p:cond delay="indefinite"/>
+                      </p:stCondLst>
+                      <p:childTnLst>
+                        <p:par>
+                          <p:cTn id="10" fill="hold">
+                            <p:stCondLst>
+                              <p:cond delay="0"/>
+                            </p:stCondLst>
+                            <p:childTnLst>
+                              <p:par>
+                                <p:cTn id="11" presetID="1" presetClass="entr" presetSubtype="0" fill="hold" nodeType="clickEffect">
+                                  <p:stCondLst>
+                                    <p:cond delay="0"/>
+                                  </p:stCondLst>
+                                  <p:childTnLst>
+                                    <p:set>
+                                      <p:cBhvr>
+                                        <p:cTn id="12" dur="1" fill="hold">
+                                          <p:stCondLst>
+                                            <p:cond delay="0"/>
+                                          </p:stCondLst>
+                                        </p:cTn>
+                                        <p:tgtEl>
+                                          <p:spTgt spid="10"/>
+                                        </p:tgtEl>
+                                        <p:attrNameLst>
+                                          <p:attrName>style.visibility</p:attrName>
+                                        </p:attrNameLst>
+                                      </p:cBhvr>
+                                      <p:to>
+                                        <p:strVal val="visible"/>
+                                      </p:to>
+                                    </p:set>
+                                  </p:childTnLst>
+                                </p:cTn>
+                              </p:par>
+                              <p:par>
+                                <p:cTn id="13" presetID="1" presetClass="entr" presetSubtype="0" fill="hold" grpId="0" nodeType="withEffect">
+                                  <p:stCondLst>
+                                    <p:cond delay="0"/>
+                                  </p:stCondLst>
+                                  <p:childTnLst>
+                                    <p:set>
+                                      <p:cBhvr>
+                                        <p:cTn id="14" dur="1" fill="hold">
+                                          <p:stCondLst>
+                                            <p:cond delay="0"/>
+                                          </p:stCondLst>
+                                        </p:cTn>
+                                        <p:tgtEl>
+                                          <p:spTgt spid="8"/>
+                                        </p:tgtEl>
+                                        <p:attrNameLst>
+                                          <p:attrName>style.visibility</p:attrName>
+                                        </p:attrNameLst>
+                                      </p:cBhvr>
+                                      <p:to>
+                                        <p:strVal val="visible"/>
+                                      </p:to>
+                                    </p:set>
+                                  </p:childTnLst>
+                                </p:cTn>
+                              </p:par>
+                            </p:childTnLst>
+                          </p:cTn>
+                        </p:par>
+                      </p:childTnLst>
+                    </p:cTn>
+                  </p:par>
+                </p:childTnLst>
+              </p:cTn>
+              <p:prevCondLst>
+                <p:cond evt="onPrev" delay="0">
+                  <p:tgtEl>
+                    <p:sldTgt/>
+                  </p:tgtEl>
+                </p:cond>
+              </p:prevCondLst>
+              <p:nextCondLst>
+                <p:cond evt="onNext" delay="0">
+                  <p:tgtEl>
+                    <p:sldTgt/>
+                  </p:tgtEl>
+                </p:cond>
+              </p:nextCondLst>
+            </p:seq>
+          </p:childTnLst>
+        </p:cTn>
       </p:par>
     </p:tnLst>
+    <p:bldLst>
+      <p:bldP spid="5" grpId="0" animBg="1"/>
+      <p:bldP spid="8" grpId="0" animBg="1"/>
+    </p:bldLst>
   </p:timing>
 </p:sld>
 </file>
@@ -20541,9 +23311,278 @@
   <p:timing>
     <p:tnLst>
       <p:par>
-        <p:cTn id="1" dur="indefinite" restart="never" nodeType="tmRoot"/>
+        <p:cTn id="1" dur="indefinite" restart="never" nodeType="tmRoot">
+          <p:childTnLst>
+            <p:seq concurrent="1" nextAc="seek">
+              <p:cTn id="2" dur="indefinite" nodeType="mainSeq">
+                <p:childTnLst>
+                  <p:par>
+                    <p:cTn id="3" fill="hold">
+                      <p:stCondLst>
+                        <p:cond delay="indefinite"/>
+                        <p:cond evt="onBegin" delay="0">
+                          <p:tn val="2"/>
+                        </p:cond>
+                      </p:stCondLst>
+                      <p:childTnLst>
+                        <p:par>
+                          <p:cTn id="4" fill="hold">
+                            <p:stCondLst>
+                              <p:cond delay="0"/>
+                            </p:stCondLst>
+                            <p:childTnLst>
+                              <p:par>
+                                <p:cTn id="5" presetID="1" presetClass="entr" presetSubtype="0" fill="hold" grpId="0" nodeType="withEffect">
+                                  <p:stCondLst>
+                                    <p:cond delay="0"/>
+                                  </p:stCondLst>
+                                  <p:childTnLst>
+                                    <p:set>
+                                      <p:cBhvr>
+                                        <p:cTn id="6" dur="1" fill="hold">
+                                          <p:stCondLst>
+                                            <p:cond delay="0"/>
+                                          </p:stCondLst>
+                                        </p:cTn>
+                                        <p:tgtEl>
+                                          <p:spTgt spid="3">
+                                            <p:txEl>
+                                              <p:pRg st="0" end="0"/>
+                                            </p:txEl>
+                                          </p:spTgt>
+                                        </p:tgtEl>
+                                        <p:attrNameLst>
+                                          <p:attrName>style.visibility</p:attrName>
+                                        </p:attrNameLst>
+                                      </p:cBhvr>
+                                      <p:to>
+                                        <p:strVal val="visible"/>
+                                      </p:to>
+                                    </p:set>
+                                  </p:childTnLst>
+                                </p:cTn>
+                              </p:par>
+                            </p:childTnLst>
+                          </p:cTn>
+                        </p:par>
+                      </p:childTnLst>
+                    </p:cTn>
+                  </p:par>
+                  <p:par>
+                    <p:cTn id="7" fill="hold">
+                      <p:stCondLst>
+                        <p:cond delay="indefinite"/>
+                      </p:stCondLst>
+                      <p:childTnLst>
+                        <p:par>
+                          <p:cTn id="8" fill="hold">
+                            <p:stCondLst>
+                              <p:cond delay="0"/>
+                            </p:stCondLst>
+                            <p:childTnLst>
+                              <p:par>
+                                <p:cTn id="9" presetID="1" presetClass="entr" presetSubtype="0" fill="hold" grpId="0" nodeType="clickEffect">
+                                  <p:stCondLst>
+                                    <p:cond delay="0"/>
+                                  </p:stCondLst>
+                                  <p:childTnLst>
+                                    <p:set>
+                                      <p:cBhvr>
+                                        <p:cTn id="10" dur="1" fill="hold">
+                                          <p:stCondLst>
+                                            <p:cond delay="0"/>
+                                          </p:stCondLst>
+                                        </p:cTn>
+                                        <p:tgtEl>
+                                          <p:spTgt spid="3">
+                                            <p:txEl>
+                                              <p:pRg st="1" end="1"/>
+                                            </p:txEl>
+                                          </p:spTgt>
+                                        </p:tgtEl>
+                                        <p:attrNameLst>
+                                          <p:attrName>style.visibility</p:attrName>
+                                        </p:attrNameLst>
+                                      </p:cBhvr>
+                                      <p:to>
+                                        <p:strVal val="visible"/>
+                                      </p:to>
+                                    </p:set>
+                                  </p:childTnLst>
+                                </p:cTn>
+                              </p:par>
+                              <p:par>
+                                <p:cTn id="11" presetID="1" presetClass="entr" presetSubtype="0" fill="hold" grpId="0" nodeType="withEffect">
+                                  <p:stCondLst>
+                                    <p:cond delay="0"/>
+                                  </p:stCondLst>
+                                  <p:childTnLst>
+                                    <p:set>
+                                      <p:cBhvr>
+                                        <p:cTn id="12" dur="1" fill="hold">
+                                          <p:stCondLst>
+                                            <p:cond delay="0"/>
+                                          </p:stCondLst>
+                                        </p:cTn>
+                                        <p:tgtEl>
+                                          <p:spTgt spid="3">
+                                            <p:txEl>
+                                              <p:pRg st="2" end="2"/>
+                                            </p:txEl>
+                                          </p:spTgt>
+                                        </p:tgtEl>
+                                        <p:attrNameLst>
+                                          <p:attrName>style.visibility</p:attrName>
+                                        </p:attrNameLst>
+                                      </p:cBhvr>
+                                      <p:to>
+                                        <p:strVal val="visible"/>
+                                      </p:to>
+                                    </p:set>
+                                  </p:childTnLst>
+                                </p:cTn>
+                              </p:par>
+                              <p:par>
+                                <p:cTn id="13" presetID="1" presetClass="entr" presetSubtype="0" fill="hold" grpId="0" nodeType="withEffect">
+                                  <p:stCondLst>
+                                    <p:cond delay="0"/>
+                                  </p:stCondLst>
+                                  <p:childTnLst>
+                                    <p:set>
+                                      <p:cBhvr>
+                                        <p:cTn id="14" dur="1" fill="hold">
+                                          <p:stCondLst>
+                                            <p:cond delay="0"/>
+                                          </p:stCondLst>
+                                        </p:cTn>
+                                        <p:tgtEl>
+                                          <p:spTgt spid="3">
+                                            <p:txEl>
+                                              <p:pRg st="3" end="3"/>
+                                            </p:txEl>
+                                          </p:spTgt>
+                                        </p:tgtEl>
+                                        <p:attrNameLst>
+                                          <p:attrName>style.visibility</p:attrName>
+                                        </p:attrNameLst>
+                                      </p:cBhvr>
+                                      <p:to>
+                                        <p:strVal val="visible"/>
+                                      </p:to>
+                                    </p:set>
+                                  </p:childTnLst>
+                                </p:cTn>
+                              </p:par>
+                            </p:childTnLst>
+                          </p:cTn>
+                        </p:par>
+                      </p:childTnLst>
+                    </p:cTn>
+                  </p:par>
+                  <p:par>
+                    <p:cTn id="15" fill="hold">
+                      <p:stCondLst>
+                        <p:cond delay="indefinite"/>
+                      </p:stCondLst>
+                      <p:childTnLst>
+                        <p:par>
+                          <p:cTn id="16" fill="hold">
+                            <p:stCondLst>
+                              <p:cond delay="0"/>
+                            </p:stCondLst>
+                            <p:childTnLst>
+                              <p:par>
+                                <p:cTn id="17" presetID="1" presetClass="entr" presetSubtype="0" fill="hold" grpId="0" nodeType="clickEffect">
+                                  <p:stCondLst>
+                                    <p:cond delay="0"/>
+                                  </p:stCondLst>
+                                  <p:childTnLst>
+                                    <p:set>
+                                      <p:cBhvr>
+                                        <p:cTn id="18" dur="1" fill="hold">
+                                          <p:stCondLst>
+                                            <p:cond delay="0"/>
+                                          </p:stCondLst>
+                                        </p:cTn>
+                                        <p:tgtEl>
+                                          <p:spTgt spid="3">
+                                            <p:txEl>
+                                              <p:pRg st="4" end="4"/>
+                                            </p:txEl>
+                                          </p:spTgt>
+                                        </p:tgtEl>
+                                        <p:attrNameLst>
+                                          <p:attrName>style.visibility</p:attrName>
+                                        </p:attrNameLst>
+                                      </p:cBhvr>
+                                      <p:to>
+                                        <p:strVal val="visible"/>
+                                      </p:to>
+                                    </p:set>
+                                  </p:childTnLst>
+                                </p:cTn>
+                              </p:par>
+                              <p:par>
+                                <p:cTn id="19" presetID="1" presetClass="entr" presetSubtype="0" fill="hold" grpId="0" nodeType="withEffect">
+                                  <p:stCondLst>
+                                    <p:cond delay="0"/>
+                                  </p:stCondLst>
+                                  <p:childTnLst>
+                                    <p:set>
+                                      <p:cBhvr>
+                                        <p:cTn id="20" dur="1" fill="hold">
+                                          <p:stCondLst>
+                                            <p:cond delay="0"/>
+                                          </p:stCondLst>
+                                        </p:cTn>
+                                        <p:tgtEl>
+                                          <p:spTgt spid="3">
+                                            <p:txEl>
+                                              <p:pRg st="5" end="5"/>
+                                            </p:txEl>
+                                          </p:spTgt>
+                                        </p:tgtEl>
+                                        <p:attrNameLst>
+                                          <p:attrName>style.visibility</p:attrName>
+                                        </p:attrNameLst>
+                                      </p:cBhvr>
+                                      <p:to>
+                                        <p:strVal val="visible"/>
+                                      </p:to>
+                                    </p:set>
+                                  </p:childTnLst>
+                                </p:cTn>
+                              </p:par>
+                            </p:childTnLst>
+                          </p:cTn>
+                        </p:par>
+                      </p:childTnLst>
+                    </p:cTn>
+                  </p:par>
+                </p:childTnLst>
+              </p:cTn>
+              <p:prevCondLst>
+                <p:cond evt="onPrev" delay="0">
+                  <p:tgtEl>
+                    <p:sldTgt/>
+                  </p:tgtEl>
+                </p:cond>
+              </p:prevCondLst>
+              <p:nextCondLst>
+                <p:cond evt="onNext" delay="0">
+                  <p:tgtEl>
+                    <p:sldTgt/>
+                  </p:tgtEl>
+                </p:cond>
+              </p:nextCondLst>
+            </p:seq>
+          </p:childTnLst>
+        </p:cTn>
       </p:par>
     </p:tnLst>
+    <p:bldLst>
+      <p:bldP spid="3" grpId="0" uiExpand="1" build="p"/>
+    </p:bldLst>
   </p:timing>
 </p:sld>
 </file>
@@ -20605,31 +23644,41 @@
           </a:xfrm>
         </p:spPr>
         <p:txBody>
-          <a:bodyPr/>
+          <a:bodyPr>
+            <a:normAutofit/>
+          </a:bodyPr>
           <a:lstStyle/>
           <a:p>
             <a:pPr marL="0" indent="0">
               <a:buNone/>
             </a:pPr>
             <a:r>
-              <a:rPr lang="de-CH" dirty="0" smtClean="0"/>
+              <a:rPr lang="de-CH" sz="2800" dirty="0" smtClean="0"/>
               <a:t>Mit Target können wir definieren wo ein Link geöffnet wird.</a:t>
             </a:r>
           </a:p>
           <a:p>
-            <a:r>
-              <a:rPr lang="de-CH" dirty="0" smtClean="0"/>
-              <a:t>Mit _</a:t>
-            </a:r>
-            <a:r>
-              <a:rPr lang="de-CH" dirty="0" err="1" smtClean="0"/>
+            <a:pPr>
+              <a:buFont typeface="Arial" panose="020B0604020202020204" pitchFamily="34" charset="0"/>
+              <a:buChar char="•"/>
+            </a:pPr>
+            <a:r>
+              <a:rPr lang="de-CH" sz="2800" dirty="0" smtClean="0"/>
+              <a:t> Mit </a:t>
+            </a:r>
+            <a:r>
+              <a:rPr lang="de-CH" sz="2800" dirty="0" smtClean="0"/>
+              <a:t>_</a:t>
+            </a:r>
+            <a:r>
+              <a:rPr lang="de-CH" sz="2800" dirty="0" err="1" smtClean="0"/>
               <a:t>self</a:t>
             </a:r>
             <a:r>
-              <a:rPr lang="de-CH" dirty="0" smtClean="0"/>
+              <a:rPr lang="de-CH" sz="2800" dirty="0" smtClean="0"/>
               <a:t> öffnen wir einen Link im selben Fenster.</a:t>
             </a:r>
-            <a:endParaRPr lang="de-CH" dirty="0"/>
+            <a:endParaRPr lang="de-CH" sz="2800" dirty="0"/>
           </a:p>
         </p:txBody>
       </p:sp>
@@ -20823,7 +23872,22 @@
             </a:pPr>
             <a:r>
               <a:rPr lang="de-CH" sz="2800" dirty="0" smtClean="0"/>
-              <a:t>Mit _blank </a:t>
+              <a:t>Mit _</a:t>
+            </a:r>
+            <a:r>
+              <a:rPr lang="de-CH" sz="2800" dirty="0">
+                <a:solidFill>
+                  <a:schemeClr val="tx1">
+                    <a:lumMod val="75000"/>
+                    <a:lumOff val="25000"/>
+                  </a:schemeClr>
+                </a:solidFill>
+              </a:rPr>
+              <a:t>blank</a:t>
+            </a:r>
+            <a:r>
+              <a:rPr lang="de-CH" sz="2800" dirty="0" smtClean="0"/>
+              <a:t> </a:t>
             </a:r>
             <a:r>
               <a:rPr lang="de-CH" sz="2800" dirty="0" err="1" smtClean="0"/>
@@ -20994,9 +24058,238 @@
   <p:timing>
     <p:tnLst>
       <p:par>
-        <p:cTn id="1" dur="indefinite" restart="never" nodeType="tmRoot"/>
+        <p:cTn id="1" dur="indefinite" restart="never" nodeType="tmRoot">
+          <p:childTnLst>
+            <p:seq concurrent="1" nextAc="seek">
+              <p:cTn id="2" dur="indefinite" nodeType="mainSeq">
+                <p:childTnLst>
+                  <p:par>
+                    <p:cTn id="3" fill="hold">
+                      <p:stCondLst>
+                        <p:cond delay="indefinite"/>
+                        <p:cond evt="onBegin" delay="0">
+                          <p:tn val="2"/>
+                        </p:cond>
+                      </p:stCondLst>
+                      <p:childTnLst>
+                        <p:par>
+                          <p:cTn id="4" fill="hold">
+                            <p:stCondLst>
+                              <p:cond delay="0"/>
+                            </p:stCondLst>
+                            <p:childTnLst>
+                              <p:par>
+                                <p:cTn id="5" presetID="1" presetClass="entr" presetSubtype="0" fill="hold" grpId="0" nodeType="withEffect">
+                                  <p:stCondLst>
+                                    <p:cond delay="0"/>
+                                  </p:stCondLst>
+                                  <p:childTnLst>
+                                    <p:set>
+                                      <p:cBhvr>
+                                        <p:cTn id="6" dur="1" fill="hold">
+                                          <p:stCondLst>
+                                            <p:cond delay="0"/>
+                                          </p:stCondLst>
+                                        </p:cTn>
+                                        <p:tgtEl>
+                                          <p:spTgt spid="3">
+                                            <p:txEl>
+                                              <p:pRg st="0" end="0"/>
+                                            </p:txEl>
+                                          </p:spTgt>
+                                        </p:tgtEl>
+                                        <p:attrNameLst>
+                                          <p:attrName>style.visibility</p:attrName>
+                                        </p:attrNameLst>
+                                      </p:cBhvr>
+                                      <p:to>
+                                        <p:strVal val="visible"/>
+                                      </p:to>
+                                    </p:set>
+                                  </p:childTnLst>
+                                </p:cTn>
+                              </p:par>
+                            </p:childTnLst>
+                          </p:cTn>
+                        </p:par>
+                      </p:childTnLst>
+                    </p:cTn>
+                  </p:par>
+                  <p:par>
+                    <p:cTn id="7" fill="hold">
+                      <p:stCondLst>
+                        <p:cond delay="indefinite"/>
+                      </p:stCondLst>
+                      <p:childTnLst>
+                        <p:par>
+                          <p:cTn id="8" fill="hold">
+                            <p:stCondLst>
+                              <p:cond delay="0"/>
+                            </p:stCondLst>
+                            <p:childTnLst>
+                              <p:par>
+                                <p:cTn id="9" presetID="1" presetClass="entr" presetSubtype="0" fill="hold" grpId="0" nodeType="clickEffect">
+                                  <p:stCondLst>
+                                    <p:cond delay="0"/>
+                                  </p:stCondLst>
+                                  <p:childTnLst>
+                                    <p:set>
+                                      <p:cBhvr>
+                                        <p:cTn id="10" dur="1" fill="hold">
+                                          <p:stCondLst>
+                                            <p:cond delay="0"/>
+                                          </p:stCondLst>
+                                        </p:cTn>
+                                        <p:tgtEl>
+                                          <p:spTgt spid="3">
+                                            <p:txEl>
+                                              <p:pRg st="1" end="1"/>
+                                            </p:txEl>
+                                          </p:spTgt>
+                                        </p:tgtEl>
+                                        <p:attrNameLst>
+                                          <p:attrName>style.visibility</p:attrName>
+                                        </p:attrNameLst>
+                                      </p:cBhvr>
+                                      <p:to>
+                                        <p:strVal val="visible"/>
+                                      </p:to>
+                                    </p:set>
+                                  </p:childTnLst>
+                                </p:cTn>
+                              </p:par>
+                              <p:par>
+                                <p:cTn id="11" presetID="1" presetClass="entr" presetSubtype="0" fill="hold" grpId="0" nodeType="withEffect">
+                                  <p:stCondLst>
+                                    <p:cond delay="0"/>
+                                  </p:stCondLst>
+                                  <p:childTnLst>
+                                    <p:set>
+                                      <p:cBhvr>
+                                        <p:cTn id="12" dur="1" fill="hold">
+                                          <p:stCondLst>
+                                            <p:cond delay="0"/>
+                                          </p:stCondLst>
+                                        </p:cTn>
+                                        <p:tgtEl>
+                                          <p:spTgt spid="6"/>
+                                        </p:tgtEl>
+                                        <p:attrNameLst>
+                                          <p:attrName>style.visibility</p:attrName>
+                                        </p:attrNameLst>
+                                      </p:cBhvr>
+                                      <p:to>
+                                        <p:strVal val="visible"/>
+                                      </p:to>
+                                    </p:set>
+                                  </p:childTnLst>
+                                </p:cTn>
+                              </p:par>
+                            </p:childTnLst>
+                          </p:cTn>
+                        </p:par>
+                      </p:childTnLst>
+                    </p:cTn>
+                  </p:par>
+                  <p:par>
+                    <p:cTn id="13" fill="hold">
+                      <p:stCondLst>
+                        <p:cond delay="indefinite"/>
+                      </p:stCondLst>
+                      <p:childTnLst>
+                        <p:par>
+                          <p:cTn id="14" fill="hold">
+                            <p:stCondLst>
+                              <p:cond delay="0"/>
+                            </p:stCondLst>
+                            <p:childTnLst>
+                              <p:par>
+                                <p:cTn id="15" presetID="1" presetClass="entr" presetSubtype="0" fill="hold" grpId="0" nodeType="clickEffect">
+                                  <p:stCondLst>
+                                    <p:cond delay="0"/>
+                                  </p:stCondLst>
+                                  <p:childTnLst>
+                                    <p:set>
+                                      <p:cBhvr>
+                                        <p:cTn id="16" dur="1" fill="hold">
+                                          <p:stCondLst>
+                                            <p:cond delay="0"/>
+                                          </p:stCondLst>
+                                        </p:cTn>
+                                        <p:tgtEl>
+                                          <p:spTgt spid="7"/>
+                                        </p:tgtEl>
+                                        <p:attrNameLst>
+                                          <p:attrName>style.visibility</p:attrName>
+                                        </p:attrNameLst>
+                                      </p:cBhvr>
+                                      <p:to>
+                                        <p:strVal val="visible"/>
+                                      </p:to>
+                                    </p:set>
+                                  </p:childTnLst>
+                                </p:cTn>
+                              </p:par>
+                              <p:par>
+                                <p:cTn id="17" presetID="1" presetClass="entr" presetSubtype="0" fill="hold" grpId="0" nodeType="withEffect">
+                                  <p:stCondLst>
+                                    <p:cond delay="0"/>
+                                  </p:stCondLst>
+                                  <p:childTnLst>
+                                    <p:set>
+                                      <p:cBhvr>
+                                        <p:cTn id="18" dur="1" fill="hold">
+                                          <p:stCondLst>
+                                            <p:cond delay="0"/>
+                                          </p:stCondLst>
+                                        </p:cTn>
+                                        <p:tgtEl>
+                                          <p:spTgt spid="8"/>
+                                        </p:tgtEl>
+                                        <p:attrNameLst>
+                                          <p:attrName>style.visibility</p:attrName>
+                                        </p:attrNameLst>
+                                      </p:cBhvr>
+                                      <p:to>
+                                        <p:strVal val="visible"/>
+                                      </p:to>
+                                    </p:set>
+                                  </p:childTnLst>
+                                </p:cTn>
+                              </p:par>
+                            </p:childTnLst>
+                          </p:cTn>
+                        </p:par>
+                      </p:childTnLst>
+                    </p:cTn>
+                  </p:par>
+                </p:childTnLst>
+              </p:cTn>
+              <p:prevCondLst>
+                <p:cond evt="onPrev" delay="0">
+                  <p:tgtEl>
+                    <p:sldTgt/>
+                  </p:tgtEl>
+                </p:cond>
+              </p:prevCondLst>
+              <p:nextCondLst>
+                <p:cond evt="onNext" delay="0">
+                  <p:tgtEl>
+                    <p:sldTgt/>
+                  </p:tgtEl>
+                </p:cond>
+              </p:nextCondLst>
+            </p:seq>
+          </p:childTnLst>
+        </p:cTn>
       </p:par>
     </p:tnLst>
+    <p:bldLst>
+      <p:bldP spid="3" grpId="0" uiExpand="1" build="p"/>
+      <p:bldP spid="6" grpId="0"/>
+      <p:bldP spid="7" grpId="0"/>
+      <p:bldP spid="8" grpId="0"/>
+    </p:bldLst>
   </p:timing>
 </p:sld>
 </file>
@@ -21065,9 +24358,13 @@
           </a:bodyPr>
           <a:lstStyle/>
           <a:p>
+            <a:pPr>
+              <a:buFont typeface="Arial" panose="020B0604020202020204" pitchFamily="34" charset="0"/>
+              <a:buChar char="•"/>
+            </a:pPr>
             <a:r>
               <a:rPr lang="en-US" dirty="0" smtClean="0"/>
-              <a:t>Die </a:t>
+              <a:t> Die </a:t>
             </a:r>
             <a:r>
               <a:rPr lang="en-US" dirty="0" err="1" smtClean="0"/>
@@ -21127,6 +24424,14 @@
             </a:r>
           </a:p>
           <a:p>
+            <a:pPr>
+              <a:buFont typeface="Arial" panose="020B0604020202020204" pitchFamily="34" charset="0"/>
+              <a:buChar char="•"/>
+            </a:pPr>
+            <a:r>
+              <a:rPr lang="en-US" dirty="0" smtClean="0"/>
+              <a:t> </a:t>
+            </a:r>
             <a:r>
               <a:rPr lang="en-US" dirty="0" err="1" smtClean="0"/>
               <a:t>Blockelemente</a:t>
@@ -21185,7 +24490,10 @@
             </a:r>
           </a:p>
           <a:p>
-            <a:pPr lvl="1"/>
+            <a:pPr lvl="1">
+              <a:buFont typeface="Arial" panose="020B0604020202020204" pitchFamily="34" charset="0"/>
+              <a:buChar char="•"/>
+            </a:pPr>
             <a:r>
               <a:rPr lang="en-US" dirty="0" err="1" smtClean="0"/>
               <a:t>Beispiele</a:t>
@@ -21208,13 +24516,25 @@
             </a:r>
           </a:p>
           <a:p>
+            <a:pPr>
+              <a:buFont typeface="Arial" panose="020B0604020202020204" pitchFamily="34" charset="0"/>
+              <a:buChar char="•"/>
+            </a:pPr>
+            <a:r>
+              <a:rPr lang="en-US" dirty="0" smtClean="0"/>
+              <a:t> </a:t>
+            </a:r>
             <a:r>
               <a:rPr lang="en-US" dirty="0" err="1" smtClean="0"/>
               <a:t>Inlineelemente</a:t>
             </a:r>
             <a:r>
               <a:rPr lang="en-US" dirty="0" smtClean="0"/>
-              <a:t> warden </a:t>
+              <a:t> </a:t>
+            </a:r>
+            <a:r>
+              <a:rPr lang="en-US" dirty="0" smtClean="0"/>
+              <a:t>warden </a:t>
             </a:r>
             <a:r>
               <a:rPr lang="en-US" dirty="0" err="1" smtClean="0"/>
@@ -21250,7 +24570,10 @@
             </a:r>
           </a:p>
           <a:p>
-            <a:pPr lvl="1"/>
+            <a:pPr lvl="1">
+              <a:buFont typeface="Arial" panose="020B0604020202020204" pitchFamily="34" charset="0"/>
+              <a:buChar char="•"/>
+            </a:pPr>
             <a:r>
               <a:rPr lang="en-US" dirty="0" err="1" smtClean="0"/>
               <a:t>Beispiele</a:t>
@@ -21293,9 +24616,244 @@
   <p:timing>
     <p:tnLst>
       <p:par>
-        <p:cTn id="1" dur="indefinite" restart="never" nodeType="tmRoot"/>
+        <p:cTn id="1" dur="indefinite" restart="never" nodeType="tmRoot">
+          <p:childTnLst>
+            <p:seq concurrent="1" nextAc="seek">
+              <p:cTn id="2" dur="indefinite" nodeType="mainSeq">
+                <p:childTnLst>
+                  <p:par>
+                    <p:cTn id="3" fill="hold">
+                      <p:stCondLst>
+                        <p:cond delay="indefinite"/>
+                      </p:stCondLst>
+                      <p:childTnLst>
+                        <p:par>
+                          <p:cTn id="4" fill="hold">
+                            <p:stCondLst>
+                              <p:cond delay="0"/>
+                            </p:stCondLst>
+                            <p:childTnLst>
+                              <p:par>
+                                <p:cTn id="5" presetID="1" presetClass="entr" presetSubtype="0" fill="hold" grpId="0" nodeType="clickEffect">
+                                  <p:stCondLst>
+                                    <p:cond delay="0"/>
+                                  </p:stCondLst>
+                                  <p:childTnLst>
+                                    <p:set>
+                                      <p:cBhvr>
+                                        <p:cTn id="6" dur="1" fill="hold">
+                                          <p:stCondLst>
+                                            <p:cond delay="0"/>
+                                          </p:stCondLst>
+                                        </p:cTn>
+                                        <p:tgtEl>
+                                          <p:spTgt spid="3">
+                                            <p:txEl>
+                                              <p:pRg st="0" end="0"/>
+                                            </p:txEl>
+                                          </p:spTgt>
+                                        </p:tgtEl>
+                                        <p:attrNameLst>
+                                          <p:attrName>style.visibility</p:attrName>
+                                        </p:attrNameLst>
+                                      </p:cBhvr>
+                                      <p:to>
+                                        <p:strVal val="visible"/>
+                                      </p:to>
+                                    </p:set>
+                                  </p:childTnLst>
+                                </p:cTn>
+                              </p:par>
+                            </p:childTnLst>
+                          </p:cTn>
+                        </p:par>
+                      </p:childTnLst>
+                    </p:cTn>
+                  </p:par>
+                  <p:par>
+                    <p:cTn id="7" fill="hold">
+                      <p:stCondLst>
+                        <p:cond delay="indefinite"/>
+                      </p:stCondLst>
+                      <p:childTnLst>
+                        <p:par>
+                          <p:cTn id="8" fill="hold">
+                            <p:stCondLst>
+                              <p:cond delay="0"/>
+                            </p:stCondLst>
+                            <p:childTnLst>
+                              <p:par>
+                                <p:cTn id="9" presetID="1" presetClass="entr" presetSubtype="0" fill="hold" grpId="0" nodeType="clickEffect">
+                                  <p:stCondLst>
+                                    <p:cond delay="0"/>
+                                  </p:stCondLst>
+                                  <p:childTnLst>
+                                    <p:set>
+                                      <p:cBhvr>
+                                        <p:cTn id="10" dur="1" fill="hold">
+                                          <p:stCondLst>
+                                            <p:cond delay="0"/>
+                                          </p:stCondLst>
+                                        </p:cTn>
+                                        <p:tgtEl>
+                                          <p:spTgt spid="3">
+                                            <p:txEl>
+                                              <p:pRg st="1" end="1"/>
+                                            </p:txEl>
+                                          </p:spTgt>
+                                        </p:tgtEl>
+                                        <p:attrNameLst>
+                                          <p:attrName>style.visibility</p:attrName>
+                                        </p:attrNameLst>
+                                      </p:cBhvr>
+                                      <p:to>
+                                        <p:strVal val="visible"/>
+                                      </p:to>
+                                    </p:set>
+                                  </p:childTnLst>
+                                </p:cTn>
+                              </p:par>
+                              <p:par>
+                                <p:cTn id="11" presetID="1" presetClass="entr" presetSubtype="0" fill="hold" grpId="0" nodeType="withEffect">
+                                  <p:stCondLst>
+                                    <p:cond delay="0"/>
+                                  </p:stCondLst>
+                                  <p:childTnLst>
+                                    <p:set>
+                                      <p:cBhvr>
+                                        <p:cTn id="12" dur="1" fill="hold">
+                                          <p:stCondLst>
+                                            <p:cond delay="0"/>
+                                          </p:stCondLst>
+                                        </p:cTn>
+                                        <p:tgtEl>
+                                          <p:spTgt spid="3">
+                                            <p:txEl>
+                                              <p:pRg st="2" end="2"/>
+                                            </p:txEl>
+                                          </p:spTgt>
+                                        </p:tgtEl>
+                                        <p:attrNameLst>
+                                          <p:attrName>style.visibility</p:attrName>
+                                        </p:attrNameLst>
+                                      </p:cBhvr>
+                                      <p:to>
+                                        <p:strVal val="visible"/>
+                                      </p:to>
+                                    </p:set>
+                                  </p:childTnLst>
+                                </p:cTn>
+                              </p:par>
+                            </p:childTnLst>
+                          </p:cTn>
+                        </p:par>
+                      </p:childTnLst>
+                    </p:cTn>
+                  </p:par>
+                  <p:par>
+                    <p:cTn id="13" fill="hold">
+                      <p:stCondLst>
+                        <p:cond delay="indefinite"/>
+                      </p:stCondLst>
+                      <p:childTnLst>
+                        <p:par>
+                          <p:cTn id="14" fill="hold">
+                            <p:stCondLst>
+                              <p:cond delay="0"/>
+                            </p:stCondLst>
+                            <p:childTnLst>
+                              <p:par>
+                                <p:cTn id="15" presetID="1" presetClass="entr" presetSubtype="0" fill="hold" grpId="0" nodeType="clickEffect">
+                                  <p:stCondLst>
+                                    <p:cond delay="0"/>
+                                  </p:stCondLst>
+                                  <p:childTnLst>
+                                    <p:set>
+                                      <p:cBhvr>
+                                        <p:cTn id="16" dur="1" fill="hold">
+                                          <p:stCondLst>
+                                            <p:cond delay="0"/>
+                                          </p:stCondLst>
+                                        </p:cTn>
+                                        <p:tgtEl>
+                                          <p:spTgt spid="3">
+                                            <p:txEl>
+                                              <p:pRg st="3" end="3"/>
+                                            </p:txEl>
+                                          </p:spTgt>
+                                        </p:tgtEl>
+                                        <p:attrNameLst>
+                                          <p:attrName>style.visibility</p:attrName>
+                                        </p:attrNameLst>
+                                      </p:cBhvr>
+                                      <p:to>
+                                        <p:strVal val="visible"/>
+                                      </p:to>
+                                    </p:set>
+                                  </p:childTnLst>
+                                </p:cTn>
+                              </p:par>
+                              <p:par>
+                                <p:cTn id="17" presetID="1" presetClass="entr" presetSubtype="0" fill="hold" grpId="0" nodeType="withEffect">
+                                  <p:stCondLst>
+                                    <p:cond delay="0"/>
+                                  </p:stCondLst>
+                                  <p:childTnLst>
+                                    <p:set>
+                                      <p:cBhvr>
+                                        <p:cTn id="18" dur="1" fill="hold">
+                                          <p:stCondLst>
+                                            <p:cond delay="0"/>
+                                          </p:stCondLst>
+                                        </p:cTn>
+                                        <p:tgtEl>
+                                          <p:spTgt spid="3">
+                                            <p:txEl>
+                                              <p:pRg st="4" end="4"/>
+                                            </p:txEl>
+                                          </p:spTgt>
+                                        </p:tgtEl>
+                                        <p:attrNameLst>
+                                          <p:attrName>style.visibility</p:attrName>
+                                        </p:attrNameLst>
+                                      </p:cBhvr>
+                                      <p:to>
+                                        <p:strVal val="visible"/>
+                                      </p:to>
+                                    </p:set>
+                                  </p:childTnLst>
+                                </p:cTn>
+                              </p:par>
+                            </p:childTnLst>
+                          </p:cTn>
+                        </p:par>
+                      </p:childTnLst>
+                    </p:cTn>
+                  </p:par>
+                </p:childTnLst>
+              </p:cTn>
+              <p:prevCondLst>
+                <p:cond evt="onPrev" delay="0">
+                  <p:tgtEl>
+                    <p:sldTgt/>
+                  </p:tgtEl>
+                </p:cond>
+              </p:prevCondLst>
+              <p:nextCondLst>
+                <p:cond evt="onNext" delay="0">
+                  <p:tgtEl>
+                    <p:sldTgt/>
+                  </p:tgtEl>
+                </p:cond>
+              </p:nextCondLst>
+            </p:seq>
+          </p:childTnLst>
+        </p:cTn>
       </p:par>
     </p:tnLst>
+    <p:bldLst>
+      <p:bldP spid="3" grpId="0" uiExpand="1" build="p"/>
+    </p:bldLst>
   </p:timing>
 </p:sld>
 </file>
@@ -21334,15 +24892,7 @@
           <a:p>
             <a:r>
               <a:rPr lang="de-CH" dirty="0" smtClean="0"/>
-              <a:t>&lt;div</a:t>
-            </a:r>
-            <a:r>
-              <a:rPr lang="de-CH" dirty="0" smtClean="0"/>
-              <a:t>&gt; und &lt;span&gt;: </a:t>
-            </a:r>
-            <a:r>
-              <a:rPr lang="de-CH" dirty="0" smtClean="0"/>
-              <a:t>Gruppiert HTML Elemente</a:t>
+              <a:t>&lt;div&gt; und &lt;span&gt;: Gruppiert HTML Elemente</a:t>
             </a:r>
             <a:endParaRPr lang="de-CH" dirty="0"/>
           </a:p>
@@ -21370,9 +24920,17 @@
           </a:bodyPr>
           <a:lstStyle/>
           <a:p>
+            <a:pPr>
+              <a:buFont typeface="Arial" panose="020B0604020202020204" pitchFamily="34" charset="0"/>
+              <a:buChar char="•"/>
+            </a:pPr>
             <a:r>
               <a:rPr lang="en-US" dirty="0" smtClean="0"/>
-              <a:t>&lt;div&gt; und &lt;span&gt; </a:t>
+              <a:t> &lt;</a:t>
+            </a:r>
+            <a:r>
+              <a:rPr lang="en-US" dirty="0" smtClean="0"/>
+              <a:t>div&gt; und &lt;span&gt; </a:t>
             </a:r>
             <a:r>
               <a:rPr lang="en-US" dirty="0" err="1" smtClean="0"/>
@@ -21436,6 +24994,14 @@
             </a:r>
           </a:p>
           <a:p>
+            <a:pPr>
+              <a:buFont typeface="Arial" panose="020B0604020202020204" pitchFamily="34" charset="0"/>
+              <a:buChar char="•"/>
+            </a:pPr>
+            <a:r>
+              <a:rPr lang="en-US" dirty="0" smtClean="0"/>
+              <a:t> </a:t>
+            </a:r>
             <a:r>
               <a:rPr lang="en-US" dirty="0" err="1" smtClean="0"/>
               <a:t>Sie</a:t>
@@ -21526,7 +25092,10 @@
             </a:r>
           </a:p>
           <a:p>
-            <a:pPr lvl="1"/>
+            <a:pPr lvl="1">
+              <a:buFont typeface="Arial" panose="020B0604020202020204" pitchFamily="34" charset="0"/>
+              <a:buChar char="•"/>
+            </a:pPr>
             <a:r>
               <a:rPr lang="en-US" dirty="0" smtClean="0"/>
               <a:t>&lt;div&gt; </a:t>
@@ -21581,11 +25150,7 @@
             </a:r>
             <a:r>
               <a:rPr lang="en-US" dirty="0" err="1" smtClean="0"/>
-              <a:t>Zeilenumbrüche</a:t>
-            </a:r>
-            <a:r>
-              <a:rPr lang="en-US" dirty="0" err="1" smtClean="0"/>
-              <a:t>n</a:t>
+              <a:t>Zeilenumbrüchen</a:t>
             </a:r>
             <a:r>
               <a:rPr lang="en-US" dirty="0" smtClean="0"/>
@@ -21601,7 +25166,10 @@
             </a:r>
           </a:p>
           <a:p>
-            <a:pPr lvl="1"/>
+            <a:pPr lvl="1">
+              <a:buFont typeface="Arial" panose="020B0604020202020204" pitchFamily="34" charset="0"/>
+              <a:buChar char="•"/>
+            </a:pPr>
             <a:r>
               <a:rPr lang="en-US" dirty="0" smtClean="0"/>
               <a:t>&lt;span&gt; </a:t>
@@ -21669,16 +25237,24 @@
             <a:endParaRPr lang="en-US" dirty="0"/>
           </a:p>
           <a:p>
+            <a:pPr>
+              <a:buFont typeface="Arial" panose="020B0604020202020204" pitchFamily="34" charset="0"/>
+              <a:buChar char="•"/>
+            </a:pPr>
             <a:r>
               <a:rPr lang="en-US" dirty="0"/>
               <a:t> </a:t>
             </a:r>
             <a:r>
-              <a:rPr lang="en-US" dirty="0" err="1"/>
+              <a:rPr lang="en-US" dirty="0" smtClean="0"/>
+              <a:t> </a:t>
+            </a:r>
+            <a:r>
+              <a:rPr lang="en-US" dirty="0" err="1" smtClean="0"/>
               <a:t>Zusammen</a:t>
             </a:r>
             <a:r>
-              <a:rPr lang="en-US" dirty="0"/>
+              <a:rPr lang="en-US" dirty="0" smtClean="0"/>
               <a:t> </a:t>
             </a:r>
             <a:r>
@@ -21695,11 +25271,7 @@
             </a:r>
             <a:r>
               <a:rPr lang="en-US" dirty="0" smtClean="0"/>
-              <a:t> &lt;div&gt; und &lt;</a:t>
-            </a:r>
-            <a:r>
-              <a:rPr lang="en-US" dirty="0" smtClean="0"/>
-              <a:t>span&gt; </a:t>
+              <a:t> &lt;div&gt; und &lt;span&gt; </a:t>
             </a:r>
             <a:r>
               <a:rPr lang="en-US" dirty="0" err="1" smtClean="0"/>
@@ -21747,7 +25319,7 @@
         </p:nvSpPr>
         <p:spPr>
           <a:xfrm>
-            <a:off x="1381124" y="5496222"/>
+            <a:off x="1097280" y="4570392"/>
             <a:ext cx="9720263" cy="369332"/>
           </a:xfrm>
           <a:prstGeom prst="rect">
@@ -21932,9 +25504,290 @@
   <p:timing>
     <p:tnLst>
       <p:par>
-        <p:cTn id="1" dur="indefinite" restart="never" nodeType="tmRoot"/>
+        <p:cTn id="1" dur="indefinite" restart="never" nodeType="tmRoot">
+          <p:childTnLst>
+            <p:seq concurrent="1" nextAc="seek">
+              <p:cTn id="2" dur="indefinite" nodeType="mainSeq">
+                <p:childTnLst>
+                  <p:par>
+                    <p:cTn id="3" fill="hold">
+                      <p:stCondLst>
+                        <p:cond delay="indefinite"/>
+                      </p:stCondLst>
+                      <p:childTnLst>
+                        <p:par>
+                          <p:cTn id="4" fill="hold">
+                            <p:stCondLst>
+                              <p:cond delay="0"/>
+                            </p:stCondLst>
+                            <p:childTnLst>
+                              <p:par>
+                                <p:cTn id="5" presetID="1" presetClass="entr" presetSubtype="0" fill="hold" grpId="0" nodeType="clickEffect">
+                                  <p:stCondLst>
+                                    <p:cond delay="0"/>
+                                  </p:stCondLst>
+                                  <p:childTnLst>
+                                    <p:set>
+                                      <p:cBhvr>
+                                        <p:cTn id="6" dur="1" fill="hold">
+                                          <p:stCondLst>
+                                            <p:cond delay="0"/>
+                                          </p:stCondLst>
+                                        </p:cTn>
+                                        <p:tgtEl>
+                                          <p:spTgt spid="3">
+                                            <p:txEl>
+                                              <p:pRg st="0" end="0"/>
+                                            </p:txEl>
+                                          </p:spTgt>
+                                        </p:tgtEl>
+                                        <p:attrNameLst>
+                                          <p:attrName>style.visibility</p:attrName>
+                                        </p:attrNameLst>
+                                      </p:cBhvr>
+                                      <p:to>
+                                        <p:strVal val="visible"/>
+                                      </p:to>
+                                    </p:set>
+                                  </p:childTnLst>
+                                </p:cTn>
+                              </p:par>
+                            </p:childTnLst>
+                          </p:cTn>
+                        </p:par>
+                      </p:childTnLst>
+                    </p:cTn>
+                  </p:par>
+                  <p:par>
+                    <p:cTn id="7" fill="hold">
+                      <p:stCondLst>
+                        <p:cond delay="indefinite"/>
+                      </p:stCondLst>
+                      <p:childTnLst>
+                        <p:par>
+                          <p:cTn id="8" fill="hold">
+                            <p:stCondLst>
+                              <p:cond delay="0"/>
+                            </p:stCondLst>
+                            <p:childTnLst>
+                              <p:par>
+                                <p:cTn id="9" presetID="1" presetClass="entr" presetSubtype="0" fill="hold" grpId="0" nodeType="clickEffect">
+                                  <p:stCondLst>
+                                    <p:cond delay="0"/>
+                                  </p:stCondLst>
+                                  <p:childTnLst>
+                                    <p:set>
+                                      <p:cBhvr>
+                                        <p:cTn id="10" dur="1" fill="hold">
+                                          <p:stCondLst>
+                                            <p:cond delay="0"/>
+                                          </p:stCondLst>
+                                        </p:cTn>
+                                        <p:tgtEl>
+                                          <p:spTgt spid="3">
+                                            <p:txEl>
+                                              <p:pRg st="1" end="1"/>
+                                            </p:txEl>
+                                          </p:spTgt>
+                                        </p:tgtEl>
+                                        <p:attrNameLst>
+                                          <p:attrName>style.visibility</p:attrName>
+                                        </p:attrNameLst>
+                                      </p:cBhvr>
+                                      <p:to>
+                                        <p:strVal val="visible"/>
+                                      </p:to>
+                                    </p:set>
+                                  </p:childTnLst>
+                                </p:cTn>
+                              </p:par>
+                              <p:par>
+                                <p:cTn id="11" presetID="1" presetClass="entr" presetSubtype="0" fill="hold" grpId="0" nodeType="withEffect">
+                                  <p:stCondLst>
+                                    <p:cond delay="0"/>
+                                  </p:stCondLst>
+                                  <p:childTnLst>
+                                    <p:set>
+                                      <p:cBhvr>
+                                        <p:cTn id="12" dur="1" fill="hold">
+                                          <p:stCondLst>
+                                            <p:cond delay="0"/>
+                                          </p:stCondLst>
+                                        </p:cTn>
+                                        <p:tgtEl>
+                                          <p:spTgt spid="3">
+                                            <p:txEl>
+                                              <p:pRg st="2" end="2"/>
+                                            </p:txEl>
+                                          </p:spTgt>
+                                        </p:tgtEl>
+                                        <p:attrNameLst>
+                                          <p:attrName>style.visibility</p:attrName>
+                                        </p:attrNameLst>
+                                      </p:cBhvr>
+                                      <p:to>
+                                        <p:strVal val="visible"/>
+                                      </p:to>
+                                    </p:set>
+                                  </p:childTnLst>
+                                </p:cTn>
+                              </p:par>
+                              <p:par>
+                                <p:cTn id="13" presetID="1" presetClass="entr" presetSubtype="0" fill="hold" grpId="0" nodeType="withEffect">
+                                  <p:stCondLst>
+                                    <p:cond delay="0"/>
+                                  </p:stCondLst>
+                                  <p:childTnLst>
+                                    <p:set>
+                                      <p:cBhvr>
+                                        <p:cTn id="14" dur="1" fill="hold">
+                                          <p:stCondLst>
+                                            <p:cond delay="0"/>
+                                          </p:stCondLst>
+                                        </p:cTn>
+                                        <p:tgtEl>
+                                          <p:spTgt spid="3">
+                                            <p:txEl>
+                                              <p:pRg st="3" end="3"/>
+                                            </p:txEl>
+                                          </p:spTgt>
+                                        </p:tgtEl>
+                                        <p:attrNameLst>
+                                          <p:attrName>style.visibility</p:attrName>
+                                        </p:attrNameLst>
+                                      </p:cBhvr>
+                                      <p:to>
+                                        <p:strVal val="visible"/>
+                                      </p:to>
+                                    </p:set>
+                                  </p:childTnLst>
+                                </p:cTn>
+                              </p:par>
+                            </p:childTnLst>
+                          </p:cTn>
+                        </p:par>
+                      </p:childTnLst>
+                    </p:cTn>
+                  </p:par>
+                  <p:par>
+                    <p:cTn id="15" fill="hold">
+                      <p:stCondLst>
+                        <p:cond delay="indefinite"/>
+                      </p:stCondLst>
+                      <p:childTnLst>
+                        <p:par>
+                          <p:cTn id="16" fill="hold">
+                            <p:stCondLst>
+                              <p:cond delay="0"/>
+                            </p:stCondLst>
+                            <p:childTnLst>
+                              <p:par>
+                                <p:cTn id="17" presetID="1" presetClass="entr" presetSubtype="0" fill="hold" grpId="0" nodeType="clickEffect">
+                                  <p:stCondLst>
+                                    <p:cond delay="0"/>
+                                  </p:stCondLst>
+                                  <p:childTnLst>
+                                    <p:set>
+                                      <p:cBhvr>
+                                        <p:cTn id="18" dur="1" fill="hold">
+                                          <p:stCondLst>
+                                            <p:cond delay="0"/>
+                                          </p:stCondLst>
+                                        </p:cTn>
+                                        <p:tgtEl>
+                                          <p:spTgt spid="3">
+                                            <p:txEl>
+                                              <p:pRg st="4" end="4"/>
+                                            </p:txEl>
+                                          </p:spTgt>
+                                        </p:tgtEl>
+                                        <p:attrNameLst>
+                                          <p:attrName>style.visibility</p:attrName>
+                                        </p:attrNameLst>
+                                      </p:cBhvr>
+                                      <p:to>
+                                        <p:strVal val="visible"/>
+                                      </p:to>
+                                    </p:set>
+                                  </p:childTnLst>
+                                </p:cTn>
+                              </p:par>
+                            </p:childTnLst>
+                          </p:cTn>
+                        </p:par>
+                      </p:childTnLst>
+                    </p:cTn>
+                  </p:par>
+                  <p:par>
+                    <p:cTn id="19" fill="hold">
+                      <p:stCondLst>
+                        <p:cond delay="indefinite"/>
+                      </p:stCondLst>
+                      <p:childTnLst>
+                        <p:par>
+                          <p:cTn id="20" fill="hold">
+                            <p:stCondLst>
+                              <p:cond delay="0"/>
+                            </p:stCondLst>
+                            <p:childTnLst>
+                              <p:par>
+                                <p:cTn id="21" presetID="1" presetClass="entr" presetSubtype="0" fill="hold" grpId="0" nodeType="clickEffect">
+                                  <p:stCondLst>
+                                    <p:cond delay="0"/>
+                                  </p:stCondLst>
+                                  <p:childTnLst>
+                                    <p:set>
+                                      <p:cBhvr>
+                                        <p:cTn id="22" dur="1" fill="hold">
+                                          <p:stCondLst>
+                                            <p:cond delay="0"/>
+                                          </p:stCondLst>
+                                        </p:cTn>
+                                        <p:tgtEl>
+                                          <p:spTgt spid="4"/>
+                                        </p:tgtEl>
+                                        <p:attrNameLst>
+                                          <p:attrName>style.visibility</p:attrName>
+                                        </p:attrNameLst>
+                                      </p:cBhvr>
+                                      <p:to>
+                                        <p:strVal val="visible"/>
+                                      </p:to>
+                                    </p:set>
+                                  </p:childTnLst>
+                                </p:cTn>
+                              </p:par>
+                            </p:childTnLst>
+                          </p:cTn>
+                        </p:par>
+                      </p:childTnLst>
+                    </p:cTn>
+                  </p:par>
+                </p:childTnLst>
+              </p:cTn>
+              <p:prevCondLst>
+                <p:cond evt="onPrev" delay="0">
+                  <p:tgtEl>
+                    <p:sldTgt/>
+                  </p:tgtEl>
+                </p:cond>
+              </p:prevCondLst>
+              <p:nextCondLst>
+                <p:cond evt="onNext" delay="0">
+                  <p:tgtEl>
+                    <p:sldTgt/>
+                  </p:tgtEl>
+                </p:cond>
+              </p:nextCondLst>
+            </p:seq>
+          </p:childTnLst>
+        </p:cTn>
       </p:par>
     </p:tnLst>
+    <p:bldLst>
+      <p:bldP spid="3" grpId="0" build="p"/>
+      <p:bldP spid="4" grpId="0"/>
+    </p:bldLst>
   </p:timing>
 </p:sld>
 </file>
@@ -25047,22 +28900,29 @@
             </a:pPr>
             <a:r>
               <a:rPr lang="de-CH" dirty="0" smtClean="0"/>
-              <a:t>Das Wort «Hypertext» im Namen weist auf die Hyperlinks (kurz Links) hin, mit denen HTML-Dokumente untereinander verknüpft werden.</a:t>
-            </a:r>
-          </a:p>
-          <a:p>
-            <a:pPr marL="0" indent="0">
-              <a:buNone/>
+              <a:t>Das Wort «Hypertext» im Namen weist auf die Hyperlinks (kurz Links) hin, mit denen HTML-Dokumente untereinander verknüpft werden</a:t>
+            </a:r>
+            <a:r>
+              <a:rPr lang="de-CH" dirty="0" smtClean="0"/>
+              <a:t>.</a:t>
+            </a:r>
+            <a:endParaRPr lang="de-CH" dirty="0"/>
+          </a:p>
+          <a:p>
+            <a:pPr>
+              <a:buFont typeface="Arial" panose="020B0604020202020204" pitchFamily="34" charset="0"/>
+              <a:buChar char="•"/>
             </a:pPr>
-            <a:endParaRPr lang="de-CH" dirty="0"/>
-          </a:p>
-          <a:p>
             <a:r>
               <a:rPr lang="de-CH" dirty="0" smtClean="0"/>
               <a:t>Beschreibt die Struktur eines Dokuments</a:t>
             </a:r>
           </a:p>
           <a:p>
+            <a:pPr>
+              <a:buFont typeface="Arial" panose="020B0604020202020204" pitchFamily="34" charset="0"/>
+              <a:buChar char="•"/>
+            </a:pPr>
             <a:r>
               <a:rPr lang="de-CH" dirty="0" smtClean="0"/>
               <a:t>Erlaubt es Dokumente zu verlinken.</a:t>
@@ -25236,6 +29096,46 @@
           </a:p>
         </p:txBody>
       </p:sp>
+      <p:pic>
+        <p:nvPicPr>
+          <p:cNvPr id="4" name="Grafik 3"/>
+          <p:cNvPicPr>
+            <a:picLocks noChangeAspect="1"/>
+          </p:cNvPicPr>
+          <p:nvPr/>
+        </p:nvPicPr>
+        <p:blipFill>
+          <a:blip r:embed="rId2">
+            <a:extLst>
+              <a:ext uri="{28A0092B-C50C-407E-A947-70E740481C1C}">
+                <a14:useLocalDpi xmlns:a14="http://schemas.microsoft.com/office/drawing/2010/main" val="0"/>
+              </a:ext>
+            </a:extLst>
+          </a:blip>
+          <a:stretch>
+            <a:fillRect/>
+          </a:stretch>
+        </p:blipFill>
+        <p:spPr>
+          <a:xfrm>
+            <a:off x="3084369" y="3949714"/>
+            <a:ext cx="5244984" cy="2112169"/>
+          </a:xfrm>
+          <a:prstGeom prst="rect">
+            <a:avLst/>
+          </a:prstGeom>
+          <a:ln>
+            <a:noFill/>
+          </a:ln>
+          <a:effectLst>
+            <a:outerShdw blurRad="292100" dist="139700" dir="2700000" algn="tl" rotWithShape="0">
+              <a:srgbClr val="333333">
+                <a:alpha val="65000"/>
+              </a:srgbClr>
+            </a:outerShdw>
+          </a:effectLst>
+        </p:spPr>
+      </p:pic>
     </p:spTree>
     <p:extLst>
       <p:ext uri="{BB962C8B-B14F-4D97-AF65-F5344CB8AC3E}">
@@ -25249,9 +29149,271 @@
   <p:timing>
     <p:tnLst>
       <p:par>
-        <p:cTn id="1" dur="indefinite" restart="never" nodeType="tmRoot"/>
+        <p:cTn id="1" dur="indefinite" restart="never" nodeType="tmRoot">
+          <p:childTnLst>
+            <p:seq concurrent="1" nextAc="seek">
+              <p:cTn id="2" dur="indefinite" nodeType="mainSeq">
+                <p:childTnLst>
+                  <p:par>
+                    <p:cTn id="3" fill="hold">
+                      <p:stCondLst>
+                        <p:cond delay="indefinite"/>
+                      </p:stCondLst>
+                      <p:childTnLst>
+                        <p:par>
+                          <p:cTn id="4" fill="hold">
+                            <p:stCondLst>
+                              <p:cond delay="0"/>
+                            </p:stCondLst>
+                            <p:childTnLst>
+                              <p:par>
+                                <p:cTn id="5" presetID="1" presetClass="entr" presetSubtype="0" fill="hold" grpId="0" nodeType="clickEffect">
+                                  <p:stCondLst>
+                                    <p:cond delay="0"/>
+                                  </p:stCondLst>
+                                  <p:childTnLst>
+                                    <p:set>
+                                      <p:cBhvr>
+                                        <p:cTn id="6" dur="1" fill="hold">
+                                          <p:stCondLst>
+                                            <p:cond delay="0"/>
+                                          </p:stCondLst>
+                                        </p:cTn>
+                                        <p:tgtEl>
+                                          <p:spTgt spid="3">
+                                            <p:txEl>
+                                              <p:pRg st="0" end="0"/>
+                                            </p:txEl>
+                                          </p:spTgt>
+                                        </p:tgtEl>
+                                        <p:attrNameLst>
+                                          <p:attrName>style.visibility</p:attrName>
+                                        </p:attrNameLst>
+                                      </p:cBhvr>
+                                      <p:to>
+                                        <p:strVal val="visible"/>
+                                      </p:to>
+                                    </p:set>
+                                  </p:childTnLst>
+                                </p:cTn>
+                              </p:par>
+                              <p:par>
+                                <p:cTn id="7" presetID="1" presetClass="entr" presetSubtype="0" fill="hold" grpId="0" nodeType="withEffect">
+                                  <p:stCondLst>
+                                    <p:cond delay="0"/>
+                                  </p:stCondLst>
+                                  <p:childTnLst>
+                                    <p:set>
+                                      <p:cBhvr>
+                                        <p:cTn id="8" dur="1" fill="hold">
+                                          <p:stCondLst>
+                                            <p:cond delay="0"/>
+                                          </p:stCondLst>
+                                        </p:cTn>
+                                        <p:tgtEl>
+                                          <p:spTgt spid="3">
+                                            <p:txEl>
+                                              <p:pRg st="1" end="1"/>
+                                            </p:txEl>
+                                          </p:spTgt>
+                                        </p:tgtEl>
+                                        <p:attrNameLst>
+                                          <p:attrName>style.visibility</p:attrName>
+                                        </p:attrNameLst>
+                                      </p:cBhvr>
+                                      <p:to>
+                                        <p:strVal val="visible"/>
+                                      </p:to>
+                                    </p:set>
+                                  </p:childTnLst>
+                                </p:cTn>
+                              </p:par>
+                            </p:childTnLst>
+                          </p:cTn>
+                        </p:par>
+                      </p:childTnLst>
+                    </p:cTn>
+                  </p:par>
+                  <p:par>
+                    <p:cTn id="9" fill="hold">
+                      <p:stCondLst>
+                        <p:cond delay="indefinite"/>
+                      </p:stCondLst>
+                      <p:childTnLst>
+                        <p:par>
+                          <p:cTn id="10" fill="hold">
+                            <p:stCondLst>
+                              <p:cond delay="0"/>
+                            </p:stCondLst>
+                            <p:childTnLst>
+                              <p:par>
+                                <p:cTn id="11" presetID="1" presetClass="entr" presetSubtype="0" fill="hold" nodeType="clickEffect">
+                                  <p:stCondLst>
+                                    <p:cond delay="0"/>
+                                  </p:stCondLst>
+                                  <p:childTnLst>
+                                    <p:set>
+                                      <p:cBhvr>
+                                        <p:cTn id="12" dur="1" fill="hold">
+                                          <p:stCondLst>
+                                            <p:cond delay="0"/>
+                                          </p:stCondLst>
+                                        </p:cTn>
+                                        <p:tgtEl>
+                                          <p:spTgt spid="4"/>
+                                        </p:tgtEl>
+                                        <p:attrNameLst>
+                                          <p:attrName>style.visibility</p:attrName>
+                                        </p:attrNameLst>
+                                      </p:cBhvr>
+                                      <p:to>
+                                        <p:strVal val="visible"/>
+                                      </p:to>
+                                    </p:set>
+                                  </p:childTnLst>
+                                </p:cTn>
+                              </p:par>
+                            </p:childTnLst>
+                          </p:cTn>
+                        </p:par>
+                      </p:childTnLst>
+                    </p:cTn>
+                  </p:par>
+                  <p:par>
+                    <p:cTn id="13" fill="hold">
+                      <p:stCondLst>
+                        <p:cond delay="indefinite"/>
+                      </p:stCondLst>
+                      <p:childTnLst>
+                        <p:par>
+                          <p:cTn id="14" fill="hold">
+                            <p:stCondLst>
+                              <p:cond delay="0"/>
+                            </p:stCondLst>
+                            <p:childTnLst>
+                              <p:par>
+                                <p:cTn id="15" presetID="1" presetClass="entr" presetSubtype="0" fill="hold" grpId="0" nodeType="clickEffect">
+                                  <p:stCondLst>
+                                    <p:cond delay="0"/>
+                                  </p:stCondLst>
+                                  <p:childTnLst>
+                                    <p:set>
+                                      <p:cBhvr>
+                                        <p:cTn id="16" dur="1" fill="hold">
+                                          <p:stCondLst>
+                                            <p:cond delay="0"/>
+                                          </p:stCondLst>
+                                        </p:cTn>
+                                        <p:tgtEl>
+                                          <p:spTgt spid="3">
+                                            <p:txEl>
+                                              <p:pRg st="2" end="2"/>
+                                            </p:txEl>
+                                          </p:spTgt>
+                                        </p:tgtEl>
+                                        <p:attrNameLst>
+                                          <p:attrName>style.visibility</p:attrName>
+                                        </p:attrNameLst>
+                                      </p:cBhvr>
+                                      <p:to>
+                                        <p:strVal val="visible"/>
+                                      </p:to>
+                                    </p:set>
+                                  </p:childTnLst>
+                                </p:cTn>
+                              </p:par>
+                              <p:par>
+                                <p:cTn id="17" presetID="1" presetClass="entr" presetSubtype="0" fill="hold" grpId="0" nodeType="withEffect">
+                                  <p:stCondLst>
+                                    <p:cond delay="0"/>
+                                  </p:stCondLst>
+                                  <p:childTnLst>
+                                    <p:set>
+                                      <p:cBhvr>
+                                        <p:cTn id="18" dur="1" fill="hold">
+                                          <p:stCondLst>
+                                            <p:cond delay="0"/>
+                                          </p:stCondLst>
+                                        </p:cTn>
+                                        <p:tgtEl>
+                                          <p:spTgt spid="3">
+                                            <p:txEl>
+                                              <p:pRg st="3" end="3"/>
+                                            </p:txEl>
+                                          </p:spTgt>
+                                        </p:tgtEl>
+                                        <p:attrNameLst>
+                                          <p:attrName>style.visibility</p:attrName>
+                                        </p:attrNameLst>
+                                      </p:cBhvr>
+                                      <p:to>
+                                        <p:strVal val="visible"/>
+                                      </p:to>
+                                    </p:set>
+                                  </p:childTnLst>
+                                </p:cTn>
+                              </p:par>
+                              <p:par>
+                                <p:cTn id="19" presetID="1" presetClass="entr" presetSubtype="0" fill="hold" grpId="0" nodeType="withEffect">
+                                  <p:stCondLst>
+                                    <p:cond delay="0"/>
+                                  </p:stCondLst>
+                                  <p:childTnLst>
+                                    <p:set>
+                                      <p:cBhvr>
+                                        <p:cTn id="20" dur="1" fill="hold">
+                                          <p:stCondLst>
+                                            <p:cond delay="0"/>
+                                          </p:stCondLst>
+                                        </p:cTn>
+                                        <p:tgtEl>
+                                          <p:spTgt spid="3">
+                                            <p:txEl>
+                                              <p:pRg st="4" end="4"/>
+                                            </p:txEl>
+                                          </p:spTgt>
+                                        </p:tgtEl>
+                                        <p:attrNameLst>
+                                          <p:attrName>style.visibility</p:attrName>
+                                        </p:attrNameLst>
+                                      </p:cBhvr>
+                                      <p:to>
+                                        <p:strVal val="visible"/>
+                                      </p:to>
+                                    </p:set>
+                                  </p:childTnLst>
+                                </p:cTn>
+                              </p:par>
+                            </p:childTnLst>
+                          </p:cTn>
+                        </p:par>
+                      </p:childTnLst>
+                    </p:cTn>
+                  </p:par>
+                </p:childTnLst>
+              </p:cTn>
+              <p:prevCondLst>
+                <p:cond evt="onPrev" delay="0">
+                  <p:tgtEl>
+                    <p:sldTgt/>
+                  </p:tgtEl>
+                </p:cond>
+              </p:prevCondLst>
+              <p:nextCondLst>
+                <p:cond evt="onNext" delay="0">
+                  <p:tgtEl>
+                    <p:sldTgt/>
+                  </p:tgtEl>
+                </p:cond>
+              </p:nextCondLst>
+            </p:seq>
+          </p:childTnLst>
+        </p:cTn>
       </p:par>
     </p:tnLst>
+    <p:bldLst>
+      <p:bldP spid="3" grpId="0" uiExpand="1" build="p"/>
+    </p:bldLst>
   </p:timing>
 </p:sld>
 </file>
@@ -25358,12 +29520,52 @@
         </p:blipFill>
         <p:spPr>
           <a:xfrm>
-            <a:off x="8660786" y="860205"/>
+            <a:off x="1097280" y="3466245"/>
             <a:ext cx="2693014" cy="1930840"/>
           </a:xfrm>
           <a:prstGeom prst="rect">
             <a:avLst/>
           </a:prstGeom>
+        </p:spPr>
+      </p:pic>
+      <p:pic>
+        <p:nvPicPr>
+          <p:cNvPr id="5" name="Grafik 4"/>
+          <p:cNvPicPr>
+            <a:picLocks noChangeAspect="1"/>
+          </p:cNvPicPr>
+          <p:nvPr/>
+        </p:nvPicPr>
+        <p:blipFill>
+          <a:blip r:embed="rId3">
+            <a:extLst>
+              <a:ext uri="{28A0092B-C50C-407E-A947-70E740481C1C}">
+                <a14:useLocalDpi xmlns:a14="http://schemas.microsoft.com/office/drawing/2010/main" val="0"/>
+              </a:ext>
+            </a:extLst>
+          </a:blip>
+          <a:stretch>
+            <a:fillRect/>
+          </a:stretch>
+        </p:blipFill>
+        <p:spPr>
+          <a:xfrm>
+            <a:off x="5383530" y="2261763"/>
+            <a:ext cx="4539389" cy="3475675"/>
+          </a:xfrm>
+          <a:prstGeom prst="rect">
+            <a:avLst/>
+          </a:prstGeom>
+          <a:ln>
+            <a:noFill/>
+          </a:ln>
+          <a:effectLst>
+            <a:outerShdw blurRad="292100" dist="139700" dir="2700000" algn="tl" rotWithShape="0">
+              <a:srgbClr val="333333">
+                <a:alpha val="65000"/>
+              </a:srgbClr>
+            </a:outerShdw>
+          </a:effectLst>
         </p:spPr>
       </p:pic>
     </p:spTree>
@@ -25436,7 +29638,12 @@
             <p:ph idx="1"/>
           </p:nvPr>
         </p:nvSpPr>
-        <p:spPr/>
+        <p:spPr>
+          <a:xfrm>
+            <a:off x="1097280" y="1845734"/>
+            <a:ext cx="10058400" cy="1949026"/>
+          </a:xfrm>
+        </p:spPr>
         <p:txBody>
           <a:bodyPr/>
           <a:lstStyle/>
@@ -25486,14 +29693,27 @@
         </p:nvSpPr>
         <p:spPr>
           <a:xfrm rot="19948987">
-            <a:off x="5729333" y="3631634"/>
+            <a:off x="5249273" y="3323766"/>
             <a:ext cx="4607924" cy="1569660"/>
           </a:xfrm>
           <a:prstGeom prst="rect">
             <a:avLst/>
           </a:prstGeom>
-          <a:noFill/>
         </p:spPr>
+        <p:style>
+          <a:lnRef idx="0">
+            <a:schemeClr val="accent2"/>
+          </a:lnRef>
+          <a:fillRef idx="3">
+            <a:schemeClr val="accent2"/>
+          </a:fillRef>
+          <a:effectRef idx="3">
+            <a:schemeClr val="accent2"/>
+          </a:effectRef>
+          <a:fontRef idx="minor">
+            <a:schemeClr val="lt1"/>
+          </a:fontRef>
+        </p:style>
         <p:txBody>
           <a:bodyPr wrap="square" rtlCol="0">
             <a:spAutoFit/>
@@ -25525,9 +29745,126 @@
   <p:timing>
     <p:tnLst>
       <p:par>
-        <p:cTn id="1" dur="indefinite" restart="never" nodeType="tmRoot"/>
+        <p:cTn id="1" dur="indefinite" restart="never" nodeType="tmRoot">
+          <p:childTnLst>
+            <p:seq concurrent="1" nextAc="seek">
+              <p:cTn id="2" dur="indefinite" nodeType="mainSeq">
+                <p:childTnLst>
+                  <p:par>
+                    <p:cTn id="3" fill="hold">
+                      <p:stCondLst>
+                        <p:cond delay="indefinite"/>
+                      </p:stCondLst>
+                      <p:childTnLst>
+                        <p:par>
+                          <p:cTn id="4" fill="hold">
+                            <p:stCondLst>
+                              <p:cond delay="0"/>
+                            </p:stCondLst>
+                            <p:childTnLst>
+                              <p:par>
+                                <p:cTn id="5" presetID="2" presetClass="entr" presetSubtype="4" fill="hold" grpId="0" nodeType="clickEffect">
+                                  <p:stCondLst>
+                                    <p:cond delay="0"/>
+                                  </p:stCondLst>
+                                  <p:childTnLst>
+                                    <p:set>
+                                      <p:cBhvr>
+                                        <p:cTn id="6" dur="1" fill="hold">
+                                          <p:stCondLst>
+                                            <p:cond delay="0"/>
+                                          </p:stCondLst>
+                                        </p:cTn>
+                                        <p:tgtEl>
+                                          <p:spTgt spid="4"/>
+                                        </p:tgtEl>
+                                        <p:attrNameLst>
+                                          <p:attrName>style.visibility</p:attrName>
+                                        </p:attrNameLst>
+                                      </p:cBhvr>
+                                      <p:to>
+                                        <p:strVal val="visible"/>
+                                      </p:to>
+                                    </p:set>
+                                    <p:anim calcmode="lin" valueType="num">
+                                      <p:cBhvr additive="base">
+                                        <p:cTn id="7" dur="500" fill="hold"/>
+                                        <p:tgtEl>
+                                          <p:spTgt spid="4"/>
+                                        </p:tgtEl>
+                                        <p:attrNameLst>
+                                          <p:attrName>ppt_x</p:attrName>
+                                        </p:attrNameLst>
+                                      </p:cBhvr>
+                                      <p:tavLst>
+                                        <p:tav tm="0">
+                                          <p:val>
+                                            <p:strVal val="#ppt_x"/>
+                                          </p:val>
+                                        </p:tav>
+                                        <p:tav tm="100000">
+                                          <p:val>
+                                            <p:strVal val="#ppt_x"/>
+                                          </p:val>
+                                        </p:tav>
+                                      </p:tavLst>
+                                    </p:anim>
+                                    <p:anim calcmode="lin" valueType="num">
+                                      <p:cBhvr additive="base">
+                                        <p:cTn id="8" dur="500" fill="hold"/>
+                                        <p:tgtEl>
+                                          <p:spTgt spid="4"/>
+                                        </p:tgtEl>
+                                        <p:attrNameLst>
+                                          <p:attrName>ppt_y</p:attrName>
+                                        </p:attrNameLst>
+                                      </p:cBhvr>
+                                      <p:tavLst>
+                                        <p:tav tm="0">
+                                          <p:val>
+                                            <p:strVal val="1+#ppt_h/2"/>
+                                          </p:val>
+                                        </p:tav>
+                                        <p:tav tm="100000">
+                                          <p:val>
+                                            <p:strVal val="#ppt_y"/>
+                                          </p:val>
+                                        </p:tav>
+                                      </p:tavLst>
+                                    </p:anim>
+                                  </p:childTnLst>
+                                </p:cTn>
+                              </p:par>
+                            </p:childTnLst>
+                          </p:cTn>
+                        </p:par>
+                      </p:childTnLst>
+                    </p:cTn>
+                  </p:par>
+                </p:childTnLst>
+              </p:cTn>
+              <p:prevCondLst>
+                <p:cond evt="onPrev" delay="0">
+                  <p:tgtEl>
+                    <p:sldTgt/>
+                  </p:tgtEl>
+                </p:cond>
+              </p:prevCondLst>
+              <p:nextCondLst>
+                <p:cond evt="onNext" delay="0">
+                  <p:tgtEl>
+                    <p:sldTgt/>
+                  </p:tgtEl>
+                </p:cond>
+              </p:nextCondLst>
+            </p:seq>
+          </p:childTnLst>
+        </p:cTn>
       </p:par>
     </p:tnLst>
+    <p:bldLst>
+      <p:bldP spid="4" grpId="0" animBg="1"/>
+    </p:bldLst>
   </p:timing>
 </p:sld>
 </file>
@@ -26194,6 +30531,17 @@
 </file>
 
 <file path=customXml/item1.xml><?xml version="1.0" encoding="utf-8"?>
+<p:properties xmlns:p="http://schemas.microsoft.com/office/2006/metadata/properties" xmlns:xsi="http://www.w3.org/2001/XMLSchema-instance" xmlns:pc="http://schemas.microsoft.com/office/infopath/2007/PartnerControls">
+  <documentManagement>
+    <DocumentType xmlns="B52DB2DB-4C79-421A-B3B5-7B3E39903FAF">Presentation</DocumentType>
+    <Tags xmlns="B52DB2DB-4C79-421A-B3B5-7B3E39903FAF"/>
+    <PublishingExpirationDate xmlns="http://schemas.microsoft.com/sharepoint/v3" xsi:nil="true"/>
+    <PublishingStartDate xmlns="http://schemas.microsoft.com/sharepoint/v3" xsi:nil="true"/>
+  </documentManagement>
+</p:properties>
+</file>
+
+<file path=customXml/item2.xml><?xml version="1.0" encoding="utf-8"?>
 <ct:contentTypeSchema xmlns:ct="http://schemas.microsoft.com/office/2006/metadata/contentType" xmlns:ma="http://schemas.microsoft.com/office/2006/metadata/properties/metaAttributes" ct:_="" ma:_="" ma:contentTypeName="Document" ma:contentTypeID="0x0101007FB88A3DE5BCC14A89FCFBE463D1D90E" ma:contentTypeVersion="1" ma:contentTypeDescription="Create a new document." ma:contentTypeScope="" ma:versionID="4d8f9a178a16463aae8556ecaad61169">
   <xsd:schema xmlns:xsd="http://www.w3.org/2001/XMLSchema" xmlns:xs="http://www.w3.org/2001/XMLSchema" xmlns:p="http://schemas.microsoft.com/office/2006/metadata/properties" xmlns:ns1="http://schemas.microsoft.com/sharepoint/v3" xmlns:ns2="B52DB2DB-4C79-421A-B3B5-7B3E39903FAF" targetNamespace="http://schemas.microsoft.com/office/2006/metadata/properties" ma:root="true" ma:fieldsID="17524f4cb64685990c7a62925d0c2ba3" ns1:_="" ns2:_="">
     <xsd:import namespace="http://schemas.microsoft.com/sharepoint/v3"/>
@@ -26375,17 +30723,6 @@
 </ct:contentTypeSchema>
 </file>
 
-<file path=customXml/item2.xml><?xml version="1.0" encoding="utf-8"?>
-<p:properties xmlns:p="http://schemas.microsoft.com/office/2006/metadata/properties" xmlns:xsi="http://www.w3.org/2001/XMLSchema-instance" xmlns:pc="http://schemas.microsoft.com/office/infopath/2007/PartnerControls">
-  <documentManagement>
-    <DocumentType xmlns="B52DB2DB-4C79-421A-B3B5-7B3E39903FAF">Presentation</DocumentType>
-    <Tags xmlns="B52DB2DB-4C79-421A-B3B5-7B3E39903FAF"/>
-    <PublishingExpirationDate xmlns="http://schemas.microsoft.com/sharepoint/v3" xsi:nil="true"/>
-    <PublishingStartDate xmlns="http://schemas.microsoft.com/sharepoint/v3" xsi:nil="true"/>
-  </documentManagement>
-</p:properties>
-</file>
-
 <file path=customXml/item3.xml><?xml version="1.0" encoding="utf-8"?>
 <?mso-contentType ?>
 <FormTemplates xmlns="http://schemas.microsoft.com/sharepoint/v3/contenttype/forms">
@@ -26396,6 +30733,23 @@
 </file>
 
 <file path=customXml/itemProps1.xml><?xml version="1.0" encoding="utf-8"?>
+<ds:datastoreItem xmlns:ds="http://schemas.openxmlformats.org/officeDocument/2006/customXml" ds:itemID="{C37D435A-036C-4A6E-9A9D-B0F04F096E31}">
+  <ds:schemaRefs>
+    <ds:schemaRef ds:uri="http://purl.org/dc/terms/"/>
+    <ds:schemaRef ds:uri="http://purl.org/dc/dcmitype/"/>
+    <ds:schemaRef ds:uri="http://www.w3.org/XML/1998/namespace"/>
+    <ds:schemaRef ds:uri="http://schemas.microsoft.com/office/2006/metadata/properties"/>
+    <ds:schemaRef ds:uri="http://schemas.microsoft.com/office/2006/documentManagement/types"/>
+    <ds:schemaRef ds:uri="http://purl.org/dc/elements/1.1/"/>
+    <ds:schemaRef ds:uri="http://schemas.microsoft.com/office/infopath/2007/PartnerControls"/>
+    <ds:schemaRef ds:uri="http://schemas.openxmlformats.org/package/2006/metadata/core-properties"/>
+    <ds:schemaRef ds:uri="B52DB2DB-4C79-421A-B3B5-7B3E39903FAF"/>
+    <ds:schemaRef ds:uri="http://schemas.microsoft.com/sharepoint/v3"/>
+  </ds:schemaRefs>
+</ds:datastoreItem>
+</file>
+
+<file path=customXml/itemProps2.xml><?xml version="1.0" encoding="utf-8"?>
 <ds:datastoreItem xmlns:ds="http://schemas.openxmlformats.org/officeDocument/2006/customXml" ds:itemID="{85722F85-0141-485D-BA5B-DBDCE27578A3}">
   <ds:schemaRefs>
     <ds:schemaRef ds:uri="http://schemas.microsoft.com/office/2006/metadata/contentType"/>
@@ -26414,23 +30768,6 @@
 </ds:datastoreItem>
 </file>
 
-<file path=customXml/itemProps2.xml><?xml version="1.0" encoding="utf-8"?>
-<ds:datastoreItem xmlns:ds="http://schemas.openxmlformats.org/officeDocument/2006/customXml" ds:itemID="{C37D435A-036C-4A6E-9A9D-B0F04F096E31}">
-  <ds:schemaRefs>
-    <ds:schemaRef ds:uri="http://purl.org/dc/terms/"/>
-    <ds:schemaRef ds:uri="http://purl.org/dc/dcmitype/"/>
-    <ds:schemaRef ds:uri="http://www.w3.org/XML/1998/namespace"/>
-    <ds:schemaRef ds:uri="http://schemas.microsoft.com/office/2006/metadata/properties"/>
-    <ds:schemaRef ds:uri="http://schemas.microsoft.com/office/2006/documentManagement/types"/>
-    <ds:schemaRef ds:uri="http://purl.org/dc/elements/1.1/"/>
-    <ds:schemaRef ds:uri="http://schemas.microsoft.com/office/infopath/2007/PartnerControls"/>
-    <ds:schemaRef ds:uri="http://schemas.openxmlformats.org/package/2006/metadata/core-properties"/>
-    <ds:schemaRef ds:uri="B52DB2DB-4C79-421A-B3B5-7B3E39903FAF"/>
-    <ds:schemaRef ds:uri="http://schemas.microsoft.com/sharepoint/v3"/>
-  </ds:schemaRefs>
-</ds:datastoreItem>
-</file>
-
 <file path=customXml/itemProps3.xml><?xml version="1.0" encoding="utf-8"?>
 <ds:datastoreItem xmlns:ds="http://schemas.openxmlformats.org/officeDocument/2006/customXml" ds:itemID="{9AE84C29-3D22-4B38-861A-92252ADDEB5A}">
   <ds:schemaRefs>

--- a/Präsentationen/HTML.pptx
+++ b/Präsentationen/HTML.pptx
@@ -5,7 +5,7 @@
     <p:sldMasterId id="2147483660" r:id="rId4"/>
   </p:sldMasterIdLst>
   <p:notesMasterIdLst>
-    <p:notesMasterId r:id="rId42"/>
+    <p:notesMasterId r:id="rId43"/>
   </p:notesMasterIdLst>
   <p:sldIdLst>
     <p:sldId id="256" r:id="rId5"/>
@@ -20,31 +20,32 @@
     <p:sldId id="264" r:id="rId14"/>
     <p:sldId id="266" r:id="rId15"/>
     <p:sldId id="265" r:id="rId16"/>
-    <p:sldId id="267" r:id="rId17"/>
-    <p:sldId id="268" r:id="rId18"/>
-    <p:sldId id="269" r:id="rId19"/>
-    <p:sldId id="270" r:id="rId20"/>
-    <p:sldId id="271" r:id="rId21"/>
-    <p:sldId id="273" r:id="rId22"/>
-    <p:sldId id="275" r:id="rId23"/>
-    <p:sldId id="274" r:id="rId24"/>
-    <p:sldId id="276" r:id="rId25"/>
-    <p:sldId id="278" r:id="rId26"/>
-    <p:sldId id="277" r:id="rId27"/>
-    <p:sldId id="279" r:id="rId28"/>
-    <p:sldId id="280" r:id="rId29"/>
-    <p:sldId id="281" r:id="rId30"/>
-    <p:sldId id="282" r:id="rId31"/>
-    <p:sldId id="283" r:id="rId32"/>
-    <p:sldId id="286" r:id="rId33"/>
-    <p:sldId id="284" r:id="rId34"/>
-    <p:sldId id="285" r:id="rId35"/>
-    <p:sldId id="287" r:id="rId36"/>
-    <p:sldId id="288" r:id="rId37"/>
-    <p:sldId id="290" r:id="rId38"/>
-    <p:sldId id="289" r:id="rId39"/>
-    <p:sldId id="292" r:id="rId40"/>
-    <p:sldId id="294" r:id="rId41"/>
+    <p:sldId id="295" r:id="rId17"/>
+    <p:sldId id="267" r:id="rId18"/>
+    <p:sldId id="268" r:id="rId19"/>
+    <p:sldId id="269" r:id="rId20"/>
+    <p:sldId id="270" r:id="rId21"/>
+    <p:sldId id="271" r:id="rId22"/>
+    <p:sldId id="273" r:id="rId23"/>
+    <p:sldId id="275" r:id="rId24"/>
+    <p:sldId id="274" r:id="rId25"/>
+    <p:sldId id="276" r:id="rId26"/>
+    <p:sldId id="278" r:id="rId27"/>
+    <p:sldId id="277" r:id="rId28"/>
+    <p:sldId id="279" r:id="rId29"/>
+    <p:sldId id="280" r:id="rId30"/>
+    <p:sldId id="281" r:id="rId31"/>
+    <p:sldId id="282" r:id="rId32"/>
+    <p:sldId id="283" r:id="rId33"/>
+    <p:sldId id="286" r:id="rId34"/>
+    <p:sldId id="284" r:id="rId35"/>
+    <p:sldId id="285" r:id="rId36"/>
+    <p:sldId id="287" r:id="rId37"/>
+    <p:sldId id="288" r:id="rId38"/>
+    <p:sldId id="290" r:id="rId39"/>
+    <p:sldId id="289" r:id="rId40"/>
+    <p:sldId id="292" r:id="rId41"/>
+    <p:sldId id="294" r:id="rId42"/>
   </p:sldIdLst>
   <p:sldSz cx="12192000" cy="6858000"/>
   <p:notesSz cx="6858000" cy="9144000"/>
@@ -259,7 +260,7 @@
           <a:p>
             <a:fld id="{FD48EB67-2BC6-40D7-89DF-0F485185C702}" type="datetimeFigureOut">
               <a:rPr lang="de-CH" smtClean="0"/>
-              <a:t>18.03.2015</a:t>
+              <a:t>08.04.2015</a:t>
             </a:fld>
             <a:endParaRPr lang="de-CH"/>
           </a:p>
@@ -573,7 +574,7 @@
           <a:p>
             <a:r>
               <a:rPr lang="de-CH" dirty="0" smtClean="0"/>
-              <a:t>Demo zeigen</a:t>
+              <a:t>html_paragraphen.html</a:t>
             </a:r>
             <a:endParaRPr lang="de-CH" dirty="0"/>
           </a:p>
@@ -596,7 +597,95 @@
           <a:p>
             <a:fld id="{A8938716-5AB9-4169-8EB5-74614927D367}" type="slidenum">
               <a:rPr lang="de-CH" smtClean="0"/>
-              <a:t>37</a:t>
+              <a:t>23</a:t>
+            </a:fld>
+            <a:endParaRPr lang="de-CH"/>
+          </a:p>
+        </p:txBody>
+      </p:sp>
+    </p:spTree>
+    <p:extLst>
+      <p:ext uri="{BB962C8B-B14F-4D97-AF65-F5344CB8AC3E}">
+        <p14:creationId xmlns:p14="http://schemas.microsoft.com/office/powerpoint/2010/main" val="4143953385"/>
+      </p:ext>
+    </p:extLst>
+  </p:cSld>
+  <p:clrMapOvr>
+    <a:masterClrMapping/>
+  </p:clrMapOvr>
+</p:notes>
+</file>
+
+<file path=ppt/notesSlides/notesSlide10.xml><?xml version="1.0" encoding="utf-8"?>
+<p:notes xmlns:a="http://schemas.openxmlformats.org/drawingml/2006/main" xmlns:r="http://schemas.openxmlformats.org/officeDocument/2006/relationships" xmlns:p="http://schemas.openxmlformats.org/presentationml/2006/main">
+  <p:cSld>
+    <p:spTree>
+      <p:nvGrpSpPr>
+        <p:cNvPr id="1" name=""/>
+        <p:cNvGrpSpPr/>
+        <p:nvPr/>
+      </p:nvGrpSpPr>
+      <p:grpSpPr>
+        <a:xfrm>
+          <a:off x="0" y="0"/>
+          <a:ext cx="0" cy="0"/>
+          <a:chOff x="0" y="0"/>
+          <a:chExt cx="0" cy="0"/>
+        </a:xfrm>
+      </p:grpSpPr>
+      <p:sp>
+        <p:nvSpPr>
+          <p:cNvPr id="2" name="Folienbildplatzhalter 1"/>
+          <p:cNvSpPr>
+            <a:spLocks noGrp="1" noRot="1" noChangeAspect="1"/>
+          </p:cNvSpPr>
+          <p:nvPr>
+            <p:ph type="sldImg"/>
+          </p:nvPr>
+        </p:nvSpPr>
+        <p:spPr/>
+      </p:sp>
+      <p:sp>
+        <p:nvSpPr>
+          <p:cNvPr id="3" name="Notizenplatzhalter 2"/>
+          <p:cNvSpPr>
+            <a:spLocks noGrp="1"/>
+          </p:cNvSpPr>
+          <p:nvPr>
+            <p:ph type="body" idx="1"/>
+          </p:nvPr>
+        </p:nvSpPr>
+        <p:spPr/>
+        <p:txBody>
+          <a:bodyPr/>
+          <a:lstStyle/>
+          <a:p>
+            <a:r>
+              <a:rPr lang="de-CH" dirty="0" smtClean="0"/>
+              <a:t>Demo zeigen</a:t>
+            </a:r>
+            <a:endParaRPr lang="de-CH" dirty="0"/>
+          </a:p>
+        </p:txBody>
+      </p:sp>
+      <p:sp>
+        <p:nvSpPr>
+          <p:cNvPr id="4" name="Foliennummernplatzhalter 3"/>
+          <p:cNvSpPr>
+            <a:spLocks noGrp="1"/>
+          </p:cNvSpPr>
+          <p:nvPr>
+            <p:ph type="sldNum" sz="quarter" idx="10"/>
+          </p:nvPr>
+        </p:nvSpPr>
+        <p:spPr/>
+        <p:txBody>
+          <a:bodyPr/>
+          <a:lstStyle/>
+          <a:p>
+            <a:fld id="{A8938716-5AB9-4169-8EB5-74614927D367}" type="slidenum">
+              <a:rPr lang="de-CH" smtClean="0"/>
+              <a:t>38</a:t>
             </a:fld>
             <a:endParaRPr lang="de-CH"/>
           </a:p>
@@ -606,6 +695,730 @@
     <p:extLst>
       <p:ext uri="{BB962C8B-B14F-4D97-AF65-F5344CB8AC3E}">
         <p14:creationId xmlns:p14="http://schemas.microsoft.com/office/powerpoint/2010/main" val="3101517460"/>
+      </p:ext>
+    </p:extLst>
+  </p:cSld>
+  <p:clrMapOvr>
+    <a:masterClrMapping/>
+  </p:clrMapOvr>
+</p:notes>
+</file>
+
+<file path=ppt/notesSlides/notesSlide2.xml><?xml version="1.0" encoding="utf-8"?>
+<p:notes xmlns:a="http://schemas.openxmlformats.org/drawingml/2006/main" xmlns:r="http://schemas.openxmlformats.org/officeDocument/2006/relationships" xmlns:p="http://schemas.openxmlformats.org/presentationml/2006/main">
+  <p:cSld>
+    <p:spTree>
+      <p:nvGrpSpPr>
+        <p:cNvPr id="1" name=""/>
+        <p:cNvGrpSpPr/>
+        <p:nvPr/>
+      </p:nvGrpSpPr>
+      <p:grpSpPr>
+        <a:xfrm>
+          <a:off x="0" y="0"/>
+          <a:ext cx="0" cy="0"/>
+          <a:chOff x="0" y="0"/>
+          <a:chExt cx="0" cy="0"/>
+        </a:xfrm>
+      </p:grpSpPr>
+      <p:sp>
+        <p:nvSpPr>
+          <p:cNvPr id="2" name="Folienbildplatzhalter 1"/>
+          <p:cNvSpPr>
+            <a:spLocks noGrp="1" noRot="1" noChangeAspect="1"/>
+          </p:cNvSpPr>
+          <p:nvPr>
+            <p:ph type="sldImg"/>
+          </p:nvPr>
+        </p:nvSpPr>
+        <p:spPr/>
+      </p:sp>
+      <p:sp>
+        <p:nvSpPr>
+          <p:cNvPr id="3" name="Notizenplatzhalter 2"/>
+          <p:cNvSpPr>
+            <a:spLocks noGrp="1"/>
+          </p:cNvSpPr>
+          <p:nvPr>
+            <p:ph type="body" idx="1"/>
+          </p:nvPr>
+        </p:nvSpPr>
+        <p:spPr/>
+        <p:txBody>
+          <a:bodyPr/>
+          <a:lstStyle/>
+          <a:p>
+            <a:r>
+              <a:rPr lang="de-CH" dirty="0" smtClean="0"/>
+              <a:t>Aufgabe: Wikipedia Artikel im HTML </a:t>
+            </a:r>
+            <a:r>
+              <a:rPr lang="de-CH" dirty="0" smtClean="0"/>
+              <a:t>aufbereiten</a:t>
+            </a:r>
+          </a:p>
+          <a:p>
+            <a:r>
+              <a:rPr lang="de-CH" dirty="0" smtClean="0"/>
+              <a:t>html_überschriften.html</a:t>
+            </a:r>
+            <a:endParaRPr lang="de-CH" dirty="0"/>
+          </a:p>
+        </p:txBody>
+      </p:sp>
+      <p:sp>
+        <p:nvSpPr>
+          <p:cNvPr id="4" name="Foliennummernplatzhalter 3"/>
+          <p:cNvSpPr>
+            <a:spLocks noGrp="1"/>
+          </p:cNvSpPr>
+          <p:nvPr>
+            <p:ph type="sldNum" sz="quarter" idx="10"/>
+          </p:nvPr>
+        </p:nvSpPr>
+        <p:spPr/>
+        <p:txBody>
+          <a:bodyPr/>
+          <a:lstStyle/>
+          <a:p>
+            <a:fld id="{A8938716-5AB9-4169-8EB5-74614927D367}" type="slidenum">
+              <a:rPr lang="de-CH" smtClean="0"/>
+              <a:t>24</a:t>
+            </a:fld>
+            <a:endParaRPr lang="de-CH"/>
+          </a:p>
+        </p:txBody>
+      </p:sp>
+    </p:spTree>
+    <p:extLst>
+      <p:ext uri="{BB962C8B-B14F-4D97-AF65-F5344CB8AC3E}">
+        <p14:creationId xmlns:p14="http://schemas.microsoft.com/office/powerpoint/2010/main" val="2400521798"/>
+      </p:ext>
+    </p:extLst>
+  </p:cSld>
+  <p:clrMapOvr>
+    <a:masterClrMapping/>
+  </p:clrMapOvr>
+</p:notes>
+</file>
+
+<file path=ppt/notesSlides/notesSlide3.xml><?xml version="1.0" encoding="utf-8"?>
+<p:notes xmlns:a="http://schemas.openxmlformats.org/drawingml/2006/main" xmlns:r="http://schemas.openxmlformats.org/officeDocument/2006/relationships" xmlns:p="http://schemas.openxmlformats.org/presentationml/2006/main">
+  <p:cSld>
+    <p:spTree>
+      <p:nvGrpSpPr>
+        <p:cNvPr id="1" name=""/>
+        <p:cNvGrpSpPr/>
+        <p:nvPr/>
+      </p:nvGrpSpPr>
+      <p:grpSpPr>
+        <a:xfrm>
+          <a:off x="0" y="0"/>
+          <a:ext cx="0" cy="0"/>
+          <a:chOff x="0" y="0"/>
+          <a:chExt cx="0" cy="0"/>
+        </a:xfrm>
+      </p:grpSpPr>
+      <p:sp>
+        <p:nvSpPr>
+          <p:cNvPr id="2" name="Folienbildplatzhalter 1"/>
+          <p:cNvSpPr>
+            <a:spLocks noGrp="1" noRot="1" noChangeAspect="1"/>
+          </p:cNvSpPr>
+          <p:nvPr>
+            <p:ph type="sldImg"/>
+          </p:nvPr>
+        </p:nvSpPr>
+        <p:spPr/>
+      </p:sp>
+      <p:sp>
+        <p:nvSpPr>
+          <p:cNvPr id="3" name="Notizenplatzhalter 2"/>
+          <p:cNvSpPr>
+            <a:spLocks noGrp="1"/>
+          </p:cNvSpPr>
+          <p:nvPr>
+            <p:ph type="body" idx="1"/>
+          </p:nvPr>
+        </p:nvSpPr>
+        <p:spPr/>
+        <p:txBody>
+          <a:bodyPr/>
+          <a:lstStyle/>
+          <a:p>
+            <a:r>
+              <a:rPr lang="de-CH" dirty="0" smtClean="0"/>
+              <a:t>html_list_combined.html</a:t>
+            </a:r>
+            <a:endParaRPr lang="de-CH" dirty="0"/>
+          </a:p>
+        </p:txBody>
+      </p:sp>
+      <p:sp>
+        <p:nvSpPr>
+          <p:cNvPr id="4" name="Foliennummernplatzhalter 3"/>
+          <p:cNvSpPr>
+            <a:spLocks noGrp="1"/>
+          </p:cNvSpPr>
+          <p:nvPr>
+            <p:ph type="sldNum" sz="quarter" idx="10"/>
+          </p:nvPr>
+        </p:nvSpPr>
+        <p:spPr/>
+        <p:txBody>
+          <a:bodyPr/>
+          <a:lstStyle/>
+          <a:p>
+            <a:fld id="{A8938716-5AB9-4169-8EB5-74614927D367}" type="slidenum">
+              <a:rPr lang="de-CH" smtClean="0"/>
+              <a:t>28</a:t>
+            </a:fld>
+            <a:endParaRPr lang="de-CH"/>
+          </a:p>
+        </p:txBody>
+      </p:sp>
+    </p:spTree>
+    <p:extLst>
+      <p:ext uri="{BB962C8B-B14F-4D97-AF65-F5344CB8AC3E}">
+        <p14:creationId xmlns:p14="http://schemas.microsoft.com/office/powerpoint/2010/main" val="1859232166"/>
+      </p:ext>
+    </p:extLst>
+  </p:cSld>
+  <p:clrMapOvr>
+    <a:masterClrMapping/>
+  </p:clrMapOvr>
+</p:notes>
+</file>
+
+<file path=ppt/notesSlides/notesSlide4.xml><?xml version="1.0" encoding="utf-8"?>
+<p:notes xmlns:a="http://schemas.openxmlformats.org/drawingml/2006/main" xmlns:r="http://schemas.openxmlformats.org/officeDocument/2006/relationships" xmlns:p="http://schemas.openxmlformats.org/presentationml/2006/main">
+  <p:cSld>
+    <p:spTree>
+      <p:nvGrpSpPr>
+        <p:cNvPr id="1" name=""/>
+        <p:cNvGrpSpPr/>
+        <p:nvPr/>
+      </p:nvGrpSpPr>
+      <p:grpSpPr>
+        <a:xfrm>
+          <a:off x="0" y="0"/>
+          <a:ext cx="0" cy="0"/>
+          <a:chOff x="0" y="0"/>
+          <a:chExt cx="0" cy="0"/>
+        </a:xfrm>
+      </p:grpSpPr>
+      <p:sp>
+        <p:nvSpPr>
+          <p:cNvPr id="2" name="Folienbildplatzhalter 1"/>
+          <p:cNvSpPr>
+            <a:spLocks noGrp="1" noRot="1" noChangeAspect="1"/>
+          </p:cNvSpPr>
+          <p:nvPr>
+            <p:ph type="sldImg"/>
+          </p:nvPr>
+        </p:nvSpPr>
+        <p:spPr/>
+      </p:sp>
+      <p:sp>
+        <p:nvSpPr>
+          <p:cNvPr id="3" name="Notizenplatzhalter 2"/>
+          <p:cNvSpPr>
+            <a:spLocks noGrp="1"/>
+          </p:cNvSpPr>
+          <p:nvPr>
+            <p:ph type="body" idx="1"/>
+          </p:nvPr>
+        </p:nvSpPr>
+        <p:spPr/>
+        <p:txBody>
+          <a:bodyPr/>
+          <a:lstStyle/>
+          <a:p>
+            <a:r>
+              <a:rPr lang="de-CH" dirty="0" smtClean="0"/>
+              <a:t>Aufgabe:</a:t>
+            </a:r>
+            <a:r>
+              <a:rPr lang="de-CH" baseline="0" dirty="0" smtClean="0"/>
+              <a:t> Simpsons</a:t>
+            </a:r>
+          </a:p>
+          <a:p>
+            <a:r>
+              <a:rPr lang="de-CH" baseline="0" dirty="0" smtClean="0"/>
+              <a:t>Liste einiger Familien der Simpsons erstellen mit </a:t>
+            </a:r>
+            <a:r>
+              <a:rPr lang="de-CH" baseline="0" smtClean="0"/>
+              <a:t>zwei Tabellen.</a:t>
+            </a:r>
+            <a:endParaRPr lang="de-CH"/>
+          </a:p>
+        </p:txBody>
+      </p:sp>
+      <p:sp>
+        <p:nvSpPr>
+          <p:cNvPr id="4" name="Foliennummernplatzhalter 3"/>
+          <p:cNvSpPr>
+            <a:spLocks noGrp="1"/>
+          </p:cNvSpPr>
+          <p:nvPr>
+            <p:ph type="sldNum" sz="quarter" idx="10"/>
+          </p:nvPr>
+        </p:nvSpPr>
+        <p:spPr/>
+        <p:txBody>
+          <a:bodyPr/>
+          <a:lstStyle/>
+          <a:p>
+            <a:fld id="{A8938716-5AB9-4169-8EB5-74614927D367}" type="slidenum">
+              <a:rPr lang="de-CH" smtClean="0"/>
+              <a:t>29</a:t>
+            </a:fld>
+            <a:endParaRPr lang="de-CH"/>
+          </a:p>
+        </p:txBody>
+      </p:sp>
+    </p:spTree>
+    <p:extLst>
+      <p:ext uri="{BB962C8B-B14F-4D97-AF65-F5344CB8AC3E}">
+        <p14:creationId xmlns:p14="http://schemas.microsoft.com/office/powerpoint/2010/main" val="3122663873"/>
+      </p:ext>
+    </p:extLst>
+  </p:cSld>
+  <p:clrMapOvr>
+    <a:masterClrMapping/>
+  </p:clrMapOvr>
+</p:notes>
+</file>
+
+<file path=ppt/notesSlides/notesSlide5.xml><?xml version="1.0" encoding="utf-8"?>
+<p:notes xmlns:a="http://schemas.openxmlformats.org/drawingml/2006/main" xmlns:r="http://schemas.openxmlformats.org/officeDocument/2006/relationships" xmlns:p="http://schemas.openxmlformats.org/presentationml/2006/main">
+  <p:cSld>
+    <p:spTree>
+      <p:nvGrpSpPr>
+        <p:cNvPr id="1" name=""/>
+        <p:cNvGrpSpPr/>
+        <p:nvPr/>
+      </p:nvGrpSpPr>
+      <p:grpSpPr>
+        <a:xfrm>
+          <a:off x="0" y="0"/>
+          <a:ext cx="0" cy="0"/>
+          <a:chOff x="0" y="0"/>
+          <a:chExt cx="0" cy="0"/>
+        </a:xfrm>
+      </p:grpSpPr>
+      <p:sp>
+        <p:nvSpPr>
+          <p:cNvPr id="2" name="Folienbildplatzhalter 1"/>
+          <p:cNvSpPr>
+            <a:spLocks noGrp="1" noRot="1" noChangeAspect="1"/>
+          </p:cNvSpPr>
+          <p:nvPr>
+            <p:ph type="sldImg"/>
+          </p:nvPr>
+        </p:nvSpPr>
+        <p:spPr/>
+      </p:sp>
+      <p:sp>
+        <p:nvSpPr>
+          <p:cNvPr id="3" name="Notizenplatzhalter 2"/>
+          <p:cNvSpPr>
+            <a:spLocks noGrp="1"/>
+          </p:cNvSpPr>
+          <p:nvPr>
+            <p:ph type="body" idx="1"/>
+          </p:nvPr>
+        </p:nvSpPr>
+        <p:spPr/>
+        <p:txBody>
+          <a:bodyPr/>
+          <a:lstStyle/>
+          <a:p>
+            <a:endParaRPr lang="de-CH" dirty="0"/>
+          </a:p>
+        </p:txBody>
+      </p:sp>
+      <p:sp>
+        <p:nvSpPr>
+          <p:cNvPr id="4" name="Foliennummernplatzhalter 3"/>
+          <p:cNvSpPr>
+            <a:spLocks noGrp="1"/>
+          </p:cNvSpPr>
+          <p:nvPr>
+            <p:ph type="sldNum" sz="quarter" idx="10"/>
+          </p:nvPr>
+        </p:nvSpPr>
+        <p:spPr/>
+        <p:txBody>
+          <a:bodyPr/>
+          <a:lstStyle/>
+          <a:p>
+            <a:fld id="{A8938716-5AB9-4169-8EB5-74614927D367}" type="slidenum">
+              <a:rPr lang="de-CH" smtClean="0"/>
+              <a:t>31</a:t>
+            </a:fld>
+            <a:endParaRPr lang="de-CH"/>
+          </a:p>
+        </p:txBody>
+      </p:sp>
+    </p:spTree>
+    <p:extLst>
+      <p:ext uri="{BB962C8B-B14F-4D97-AF65-F5344CB8AC3E}">
+        <p14:creationId xmlns:p14="http://schemas.microsoft.com/office/powerpoint/2010/main" val="3111520820"/>
+      </p:ext>
+    </p:extLst>
+  </p:cSld>
+  <p:clrMapOvr>
+    <a:masterClrMapping/>
+  </p:clrMapOvr>
+</p:notes>
+</file>
+
+<file path=ppt/notesSlides/notesSlide6.xml><?xml version="1.0" encoding="utf-8"?>
+<p:notes xmlns:a="http://schemas.openxmlformats.org/drawingml/2006/main" xmlns:r="http://schemas.openxmlformats.org/officeDocument/2006/relationships" xmlns:p="http://schemas.openxmlformats.org/presentationml/2006/main">
+  <p:cSld>
+    <p:spTree>
+      <p:nvGrpSpPr>
+        <p:cNvPr id="1" name=""/>
+        <p:cNvGrpSpPr/>
+        <p:nvPr/>
+      </p:nvGrpSpPr>
+      <p:grpSpPr>
+        <a:xfrm>
+          <a:off x="0" y="0"/>
+          <a:ext cx="0" cy="0"/>
+          <a:chOff x="0" y="0"/>
+          <a:chExt cx="0" cy="0"/>
+        </a:xfrm>
+      </p:grpSpPr>
+      <p:sp>
+        <p:nvSpPr>
+          <p:cNvPr id="2" name="Folienbildplatzhalter 1"/>
+          <p:cNvSpPr>
+            <a:spLocks noGrp="1" noRot="1" noChangeAspect="1"/>
+          </p:cNvSpPr>
+          <p:nvPr>
+            <p:ph type="sldImg"/>
+          </p:nvPr>
+        </p:nvSpPr>
+        <p:spPr/>
+      </p:sp>
+      <p:sp>
+        <p:nvSpPr>
+          <p:cNvPr id="3" name="Notizenplatzhalter 2"/>
+          <p:cNvSpPr>
+            <a:spLocks noGrp="1"/>
+          </p:cNvSpPr>
+          <p:nvPr>
+            <p:ph type="body" idx="1"/>
+          </p:nvPr>
+        </p:nvSpPr>
+        <p:spPr/>
+        <p:txBody>
+          <a:bodyPr/>
+          <a:lstStyle/>
+          <a:p>
+            <a:r>
+              <a:rPr lang="de-CH" dirty="0" smtClean="0"/>
+              <a:t>html_Link_lokal.html</a:t>
+            </a:r>
+            <a:endParaRPr lang="de-CH" dirty="0"/>
+          </a:p>
+        </p:txBody>
+      </p:sp>
+      <p:sp>
+        <p:nvSpPr>
+          <p:cNvPr id="4" name="Foliennummernplatzhalter 3"/>
+          <p:cNvSpPr>
+            <a:spLocks noGrp="1"/>
+          </p:cNvSpPr>
+          <p:nvPr>
+            <p:ph type="sldNum" sz="quarter" idx="10"/>
+          </p:nvPr>
+        </p:nvSpPr>
+        <p:spPr/>
+        <p:txBody>
+          <a:bodyPr/>
+          <a:lstStyle/>
+          <a:p>
+            <a:fld id="{A8938716-5AB9-4169-8EB5-74614927D367}" type="slidenum">
+              <a:rPr lang="de-CH" smtClean="0"/>
+              <a:t>32</a:t>
+            </a:fld>
+            <a:endParaRPr lang="de-CH"/>
+          </a:p>
+        </p:txBody>
+      </p:sp>
+    </p:spTree>
+    <p:extLst>
+      <p:ext uri="{BB962C8B-B14F-4D97-AF65-F5344CB8AC3E}">
+        <p14:creationId xmlns:p14="http://schemas.microsoft.com/office/powerpoint/2010/main" val="356231986"/>
+      </p:ext>
+    </p:extLst>
+  </p:cSld>
+  <p:clrMapOvr>
+    <a:masterClrMapping/>
+  </p:clrMapOvr>
+</p:notes>
+</file>
+
+<file path=ppt/notesSlides/notesSlide7.xml><?xml version="1.0" encoding="utf-8"?>
+<p:notes xmlns:a="http://schemas.openxmlformats.org/drawingml/2006/main" xmlns:r="http://schemas.openxmlformats.org/officeDocument/2006/relationships" xmlns:p="http://schemas.openxmlformats.org/presentationml/2006/main">
+  <p:cSld>
+    <p:spTree>
+      <p:nvGrpSpPr>
+        <p:cNvPr id="1" name=""/>
+        <p:cNvGrpSpPr/>
+        <p:nvPr/>
+      </p:nvGrpSpPr>
+      <p:grpSpPr>
+        <a:xfrm>
+          <a:off x="0" y="0"/>
+          <a:ext cx="0" cy="0"/>
+          <a:chOff x="0" y="0"/>
+          <a:chExt cx="0" cy="0"/>
+        </a:xfrm>
+      </p:grpSpPr>
+      <p:sp>
+        <p:nvSpPr>
+          <p:cNvPr id="2" name="Folienbildplatzhalter 1"/>
+          <p:cNvSpPr>
+            <a:spLocks noGrp="1" noRot="1" noChangeAspect="1"/>
+          </p:cNvSpPr>
+          <p:nvPr>
+            <p:ph type="sldImg"/>
+          </p:nvPr>
+        </p:nvSpPr>
+        <p:spPr/>
+      </p:sp>
+      <p:sp>
+        <p:nvSpPr>
+          <p:cNvPr id="3" name="Notizenplatzhalter 2"/>
+          <p:cNvSpPr>
+            <a:spLocks noGrp="1"/>
+          </p:cNvSpPr>
+          <p:nvPr>
+            <p:ph type="body" idx="1"/>
+          </p:nvPr>
+        </p:nvSpPr>
+        <p:spPr/>
+        <p:txBody>
+          <a:bodyPr/>
+          <a:lstStyle/>
+          <a:p>
+            <a:r>
+              <a:rPr lang="de-CH" dirty="0" smtClean="0"/>
+              <a:t>html_Link_lokal.html</a:t>
+            </a:r>
+            <a:endParaRPr lang="de-CH" dirty="0"/>
+          </a:p>
+        </p:txBody>
+      </p:sp>
+      <p:sp>
+        <p:nvSpPr>
+          <p:cNvPr id="4" name="Foliennummernplatzhalter 3"/>
+          <p:cNvSpPr>
+            <a:spLocks noGrp="1"/>
+          </p:cNvSpPr>
+          <p:nvPr>
+            <p:ph type="sldNum" sz="quarter" idx="10"/>
+          </p:nvPr>
+        </p:nvSpPr>
+        <p:spPr/>
+        <p:txBody>
+          <a:bodyPr/>
+          <a:lstStyle/>
+          <a:p>
+            <a:fld id="{A8938716-5AB9-4169-8EB5-74614927D367}" type="slidenum">
+              <a:rPr lang="de-CH" smtClean="0"/>
+              <a:t>33</a:t>
+            </a:fld>
+            <a:endParaRPr lang="de-CH"/>
+          </a:p>
+        </p:txBody>
+      </p:sp>
+    </p:spTree>
+    <p:extLst>
+      <p:ext uri="{BB962C8B-B14F-4D97-AF65-F5344CB8AC3E}">
+        <p14:creationId xmlns:p14="http://schemas.microsoft.com/office/powerpoint/2010/main" val="2489684824"/>
+      </p:ext>
+    </p:extLst>
+  </p:cSld>
+  <p:clrMapOvr>
+    <a:masterClrMapping/>
+  </p:clrMapOvr>
+</p:notes>
+</file>
+
+<file path=ppt/notesSlides/notesSlide8.xml><?xml version="1.0" encoding="utf-8"?>
+<p:notes xmlns:a="http://schemas.openxmlformats.org/drawingml/2006/main" xmlns:r="http://schemas.openxmlformats.org/officeDocument/2006/relationships" xmlns:p="http://schemas.openxmlformats.org/presentationml/2006/main">
+  <p:cSld>
+    <p:spTree>
+      <p:nvGrpSpPr>
+        <p:cNvPr id="1" name=""/>
+        <p:cNvGrpSpPr/>
+        <p:nvPr/>
+      </p:nvGrpSpPr>
+      <p:grpSpPr>
+        <a:xfrm>
+          <a:off x="0" y="0"/>
+          <a:ext cx="0" cy="0"/>
+          <a:chOff x="0" y="0"/>
+          <a:chExt cx="0" cy="0"/>
+        </a:xfrm>
+      </p:grpSpPr>
+      <p:sp>
+        <p:nvSpPr>
+          <p:cNvPr id="2" name="Folienbildplatzhalter 1"/>
+          <p:cNvSpPr>
+            <a:spLocks noGrp="1" noRot="1" noChangeAspect="1"/>
+          </p:cNvSpPr>
+          <p:nvPr>
+            <p:ph type="sldImg"/>
+          </p:nvPr>
+        </p:nvSpPr>
+        <p:spPr/>
+      </p:sp>
+      <p:sp>
+        <p:nvSpPr>
+          <p:cNvPr id="3" name="Notizenplatzhalter 2"/>
+          <p:cNvSpPr>
+            <a:spLocks noGrp="1"/>
+          </p:cNvSpPr>
+          <p:nvPr>
+            <p:ph type="body" idx="1"/>
+          </p:nvPr>
+        </p:nvSpPr>
+        <p:spPr/>
+        <p:txBody>
+          <a:bodyPr/>
+          <a:lstStyle/>
+          <a:p>
+            <a:r>
+              <a:rPr lang="de-CH" dirty="0" smtClean="0"/>
+              <a:t>html_layout.html</a:t>
+            </a:r>
+            <a:endParaRPr lang="de-CH" dirty="0"/>
+          </a:p>
+        </p:txBody>
+      </p:sp>
+      <p:sp>
+        <p:nvSpPr>
+          <p:cNvPr id="4" name="Foliennummernplatzhalter 3"/>
+          <p:cNvSpPr>
+            <a:spLocks noGrp="1"/>
+          </p:cNvSpPr>
+          <p:nvPr>
+            <p:ph type="sldNum" sz="quarter" idx="10"/>
+          </p:nvPr>
+        </p:nvSpPr>
+        <p:spPr/>
+        <p:txBody>
+          <a:bodyPr/>
+          <a:lstStyle/>
+          <a:p>
+            <a:fld id="{A8938716-5AB9-4169-8EB5-74614927D367}" type="slidenum">
+              <a:rPr lang="de-CH" smtClean="0"/>
+              <a:t>36</a:t>
+            </a:fld>
+            <a:endParaRPr lang="de-CH"/>
+          </a:p>
+        </p:txBody>
+      </p:sp>
+    </p:spTree>
+    <p:extLst>
+      <p:ext uri="{BB962C8B-B14F-4D97-AF65-F5344CB8AC3E}">
+        <p14:creationId xmlns:p14="http://schemas.microsoft.com/office/powerpoint/2010/main" val="297956094"/>
+      </p:ext>
+    </p:extLst>
+  </p:cSld>
+  <p:clrMapOvr>
+    <a:masterClrMapping/>
+  </p:clrMapOvr>
+</p:notes>
+</file>
+
+<file path=ppt/notesSlides/notesSlide9.xml><?xml version="1.0" encoding="utf-8"?>
+<p:notes xmlns:a="http://schemas.openxmlformats.org/drawingml/2006/main" xmlns:r="http://schemas.openxmlformats.org/officeDocument/2006/relationships" xmlns:p="http://schemas.openxmlformats.org/presentationml/2006/main">
+  <p:cSld>
+    <p:spTree>
+      <p:nvGrpSpPr>
+        <p:cNvPr id="1" name=""/>
+        <p:cNvGrpSpPr/>
+        <p:nvPr/>
+      </p:nvGrpSpPr>
+      <p:grpSpPr>
+        <a:xfrm>
+          <a:off x="0" y="0"/>
+          <a:ext cx="0" cy="0"/>
+          <a:chOff x="0" y="0"/>
+          <a:chExt cx="0" cy="0"/>
+        </a:xfrm>
+      </p:grpSpPr>
+      <p:sp>
+        <p:nvSpPr>
+          <p:cNvPr id="2" name="Folienbildplatzhalter 1"/>
+          <p:cNvSpPr>
+            <a:spLocks noGrp="1" noRot="1" noChangeAspect="1"/>
+          </p:cNvSpPr>
+          <p:nvPr>
+            <p:ph type="sldImg"/>
+          </p:nvPr>
+        </p:nvSpPr>
+        <p:spPr/>
+      </p:sp>
+      <p:sp>
+        <p:nvSpPr>
+          <p:cNvPr id="3" name="Notizenplatzhalter 2"/>
+          <p:cNvSpPr>
+            <a:spLocks noGrp="1"/>
+          </p:cNvSpPr>
+          <p:nvPr>
+            <p:ph type="body" idx="1"/>
+          </p:nvPr>
+        </p:nvSpPr>
+        <p:spPr/>
+        <p:txBody>
+          <a:bodyPr/>
+          <a:lstStyle/>
+          <a:p>
+            <a:r>
+              <a:rPr lang="de-CH" dirty="0" smtClean="0"/>
+              <a:t>html_form_demo.html</a:t>
+            </a:r>
+            <a:endParaRPr lang="de-CH" dirty="0"/>
+          </a:p>
+        </p:txBody>
+      </p:sp>
+      <p:sp>
+        <p:nvSpPr>
+          <p:cNvPr id="4" name="Foliennummernplatzhalter 3"/>
+          <p:cNvSpPr>
+            <a:spLocks noGrp="1"/>
+          </p:cNvSpPr>
+          <p:nvPr>
+            <p:ph type="sldNum" sz="quarter" idx="10"/>
+          </p:nvPr>
+        </p:nvSpPr>
+        <p:spPr/>
+        <p:txBody>
+          <a:bodyPr/>
+          <a:lstStyle/>
+          <a:p>
+            <a:fld id="{A8938716-5AB9-4169-8EB5-74614927D367}" type="slidenum">
+              <a:rPr lang="de-CH" smtClean="0"/>
+              <a:t>37</a:t>
+            </a:fld>
+            <a:endParaRPr lang="de-CH"/>
+          </a:p>
+        </p:txBody>
+      </p:sp>
+    </p:spTree>
+    <p:extLst>
+      <p:ext uri="{BB962C8B-B14F-4D97-AF65-F5344CB8AC3E}">
+        <p14:creationId xmlns:p14="http://schemas.microsoft.com/office/powerpoint/2010/main" val="736622364"/>
       </p:ext>
     </p:extLst>
   </p:cSld>
@@ -841,7 +1654,7 @@
           <a:p>
             <a:fld id="{2C314328-1F4E-4134-AA27-A85D42511787}" type="datetimeFigureOut">
               <a:rPr lang="de-CH" smtClean="0"/>
-              <a:t>18.03.2015</a:t>
+              <a:t>08.04.2015</a:t>
             </a:fld>
             <a:endParaRPr lang="de-CH"/>
           </a:p>
@@ -1049,7 +1862,7 @@
           <a:p>
             <a:fld id="{2C314328-1F4E-4134-AA27-A85D42511787}" type="datetimeFigureOut">
               <a:rPr lang="de-CH" smtClean="0"/>
-              <a:t>18.03.2015</a:t>
+              <a:t>08.04.2015</a:t>
             </a:fld>
             <a:endParaRPr lang="de-CH"/>
           </a:p>
@@ -1305,7 +2118,7 @@
           <a:p>
             <a:fld id="{2C314328-1F4E-4134-AA27-A85D42511787}" type="datetimeFigureOut">
               <a:rPr lang="de-CH" smtClean="0"/>
-              <a:t>18.03.2015</a:t>
+              <a:t>08.04.2015</a:t>
             </a:fld>
             <a:endParaRPr lang="de-CH"/>
           </a:p>
@@ -1479,7 +2292,7 @@
           <a:p>
             <a:fld id="{2C314328-1F4E-4134-AA27-A85D42511787}" type="datetimeFigureOut">
               <a:rPr lang="de-CH" smtClean="0"/>
-              <a:t>18.03.2015</a:t>
+              <a:t>08.04.2015</a:t>
             </a:fld>
             <a:endParaRPr lang="de-CH"/>
           </a:p>
@@ -1822,7 +2635,7 @@
           <a:p>
             <a:fld id="{2C314328-1F4E-4134-AA27-A85D42511787}" type="datetimeFigureOut">
               <a:rPr lang="de-CH" smtClean="0"/>
-              <a:t>18.03.2015</a:t>
+              <a:t>08.04.2015</a:t>
             </a:fld>
             <a:endParaRPr lang="de-CH"/>
           </a:p>
@@ -2097,7 +2910,7 @@
           <a:p>
             <a:fld id="{2C314328-1F4E-4134-AA27-A85D42511787}" type="datetimeFigureOut">
               <a:rPr lang="de-CH" smtClean="0"/>
-              <a:t>18.03.2015</a:t>
+              <a:t>08.04.2015</a:t>
             </a:fld>
             <a:endParaRPr lang="de-CH"/>
           </a:p>
@@ -2476,7 +3289,7 @@
           <a:p>
             <a:fld id="{2C314328-1F4E-4134-AA27-A85D42511787}" type="datetimeFigureOut">
               <a:rPr lang="de-CH" smtClean="0"/>
-              <a:t>18.03.2015</a:t>
+              <a:t>08.04.2015</a:t>
             </a:fld>
             <a:endParaRPr lang="de-CH"/>
           </a:p>
@@ -2594,7 +3407,7 @@
           <a:p>
             <a:fld id="{2C314328-1F4E-4134-AA27-A85D42511787}" type="datetimeFigureOut">
               <a:rPr lang="de-CH" smtClean="0"/>
-              <a:t>18.03.2015</a:t>
+              <a:t>08.04.2015</a:t>
             </a:fld>
             <a:endParaRPr lang="de-CH"/>
           </a:p>
@@ -2765,7 +3578,7 @@
           <a:p>
             <a:fld id="{2C314328-1F4E-4134-AA27-A85D42511787}" type="datetimeFigureOut">
               <a:rPr lang="de-CH" smtClean="0"/>
-              <a:t>18.03.2015</a:t>
+              <a:t>08.04.2015</a:t>
             </a:fld>
             <a:endParaRPr lang="de-CH"/>
           </a:p>
@@ -3119,7 +3932,7 @@
           <a:p>
             <a:fld id="{2C314328-1F4E-4134-AA27-A85D42511787}" type="datetimeFigureOut">
               <a:rPr lang="de-CH" smtClean="0"/>
-              <a:t>18.03.2015</a:t>
+              <a:t>08.04.2015</a:t>
             </a:fld>
             <a:endParaRPr lang="de-CH"/>
           </a:p>
@@ -3501,7 +4314,7 @@
           <a:p>
             <a:fld id="{2C314328-1F4E-4134-AA27-A85D42511787}" type="datetimeFigureOut">
               <a:rPr lang="de-CH" smtClean="0"/>
-              <a:t>18.03.2015</a:t>
+              <a:t>08.04.2015</a:t>
             </a:fld>
             <a:endParaRPr lang="de-CH"/>
           </a:p>
@@ -3788,7 +4601,7 @@
           <a:p>
             <a:fld id="{2C314328-1F4E-4134-AA27-A85D42511787}" type="datetimeFigureOut">
               <a:rPr lang="de-CH" smtClean="0"/>
-              <a:t>18.03.2015</a:t>
+              <a:t>08.04.2015</a:t>
             </a:fld>
             <a:endParaRPr lang="de-CH"/>
           </a:p>
@@ -7203,6 +8016,13 @@
           <a:prstGeom prst="rect">
             <a:avLst/>
           </a:prstGeom>
+          <a:effectLst>
+            <a:outerShdw blurRad="50800" dist="38100" dir="2700000" algn="tl" rotWithShape="0">
+              <a:prstClr val="black">
+                <a:alpha val="40000"/>
+              </a:prstClr>
+            </a:outerShdw>
+          </a:effectLst>
         </p:spPr>
         <p:style>
           <a:lnRef idx="2">
@@ -7815,6 +8635,403 @@
 </file>
 
 <file path=ppt/slides/slide13.xml><?xml version="1.0" encoding="utf-8"?>
+<p:sld xmlns:a="http://schemas.openxmlformats.org/drawingml/2006/main" xmlns:r="http://schemas.openxmlformats.org/officeDocument/2006/relationships" xmlns:p="http://schemas.openxmlformats.org/presentationml/2006/main">
+  <p:cSld>
+    <p:spTree>
+      <p:nvGrpSpPr>
+        <p:cNvPr id="1" name=""/>
+        <p:cNvGrpSpPr/>
+        <p:nvPr/>
+      </p:nvGrpSpPr>
+      <p:grpSpPr>
+        <a:xfrm>
+          <a:off x="0" y="0"/>
+          <a:ext cx="0" cy="0"/>
+          <a:chOff x="0" y="0"/>
+          <a:chExt cx="0" cy="0"/>
+        </a:xfrm>
+      </p:grpSpPr>
+      <p:sp>
+        <p:nvSpPr>
+          <p:cNvPr id="2" name="Titel 1"/>
+          <p:cNvSpPr>
+            <a:spLocks noGrp="1"/>
+          </p:cNvSpPr>
+          <p:nvPr>
+            <p:ph type="title"/>
+          </p:nvPr>
+        </p:nvSpPr>
+        <p:spPr/>
+        <p:txBody>
+          <a:bodyPr/>
+          <a:lstStyle/>
+          <a:p>
+            <a:r>
+              <a:rPr lang="de-CH" dirty="0" smtClean="0"/>
+              <a:t>Validierung</a:t>
+            </a:r>
+            <a:endParaRPr lang="de-CH" dirty="0"/>
+          </a:p>
+        </p:txBody>
+      </p:sp>
+      <p:sp>
+        <p:nvSpPr>
+          <p:cNvPr id="3" name="Inhaltsplatzhalter 2"/>
+          <p:cNvSpPr>
+            <a:spLocks noGrp="1"/>
+          </p:cNvSpPr>
+          <p:nvPr>
+            <p:ph idx="1"/>
+          </p:nvPr>
+        </p:nvSpPr>
+        <p:spPr>
+          <a:xfrm>
+            <a:off x="1097280" y="1845734"/>
+            <a:ext cx="4281055" cy="4023360"/>
+          </a:xfrm>
+        </p:spPr>
+        <p:txBody>
+          <a:bodyPr/>
+          <a:lstStyle/>
+          <a:p>
+            <a:pPr>
+              <a:buFont typeface="Arial" panose="020B0604020202020204" pitchFamily="34" charset="0"/>
+              <a:buChar char="•"/>
+            </a:pPr>
+            <a:r>
+              <a:rPr lang="de-CH" dirty="0" smtClean="0"/>
+              <a:t> HTML Code soll valid sein</a:t>
+            </a:r>
+          </a:p>
+          <a:p>
+            <a:pPr>
+              <a:buFont typeface="Arial" panose="020B0604020202020204" pitchFamily="34" charset="0"/>
+              <a:buChar char="•"/>
+            </a:pPr>
+            <a:r>
+              <a:rPr lang="de-CH" dirty="0"/>
+              <a:t> </a:t>
+            </a:r>
+            <a:r>
+              <a:rPr lang="de-CH" dirty="0" smtClean="0"/>
+              <a:t>Dazu verwenden sie diese Seite:</a:t>
+            </a:r>
+          </a:p>
+          <a:p>
+            <a:pPr>
+              <a:buFont typeface="Arial" panose="020B0604020202020204" pitchFamily="34" charset="0"/>
+              <a:buChar char="•"/>
+            </a:pPr>
+            <a:endParaRPr lang="de-CH" dirty="0" smtClean="0"/>
+          </a:p>
+          <a:p>
+            <a:endParaRPr lang="de-CH" dirty="0"/>
+          </a:p>
+        </p:txBody>
+      </p:sp>
+      <p:pic>
+        <p:nvPicPr>
+          <p:cNvPr id="4" name="Grafik 3"/>
+          <p:cNvPicPr>
+            <a:picLocks noChangeAspect="1"/>
+          </p:cNvPicPr>
+          <p:nvPr/>
+        </p:nvPicPr>
+        <p:blipFill>
+          <a:blip r:embed="rId2"/>
+          <a:stretch>
+            <a:fillRect/>
+          </a:stretch>
+        </p:blipFill>
+        <p:spPr>
+          <a:xfrm>
+            <a:off x="1213660" y="2776906"/>
+            <a:ext cx="6805350" cy="3092188"/>
+          </a:xfrm>
+          <a:prstGeom prst="rect">
+            <a:avLst/>
+          </a:prstGeom>
+          <a:ln>
+            <a:noFill/>
+          </a:ln>
+          <a:effectLst>
+            <a:outerShdw blurRad="292100" dist="139700" dir="2700000" algn="tl" rotWithShape="0">
+              <a:srgbClr val="333333">
+                <a:alpha val="65000"/>
+              </a:srgbClr>
+            </a:outerShdw>
+          </a:effectLst>
+        </p:spPr>
+      </p:pic>
+      <p:pic>
+        <p:nvPicPr>
+          <p:cNvPr id="5" name="Grafik 4"/>
+          <p:cNvPicPr>
+            <a:picLocks noChangeAspect="1"/>
+          </p:cNvPicPr>
+          <p:nvPr/>
+        </p:nvPicPr>
+        <p:blipFill>
+          <a:blip r:embed="rId3"/>
+          <a:stretch>
+            <a:fillRect/>
+          </a:stretch>
+        </p:blipFill>
+        <p:spPr>
+          <a:xfrm>
+            <a:off x="3674225" y="2184701"/>
+            <a:ext cx="6223462" cy="3120366"/>
+          </a:xfrm>
+          <a:prstGeom prst="rect">
+            <a:avLst/>
+          </a:prstGeom>
+          <a:ln>
+            <a:noFill/>
+          </a:ln>
+          <a:effectLst>
+            <a:outerShdw blurRad="292100" dist="139700" dir="2700000" algn="tl" rotWithShape="0">
+              <a:srgbClr val="333333">
+                <a:alpha val="65000"/>
+              </a:srgbClr>
+            </a:outerShdw>
+          </a:effectLst>
+        </p:spPr>
+      </p:pic>
+    </p:spTree>
+    <p:extLst>
+      <p:ext uri="{BB962C8B-B14F-4D97-AF65-F5344CB8AC3E}">
+        <p14:creationId xmlns:p14="http://schemas.microsoft.com/office/powerpoint/2010/main" val="1983827799"/>
+      </p:ext>
+    </p:extLst>
+  </p:cSld>
+  <p:clrMapOvr>
+    <a:masterClrMapping/>
+  </p:clrMapOvr>
+  <p:timing>
+    <p:tnLst>
+      <p:par>
+        <p:cTn id="1" dur="indefinite" restart="never" nodeType="tmRoot">
+          <p:childTnLst>
+            <p:seq concurrent="1" nextAc="seek">
+              <p:cTn id="2" dur="indefinite" nodeType="mainSeq">
+                <p:childTnLst>
+                  <p:par>
+                    <p:cTn id="3" fill="hold">
+                      <p:stCondLst>
+                        <p:cond delay="indefinite"/>
+                      </p:stCondLst>
+                      <p:childTnLst>
+                        <p:par>
+                          <p:cTn id="4" fill="hold">
+                            <p:stCondLst>
+                              <p:cond delay="0"/>
+                            </p:stCondLst>
+                            <p:childTnLst>
+                              <p:par>
+                                <p:cTn id="5" presetID="1" presetClass="entr" presetSubtype="0" fill="hold" grpId="0" nodeType="clickEffect">
+                                  <p:stCondLst>
+                                    <p:cond delay="0"/>
+                                  </p:stCondLst>
+                                  <p:childTnLst>
+                                    <p:set>
+                                      <p:cBhvr>
+                                        <p:cTn id="6" dur="1" fill="hold">
+                                          <p:stCondLst>
+                                            <p:cond delay="0"/>
+                                          </p:stCondLst>
+                                        </p:cTn>
+                                        <p:tgtEl>
+                                          <p:spTgt spid="3">
+                                            <p:txEl>
+                                              <p:pRg st="0" end="0"/>
+                                            </p:txEl>
+                                          </p:spTgt>
+                                        </p:tgtEl>
+                                        <p:attrNameLst>
+                                          <p:attrName>style.visibility</p:attrName>
+                                        </p:attrNameLst>
+                                      </p:cBhvr>
+                                      <p:to>
+                                        <p:strVal val="visible"/>
+                                      </p:to>
+                                    </p:set>
+                                  </p:childTnLst>
+                                </p:cTn>
+                              </p:par>
+                            </p:childTnLst>
+                          </p:cTn>
+                        </p:par>
+                      </p:childTnLst>
+                    </p:cTn>
+                  </p:par>
+                  <p:par>
+                    <p:cTn id="7" fill="hold">
+                      <p:stCondLst>
+                        <p:cond delay="indefinite"/>
+                      </p:stCondLst>
+                      <p:childTnLst>
+                        <p:par>
+                          <p:cTn id="8" fill="hold">
+                            <p:stCondLst>
+                              <p:cond delay="0"/>
+                            </p:stCondLst>
+                            <p:childTnLst>
+                              <p:par>
+                                <p:cTn id="9" presetID="1" presetClass="entr" presetSubtype="0" fill="hold" grpId="0" nodeType="clickEffect">
+                                  <p:stCondLst>
+                                    <p:cond delay="0"/>
+                                  </p:stCondLst>
+                                  <p:childTnLst>
+                                    <p:set>
+                                      <p:cBhvr>
+                                        <p:cTn id="10" dur="1" fill="hold">
+                                          <p:stCondLst>
+                                            <p:cond delay="0"/>
+                                          </p:stCondLst>
+                                        </p:cTn>
+                                        <p:tgtEl>
+                                          <p:spTgt spid="3">
+                                            <p:txEl>
+                                              <p:pRg st="1" end="1"/>
+                                            </p:txEl>
+                                          </p:spTgt>
+                                        </p:tgtEl>
+                                        <p:attrNameLst>
+                                          <p:attrName>style.visibility</p:attrName>
+                                        </p:attrNameLst>
+                                      </p:cBhvr>
+                                      <p:to>
+                                        <p:strVal val="visible"/>
+                                      </p:to>
+                                    </p:set>
+                                  </p:childTnLst>
+                                </p:cTn>
+                              </p:par>
+                            </p:childTnLst>
+                          </p:cTn>
+                        </p:par>
+                      </p:childTnLst>
+                    </p:cTn>
+                  </p:par>
+                  <p:par>
+                    <p:cTn id="11" fill="hold">
+                      <p:stCondLst>
+                        <p:cond delay="indefinite"/>
+                      </p:stCondLst>
+                      <p:childTnLst>
+                        <p:par>
+                          <p:cTn id="12" fill="hold">
+                            <p:stCondLst>
+                              <p:cond delay="0"/>
+                            </p:stCondLst>
+                            <p:childTnLst>
+                              <p:par>
+                                <p:cTn id="13" presetID="1" presetClass="entr" presetSubtype="0" fill="hold" nodeType="clickEffect">
+                                  <p:stCondLst>
+                                    <p:cond delay="0"/>
+                                  </p:stCondLst>
+                                  <p:childTnLst>
+                                    <p:set>
+                                      <p:cBhvr>
+                                        <p:cTn id="14" dur="1" fill="hold">
+                                          <p:stCondLst>
+                                            <p:cond delay="0"/>
+                                          </p:stCondLst>
+                                        </p:cTn>
+                                        <p:tgtEl>
+                                          <p:spTgt spid="4"/>
+                                        </p:tgtEl>
+                                        <p:attrNameLst>
+                                          <p:attrName>style.visibility</p:attrName>
+                                        </p:attrNameLst>
+                                      </p:cBhvr>
+                                      <p:to>
+                                        <p:strVal val="visible"/>
+                                      </p:to>
+                                    </p:set>
+                                  </p:childTnLst>
+                                </p:cTn>
+                              </p:par>
+                            </p:childTnLst>
+                          </p:cTn>
+                        </p:par>
+                      </p:childTnLst>
+                    </p:cTn>
+                  </p:par>
+                  <p:par>
+                    <p:cTn id="15" fill="hold">
+                      <p:stCondLst>
+                        <p:cond delay="indefinite"/>
+                      </p:stCondLst>
+                      <p:childTnLst>
+                        <p:par>
+                          <p:cTn id="16" fill="hold">
+                            <p:stCondLst>
+                              <p:cond delay="0"/>
+                            </p:stCondLst>
+                            <p:childTnLst>
+                              <p:par>
+                                <p:cTn id="17" presetID="1" presetClass="entr" presetSubtype="0" fill="hold" nodeType="clickEffect">
+                                  <p:stCondLst>
+                                    <p:cond delay="0"/>
+                                  </p:stCondLst>
+                                  <p:childTnLst>
+                                    <p:set>
+                                      <p:cBhvr>
+                                        <p:cTn id="18" dur="1" fill="hold">
+                                          <p:stCondLst>
+                                            <p:cond delay="0"/>
+                                          </p:stCondLst>
+                                        </p:cTn>
+                                        <p:tgtEl>
+                                          <p:spTgt spid="5"/>
+                                        </p:tgtEl>
+                                        <p:attrNameLst>
+                                          <p:attrName>style.visibility</p:attrName>
+                                        </p:attrNameLst>
+                                      </p:cBhvr>
+                                      <p:to>
+                                        <p:strVal val="visible"/>
+                                      </p:to>
+                                    </p:set>
+                                  </p:childTnLst>
+                                </p:cTn>
+                              </p:par>
+                            </p:childTnLst>
+                          </p:cTn>
+                        </p:par>
+                      </p:childTnLst>
+                    </p:cTn>
+                  </p:par>
+                </p:childTnLst>
+              </p:cTn>
+              <p:prevCondLst>
+                <p:cond evt="onPrev" delay="0">
+                  <p:tgtEl>
+                    <p:sldTgt/>
+                  </p:tgtEl>
+                </p:cond>
+              </p:prevCondLst>
+              <p:nextCondLst>
+                <p:cond evt="onNext" delay="0">
+                  <p:tgtEl>
+                    <p:sldTgt/>
+                  </p:tgtEl>
+                </p:cond>
+              </p:nextCondLst>
+            </p:seq>
+          </p:childTnLst>
+        </p:cTn>
+      </p:par>
+    </p:tnLst>
+    <p:bldLst>
+      <p:bldP spid="3" grpId="0" build="p"/>
+    </p:bldLst>
+  </p:timing>
+</p:sld>
+</file>
+
+<file path=ppt/slides/slide14.xml><?xml version="1.0" encoding="utf-8"?>
 <p:sld xmlns:a="http://schemas.openxmlformats.org/drawingml/2006/main" xmlns:r="http://schemas.openxmlformats.org/officeDocument/2006/relationships" xmlns:p="http://schemas.openxmlformats.org/presentationml/2006/main">
   <p:cSld>
     <p:spTree>
@@ -9126,7 +10343,7 @@
 </p:sld>
 </file>
 
-<file path=ppt/slides/slide14.xml><?xml version="1.0" encoding="utf-8"?>
+<file path=ppt/slides/slide15.xml><?xml version="1.0" encoding="utf-8"?>
 <p:sld xmlns:a="http://schemas.openxmlformats.org/drawingml/2006/main" xmlns:r="http://schemas.openxmlformats.org/officeDocument/2006/relationships" xmlns:p="http://schemas.openxmlformats.org/presentationml/2006/main">
   <p:cSld>
     <p:spTree>
@@ -9579,7 +10796,7 @@
 </p:sld>
 </file>
 
-<file path=ppt/slides/slide15.xml><?xml version="1.0" encoding="utf-8"?>
+<file path=ppt/slides/slide16.xml><?xml version="1.0" encoding="utf-8"?>
 <p:sld xmlns:a="http://schemas.openxmlformats.org/drawingml/2006/main" xmlns:r="http://schemas.openxmlformats.org/officeDocument/2006/relationships" xmlns:p="http://schemas.openxmlformats.org/presentationml/2006/main">
   <p:cSld>
     <p:spTree>
@@ -10478,7 +11695,7 @@
 </p:sld>
 </file>
 
-<file path=ppt/slides/slide16.xml><?xml version="1.0" encoding="utf-8"?>
+<file path=ppt/slides/slide17.xml><?xml version="1.0" encoding="utf-8"?>
 <p:sld xmlns:a="http://schemas.openxmlformats.org/drawingml/2006/main" xmlns:r="http://schemas.openxmlformats.org/officeDocument/2006/relationships" xmlns:p="http://schemas.openxmlformats.org/presentationml/2006/main">
   <p:cSld>
     <p:spTree>
@@ -11737,7 +12954,7 @@
 </p:sld>
 </file>
 
-<file path=ppt/slides/slide17.xml><?xml version="1.0" encoding="utf-8"?>
+<file path=ppt/slides/slide18.xml><?xml version="1.0" encoding="utf-8"?>
 <p:sld xmlns:a="http://schemas.openxmlformats.org/drawingml/2006/main" xmlns:r="http://schemas.openxmlformats.org/officeDocument/2006/relationships" xmlns:p="http://schemas.openxmlformats.org/presentationml/2006/main">
   <p:cSld>
     <p:spTree>
@@ -12724,7 +13941,7 @@
 </p:sld>
 </file>
 
-<file path=ppt/slides/slide18.xml><?xml version="1.0" encoding="utf-8"?>
+<file path=ppt/slides/slide19.xml><?xml version="1.0" encoding="utf-8"?>
 <p:sld xmlns:a="http://schemas.openxmlformats.org/drawingml/2006/main" xmlns:r="http://schemas.openxmlformats.org/officeDocument/2006/relationships" xmlns:p="http://schemas.openxmlformats.org/presentationml/2006/main">
   <p:cSld>
     <p:spTree>
@@ -13209,7 +14426,7 @@
 </p:sld>
 </file>
 
-<file path=ppt/slides/slide19.xml><?xml version="1.0" encoding="utf-8"?>
+<file path=ppt/slides/slide2.xml><?xml version="1.0" encoding="utf-8"?>
 <p:sld xmlns:a="http://schemas.openxmlformats.org/drawingml/2006/main" xmlns:r="http://schemas.openxmlformats.org/officeDocument/2006/relationships" xmlns:p="http://schemas.openxmlformats.org/presentationml/2006/main">
   <p:cSld>
     <p:spTree>
@@ -13242,6 +14459,154 @@
           <a:lstStyle/>
           <a:p>
             <a:r>
+              <a:rPr lang="de-CH" dirty="0" err="1" smtClean="0"/>
+              <a:t>There</a:t>
+            </a:r>
+            <a:r>
+              <a:rPr lang="de-CH" dirty="0" smtClean="0"/>
+              <a:t> </a:t>
+            </a:r>
+            <a:r>
+              <a:rPr lang="de-CH" dirty="0" err="1" smtClean="0"/>
+              <a:t>and</a:t>
+            </a:r>
+            <a:r>
+              <a:rPr lang="de-CH" dirty="0" smtClean="0"/>
+              <a:t> back </a:t>
+            </a:r>
+            <a:r>
+              <a:rPr lang="de-CH" dirty="0" err="1" smtClean="0"/>
+              <a:t>again</a:t>
+            </a:r>
+            <a:endParaRPr lang="de-CH" dirty="0"/>
+          </a:p>
+        </p:txBody>
+      </p:sp>
+      <p:sp>
+        <p:nvSpPr>
+          <p:cNvPr id="3" name="Inhaltsplatzhalter 2"/>
+          <p:cNvSpPr>
+            <a:spLocks noGrp="1"/>
+          </p:cNvSpPr>
+          <p:nvPr>
+            <p:ph idx="1"/>
+          </p:nvPr>
+        </p:nvSpPr>
+        <p:spPr/>
+        <p:txBody>
+          <a:bodyPr/>
+          <a:lstStyle/>
+          <a:p>
+            <a:r>
+              <a:rPr lang="de-CH" dirty="0" smtClean="0"/>
+              <a:t>Erste Website, erstellt im CERN</a:t>
+            </a:r>
+          </a:p>
+          <a:p>
+            <a:pPr lvl="1"/>
+            <a:r>
+              <a:rPr lang="de-CH" dirty="0" smtClean="0">
+                <a:hlinkClick r:id="rId2"/>
+              </a:rPr>
+              <a:t>http://info.cern.ch/hypertext/WWW/TheProject.html</a:t>
+            </a:r>
+            <a:endParaRPr lang="de-CH" dirty="0" smtClean="0"/>
+          </a:p>
+          <a:p>
+            <a:r>
+              <a:rPr lang="de-CH" dirty="0" smtClean="0"/>
+              <a:t>Modernes HTML5 Projekt</a:t>
+            </a:r>
+          </a:p>
+          <a:p>
+            <a:pPr lvl="1"/>
+            <a:r>
+              <a:rPr lang="de-CH" i="1" dirty="0">
+                <a:hlinkClick r:id="rId3"/>
+              </a:rPr>
+              <a:t>www.</a:t>
+            </a:r>
+            <a:r>
+              <a:rPr lang="de-CH" b="1" i="1" dirty="0">
+                <a:hlinkClick r:id="rId3"/>
+              </a:rPr>
+              <a:t>quakejs</a:t>
+            </a:r>
+            <a:r>
+              <a:rPr lang="de-CH" i="1" dirty="0">
+                <a:hlinkClick r:id="rId3"/>
+              </a:rPr>
+              <a:t>.com</a:t>
+            </a:r>
+            <a:r>
+              <a:rPr lang="de-CH" i="1" dirty="0" smtClean="0">
+                <a:hlinkClick r:id="rId3"/>
+              </a:rPr>
+              <a:t>/</a:t>
+            </a:r>
+            <a:endParaRPr lang="de-CH" i="1" dirty="0" smtClean="0"/>
+          </a:p>
+          <a:p>
+            <a:pPr marL="457200" lvl="1" indent="0">
+              <a:buNone/>
+            </a:pPr>
+            <a:endParaRPr lang="de-CH" dirty="0"/>
+          </a:p>
+        </p:txBody>
+      </p:sp>
+    </p:spTree>
+    <p:extLst>
+      <p:ext uri="{BB962C8B-B14F-4D97-AF65-F5344CB8AC3E}">
+        <p14:creationId xmlns:p14="http://schemas.microsoft.com/office/powerpoint/2010/main" val="846891233"/>
+      </p:ext>
+    </p:extLst>
+  </p:cSld>
+  <p:clrMapOvr>
+    <a:masterClrMapping/>
+  </p:clrMapOvr>
+  <p:timing>
+    <p:tnLst>
+      <p:par>
+        <p:cTn id="1" dur="indefinite" restart="never" nodeType="tmRoot"/>
+      </p:par>
+    </p:tnLst>
+  </p:timing>
+</p:sld>
+</file>
+
+<file path=ppt/slides/slide20.xml><?xml version="1.0" encoding="utf-8"?>
+<p:sld xmlns:a="http://schemas.openxmlformats.org/drawingml/2006/main" xmlns:r="http://schemas.openxmlformats.org/officeDocument/2006/relationships" xmlns:p="http://schemas.openxmlformats.org/presentationml/2006/main">
+  <p:cSld>
+    <p:spTree>
+      <p:nvGrpSpPr>
+        <p:cNvPr id="1" name=""/>
+        <p:cNvGrpSpPr/>
+        <p:nvPr/>
+      </p:nvGrpSpPr>
+      <p:grpSpPr>
+        <a:xfrm>
+          <a:off x="0" y="0"/>
+          <a:ext cx="0" cy="0"/>
+          <a:chOff x="0" y="0"/>
+          <a:chExt cx="0" cy="0"/>
+        </a:xfrm>
+      </p:grpSpPr>
+      <p:sp>
+        <p:nvSpPr>
+          <p:cNvPr id="2" name="Titel 1"/>
+          <p:cNvSpPr>
+            <a:spLocks noGrp="1"/>
+          </p:cNvSpPr>
+          <p:nvPr>
+            <p:ph type="title"/>
+          </p:nvPr>
+        </p:nvSpPr>
+        <p:spPr/>
+        <p:txBody>
+          <a:bodyPr/>
+          <a:lstStyle/>
+          <a:p>
+            <a:r>
               <a:rPr lang="de-CH" dirty="0" smtClean="0"/>
               <a:t>Globale Attribute</a:t>
             </a:r>
@@ -13386,7 +14751,7 @@
         </p:nvSpPr>
         <p:spPr>
           <a:xfrm>
-            <a:off x="6096000" y="3223260"/>
+            <a:off x="6096000" y="3361759"/>
             <a:ext cx="6096000" cy="1754326"/>
           </a:xfrm>
           <a:prstGeom prst="rect">
@@ -14083,155 +15448,7 @@
 </p:sld>
 </file>
 
-<file path=ppt/slides/slide2.xml><?xml version="1.0" encoding="utf-8"?>
-<p:sld xmlns:a="http://schemas.openxmlformats.org/drawingml/2006/main" xmlns:r="http://schemas.openxmlformats.org/officeDocument/2006/relationships" xmlns:p="http://schemas.openxmlformats.org/presentationml/2006/main">
-  <p:cSld>
-    <p:spTree>
-      <p:nvGrpSpPr>
-        <p:cNvPr id="1" name=""/>
-        <p:cNvGrpSpPr/>
-        <p:nvPr/>
-      </p:nvGrpSpPr>
-      <p:grpSpPr>
-        <a:xfrm>
-          <a:off x="0" y="0"/>
-          <a:ext cx="0" cy="0"/>
-          <a:chOff x="0" y="0"/>
-          <a:chExt cx="0" cy="0"/>
-        </a:xfrm>
-      </p:grpSpPr>
-      <p:sp>
-        <p:nvSpPr>
-          <p:cNvPr id="2" name="Titel 1"/>
-          <p:cNvSpPr>
-            <a:spLocks noGrp="1"/>
-          </p:cNvSpPr>
-          <p:nvPr>
-            <p:ph type="title"/>
-          </p:nvPr>
-        </p:nvSpPr>
-        <p:spPr/>
-        <p:txBody>
-          <a:bodyPr/>
-          <a:lstStyle/>
-          <a:p>
-            <a:r>
-              <a:rPr lang="de-CH" dirty="0" err="1" smtClean="0"/>
-              <a:t>There</a:t>
-            </a:r>
-            <a:r>
-              <a:rPr lang="de-CH" dirty="0" smtClean="0"/>
-              <a:t> </a:t>
-            </a:r>
-            <a:r>
-              <a:rPr lang="de-CH" dirty="0" err="1" smtClean="0"/>
-              <a:t>and</a:t>
-            </a:r>
-            <a:r>
-              <a:rPr lang="de-CH" dirty="0" smtClean="0"/>
-              <a:t> back </a:t>
-            </a:r>
-            <a:r>
-              <a:rPr lang="de-CH" dirty="0" err="1" smtClean="0"/>
-              <a:t>again</a:t>
-            </a:r>
-            <a:endParaRPr lang="de-CH" dirty="0"/>
-          </a:p>
-        </p:txBody>
-      </p:sp>
-      <p:sp>
-        <p:nvSpPr>
-          <p:cNvPr id="3" name="Inhaltsplatzhalter 2"/>
-          <p:cNvSpPr>
-            <a:spLocks noGrp="1"/>
-          </p:cNvSpPr>
-          <p:nvPr>
-            <p:ph idx="1"/>
-          </p:nvPr>
-        </p:nvSpPr>
-        <p:spPr/>
-        <p:txBody>
-          <a:bodyPr/>
-          <a:lstStyle/>
-          <a:p>
-            <a:r>
-              <a:rPr lang="de-CH" dirty="0" smtClean="0"/>
-              <a:t>Erste Website, erstellt im CERN</a:t>
-            </a:r>
-          </a:p>
-          <a:p>
-            <a:pPr lvl="1"/>
-            <a:r>
-              <a:rPr lang="de-CH" dirty="0" smtClean="0">
-                <a:hlinkClick r:id="rId2"/>
-              </a:rPr>
-              <a:t>http://info.cern.ch/hypertext/WWW/TheProject.html</a:t>
-            </a:r>
-            <a:endParaRPr lang="de-CH" dirty="0" smtClean="0"/>
-          </a:p>
-          <a:p>
-            <a:r>
-              <a:rPr lang="de-CH" dirty="0" smtClean="0"/>
-              <a:t>Modernes HTML5 Projekt</a:t>
-            </a:r>
-          </a:p>
-          <a:p>
-            <a:pPr lvl="1"/>
-            <a:r>
-              <a:rPr lang="de-CH" i="1" dirty="0">
-                <a:hlinkClick r:id="rId3"/>
-              </a:rPr>
-              <a:t>www.</a:t>
-            </a:r>
-            <a:r>
-              <a:rPr lang="de-CH" b="1" i="1" dirty="0">
-                <a:hlinkClick r:id="rId3"/>
-              </a:rPr>
-              <a:t>quakejs</a:t>
-            </a:r>
-            <a:r>
-              <a:rPr lang="de-CH" i="1" dirty="0">
-                <a:hlinkClick r:id="rId3"/>
-              </a:rPr>
-              <a:t>.com</a:t>
-            </a:r>
-            <a:r>
-              <a:rPr lang="de-CH" i="1" dirty="0" smtClean="0">
-                <a:hlinkClick r:id="rId3"/>
-              </a:rPr>
-              <a:t>/</a:t>
-            </a:r>
-            <a:endParaRPr lang="de-CH" i="1" dirty="0" smtClean="0"/>
-          </a:p>
-          <a:p>
-            <a:pPr marL="457200" lvl="1" indent="0">
-              <a:buNone/>
-            </a:pPr>
-            <a:endParaRPr lang="de-CH" dirty="0"/>
-          </a:p>
-        </p:txBody>
-      </p:sp>
-    </p:spTree>
-    <p:extLst>
-      <p:ext uri="{BB962C8B-B14F-4D97-AF65-F5344CB8AC3E}">
-        <p14:creationId xmlns:p14="http://schemas.microsoft.com/office/powerpoint/2010/main" val="846891233"/>
-      </p:ext>
-    </p:extLst>
-  </p:cSld>
-  <p:clrMapOvr>
-    <a:masterClrMapping/>
-  </p:clrMapOvr>
-  <p:timing>
-    <p:tnLst>
-      <p:par>
-        <p:cTn id="1" dur="indefinite" restart="never" nodeType="tmRoot"/>
-      </p:par>
-    </p:tnLst>
-  </p:timing>
-</p:sld>
-</file>
-
-<file path=ppt/slides/slide20.xml><?xml version="1.0" encoding="utf-8"?>
+<file path=ppt/slides/slide21.xml><?xml version="1.0" encoding="utf-8"?>
 <p:sld xmlns:a="http://schemas.openxmlformats.org/drawingml/2006/main" xmlns:r="http://schemas.openxmlformats.org/officeDocument/2006/relationships" xmlns:p="http://schemas.openxmlformats.org/presentationml/2006/main">
   <p:cSld>
     <p:spTree>
@@ -14415,6 +15632,19 @@
             <a:off x="6738220" y="2280784"/>
             <a:ext cx="4760760" cy="2973388"/>
           </a:xfrm>
+          <a:prstGeom prst="rect">
+            <a:avLst/>
+          </a:prstGeom>
+          <a:ln>
+            <a:noFill/>
+          </a:ln>
+          <a:effectLst>
+            <a:outerShdw blurRad="292100" dist="139700" dir="2700000" algn="tl" rotWithShape="0">
+              <a:srgbClr val="333333">
+                <a:alpha val="65000"/>
+              </a:srgbClr>
+            </a:outerShdw>
+          </a:effectLst>
         </p:spPr>
       </p:pic>
       <p:sp>
@@ -14650,7 +15880,7 @@
                                           </p:stCondLst>
                                         </p:cTn>
                                         <p:tgtEl>
-                                          <p:spTgt spid="6"/>
+                                          <p:spTgt spid="3"/>
                                         </p:tgtEl>
                                         <p:attrNameLst>
                                           <p:attrName>style.visibility</p:attrName>
@@ -14695,7 +15925,7 @@
                                           </p:stCondLst>
                                         </p:cTn>
                                         <p:tgtEl>
-                                          <p:spTgt spid="3"/>
+                                          <p:spTgt spid="6"/>
                                         </p:tgtEl>
                                         <p:attrNameLst>
                                           <p:attrName>style.visibility</p:attrName>
@@ -14835,121 +16065,6 @@
 </p:sld>
 </file>
 
-<file path=ppt/slides/slide21.xml><?xml version="1.0" encoding="utf-8"?>
-<p:sld xmlns:a="http://schemas.openxmlformats.org/drawingml/2006/main" xmlns:r="http://schemas.openxmlformats.org/officeDocument/2006/relationships" xmlns:p="http://schemas.openxmlformats.org/presentationml/2006/main">
-  <p:cSld>
-    <p:spTree>
-      <p:nvGrpSpPr>
-        <p:cNvPr id="1" name=""/>
-        <p:cNvGrpSpPr/>
-        <p:nvPr/>
-      </p:nvGrpSpPr>
-      <p:grpSpPr>
-        <a:xfrm>
-          <a:off x="0" y="0"/>
-          <a:ext cx="0" cy="0"/>
-          <a:chOff x="0" y="0"/>
-          <a:chExt cx="0" cy="0"/>
-        </a:xfrm>
-      </p:grpSpPr>
-      <p:sp>
-        <p:nvSpPr>
-          <p:cNvPr id="2" name="Titel 1"/>
-          <p:cNvSpPr>
-            <a:spLocks noGrp="1"/>
-          </p:cNvSpPr>
-          <p:nvPr>
-            <p:ph type="title"/>
-          </p:nvPr>
-        </p:nvSpPr>
-        <p:spPr/>
-        <p:txBody>
-          <a:bodyPr/>
-          <a:lstStyle/>
-          <a:p>
-            <a:r>
-              <a:rPr lang="de-CH" dirty="0" smtClean="0"/>
-              <a:t>HTML Elemente</a:t>
-            </a:r>
-            <a:endParaRPr lang="de-CH" dirty="0"/>
-          </a:p>
-        </p:txBody>
-      </p:sp>
-      <p:sp>
-        <p:nvSpPr>
-          <p:cNvPr id="3" name="Inhaltsplatzhalter 2"/>
-          <p:cNvSpPr>
-            <a:spLocks noGrp="1"/>
-          </p:cNvSpPr>
-          <p:nvPr>
-            <p:ph idx="1"/>
-          </p:nvPr>
-        </p:nvSpPr>
-        <p:spPr/>
-        <p:txBody>
-          <a:bodyPr/>
-          <a:lstStyle/>
-          <a:p>
-            <a:r>
-              <a:rPr lang="de-CH" dirty="0" smtClean="0"/>
-              <a:t>Elemente stellen die Struktur eines Dokuments dar.</a:t>
-            </a:r>
-          </a:p>
-          <a:p>
-            <a:endParaRPr lang="de-CH" dirty="0"/>
-          </a:p>
-        </p:txBody>
-      </p:sp>
-      <p:pic>
-        <p:nvPicPr>
-          <p:cNvPr id="4" name="Grafik 3"/>
-          <p:cNvPicPr>
-            <a:picLocks noChangeAspect="1"/>
-          </p:cNvPicPr>
-          <p:nvPr/>
-        </p:nvPicPr>
-        <p:blipFill>
-          <a:blip r:embed="rId2">
-            <a:extLst>
-              <a:ext uri="{28A0092B-C50C-407E-A947-70E740481C1C}">
-                <a14:useLocalDpi xmlns:a14="http://schemas.microsoft.com/office/drawing/2010/main" val="0"/>
-              </a:ext>
-            </a:extLst>
-          </a:blip>
-          <a:stretch>
-            <a:fillRect/>
-          </a:stretch>
-        </p:blipFill>
-        <p:spPr>
-          <a:xfrm>
-            <a:off x="4841557" y="2785851"/>
-            <a:ext cx="2143125" cy="2143125"/>
-          </a:xfrm>
-          <a:prstGeom prst="rect">
-            <a:avLst/>
-          </a:prstGeom>
-        </p:spPr>
-      </p:pic>
-    </p:spTree>
-    <p:extLst>
-      <p:ext uri="{BB962C8B-B14F-4D97-AF65-F5344CB8AC3E}">
-        <p14:creationId xmlns:p14="http://schemas.microsoft.com/office/powerpoint/2010/main" val="3763049828"/>
-      </p:ext>
-    </p:extLst>
-  </p:cSld>
-  <p:clrMapOvr>
-    <a:masterClrMapping/>
-  </p:clrMapOvr>
-  <p:timing>
-    <p:tnLst>
-      <p:par>
-        <p:cTn id="1" dur="indefinite" restart="never" nodeType="tmRoot"/>
-      </p:par>
-    </p:tnLst>
-  </p:timing>
-</p:sld>
-</file>
-
 <file path=ppt/slides/slide22.xml><?xml version="1.0" encoding="utf-8"?>
 <p:sld xmlns:a="http://schemas.openxmlformats.org/drawingml/2006/main" xmlns:r="http://schemas.openxmlformats.org/officeDocument/2006/relationships" xmlns:p="http://schemas.openxmlformats.org/presentationml/2006/main">
   <p:cSld>
@@ -14983,6 +16098,134 @@
           <a:lstStyle/>
           <a:p>
             <a:r>
+              <a:rPr lang="de-CH" dirty="0" smtClean="0"/>
+              <a:t>HTML Elemente</a:t>
+            </a:r>
+            <a:endParaRPr lang="de-CH" dirty="0"/>
+          </a:p>
+        </p:txBody>
+      </p:sp>
+      <p:sp>
+        <p:nvSpPr>
+          <p:cNvPr id="3" name="Inhaltsplatzhalter 2"/>
+          <p:cNvSpPr>
+            <a:spLocks noGrp="1"/>
+          </p:cNvSpPr>
+          <p:nvPr>
+            <p:ph idx="1"/>
+          </p:nvPr>
+        </p:nvSpPr>
+        <p:spPr/>
+        <p:txBody>
+          <a:bodyPr/>
+          <a:lstStyle/>
+          <a:p>
+            <a:r>
+              <a:rPr lang="de-CH" dirty="0" smtClean="0"/>
+              <a:t>Elemente stellen die Struktur eines Dokuments dar.</a:t>
+            </a:r>
+          </a:p>
+          <a:p>
+            <a:endParaRPr lang="de-CH" dirty="0"/>
+          </a:p>
+        </p:txBody>
+      </p:sp>
+      <p:pic>
+        <p:nvPicPr>
+          <p:cNvPr id="4" name="Grafik 3"/>
+          <p:cNvPicPr>
+            <a:picLocks noChangeAspect="1"/>
+          </p:cNvPicPr>
+          <p:nvPr/>
+        </p:nvPicPr>
+        <p:blipFill>
+          <a:blip r:embed="rId2">
+            <a:extLst>
+              <a:ext uri="{28A0092B-C50C-407E-A947-70E740481C1C}">
+                <a14:useLocalDpi xmlns:a14="http://schemas.microsoft.com/office/drawing/2010/main" val="0"/>
+              </a:ext>
+            </a:extLst>
+          </a:blip>
+          <a:stretch>
+            <a:fillRect/>
+          </a:stretch>
+        </p:blipFill>
+        <p:spPr>
+          <a:xfrm>
+            <a:off x="4841557" y="2785851"/>
+            <a:ext cx="2143125" cy="2143125"/>
+          </a:xfrm>
+          <a:prstGeom prst="roundRect">
+            <a:avLst>
+              <a:gd name="adj" fmla="val 8594"/>
+            </a:avLst>
+          </a:prstGeom>
+          <a:solidFill>
+            <a:srgbClr val="FFFFFF">
+              <a:shade val="85000"/>
+            </a:srgbClr>
+          </a:solidFill>
+          <a:ln>
+            <a:noFill/>
+          </a:ln>
+          <a:effectLst>
+            <a:reflection blurRad="12700" stA="38000" endPos="28000" dist="5000" dir="5400000" sy="-100000" algn="bl" rotWithShape="0"/>
+          </a:effectLst>
+        </p:spPr>
+      </p:pic>
+    </p:spTree>
+    <p:extLst>
+      <p:ext uri="{BB962C8B-B14F-4D97-AF65-F5344CB8AC3E}">
+        <p14:creationId xmlns:p14="http://schemas.microsoft.com/office/powerpoint/2010/main" val="3763049828"/>
+      </p:ext>
+    </p:extLst>
+  </p:cSld>
+  <p:clrMapOvr>
+    <a:masterClrMapping/>
+  </p:clrMapOvr>
+  <p:timing>
+    <p:tnLst>
+      <p:par>
+        <p:cTn id="1" dur="indefinite" restart="never" nodeType="tmRoot"/>
+      </p:par>
+    </p:tnLst>
+  </p:timing>
+</p:sld>
+</file>
+
+<file path=ppt/slides/slide23.xml><?xml version="1.0" encoding="utf-8"?>
+<p:sld xmlns:a="http://schemas.openxmlformats.org/drawingml/2006/main" xmlns:r="http://schemas.openxmlformats.org/officeDocument/2006/relationships" xmlns:p="http://schemas.openxmlformats.org/presentationml/2006/main">
+  <p:cSld>
+    <p:spTree>
+      <p:nvGrpSpPr>
+        <p:cNvPr id="1" name=""/>
+        <p:cNvGrpSpPr/>
+        <p:nvPr/>
+      </p:nvGrpSpPr>
+      <p:grpSpPr>
+        <a:xfrm>
+          <a:off x="0" y="0"/>
+          <a:ext cx="0" cy="0"/>
+          <a:chOff x="0" y="0"/>
+          <a:chExt cx="0" cy="0"/>
+        </a:xfrm>
+      </p:grpSpPr>
+      <p:sp>
+        <p:nvSpPr>
+          <p:cNvPr id="2" name="Titel 1"/>
+          <p:cNvSpPr>
+            <a:spLocks noGrp="1"/>
+          </p:cNvSpPr>
+          <p:nvPr>
+            <p:ph type="title"/>
+          </p:nvPr>
+        </p:nvSpPr>
+        <p:spPr/>
+        <p:txBody>
+          <a:bodyPr/>
+          <a:lstStyle/>
+          <a:p>
+            <a:r>
               <a:rPr lang="fr-CH" dirty="0" smtClean="0"/>
               <a:t>&lt;p&gt;: </a:t>
             </a:r>
@@ -15027,25 +16270,27 @@
           </a:xfrm>
         </p:spPr>
         <p:txBody>
-          <a:bodyPr/>
+          <a:bodyPr>
+            <a:normAutofit/>
+          </a:bodyPr>
           <a:lstStyle/>
           <a:p>
             <a:r>
-              <a:rPr lang="de-CH" dirty="0" smtClean="0"/>
+              <a:rPr lang="de-CH" sz="2800" dirty="0" smtClean="0"/>
               <a:t>Das &lt;p&gt; Element definiert einen Paragraphen. Es umklammert somit Text, welcher zusammengehören soll.</a:t>
             </a:r>
           </a:p>
           <a:p>
             <a:r>
-              <a:rPr lang="de-CH" dirty="0" smtClean="0"/>
+              <a:rPr lang="de-CH" sz="2800" dirty="0" smtClean="0"/>
               <a:t>Vor und nach einem Paragraphen wird ein Zeilenumbruch erstellt.</a:t>
             </a:r>
           </a:p>
           <a:p>
-            <a:endParaRPr lang="de-CH" dirty="0" smtClean="0"/>
-          </a:p>
-          <a:p>
-            <a:endParaRPr lang="de-CH" dirty="0"/>
+            <a:endParaRPr lang="de-CH" sz="2800" dirty="0" smtClean="0"/>
+          </a:p>
+          <a:p>
+            <a:endParaRPr lang="de-CH" sz="2800" dirty="0"/>
           </a:p>
         </p:txBody>
       </p:sp>
@@ -15655,7 +16900,7 @@
 </p:sld>
 </file>
 
-<file path=ppt/slides/slide23.xml><?xml version="1.0" encoding="utf-8"?>
+<file path=ppt/slides/slide24.xml><?xml version="1.0" encoding="utf-8"?>
 <p:sld xmlns:a="http://schemas.openxmlformats.org/drawingml/2006/main" xmlns:r="http://schemas.openxmlformats.org/officeDocument/2006/relationships" xmlns:p="http://schemas.openxmlformats.org/presentationml/2006/main">
   <p:cSld>
     <p:spTree>
@@ -15734,13 +16979,130 @@
       </p:sp>
       <p:sp>
         <p:nvSpPr>
+          <p:cNvPr id="5" name="Rechteck 4"/>
+          <p:cNvSpPr/>
+          <p:nvPr/>
+        </p:nvSpPr>
+        <p:spPr>
+          <a:xfrm>
+            <a:off x="4188128" y="3936981"/>
+            <a:ext cx="4044697" cy="369332"/>
+          </a:xfrm>
+          <a:prstGeom prst="rect">
+            <a:avLst/>
+          </a:prstGeom>
+        </p:spPr>
+        <p:txBody>
+          <a:bodyPr wrap="none">
+            <a:spAutoFit/>
+          </a:bodyPr>
+          <a:lstStyle/>
+          <a:p>
+            <a:r>
+              <a:rPr lang="de-CH" dirty="0">
+                <a:solidFill>
+                  <a:srgbClr val="0000FF"/>
+                </a:solidFill>
+                <a:latin typeface="Courier New" panose="02070309020205020404" pitchFamily="49" charset="0"/>
+              </a:rPr>
+              <a:t>&lt;h1&gt;</a:t>
+            </a:r>
+            <a:r>
+              <a:rPr lang="de-CH" b="1" dirty="0">
+                <a:solidFill>
+                  <a:srgbClr val="000000"/>
+                </a:solidFill>
+                <a:latin typeface="Courier New" panose="02070309020205020404" pitchFamily="49" charset="0"/>
+              </a:rPr>
+              <a:t>GRÖSSTE ÜBERSCHRIFT</a:t>
+            </a:r>
+            <a:r>
+              <a:rPr lang="de-CH" dirty="0">
+                <a:solidFill>
+                  <a:srgbClr val="0000FF"/>
+                </a:solidFill>
+                <a:latin typeface="Courier New" panose="02070309020205020404" pitchFamily="49" charset="0"/>
+              </a:rPr>
+              <a:t>&lt;/h1&gt;</a:t>
+            </a:r>
+            <a:endParaRPr lang="de-CH" dirty="0">
+              <a:effectLst/>
+            </a:endParaRPr>
+          </a:p>
+        </p:txBody>
+      </p:sp>
+      <p:sp>
+        <p:nvSpPr>
+          <p:cNvPr id="6" name="Rechteck 5"/>
+          <p:cNvSpPr/>
+          <p:nvPr/>
+        </p:nvSpPr>
+        <p:spPr>
+          <a:xfrm>
+            <a:off x="4188128" y="4460975"/>
+            <a:ext cx="4182555" cy="369332"/>
+          </a:xfrm>
+          <a:prstGeom prst="rect">
+            <a:avLst/>
+          </a:prstGeom>
+        </p:spPr>
+        <p:txBody>
+          <a:bodyPr wrap="none">
+            <a:spAutoFit/>
+          </a:bodyPr>
+          <a:lstStyle/>
+          <a:p>
+            <a:r>
+              <a:rPr lang="de-CH" dirty="0">
+                <a:solidFill>
+                  <a:srgbClr val="0000FF"/>
+                </a:solidFill>
+                <a:latin typeface="Courier New" panose="02070309020205020404" pitchFamily="49" charset="0"/>
+              </a:rPr>
+              <a:t>&lt;h6&gt;</a:t>
+            </a:r>
+            <a:r>
+              <a:rPr lang="de-CH" b="1" dirty="0">
+                <a:solidFill>
+                  <a:srgbClr val="000000"/>
+                </a:solidFill>
+                <a:latin typeface="Courier New" panose="02070309020205020404" pitchFamily="49" charset="0"/>
+              </a:rPr>
+              <a:t>kleinste </a:t>
+            </a:r>
+            <a:r>
+              <a:rPr lang="de-CH" b="1" dirty="0" err="1">
+                <a:solidFill>
+                  <a:srgbClr val="000000"/>
+                </a:solidFill>
+                <a:latin typeface="Courier New" panose="02070309020205020404" pitchFamily="49" charset="0"/>
+              </a:rPr>
+              <a:t>überschrift</a:t>
+            </a:r>
+            <a:r>
+              <a:rPr lang="de-CH" dirty="0">
+                <a:solidFill>
+                  <a:srgbClr val="0000FF"/>
+                </a:solidFill>
+                <a:latin typeface="Courier New" panose="02070309020205020404" pitchFamily="49" charset="0"/>
+              </a:rPr>
+              <a:t>&lt;/h6&gt;</a:t>
+            </a:r>
+            <a:endParaRPr lang="de-CH" dirty="0">
+              <a:effectLst/>
+            </a:endParaRPr>
+          </a:p>
+        </p:txBody>
+      </p:sp>
+      <p:sp>
+        <p:nvSpPr>
           <p:cNvPr id="4" name="Textfeld 3"/>
           <p:cNvSpPr txBox="1"/>
           <p:nvPr/>
         </p:nvSpPr>
         <p:spPr>
           <a:xfrm rot="20025303">
-            <a:off x="5879237" y="4045477"/>
+            <a:off x="4729310" y="3336815"/>
             <a:ext cx="5588000" cy="1200329"/>
           </a:xfrm>
           <a:prstGeom prst="rect">
@@ -15794,123 +17156,6 @@
               <a:t> um sie zu indexieren.</a:t>
             </a:r>
             <a:endParaRPr lang="de-CH" dirty="0"/>
-          </a:p>
-        </p:txBody>
-      </p:sp>
-      <p:sp>
-        <p:nvSpPr>
-          <p:cNvPr id="5" name="Rechteck 4"/>
-          <p:cNvSpPr/>
-          <p:nvPr/>
-        </p:nvSpPr>
-        <p:spPr>
-          <a:xfrm>
-            <a:off x="4188128" y="3936981"/>
-            <a:ext cx="4044697" cy="369332"/>
-          </a:xfrm>
-          <a:prstGeom prst="rect">
-            <a:avLst/>
-          </a:prstGeom>
-        </p:spPr>
-        <p:txBody>
-          <a:bodyPr wrap="none">
-            <a:spAutoFit/>
-          </a:bodyPr>
-          <a:lstStyle/>
-          <a:p>
-            <a:r>
-              <a:rPr lang="de-CH" dirty="0">
-                <a:solidFill>
-                  <a:srgbClr val="0000FF"/>
-                </a:solidFill>
-                <a:latin typeface="Courier New" panose="02070309020205020404" pitchFamily="49" charset="0"/>
-              </a:rPr>
-              <a:t>&lt;h1&gt;</a:t>
-            </a:r>
-            <a:r>
-              <a:rPr lang="de-CH" b="1" dirty="0">
-                <a:solidFill>
-                  <a:srgbClr val="000000"/>
-                </a:solidFill>
-                <a:latin typeface="Courier New" panose="02070309020205020404" pitchFamily="49" charset="0"/>
-              </a:rPr>
-              <a:t>GRÖSSTE ÜBERSCHRIFT</a:t>
-            </a:r>
-            <a:r>
-              <a:rPr lang="de-CH" dirty="0">
-                <a:solidFill>
-                  <a:srgbClr val="0000FF"/>
-                </a:solidFill>
-                <a:latin typeface="Courier New" panose="02070309020205020404" pitchFamily="49" charset="0"/>
-              </a:rPr>
-              <a:t>&lt;/h1&gt;</a:t>
-            </a:r>
-            <a:endParaRPr lang="de-CH" dirty="0">
-              <a:effectLst/>
-            </a:endParaRPr>
-          </a:p>
-        </p:txBody>
-      </p:sp>
-      <p:sp>
-        <p:nvSpPr>
-          <p:cNvPr id="6" name="Rechteck 5"/>
-          <p:cNvSpPr/>
-          <p:nvPr/>
-        </p:nvSpPr>
-        <p:spPr>
-          <a:xfrm>
-            <a:off x="4188128" y="4460975"/>
-            <a:ext cx="4182555" cy="369332"/>
-          </a:xfrm>
-          <a:prstGeom prst="rect">
-            <a:avLst/>
-          </a:prstGeom>
-        </p:spPr>
-        <p:txBody>
-          <a:bodyPr wrap="none">
-            <a:spAutoFit/>
-          </a:bodyPr>
-          <a:lstStyle/>
-          <a:p>
-            <a:r>
-              <a:rPr lang="de-CH" dirty="0">
-                <a:solidFill>
-                  <a:srgbClr val="0000FF"/>
-                </a:solidFill>
-                <a:latin typeface="Courier New" panose="02070309020205020404" pitchFamily="49" charset="0"/>
-              </a:rPr>
-              <a:t>&lt;h6&gt;</a:t>
-            </a:r>
-            <a:r>
-              <a:rPr lang="de-CH" b="1" dirty="0">
-                <a:solidFill>
-                  <a:srgbClr val="000000"/>
-                </a:solidFill>
-                <a:latin typeface="Courier New" panose="02070309020205020404" pitchFamily="49" charset="0"/>
-              </a:rPr>
-              <a:t>kleinste </a:t>
-            </a:r>
-            <a:r>
-              <a:rPr lang="de-CH" b="1" dirty="0" err="1">
-                <a:solidFill>
-                  <a:srgbClr val="000000"/>
-                </a:solidFill>
-                <a:latin typeface="Courier New" panose="02070309020205020404" pitchFamily="49" charset="0"/>
-              </a:rPr>
-              <a:t>überschrift</a:t>
-            </a:r>
-            <a:r>
-              <a:rPr lang="de-CH" dirty="0">
-                <a:solidFill>
-                  <a:srgbClr val="0000FF"/>
-                </a:solidFill>
-                <a:latin typeface="Courier New" panose="02070309020205020404" pitchFamily="49" charset="0"/>
-              </a:rPr>
-              <a:t>&lt;/h6&gt;</a:t>
-            </a:r>
-            <a:endParaRPr lang="de-CH" dirty="0">
-              <a:effectLst/>
-            </a:endParaRPr>
           </a:p>
         </p:txBody>
       </p:sp>
@@ -16051,7 +17296,7 @@
 </p:sld>
 </file>
 
-<file path=ppt/slides/slide24.xml><?xml version="1.0" encoding="utf-8"?>
+<file path=ppt/slides/slide25.xml><?xml version="1.0" encoding="utf-8"?>
 <p:sld xmlns:a="http://schemas.openxmlformats.org/drawingml/2006/main" xmlns:r="http://schemas.openxmlformats.org/officeDocument/2006/relationships" xmlns:p="http://schemas.openxmlformats.org/presentationml/2006/main">
   <p:cSld>
     <p:spTree>
@@ -16635,7 +17880,7 @@
 </p:sld>
 </file>
 
-<file path=ppt/slides/slide25.xml><?xml version="1.0" encoding="utf-8"?>
+<file path=ppt/slides/slide26.xml><?xml version="1.0" encoding="utf-8"?>
 <p:sld xmlns:a="http://schemas.openxmlformats.org/drawingml/2006/main" xmlns:r="http://schemas.openxmlformats.org/officeDocument/2006/relationships" xmlns:p="http://schemas.openxmlformats.org/presentationml/2006/main">
   <p:cSld>
     <p:spTree>
@@ -17371,7 +18616,7 @@
 </p:sld>
 </file>
 
-<file path=ppt/slides/slide26.xml><?xml version="1.0" encoding="utf-8"?>
+<file path=ppt/slides/slide27.xml><?xml version="1.0" encoding="utf-8"?>
 <p:sld xmlns:a="http://schemas.openxmlformats.org/drawingml/2006/main" xmlns:r="http://schemas.openxmlformats.org/officeDocument/2006/relationships" xmlns:p="http://schemas.openxmlformats.org/presentationml/2006/main">
   <p:cSld>
     <p:spTree>
@@ -18240,7 +19485,7 @@
 </p:sld>
 </file>
 
-<file path=ppt/slides/slide27.xml><?xml version="1.0" encoding="utf-8"?>
+<file path=ppt/slides/slide28.xml><?xml version="1.0" encoding="utf-8"?>
 <p:sld xmlns:a="http://schemas.openxmlformats.org/drawingml/2006/main" xmlns:r="http://schemas.openxmlformats.org/officeDocument/2006/relationships" xmlns:p="http://schemas.openxmlformats.org/presentationml/2006/main">
   <p:cSld>
     <p:spTree>
@@ -18316,13 +19561,8 @@
             </a:r>
             <a:r>
               <a:rPr lang="de-CH" dirty="0" smtClean="0"/>
-              <a:t>&gt; </a:t>
-            </a:r>
-            <a:r>
-              <a:rPr lang="de-CH" dirty="0" smtClean="0"/>
-              <a:t>ummantelt</a:t>
-            </a:r>
-            <a:endParaRPr lang="de-CH" dirty="0" smtClean="0"/>
+              <a:t>&gt; ummantelt</a:t>
+            </a:r>
           </a:p>
           <a:p>
             <a:r>
@@ -19018,7 +20258,7 @@
 </p:sld>
 </file>
 
-<file path=ppt/slides/slide28.xml><?xml version="1.0" encoding="utf-8"?>
+<file path=ppt/slides/slide29.xml><?xml version="1.0" encoding="utf-8"?>
 <p:sld xmlns:a="http://schemas.openxmlformats.org/drawingml/2006/main" xmlns:r="http://schemas.openxmlformats.org/officeDocument/2006/relationships" xmlns:p="http://schemas.openxmlformats.org/presentationml/2006/main">
   <p:cSld>
     <p:spTree>
@@ -21398,7 +22638,406 @@
 </p:sld>
 </file>
 
-<file path=ppt/slides/slide29.xml><?xml version="1.0" encoding="utf-8"?>
+<file path=ppt/slides/slide3.xml><?xml version="1.0" encoding="utf-8"?>
+<p:sld xmlns:a="http://schemas.openxmlformats.org/drawingml/2006/main" xmlns:r="http://schemas.openxmlformats.org/officeDocument/2006/relationships" xmlns:p="http://schemas.openxmlformats.org/presentationml/2006/main">
+  <p:cSld>
+    <p:spTree>
+      <p:nvGrpSpPr>
+        <p:cNvPr id="1" name=""/>
+        <p:cNvGrpSpPr/>
+        <p:nvPr/>
+      </p:nvGrpSpPr>
+      <p:grpSpPr>
+        <a:xfrm>
+          <a:off x="0" y="0"/>
+          <a:ext cx="0" cy="0"/>
+          <a:chOff x="0" y="0"/>
+          <a:chExt cx="0" cy="0"/>
+        </a:xfrm>
+      </p:grpSpPr>
+      <p:sp>
+        <p:nvSpPr>
+          <p:cNvPr id="2" name="Titel 1"/>
+          <p:cNvSpPr>
+            <a:spLocks noGrp="1"/>
+          </p:cNvSpPr>
+          <p:nvPr>
+            <p:ph type="title"/>
+          </p:nvPr>
+        </p:nvSpPr>
+        <p:spPr/>
+        <p:txBody>
+          <a:bodyPr/>
+          <a:lstStyle/>
+          <a:p>
+            <a:r>
+              <a:rPr lang="de-CH" dirty="0" smtClean="0"/>
+              <a:t>Zu mir</a:t>
+            </a:r>
+            <a:endParaRPr lang="de-CH" dirty="0"/>
+          </a:p>
+        </p:txBody>
+      </p:sp>
+      <p:sp>
+        <p:nvSpPr>
+          <p:cNvPr id="3" name="Inhaltsplatzhalter 2"/>
+          <p:cNvSpPr>
+            <a:spLocks noGrp="1"/>
+          </p:cNvSpPr>
+          <p:nvPr>
+            <p:ph idx="1"/>
+          </p:nvPr>
+        </p:nvSpPr>
+        <p:spPr/>
+        <p:txBody>
+          <a:bodyPr/>
+          <a:lstStyle/>
+          <a:p>
+            <a:r>
+              <a:rPr lang="de-CH" dirty="0" smtClean="0"/>
+              <a:t>Patrick Joos</a:t>
+            </a:r>
+          </a:p>
+          <a:p>
+            <a:pPr lvl="1"/>
+            <a:r>
+              <a:rPr lang="de-CH" dirty="0" smtClean="0"/>
+              <a:t>26</a:t>
+            </a:r>
+          </a:p>
+          <a:p>
+            <a:pPr lvl="1"/>
+            <a:r>
+              <a:rPr lang="de-CH" dirty="0" err="1" smtClean="0"/>
+              <a:t>BSc</a:t>
+            </a:r>
+            <a:r>
+              <a:rPr lang="de-CH" dirty="0" smtClean="0"/>
+              <a:t> Informatik</a:t>
+            </a:r>
+          </a:p>
+          <a:p>
+            <a:pPr lvl="1"/>
+            <a:r>
+              <a:rPr lang="de-CH" dirty="0" smtClean="0"/>
+              <a:t>Würth </a:t>
+            </a:r>
+            <a:r>
+              <a:rPr lang="de-CH" dirty="0" err="1" smtClean="0"/>
+              <a:t>Itensis</a:t>
+            </a:r>
+            <a:endParaRPr lang="de-CH" dirty="0" smtClean="0"/>
+          </a:p>
+          <a:p>
+            <a:pPr lvl="1"/>
+            <a:r>
+              <a:rPr lang="de-CH" dirty="0" smtClean="0"/>
+              <a:t>Lieblingspizza: </a:t>
+            </a:r>
+            <a:r>
+              <a:rPr lang="de-CH" dirty="0" err="1" smtClean="0"/>
+              <a:t>Prosciutto</a:t>
+            </a:r>
+            <a:endParaRPr lang="de-CH" dirty="0" smtClean="0"/>
+          </a:p>
+          <a:p>
+            <a:pPr lvl="1"/>
+            <a:endParaRPr lang="de-CH" dirty="0"/>
+          </a:p>
+        </p:txBody>
+      </p:sp>
+    </p:spTree>
+    <p:extLst>
+      <p:ext uri="{BB962C8B-B14F-4D97-AF65-F5344CB8AC3E}">
+        <p14:creationId xmlns:p14="http://schemas.microsoft.com/office/powerpoint/2010/main" val="753086570"/>
+      </p:ext>
+    </p:extLst>
+  </p:cSld>
+  <p:clrMapOvr>
+    <a:masterClrMapping/>
+  </p:clrMapOvr>
+  <p:timing>
+    <p:tnLst>
+      <p:par>
+        <p:cTn id="1" dur="indefinite" restart="never" nodeType="tmRoot">
+          <p:childTnLst>
+            <p:seq concurrent="1" nextAc="seek">
+              <p:cTn id="2" dur="indefinite" nodeType="mainSeq">
+                <p:childTnLst>
+                  <p:par>
+                    <p:cTn id="3" fill="hold">
+                      <p:stCondLst>
+                        <p:cond delay="indefinite"/>
+                      </p:stCondLst>
+                      <p:childTnLst>
+                        <p:par>
+                          <p:cTn id="4" fill="hold">
+                            <p:stCondLst>
+                              <p:cond delay="0"/>
+                            </p:stCondLst>
+                            <p:childTnLst>
+                              <p:par>
+                                <p:cTn id="5" presetID="1" presetClass="entr" presetSubtype="0" fill="hold" grpId="0" nodeType="clickEffect">
+                                  <p:stCondLst>
+                                    <p:cond delay="0"/>
+                                  </p:stCondLst>
+                                  <p:childTnLst>
+                                    <p:set>
+                                      <p:cBhvr>
+                                        <p:cTn id="6" dur="1" fill="hold">
+                                          <p:stCondLst>
+                                            <p:cond delay="0"/>
+                                          </p:stCondLst>
+                                        </p:cTn>
+                                        <p:tgtEl>
+                                          <p:spTgt spid="3">
+                                            <p:txEl>
+                                              <p:pRg st="0" end="0"/>
+                                            </p:txEl>
+                                          </p:spTgt>
+                                        </p:tgtEl>
+                                        <p:attrNameLst>
+                                          <p:attrName>style.visibility</p:attrName>
+                                        </p:attrNameLst>
+                                      </p:cBhvr>
+                                      <p:to>
+                                        <p:strVal val="visible"/>
+                                      </p:to>
+                                    </p:set>
+                                  </p:childTnLst>
+                                </p:cTn>
+                              </p:par>
+                            </p:childTnLst>
+                          </p:cTn>
+                        </p:par>
+                      </p:childTnLst>
+                    </p:cTn>
+                  </p:par>
+                  <p:par>
+                    <p:cTn id="7" fill="hold">
+                      <p:stCondLst>
+                        <p:cond delay="indefinite"/>
+                      </p:stCondLst>
+                      <p:childTnLst>
+                        <p:par>
+                          <p:cTn id="8" fill="hold">
+                            <p:stCondLst>
+                              <p:cond delay="0"/>
+                            </p:stCondLst>
+                            <p:childTnLst>
+                              <p:par>
+                                <p:cTn id="9" presetID="1" presetClass="entr" presetSubtype="0" fill="hold" grpId="0" nodeType="clickEffect">
+                                  <p:stCondLst>
+                                    <p:cond delay="0"/>
+                                  </p:stCondLst>
+                                  <p:childTnLst>
+                                    <p:set>
+                                      <p:cBhvr>
+                                        <p:cTn id="10" dur="1" fill="hold">
+                                          <p:stCondLst>
+                                            <p:cond delay="0"/>
+                                          </p:stCondLst>
+                                        </p:cTn>
+                                        <p:tgtEl>
+                                          <p:spTgt spid="3">
+                                            <p:txEl>
+                                              <p:pRg st="1" end="1"/>
+                                            </p:txEl>
+                                          </p:spTgt>
+                                        </p:tgtEl>
+                                        <p:attrNameLst>
+                                          <p:attrName>style.visibility</p:attrName>
+                                        </p:attrNameLst>
+                                      </p:cBhvr>
+                                      <p:to>
+                                        <p:strVal val="visible"/>
+                                      </p:to>
+                                    </p:set>
+                                  </p:childTnLst>
+                                </p:cTn>
+                              </p:par>
+                            </p:childTnLst>
+                          </p:cTn>
+                        </p:par>
+                      </p:childTnLst>
+                    </p:cTn>
+                  </p:par>
+                  <p:par>
+                    <p:cTn id="11" fill="hold">
+                      <p:stCondLst>
+                        <p:cond delay="indefinite"/>
+                      </p:stCondLst>
+                      <p:childTnLst>
+                        <p:par>
+                          <p:cTn id="12" fill="hold">
+                            <p:stCondLst>
+                              <p:cond delay="0"/>
+                            </p:stCondLst>
+                            <p:childTnLst>
+                              <p:par>
+                                <p:cTn id="13" presetID="1" presetClass="entr" presetSubtype="0" fill="hold" grpId="0" nodeType="clickEffect">
+                                  <p:stCondLst>
+                                    <p:cond delay="0"/>
+                                  </p:stCondLst>
+                                  <p:childTnLst>
+                                    <p:set>
+                                      <p:cBhvr>
+                                        <p:cTn id="14" dur="1" fill="hold">
+                                          <p:stCondLst>
+                                            <p:cond delay="0"/>
+                                          </p:stCondLst>
+                                        </p:cTn>
+                                        <p:tgtEl>
+                                          <p:spTgt spid="3">
+                                            <p:txEl>
+                                              <p:pRg st="2" end="2"/>
+                                            </p:txEl>
+                                          </p:spTgt>
+                                        </p:tgtEl>
+                                        <p:attrNameLst>
+                                          <p:attrName>style.visibility</p:attrName>
+                                        </p:attrNameLst>
+                                      </p:cBhvr>
+                                      <p:to>
+                                        <p:strVal val="visible"/>
+                                      </p:to>
+                                    </p:set>
+                                  </p:childTnLst>
+                                </p:cTn>
+                              </p:par>
+                            </p:childTnLst>
+                          </p:cTn>
+                        </p:par>
+                      </p:childTnLst>
+                    </p:cTn>
+                  </p:par>
+                  <p:par>
+                    <p:cTn id="15" fill="hold">
+                      <p:stCondLst>
+                        <p:cond delay="indefinite"/>
+                      </p:stCondLst>
+                      <p:childTnLst>
+                        <p:par>
+                          <p:cTn id="16" fill="hold">
+                            <p:stCondLst>
+                              <p:cond delay="0"/>
+                            </p:stCondLst>
+                            <p:childTnLst>
+                              <p:par>
+                                <p:cTn id="17" presetID="1" presetClass="entr" presetSubtype="0" fill="hold" grpId="0" nodeType="clickEffect">
+                                  <p:stCondLst>
+                                    <p:cond delay="0"/>
+                                  </p:stCondLst>
+                                  <p:childTnLst>
+                                    <p:set>
+                                      <p:cBhvr>
+                                        <p:cTn id="18" dur="1" fill="hold">
+                                          <p:stCondLst>
+                                            <p:cond delay="0"/>
+                                          </p:stCondLst>
+                                        </p:cTn>
+                                        <p:tgtEl>
+                                          <p:spTgt spid="3">
+                                            <p:txEl>
+                                              <p:pRg st="3" end="3"/>
+                                            </p:txEl>
+                                          </p:spTgt>
+                                        </p:tgtEl>
+                                        <p:attrNameLst>
+                                          <p:attrName>style.visibility</p:attrName>
+                                        </p:attrNameLst>
+                                      </p:cBhvr>
+                                      <p:to>
+                                        <p:strVal val="visible"/>
+                                      </p:to>
+                                    </p:set>
+                                  </p:childTnLst>
+                                </p:cTn>
+                              </p:par>
+                            </p:childTnLst>
+                          </p:cTn>
+                        </p:par>
+                      </p:childTnLst>
+                    </p:cTn>
+                  </p:par>
+                  <p:par>
+                    <p:cTn id="19" fill="hold">
+                      <p:stCondLst>
+                        <p:cond delay="indefinite"/>
+                      </p:stCondLst>
+                      <p:childTnLst>
+                        <p:par>
+                          <p:cTn id="20" fill="hold">
+                            <p:stCondLst>
+                              <p:cond delay="0"/>
+                            </p:stCondLst>
+                            <p:childTnLst>
+                              <p:par>
+                                <p:cTn id="21" presetID="1" presetClass="entr" presetSubtype="0" fill="hold" grpId="0" nodeType="clickEffect">
+                                  <p:stCondLst>
+                                    <p:cond delay="0"/>
+                                  </p:stCondLst>
+                                  <p:childTnLst>
+                                    <p:set>
+                                      <p:cBhvr>
+                                        <p:cTn id="22" dur="1" fill="hold">
+                                          <p:stCondLst>
+                                            <p:cond delay="0"/>
+                                          </p:stCondLst>
+                                        </p:cTn>
+                                        <p:tgtEl>
+                                          <p:spTgt spid="3">
+                                            <p:txEl>
+                                              <p:pRg st="4" end="4"/>
+                                            </p:txEl>
+                                          </p:spTgt>
+                                        </p:tgtEl>
+                                        <p:attrNameLst>
+                                          <p:attrName>style.visibility</p:attrName>
+                                        </p:attrNameLst>
+                                      </p:cBhvr>
+                                      <p:to>
+                                        <p:strVal val="visible"/>
+                                      </p:to>
+                                    </p:set>
+                                  </p:childTnLst>
+                                </p:cTn>
+                              </p:par>
+                            </p:childTnLst>
+                          </p:cTn>
+                        </p:par>
+                      </p:childTnLst>
+                    </p:cTn>
+                  </p:par>
+                </p:childTnLst>
+              </p:cTn>
+              <p:prevCondLst>
+                <p:cond evt="onPrev" delay="0">
+                  <p:tgtEl>
+                    <p:sldTgt/>
+                  </p:tgtEl>
+                </p:cond>
+              </p:prevCondLst>
+              <p:nextCondLst>
+                <p:cond evt="onNext" delay="0">
+                  <p:tgtEl>
+                    <p:sldTgt/>
+                  </p:tgtEl>
+                </p:cond>
+              </p:nextCondLst>
+            </p:seq>
+          </p:childTnLst>
+        </p:cTn>
+      </p:par>
+    </p:tnLst>
+    <p:bldLst>
+      <p:bldP spid="3" grpId="0" uiExpand="1" build="p"/>
+    </p:bldLst>
+  </p:timing>
+</p:sld>
+</file>
+
+<file path=ppt/slides/slide30.xml><?xml version="1.0" encoding="utf-8"?>
 <p:sld xmlns:a="http://schemas.openxmlformats.org/drawingml/2006/main" xmlns:r="http://schemas.openxmlformats.org/officeDocument/2006/relationships" xmlns:p="http://schemas.openxmlformats.org/presentationml/2006/main">
   <p:cSld>
     <p:spTree>
@@ -22322,135 +23961,7 @@
 </p:sld>
 </file>
 
-<file path=ppt/slides/slide3.xml><?xml version="1.0" encoding="utf-8"?>
-<p:sld xmlns:a="http://schemas.openxmlformats.org/drawingml/2006/main" xmlns:r="http://schemas.openxmlformats.org/officeDocument/2006/relationships" xmlns:p="http://schemas.openxmlformats.org/presentationml/2006/main">
-  <p:cSld>
-    <p:spTree>
-      <p:nvGrpSpPr>
-        <p:cNvPr id="1" name=""/>
-        <p:cNvGrpSpPr/>
-        <p:nvPr/>
-      </p:nvGrpSpPr>
-      <p:grpSpPr>
-        <a:xfrm>
-          <a:off x="0" y="0"/>
-          <a:ext cx="0" cy="0"/>
-          <a:chOff x="0" y="0"/>
-          <a:chExt cx="0" cy="0"/>
-        </a:xfrm>
-      </p:grpSpPr>
-      <p:sp>
-        <p:nvSpPr>
-          <p:cNvPr id="2" name="Titel 1"/>
-          <p:cNvSpPr>
-            <a:spLocks noGrp="1"/>
-          </p:cNvSpPr>
-          <p:nvPr>
-            <p:ph type="title"/>
-          </p:nvPr>
-        </p:nvSpPr>
-        <p:spPr/>
-        <p:txBody>
-          <a:bodyPr/>
-          <a:lstStyle/>
-          <a:p>
-            <a:r>
-              <a:rPr lang="de-CH" dirty="0" smtClean="0"/>
-              <a:t>Zu mir</a:t>
-            </a:r>
-            <a:endParaRPr lang="de-CH" dirty="0"/>
-          </a:p>
-        </p:txBody>
-      </p:sp>
-      <p:sp>
-        <p:nvSpPr>
-          <p:cNvPr id="3" name="Inhaltsplatzhalter 2"/>
-          <p:cNvSpPr>
-            <a:spLocks noGrp="1"/>
-          </p:cNvSpPr>
-          <p:nvPr>
-            <p:ph idx="1"/>
-          </p:nvPr>
-        </p:nvSpPr>
-        <p:spPr/>
-        <p:txBody>
-          <a:bodyPr/>
-          <a:lstStyle/>
-          <a:p>
-            <a:r>
-              <a:rPr lang="de-CH" dirty="0" smtClean="0"/>
-              <a:t>Patrick Joos</a:t>
-            </a:r>
-          </a:p>
-          <a:p>
-            <a:pPr lvl="1"/>
-            <a:r>
-              <a:rPr lang="de-CH" dirty="0" smtClean="0"/>
-              <a:t>26</a:t>
-            </a:r>
-          </a:p>
-          <a:p>
-            <a:pPr lvl="1"/>
-            <a:r>
-              <a:rPr lang="de-CH" dirty="0" err="1" smtClean="0"/>
-              <a:t>BSc</a:t>
-            </a:r>
-            <a:r>
-              <a:rPr lang="de-CH" dirty="0" smtClean="0"/>
-              <a:t> Informatik</a:t>
-            </a:r>
-          </a:p>
-          <a:p>
-            <a:pPr lvl="1"/>
-            <a:r>
-              <a:rPr lang="de-CH" dirty="0" smtClean="0"/>
-              <a:t>Würth </a:t>
-            </a:r>
-            <a:r>
-              <a:rPr lang="de-CH" dirty="0" err="1" smtClean="0"/>
-              <a:t>Itensis</a:t>
-            </a:r>
-            <a:endParaRPr lang="de-CH" dirty="0" smtClean="0"/>
-          </a:p>
-          <a:p>
-            <a:pPr lvl="1"/>
-            <a:r>
-              <a:rPr lang="de-CH" dirty="0" smtClean="0"/>
-              <a:t>Lieblingspizza: </a:t>
-            </a:r>
-            <a:r>
-              <a:rPr lang="de-CH" dirty="0" err="1" smtClean="0"/>
-              <a:t>Prosciutto</a:t>
-            </a:r>
-            <a:endParaRPr lang="de-CH" dirty="0" smtClean="0"/>
-          </a:p>
-          <a:p>
-            <a:pPr lvl="1"/>
-            <a:endParaRPr lang="de-CH" dirty="0"/>
-          </a:p>
-        </p:txBody>
-      </p:sp>
-    </p:spTree>
-    <p:extLst>
-      <p:ext uri="{BB962C8B-B14F-4D97-AF65-F5344CB8AC3E}">
-        <p14:creationId xmlns:p14="http://schemas.microsoft.com/office/powerpoint/2010/main" val="753086570"/>
-      </p:ext>
-    </p:extLst>
-  </p:cSld>
-  <p:clrMapOvr>
-    <a:masterClrMapping/>
-  </p:clrMapOvr>
-  <p:timing>
-    <p:tnLst>
-      <p:par>
-        <p:cTn id="1" dur="indefinite" restart="never" nodeType="tmRoot"/>
-      </p:par>
-    </p:tnLst>
-  </p:timing>
-</p:sld>
-</file>
-
-<file path=ppt/slides/slide30.xml><?xml version="1.0" encoding="utf-8"?>
+<file path=ppt/slides/slide31.xml><?xml version="1.0" encoding="utf-8"?>
 <p:sld xmlns:a="http://schemas.openxmlformats.org/drawingml/2006/main" xmlns:r="http://schemas.openxmlformats.org/officeDocument/2006/relationships" xmlns:p="http://schemas.openxmlformats.org/presentationml/2006/main">
   <p:cSld>
     <p:spTree>
@@ -23026,7 +24537,7 @@
 </p:sld>
 </file>
 
-<file path=ppt/slides/slide31.xml><?xml version="1.0" encoding="utf-8"?>
+<file path=ppt/slides/slide32.xml><?xml version="1.0" encoding="utf-8"?>
 <p:sld xmlns:a="http://schemas.openxmlformats.org/drawingml/2006/main" xmlns:r="http://schemas.openxmlformats.org/officeDocument/2006/relationships" xmlns:p="http://schemas.openxmlformats.org/presentationml/2006/main">
   <p:cSld>
     <p:spTree>
@@ -23587,7 +25098,7 @@
 </p:sld>
 </file>
 
-<file path=ppt/slides/slide32.xml><?xml version="1.0" encoding="utf-8"?>
+<file path=ppt/slides/slide33.xml><?xml version="1.0" encoding="utf-8"?>
 <p:sld xmlns:a="http://schemas.openxmlformats.org/drawingml/2006/main" xmlns:r="http://schemas.openxmlformats.org/officeDocument/2006/relationships" xmlns:p="http://schemas.openxmlformats.org/presentationml/2006/main">
   <p:cSld>
     <p:spTree>
@@ -23664,11 +25175,7 @@
             </a:pPr>
             <a:r>
               <a:rPr lang="de-CH" sz="2800" dirty="0" smtClean="0"/>
-              <a:t> Mit </a:t>
-            </a:r>
-            <a:r>
-              <a:rPr lang="de-CH" sz="2800" dirty="0" smtClean="0"/>
-              <a:t>_</a:t>
+              <a:t> Mit _</a:t>
             </a:r>
             <a:r>
               <a:rPr lang="de-CH" sz="2800" dirty="0" err="1" smtClean="0"/>
@@ -24294,7 +25801,7 @@
 </p:sld>
 </file>
 
-<file path=ppt/slides/slide33.xml><?xml version="1.0" encoding="utf-8"?>
+<file path=ppt/slides/slide34.xml><?xml version="1.0" encoding="utf-8"?>
 <p:sld xmlns:a="http://schemas.openxmlformats.org/drawingml/2006/main" xmlns:r="http://schemas.openxmlformats.org/officeDocument/2006/relationships" xmlns:p="http://schemas.openxmlformats.org/presentationml/2006/main">
   <p:cSld>
     <p:spTree>
@@ -24530,11 +26037,7 @@
             </a:r>
             <a:r>
               <a:rPr lang="en-US" dirty="0" smtClean="0"/>
-              <a:t> </a:t>
-            </a:r>
-            <a:r>
-              <a:rPr lang="en-US" dirty="0" smtClean="0"/>
-              <a:t>warden </a:t>
+              <a:t> warden </a:t>
             </a:r>
             <a:r>
               <a:rPr lang="en-US" dirty="0" err="1" smtClean="0"/>
@@ -24858,7 +26361,7 @@
 </p:sld>
 </file>
 
-<file path=ppt/slides/slide34.xml><?xml version="1.0" encoding="utf-8"?>
+<file path=ppt/slides/slide35.xml><?xml version="1.0" encoding="utf-8"?>
 <p:sld xmlns:a="http://schemas.openxmlformats.org/drawingml/2006/main" xmlns:r="http://schemas.openxmlformats.org/officeDocument/2006/relationships" xmlns:p="http://schemas.openxmlformats.org/presentationml/2006/main">
   <p:cSld>
     <p:spTree>
@@ -24926,11 +26429,7 @@
             </a:pPr>
             <a:r>
               <a:rPr lang="en-US" dirty="0" smtClean="0"/>
-              <a:t> &lt;</a:t>
-            </a:r>
-            <a:r>
-              <a:rPr lang="en-US" dirty="0" smtClean="0"/>
-              <a:t>div&gt; und &lt;span&gt; </a:t>
+              <a:t> &lt;div&gt; und &lt;span&gt; </a:t>
             </a:r>
             <a:r>
               <a:rPr lang="en-US" dirty="0" err="1" smtClean="0"/>
@@ -25792,7 +27291,7 @@
 </p:sld>
 </file>
 
-<file path=ppt/slides/slide35.xml><?xml version="1.0" encoding="utf-8"?>
+<file path=ppt/slides/slide36.xml><?xml version="1.0" encoding="utf-8"?>
 <p:sld xmlns:a="http://schemas.openxmlformats.org/drawingml/2006/main" xmlns:r="http://schemas.openxmlformats.org/officeDocument/2006/relationships" xmlns:p="http://schemas.openxmlformats.org/presentationml/2006/main">
   <p:cSld>
     <p:spTree>
@@ -27129,7 +28628,7 @@
 </p:sld>
 </file>
 
-<file path=ppt/slides/slide36.xml><?xml version="1.0" encoding="utf-8"?>
+<file path=ppt/slides/slide37.xml><?xml version="1.0" encoding="utf-8"?>
 <p:sld xmlns:a="http://schemas.openxmlformats.org/drawingml/2006/main" xmlns:r="http://schemas.openxmlformats.org/officeDocument/2006/relationships" xmlns:p="http://schemas.openxmlformats.org/presentationml/2006/main">
   <p:cSld>
     <p:spTree>
@@ -27282,7 +28781,7 @@
 </p:sld>
 </file>
 
-<file path=ppt/slides/slide37.xml><?xml version="1.0" encoding="utf-8"?>
+<file path=ppt/slides/slide38.xml><?xml version="1.0" encoding="utf-8"?>
 <p:sld xmlns:a="http://schemas.openxmlformats.org/drawingml/2006/main" xmlns:r="http://schemas.openxmlformats.org/officeDocument/2006/relationships" xmlns:p="http://schemas.openxmlformats.org/presentationml/2006/main">
   <p:cSld>
     <p:spTree>
@@ -28900,11 +30399,7 @@
             </a:pPr>
             <a:r>
               <a:rPr lang="de-CH" dirty="0" smtClean="0"/>
-              <a:t>Das Wort «Hypertext» im Namen weist auf die Hyperlinks (kurz Links) hin, mit denen HTML-Dokumente untereinander verknüpft werden</a:t>
-            </a:r>
-            <a:r>
-              <a:rPr lang="de-CH" dirty="0" smtClean="0"/>
-              <a:t>.</a:t>
+              <a:t>Das Wort «Hypertext» im Namen weist auf die Hyperlinks (kurz Links) hin, mit denen HTML-Dokumente untereinander verknüpft werden.</a:t>
             </a:r>
             <a:endParaRPr lang="de-CH" dirty="0"/>
           </a:p>
@@ -28943,9 +30438,216 @@
   <p:timing>
     <p:tnLst>
       <p:par>
-        <p:cTn id="1" dur="indefinite" restart="never" nodeType="tmRoot"/>
+        <p:cTn id="1" dur="indefinite" restart="never" nodeType="tmRoot">
+          <p:childTnLst>
+            <p:seq concurrent="1" nextAc="seek">
+              <p:cTn id="2" dur="indefinite" nodeType="mainSeq">
+                <p:childTnLst>
+                  <p:par>
+                    <p:cTn id="3" fill="hold">
+                      <p:stCondLst>
+                        <p:cond delay="indefinite"/>
+                        <p:cond evt="onBegin" delay="0">
+                          <p:tn val="2"/>
+                        </p:cond>
+                      </p:stCondLst>
+                      <p:childTnLst>
+                        <p:par>
+                          <p:cTn id="4" fill="hold">
+                            <p:stCondLst>
+                              <p:cond delay="0"/>
+                            </p:stCondLst>
+                            <p:childTnLst>
+                              <p:par>
+                                <p:cTn id="5" presetID="1" presetClass="entr" presetSubtype="0" fill="hold" grpId="0" nodeType="withEffect">
+                                  <p:stCondLst>
+                                    <p:cond delay="0"/>
+                                  </p:stCondLst>
+                                  <p:childTnLst>
+                                    <p:set>
+                                      <p:cBhvr>
+                                        <p:cTn id="6" dur="1" fill="hold">
+                                          <p:stCondLst>
+                                            <p:cond delay="0"/>
+                                          </p:stCondLst>
+                                        </p:cTn>
+                                        <p:tgtEl>
+                                          <p:spTgt spid="3">
+                                            <p:txEl>
+                                              <p:pRg st="0" end="0"/>
+                                            </p:txEl>
+                                          </p:spTgt>
+                                        </p:tgtEl>
+                                        <p:attrNameLst>
+                                          <p:attrName>style.visibility</p:attrName>
+                                        </p:attrNameLst>
+                                      </p:cBhvr>
+                                      <p:to>
+                                        <p:strVal val="visible"/>
+                                      </p:to>
+                                    </p:set>
+                                  </p:childTnLst>
+                                </p:cTn>
+                              </p:par>
+                              <p:par>
+                                <p:cTn id="7" presetID="1" presetClass="entr" presetSubtype="0" fill="hold" grpId="0" nodeType="withEffect">
+                                  <p:stCondLst>
+                                    <p:cond delay="0"/>
+                                  </p:stCondLst>
+                                  <p:childTnLst>
+                                    <p:set>
+                                      <p:cBhvr>
+                                        <p:cTn id="8" dur="1" fill="hold">
+                                          <p:stCondLst>
+                                            <p:cond delay="0"/>
+                                          </p:stCondLst>
+                                        </p:cTn>
+                                        <p:tgtEl>
+                                          <p:spTgt spid="3">
+                                            <p:txEl>
+                                              <p:pRg st="1" end="1"/>
+                                            </p:txEl>
+                                          </p:spTgt>
+                                        </p:tgtEl>
+                                        <p:attrNameLst>
+                                          <p:attrName>style.visibility</p:attrName>
+                                        </p:attrNameLst>
+                                      </p:cBhvr>
+                                      <p:to>
+                                        <p:strVal val="visible"/>
+                                      </p:to>
+                                    </p:set>
+                                  </p:childTnLst>
+                                </p:cTn>
+                              </p:par>
+                            </p:childTnLst>
+                          </p:cTn>
+                        </p:par>
+                      </p:childTnLst>
+                    </p:cTn>
+                  </p:par>
+                  <p:par>
+                    <p:cTn id="9" fill="hold">
+                      <p:stCondLst>
+                        <p:cond delay="indefinite"/>
+                      </p:stCondLst>
+                      <p:childTnLst>
+                        <p:par>
+                          <p:cTn id="10" fill="hold">
+                            <p:stCondLst>
+                              <p:cond delay="0"/>
+                            </p:stCondLst>
+                            <p:childTnLst>
+                              <p:par>
+                                <p:cTn id="11" presetID="1" presetClass="entr" presetSubtype="0" fill="hold" grpId="0" nodeType="clickEffect">
+                                  <p:stCondLst>
+                                    <p:cond delay="0"/>
+                                  </p:stCondLst>
+                                  <p:childTnLst>
+                                    <p:set>
+                                      <p:cBhvr>
+                                        <p:cTn id="12" dur="1" fill="hold">
+                                          <p:stCondLst>
+                                            <p:cond delay="0"/>
+                                          </p:stCondLst>
+                                        </p:cTn>
+                                        <p:tgtEl>
+                                          <p:spTgt spid="3">
+                                            <p:txEl>
+                                              <p:pRg st="2" end="2"/>
+                                            </p:txEl>
+                                          </p:spTgt>
+                                        </p:tgtEl>
+                                        <p:attrNameLst>
+                                          <p:attrName>style.visibility</p:attrName>
+                                        </p:attrNameLst>
+                                      </p:cBhvr>
+                                      <p:to>
+                                        <p:strVal val="visible"/>
+                                      </p:to>
+                                    </p:set>
+                                  </p:childTnLst>
+                                </p:cTn>
+                              </p:par>
+                            </p:childTnLst>
+                          </p:cTn>
+                        </p:par>
+                      </p:childTnLst>
+                    </p:cTn>
+                  </p:par>
+                  <p:par>
+                    <p:cTn id="13" fill="hold">
+                      <p:stCondLst>
+                        <p:cond delay="indefinite"/>
+                      </p:stCondLst>
+                      <p:childTnLst>
+                        <p:par>
+                          <p:cTn id="14" fill="hold">
+                            <p:stCondLst>
+                              <p:cond delay="0"/>
+                            </p:stCondLst>
+                            <p:childTnLst>
+                              <p:par>
+                                <p:cTn id="15" presetID="1" presetClass="entr" presetSubtype="0" fill="hold" grpId="0" nodeType="clickEffect">
+                                  <p:stCondLst>
+                                    <p:cond delay="0"/>
+                                  </p:stCondLst>
+                                  <p:childTnLst>
+                                    <p:set>
+                                      <p:cBhvr>
+                                        <p:cTn id="16" dur="1" fill="hold">
+                                          <p:stCondLst>
+                                            <p:cond delay="0"/>
+                                          </p:stCondLst>
+                                        </p:cTn>
+                                        <p:tgtEl>
+                                          <p:spTgt spid="3">
+                                            <p:txEl>
+                                              <p:pRg st="3" end="3"/>
+                                            </p:txEl>
+                                          </p:spTgt>
+                                        </p:tgtEl>
+                                        <p:attrNameLst>
+                                          <p:attrName>style.visibility</p:attrName>
+                                        </p:attrNameLst>
+                                      </p:cBhvr>
+                                      <p:to>
+                                        <p:strVal val="visible"/>
+                                      </p:to>
+                                    </p:set>
+                                  </p:childTnLst>
+                                </p:cTn>
+                              </p:par>
+                            </p:childTnLst>
+                          </p:cTn>
+                        </p:par>
+                      </p:childTnLst>
+                    </p:cTn>
+                  </p:par>
+                </p:childTnLst>
+              </p:cTn>
+              <p:prevCondLst>
+                <p:cond evt="onPrev" delay="0">
+                  <p:tgtEl>
+                    <p:sldTgt/>
+                  </p:tgtEl>
+                </p:cond>
+              </p:prevCondLst>
+              <p:nextCondLst>
+                <p:cond evt="onNext" delay="0">
+                  <p:tgtEl>
+                    <p:sldTgt/>
+                  </p:tgtEl>
+                </p:cond>
+              </p:nextCondLst>
+            </p:seq>
+          </p:childTnLst>
+        </p:cTn>
       </p:par>
     </p:tnLst>
+    <p:bldLst>
+      <p:bldP spid="3" grpId="0" uiExpand="1" build="p"/>
+    </p:bldLst>
   </p:timing>
 </p:sld>
 </file>
@@ -29693,7 +31395,7 @@
         </p:nvSpPr>
         <p:spPr>
           <a:xfrm rot="19948987">
-            <a:off x="5249273" y="3323766"/>
+            <a:off x="4307163" y="3240639"/>
             <a:ext cx="4607924" cy="1569660"/>
           </a:xfrm>
           <a:prstGeom prst="rect">

--- a/Präsentationen/HTML.pptx
+++ b/Präsentationen/HTML.pptx
@@ -260,7 +260,7 @@
           <a:p>
             <a:fld id="{FD48EB67-2BC6-40D7-89DF-0F485185C702}" type="datetimeFigureOut">
               <a:rPr lang="de-CH" smtClean="0"/>
-              <a:t>08.04.2015</a:t>
+              <a:t>01.02.2016</a:t>
             </a:fld>
             <a:endParaRPr lang="de-CH"/>
           </a:p>
@@ -750,11 +750,7 @@
           <a:p>
             <a:r>
               <a:rPr lang="de-CH" dirty="0" smtClean="0"/>
-              <a:t>Aufgabe: Wikipedia Artikel im HTML </a:t>
-            </a:r>
-            <a:r>
-              <a:rPr lang="de-CH" dirty="0" smtClean="0"/>
-              <a:t>aufbereiten</a:t>
+              <a:t>Aufgabe: Wikipedia Artikel im HTML aufbereiten</a:t>
             </a:r>
           </a:p>
           <a:p>
@@ -1654,7 +1650,7 @@
           <a:p>
             <a:fld id="{2C314328-1F4E-4134-AA27-A85D42511787}" type="datetimeFigureOut">
               <a:rPr lang="de-CH" smtClean="0"/>
-              <a:t>08.04.2015</a:t>
+              <a:t>01.02.2016</a:t>
             </a:fld>
             <a:endParaRPr lang="de-CH"/>
           </a:p>
@@ -1862,7 +1858,7 @@
           <a:p>
             <a:fld id="{2C314328-1F4E-4134-AA27-A85D42511787}" type="datetimeFigureOut">
               <a:rPr lang="de-CH" smtClean="0"/>
-              <a:t>08.04.2015</a:t>
+              <a:t>01.02.2016</a:t>
             </a:fld>
             <a:endParaRPr lang="de-CH"/>
           </a:p>
@@ -2118,7 +2114,7 @@
           <a:p>
             <a:fld id="{2C314328-1F4E-4134-AA27-A85D42511787}" type="datetimeFigureOut">
               <a:rPr lang="de-CH" smtClean="0"/>
-              <a:t>08.04.2015</a:t>
+              <a:t>01.02.2016</a:t>
             </a:fld>
             <a:endParaRPr lang="de-CH"/>
           </a:p>
@@ -2292,7 +2288,7 @@
           <a:p>
             <a:fld id="{2C314328-1F4E-4134-AA27-A85D42511787}" type="datetimeFigureOut">
               <a:rPr lang="de-CH" smtClean="0"/>
-              <a:t>08.04.2015</a:t>
+              <a:t>01.02.2016</a:t>
             </a:fld>
             <a:endParaRPr lang="de-CH"/>
           </a:p>
@@ -2635,7 +2631,7 @@
           <a:p>
             <a:fld id="{2C314328-1F4E-4134-AA27-A85D42511787}" type="datetimeFigureOut">
               <a:rPr lang="de-CH" smtClean="0"/>
-              <a:t>08.04.2015</a:t>
+              <a:t>01.02.2016</a:t>
             </a:fld>
             <a:endParaRPr lang="de-CH"/>
           </a:p>
@@ -2910,7 +2906,7 @@
           <a:p>
             <a:fld id="{2C314328-1F4E-4134-AA27-A85D42511787}" type="datetimeFigureOut">
               <a:rPr lang="de-CH" smtClean="0"/>
-              <a:t>08.04.2015</a:t>
+              <a:t>01.02.2016</a:t>
             </a:fld>
             <a:endParaRPr lang="de-CH"/>
           </a:p>
@@ -3289,7 +3285,7 @@
           <a:p>
             <a:fld id="{2C314328-1F4E-4134-AA27-A85D42511787}" type="datetimeFigureOut">
               <a:rPr lang="de-CH" smtClean="0"/>
-              <a:t>08.04.2015</a:t>
+              <a:t>01.02.2016</a:t>
             </a:fld>
             <a:endParaRPr lang="de-CH"/>
           </a:p>
@@ -3407,7 +3403,7 @@
           <a:p>
             <a:fld id="{2C314328-1F4E-4134-AA27-A85D42511787}" type="datetimeFigureOut">
               <a:rPr lang="de-CH" smtClean="0"/>
-              <a:t>08.04.2015</a:t>
+              <a:t>01.02.2016</a:t>
             </a:fld>
             <a:endParaRPr lang="de-CH"/>
           </a:p>
@@ -3578,7 +3574,7 @@
           <a:p>
             <a:fld id="{2C314328-1F4E-4134-AA27-A85D42511787}" type="datetimeFigureOut">
               <a:rPr lang="de-CH" smtClean="0"/>
-              <a:t>08.04.2015</a:t>
+              <a:t>01.02.2016</a:t>
             </a:fld>
             <a:endParaRPr lang="de-CH"/>
           </a:p>
@@ -3932,7 +3928,7 @@
           <a:p>
             <a:fld id="{2C314328-1F4E-4134-AA27-A85D42511787}" type="datetimeFigureOut">
               <a:rPr lang="de-CH" smtClean="0"/>
-              <a:t>08.04.2015</a:t>
+              <a:t>01.02.2016</a:t>
             </a:fld>
             <a:endParaRPr lang="de-CH"/>
           </a:p>
@@ -4314,7 +4310,7 @@
           <a:p>
             <a:fld id="{2C314328-1F4E-4134-AA27-A85D42511787}" type="datetimeFigureOut">
               <a:rPr lang="de-CH" smtClean="0"/>
-              <a:t>08.04.2015</a:t>
+              <a:t>01.02.2016</a:t>
             </a:fld>
             <a:endParaRPr lang="de-CH"/>
           </a:p>
@@ -4601,7 +4597,7 @@
           <a:p>
             <a:fld id="{2C314328-1F4E-4134-AA27-A85D42511787}" type="datetimeFigureOut">
               <a:rPr lang="de-CH" smtClean="0"/>
-              <a:t>08.04.2015</a:t>
+              <a:t>01.02.2016</a:t>
             </a:fld>
             <a:endParaRPr lang="de-CH"/>
           </a:p>
@@ -6905,7 +6901,7 @@
         <p:spPr>
           <a:xfrm>
             <a:off x="605481" y="3493570"/>
-            <a:ext cx="1975793" cy="646331"/>
+            <a:ext cx="1264883" cy="369332"/>
           </a:xfrm>
           <a:prstGeom prst="rect">
             <a:avLst/>
@@ -6929,9 +6925,7 @@
               <a:rPr lang="de-CH" dirty="0" smtClean="0"/>
               <a:t>Tag-Name</a:t>
             </a:r>
-          </a:p>
-          <a:p>
-            <a:endParaRPr lang="de-CH" dirty="0"/>
+            <a:endParaRPr lang="de-CH" dirty="0" smtClean="0"/>
           </a:p>
         </p:txBody>
       </p:sp>
@@ -6945,7 +6939,7 @@
         </p:nvCxnSpPr>
         <p:spPr>
           <a:xfrm flipH="1" flipV="1">
-            <a:off x="4756577" y="2449813"/>
+            <a:off x="4084151" y="2336349"/>
             <a:ext cx="266830" cy="935938"/>
           </a:xfrm>
           <a:prstGeom prst="straightConnector1">
@@ -6978,8 +6972,8 @@
         </p:nvSpPr>
         <p:spPr>
           <a:xfrm>
-            <a:off x="3674076" y="3493570"/>
-            <a:ext cx="3319848" cy="1200329"/>
+            <a:off x="3224573" y="3487482"/>
+            <a:ext cx="3319848" cy="923330"/>
           </a:xfrm>
           <a:prstGeom prst="rect">
             <a:avLst/>
@@ -7018,11 +7012,13 @@
           <a:p>
             <a:r>
               <a:rPr lang="de-CH" dirty="0" smtClean="0"/>
-              <a:t>Reichert den XML-Tag mit zusätzlichen Informationen an</a:t>
-            </a:r>
-          </a:p>
-          <a:p>
-            <a:endParaRPr lang="de-CH" dirty="0"/>
+              <a:t>Reichert den XML-Tag mit zusätzlichen Informationen </a:t>
+            </a:r>
+            <a:r>
+              <a:rPr lang="de-CH" dirty="0" smtClean="0"/>
+              <a:t>an</a:t>
+            </a:r>
+            <a:endParaRPr lang="de-CH" dirty="0" smtClean="0"/>
           </a:p>
         </p:txBody>
       </p:sp>
@@ -7036,8 +7032,8 @@
         </p:nvCxnSpPr>
         <p:spPr>
           <a:xfrm flipV="1">
-            <a:off x="5535827" y="2407614"/>
-            <a:ext cx="560173" cy="978137"/>
+            <a:off x="4750761" y="2263140"/>
+            <a:ext cx="211937" cy="1051347"/>
           </a:xfrm>
           <a:prstGeom prst="straightConnector1">
             <a:avLst/>
@@ -7071,8 +7067,8 @@
         </p:nvCxnSpPr>
         <p:spPr>
           <a:xfrm flipH="1" flipV="1">
-            <a:off x="7326630" y="2263140"/>
-            <a:ext cx="1856335" cy="1279477"/>
+            <a:off x="7326631" y="2263141"/>
+            <a:ext cx="3055965" cy="1224341"/>
           </a:xfrm>
           <a:prstGeom prst="straightConnector1">
             <a:avLst/>
@@ -7104,8 +7100,8 @@
         </p:nvSpPr>
         <p:spPr>
           <a:xfrm>
-            <a:off x="8197772" y="3816735"/>
-            <a:ext cx="1975793" cy="646331"/>
+            <a:off x="9965174" y="3542780"/>
+            <a:ext cx="1324603" cy="369332"/>
           </a:xfrm>
           <a:prstGeom prst="rect">
             <a:avLst/>
@@ -7125,16 +7121,88 @@
           </a:bodyPr>
           <a:lstStyle/>
           <a:p>
+            <a:pPr algn="r"/>
             <a:r>
               <a:rPr lang="de-CH" dirty="0" smtClean="0"/>
               <a:t>End-Tag</a:t>
             </a:r>
-          </a:p>
-          <a:p>
-            <a:endParaRPr lang="de-CH" dirty="0"/>
+            <a:endParaRPr lang="de-CH" dirty="0" smtClean="0"/>
           </a:p>
         </p:txBody>
       </p:sp>
+      <p:sp>
+        <p:nvSpPr>
+          <p:cNvPr id="13" name="Textfeld 12"/>
+          <p:cNvSpPr txBox="1"/>
+          <p:nvPr/>
+        </p:nvSpPr>
+        <p:spPr>
+          <a:xfrm>
+            <a:off x="7233371" y="3542779"/>
+            <a:ext cx="1330518" cy="369332"/>
+          </a:xfrm>
+          <a:prstGeom prst="rect">
+            <a:avLst/>
+          </a:prstGeom>
+          <a:solidFill>
+            <a:srgbClr val="0070C0">
+              <a:alpha val="21000"/>
+            </a:srgbClr>
+          </a:solidFill>
+          <a:ln>
+            <a:noFill/>
+          </a:ln>
+        </p:spPr>
+        <p:txBody>
+          <a:bodyPr wrap="square" rtlCol="0">
+            <a:spAutoFit/>
+          </a:bodyPr>
+          <a:lstStyle/>
+          <a:p>
+            <a:pPr algn="ctr"/>
+            <a:r>
+              <a:rPr lang="de-CH" dirty="0" smtClean="0"/>
+              <a:t>Wert</a:t>
+            </a:r>
+            <a:endParaRPr lang="de-CH" dirty="0" smtClean="0"/>
+          </a:p>
+        </p:txBody>
+      </p:sp>
+      <p:cxnSp>
+        <p:nvCxnSpPr>
+          <p:cNvPr id="14" name="Gerade Verbindung mit Pfeil 13"/>
+          <p:cNvCxnSpPr>
+            <a:cxnSpLocks/>
+          </p:cNvCxnSpPr>
+          <p:nvPr/>
+        </p:nvCxnSpPr>
+        <p:spPr>
+          <a:xfrm flipH="1" flipV="1">
+            <a:off x="5960225" y="2263140"/>
+            <a:ext cx="1745673" cy="1224343"/>
+          </a:xfrm>
+          <a:prstGeom prst="straightConnector1">
+            <a:avLst/>
+          </a:prstGeom>
+          <a:ln w="63500">
+            <a:tailEnd type="triangle"/>
+          </a:ln>
+        </p:spPr>
+        <p:style>
+          <a:lnRef idx="1">
+            <a:schemeClr val="dk1"/>
+          </a:lnRef>
+          <a:fillRef idx="0">
+            <a:schemeClr val="dk1"/>
+          </a:fillRef>
+          <a:effectRef idx="0">
+            <a:schemeClr val="dk1"/>
+          </a:effectRef>
+          <a:fontRef idx="minor">
+            <a:schemeClr val="tx1"/>
+          </a:fontRef>
+        </p:style>
+      </p:cxnSp>
     </p:spTree>
     <p:extLst>
       <p:ext uri="{BB962C8B-B14F-4D97-AF65-F5344CB8AC3E}">
@@ -7350,7 +7418,7 @@
                                           </p:stCondLst>
                                         </p:cTn>
                                         <p:tgtEl>
-                                          <p:spTgt spid="12"/>
+                                          <p:spTgt spid="13"/>
                                         </p:tgtEl>
                                         <p:attrNameLst>
                                           <p:attrName>style.visibility</p:attrName>
@@ -7372,6 +7440,78 @@
                                     <p:set>
                                       <p:cBhvr>
                                         <p:cTn id="22" dur="1" fill="hold">
+                                          <p:stCondLst>
+                                            <p:cond delay="0"/>
+                                          </p:stCondLst>
+                                        </p:cTn>
+                                        <p:tgtEl>
+                                          <p:spTgt spid="14"/>
+                                        </p:tgtEl>
+                                        <p:attrNameLst>
+                                          <p:attrName>style.visibility</p:attrName>
+                                        </p:attrNameLst>
+                                      </p:cBhvr>
+                                      <p:to>
+                                        <p:strVal val="visible"/>
+                                      </p:to>
+                                    </p:set>
+                                  </p:childTnLst>
+                                </p:cTn>
+                              </p:par>
+                            </p:childTnLst>
+                          </p:cTn>
+                        </p:par>
+                      </p:childTnLst>
+                    </p:cTn>
+                  </p:par>
+                  <p:par>
+                    <p:cTn id="23" fill="hold">
+                      <p:stCondLst>
+                        <p:cond delay="indefinite"/>
+                      </p:stCondLst>
+                      <p:childTnLst>
+                        <p:par>
+                          <p:cTn id="24" fill="hold">
+                            <p:stCondLst>
+                              <p:cond delay="0"/>
+                            </p:stCondLst>
+                            <p:childTnLst>
+                              <p:par>
+                                <p:cTn id="25" presetID="1" presetClass="entr" presetSubtype="0" fill="hold" grpId="0" nodeType="clickEffect">
+                                  <p:stCondLst>
+                                    <p:cond delay="0"/>
+                                  </p:stCondLst>
+                                  <p:childTnLst>
+                                    <p:set>
+                                      <p:cBhvr>
+                                        <p:cTn id="26" dur="1" fill="hold">
+                                          <p:stCondLst>
+                                            <p:cond delay="0"/>
+                                          </p:stCondLst>
+                                        </p:cTn>
+                                        <p:tgtEl>
+                                          <p:spTgt spid="12"/>
+                                        </p:tgtEl>
+                                        <p:attrNameLst>
+                                          <p:attrName>style.visibility</p:attrName>
+                                        </p:attrNameLst>
+                                      </p:cBhvr>
+                                      <p:to>
+                                        <p:strVal val="visible"/>
+                                      </p:to>
+                                    </p:set>
+                                  </p:childTnLst>
+                                </p:cTn>
+                              </p:par>
+                              <p:par>
+                                <p:cTn id="27" presetID="1" presetClass="entr" presetSubtype="0" fill="hold" nodeType="withEffect">
+                                  <p:stCondLst>
+                                    <p:cond delay="0"/>
+                                  </p:stCondLst>
+                                  <p:childTnLst>
+                                    <p:set>
+                                      <p:cBhvr>
+                                        <p:cTn id="28" dur="1" fill="hold">
                                           <p:stCondLst>
                                             <p:cond delay="0"/>
                                           </p:stCondLst>
@@ -7421,6 +7561,7 @@
       <p:bldP spid="6" grpId="0" animBg="1"/>
       <p:bldP spid="9" grpId="0" animBg="1"/>
       <p:bldP spid="12" grpId="0" animBg="1"/>
+      <p:bldP spid="13" grpId="0" animBg="1"/>
     </p:bldLst>
   </p:timing>
 </p:sld>
@@ -32233,14 +32374,12 @@
 </file>
 
 <file path=customXml/item1.xml><?xml version="1.0" encoding="utf-8"?>
-<p:properties xmlns:p="http://schemas.microsoft.com/office/2006/metadata/properties" xmlns:xsi="http://www.w3.org/2001/XMLSchema-instance" xmlns:pc="http://schemas.microsoft.com/office/infopath/2007/PartnerControls">
-  <documentManagement>
-    <DocumentType xmlns="B52DB2DB-4C79-421A-B3B5-7B3E39903FAF">Presentation</DocumentType>
-    <Tags xmlns="B52DB2DB-4C79-421A-B3B5-7B3E39903FAF"/>
-    <PublishingExpirationDate xmlns="http://schemas.microsoft.com/sharepoint/v3" xsi:nil="true"/>
-    <PublishingStartDate xmlns="http://schemas.microsoft.com/sharepoint/v3" xsi:nil="true"/>
-  </documentManagement>
-</p:properties>
+<?mso-contentType ?>
+<FormTemplates xmlns="http://schemas.microsoft.com/sharepoint/v3/contenttype/forms">
+  <Display>DocumentLibraryForm</Display>
+  <Edit>DocumentLibraryForm</Edit>
+  <New>DocumentLibraryForm</New>
+</FormTemplates>
 </file>
 
 <file path=customXml/item2.xml><?xml version="1.0" encoding="utf-8"?>
@@ -32426,27 +32565,20 @@
 </file>
 
 <file path=customXml/item3.xml><?xml version="1.0" encoding="utf-8"?>
-<?mso-contentType ?>
-<FormTemplates xmlns="http://schemas.microsoft.com/sharepoint/v3/contenttype/forms">
-  <Display>DocumentLibraryForm</Display>
-  <Edit>DocumentLibraryForm</Edit>
-  <New>DocumentLibraryForm</New>
-</FormTemplates>
+<p:properties xmlns:p="http://schemas.microsoft.com/office/2006/metadata/properties" xmlns:xsi="http://www.w3.org/2001/XMLSchema-instance" xmlns:pc="http://schemas.microsoft.com/office/infopath/2007/PartnerControls">
+  <documentManagement>
+    <DocumentType xmlns="B52DB2DB-4C79-421A-B3B5-7B3E39903FAF">Presentation</DocumentType>
+    <Tags xmlns="B52DB2DB-4C79-421A-B3B5-7B3E39903FAF"/>
+    <PublishingExpirationDate xmlns="http://schemas.microsoft.com/sharepoint/v3" xsi:nil="true"/>
+    <PublishingStartDate xmlns="http://schemas.microsoft.com/sharepoint/v3" xsi:nil="true"/>
+  </documentManagement>
+</p:properties>
 </file>
 
 <file path=customXml/itemProps1.xml><?xml version="1.0" encoding="utf-8"?>
-<ds:datastoreItem xmlns:ds="http://schemas.openxmlformats.org/officeDocument/2006/customXml" ds:itemID="{C37D435A-036C-4A6E-9A9D-B0F04F096E31}">
+<ds:datastoreItem xmlns:ds="http://schemas.openxmlformats.org/officeDocument/2006/customXml" ds:itemID="{9AE84C29-3D22-4B38-861A-92252ADDEB5A}">
   <ds:schemaRefs>
-    <ds:schemaRef ds:uri="http://purl.org/dc/terms/"/>
-    <ds:schemaRef ds:uri="http://purl.org/dc/dcmitype/"/>
-    <ds:schemaRef ds:uri="http://www.w3.org/XML/1998/namespace"/>
-    <ds:schemaRef ds:uri="http://schemas.microsoft.com/office/2006/metadata/properties"/>
-    <ds:schemaRef ds:uri="http://schemas.microsoft.com/office/2006/documentManagement/types"/>
-    <ds:schemaRef ds:uri="http://purl.org/dc/elements/1.1/"/>
-    <ds:schemaRef ds:uri="http://schemas.microsoft.com/office/infopath/2007/PartnerControls"/>
-    <ds:schemaRef ds:uri="http://schemas.openxmlformats.org/package/2006/metadata/core-properties"/>
-    <ds:schemaRef ds:uri="B52DB2DB-4C79-421A-B3B5-7B3E39903FAF"/>
-    <ds:schemaRef ds:uri="http://schemas.microsoft.com/sharepoint/v3"/>
+    <ds:schemaRef ds:uri="http://schemas.microsoft.com/sharepoint/v3/contenttype/forms"/>
   </ds:schemaRefs>
 </ds:datastoreItem>
 </file>
@@ -32471,9 +32603,18 @@
 </file>
 
 <file path=customXml/itemProps3.xml><?xml version="1.0" encoding="utf-8"?>
-<ds:datastoreItem xmlns:ds="http://schemas.openxmlformats.org/officeDocument/2006/customXml" ds:itemID="{9AE84C29-3D22-4B38-861A-92252ADDEB5A}">
+<ds:datastoreItem xmlns:ds="http://schemas.openxmlformats.org/officeDocument/2006/customXml" ds:itemID="{C37D435A-036C-4A6E-9A9D-B0F04F096E31}">
   <ds:schemaRefs>
-    <ds:schemaRef ds:uri="http://schemas.microsoft.com/sharepoint/v3/contenttype/forms"/>
+    <ds:schemaRef ds:uri="http://purl.org/dc/terms/"/>
+    <ds:schemaRef ds:uri="http://purl.org/dc/dcmitype/"/>
+    <ds:schemaRef ds:uri="http://www.w3.org/XML/1998/namespace"/>
+    <ds:schemaRef ds:uri="http://schemas.microsoft.com/office/2006/metadata/properties"/>
+    <ds:schemaRef ds:uri="http://schemas.microsoft.com/office/2006/documentManagement/types"/>
+    <ds:schemaRef ds:uri="http://purl.org/dc/elements/1.1/"/>
+    <ds:schemaRef ds:uri="http://schemas.microsoft.com/office/infopath/2007/PartnerControls"/>
+    <ds:schemaRef ds:uri="http://schemas.openxmlformats.org/package/2006/metadata/core-properties"/>
+    <ds:schemaRef ds:uri="B52DB2DB-4C79-421A-B3B5-7B3E39903FAF"/>
+    <ds:schemaRef ds:uri="http://schemas.microsoft.com/sharepoint/v3"/>
   </ds:schemaRefs>
 </ds:datastoreItem>
 </file>
--- a/Präsentationen/HTML.pptx
+++ b/Präsentationen/HTML.pptx
@@ -5,7 +5,7 @@
     <p:sldMasterId id="2147483660" r:id="rId4"/>
   </p:sldMasterIdLst>
   <p:notesMasterIdLst>
-    <p:notesMasterId r:id="rId43"/>
+    <p:notesMasterId r:id="rId44"/>
   </p:notesMasterIdLst>
   <p:sldIdLst>
     <p:sldId id="256" r:id="rId5"/>
@@ -29,23 +29,24 @@
     <p:sldId id="273" r:id="rId23"/>
     <p:sldId id="275" r:id="rId24"/>
     <p:sldId id="274" r:id="rId25"/>
-    <p:sldId id="276" r:id="rId26"/>
-    <p:sldId id="278" r:id="rId27"/>
-    <p:sldId id="277" r:id="rId28"/>
-    <p:sldId id="279" r:id="rId29"/>
-    <p:sldId id="280" r:id="rId30"/>
-    <p:sldId id="281" r:id="rId31"/>
-    <p:sldId id="282" r:id="rId32"/>
-    <p:sldId id="283" r:id="rId33"/>
-    <p:sldId id="286" r:id="rId34"/>
-    <p:sldId id="284" r:id="rId35"/>
-    <p:sldId id="285" r:id="rId36"/>
-    <p:sldId id="287" r:id="rId37"/>
-    <p:sldId id="288" r:id="rId38"/>
-    <p:sldId id="290" r:id="rId39"/>
-    <p:sldId id="289" r:id="rId40"/>
-    <p:sldId id="292" r:id="rId41"/>
-    <p:sldId id="294" r:id="rId42"/>
+    <p:sldId id="296" r:id="rId26"/>
+    <p:sldId id="276" r:id="rId27"/>
+    <p:sldId id="278" r:id="rId28"/>
+    <p:sldId id="277" r:id="rId29"/>
+    <p:sldId id="279" r:id="rId30"/>
+    <p:sldId id="280" r:id="rId31"/>
+    <p:sldId id="281" r:id="rId32"/>
+    <p:sldId id="282" r:id="rId33"/>
+    <p:sldId id="283" r:id="rId34"/>
+    <p:sldId id="286" r:id="rId35"/>
+    <p:sldId id="284" r:id="rId36"/>
+    <p:sldId id="285" r:id="rId37"/>
+    <p:sldId id="287" r:id="rId38"/>
+    <p:sldId id="288" r:id="rId39"/>
+    <p:sldId id="290" r:id="rId40"/>
+    <p:sldId id="289" r:id="rId41"/>
+    <p:sldId id="292" r:id="rId42"/>
+    <p:sldId id="294" r:id="rId43"/>
   </p:sldIdLst>
   <p:sldSz cx="12192000" cy="6858000"/>
   <p:notesSz cx="6858000" cy="9144000"/>
@@ -260,7 +261,7 @@
           <a:p>
             <a:fld id="{FD48EB67-2BC6-40D7-89DF-0F485185C702}" type="datetimeFigureOut">
               <a:rPr lang="de-CH" smtClean="0"/>
-              <a:t>01.02.2016</a:t>
+              <a:t>04.02.2016</a:t>
             </a:fld>
             <a:endParaRPr lang="de-CH"/>
           </a:p>
@@ -597,7 +598,7 @@
           <a:p>
             <a:fld id="{A8938716-5AB9-4169-8EB5-74614927D367}" type="slidenum">
               <a:rPr lang="de-CH" smtClean="0"/>
-              <a:t>23</a:t>
+              <a:t>24</a:t>
             </a:fld>
             <a:endParaRPr lang="de-CH"/>
           </a:p>
@@ -685,7 +686,7 @@
           <a:p>
             <a:fld id="{A8938716-5AB9-4169-8EB5-74614927D367}" type="slidenum">
               <a:rPr lang="de-CH" smtClean="0"/>
-              <a:t>38</a:t>
+              <a:t>39</a:t>
             </a:fld>
             <a:endParaRPr lang="de-CH"/>
           </a:p>
@@ -779,7 +780,7 @@
           <a:p>
             <a:fld id="{A8938716-5AB9-4169-8EB5-74614927D367}" type="slidenum">
               <a:rPr lang="de-CH" smtClean="0"/>
-              <a:t>24</a:t>
+              <a:t>25</a:t>
             </a:fld>
             <a:endParaRPr lang="de-CH"/>
           </a:p>
@@ -867,7 +868,7 @@
           <a:p>
             <a:fld id="{A8938716-5AB9-4169-8EB5-74614927D367}" type="slidenum">
               <a:rPr lang="de-CH" smtClean="0"/>
-              <a:t>28</a:t>
+              <a:t>29</a:t>
             </a:fld>
             <a:endParaRPr lang="de-CH"/>
           </a:p>
@@ -969,7 +970,7 @@
           <a:p>
             <a:fld id="{A8938716-5AB9-4169-8EB5-74614927D367}" type="slidenum">
               <a:rPr lang="de-CH" smtClean="0"/>
-              <a:t>29</a:t>
+              <a:t>30</a:t>
             </a:fld>
             <a:endParaRPr lang="de-CH"/>
           </a:p>
@@ -1053,7 +1054,7 @@
           <a:p>
             <a:fld id="{A8938716-5AB9-4169-8EB5-74614927D367}" type="slidenum">
               <a:rPr lang="de-CH" smtClean="0"/>
-              <a:t>31</a:t>
+              <a:t>32</a:t>
             </a:fld>
             <a:endParaRPr lang="de-CH"/>
           </a:p>
@@ -1141,7 +1142,7 @@
           <a:p>
             <a:fld id="{A8938716-5AB9-4169-8EB5-74614927D367}" type="slidenum">
               <a:rPr lang="de-CH" smtClean="0"/>
-              <a:t>32</a:t>
+              <a:t>33</a:t>
             </a:fld>
             <a:endParaRPr lang="de-CH"/>
           </a:p>
@@ -1229,7 +1230,7 @@
           <a:p>
             <a:fld id="{A8938716-5AB9-4169-8EB5-74614927D367}" type="slidenum">
               <a:rPr lang="de-CH" smtClean="0"/>
-              <a:t>33</a:t>
+              <a:t>34</a:t>
             </a:fld>
             <a:endParaRPr lang="de-CH"/>
           </a:p>
@@ -1317,7 +1318,7 @@
           <a:p>
             <a:fld id="{A8938716-5AB9-4169-8EB5-74614927D367}" type="slidenum">
               <a:rPr lang="de-CH" smtClean="0"/>
-              <a:t>36</a:t>
+              <a:t>37</a:t>
             </a:fld>
             <a:endParaRPr lang="de-CH"/>
           </a:p>
@@ -1405,7 +1406,7 @@
           <a:p>
             <a:fld id="{A8938716-5AB9-4169-8EB5-74614927D367}" type="slidenum">
               <a:rPr lang="de-CH" smtClean="0"/>
-              <a:t>37</a:t>
+              <a:t>38</a:t>
             </a:fld>
             <a:endParaRPr lang="de-CH"/>
           </a:p>
@@ -1650,7 +1651,7 @@
           <a:p>
             <a:fld id="{2C314328-1F4E-4134-AA27-A85D42511787}" type="datetimeFigureOut">
               <a:rPr lang="de-CH" smtClean="0"/>
-              <a:t>01.02.2016</a:t>
+              <a:t>04.02.2016</a:t>
             </a:fld>
             <a:endParaRPr lang="de-CH"/>
           </a:p>
@@ -1858,7 +1859,7 @@
           <a:p>
             <a:fld id="{2C314328-1F4E-4134-AA27-A85D42511787}" type="datetimeFigureOut">
               <a:rPr lang="de-CH" smtClean="0"/>
-              <a:t>01.02.2016</a:t>
+              <a:t>04.02.2016</a:t>
             </a:fld>
             <a:endParaRPr lang="de-CH"/>
           </a:p>
@@ -2114,7 +2115,7 @@
           <a:p>
             <a:fld id="{2C314328-1F4E-4134-AA27-A85D42511787}" type="datetimeFigureOut">
               <a:rPr lang="de-CH" smtClean="0"/>
-              <a:t>01.02.2016</a:t>
+              <a:t>04.02.2016</a:t>
             </a:fld>
             <a:endParaRPr lang="de-CH"/>
           </a:p>
@@ -2288,7 +2289,7 @@
           <a:p>
             <a:fld id="{2C314328-1F4E-4134-AA27-A85D42511787}" type="datetimeFigureOut">
               <a:rPr lang="de-CH" smtClean="0"/>
-              <a:t>01.02.2016</a:t>
+              <a:t>04.02.2016</a:t>
             </a:fld>
             <a:endParaRPr lang="de-CH"/>
           </a:p>
@@ -2631,7 +2632,7 @@
           <a:p>
             <a:fld id="{2C314328-1F4E-4134-AA27-A85D42511787}" type="datetimeFigureOut">
               <a:rPr lang="de-CH" smtClean="0"/>
-              <a:t>01.02.2016</a:t>
+              <a:t>04.02.2016</a:t>
             </a:fld>
             <a:endParaRPr lang="de-CH"/>
           </a:p>
@@ -2906,7 +2907,7 @@
           <a:p>
             <a:fld id="{2C314328-1F4E-4134-AA27-A85D42511787}" type="datetimeFigureOut">
               <a:rPr lang="de-CH" smtClean="0"/>
-              <a:t>01.02.2016</a:t>
+              <a:t>04.02.2016</a:t>
             </a:fld>
             <a:endParaRPr lang="de-CH"/>
           </a:p>
@@ -3285,7 +3286,7 @@
           <a:p>
             <a:fld id="{2C314328-1F4E-4134-AA27-A85D42511787}" type="datetimeFigureOut">
               <a:rPr lang="de-CH" smtClean="0"/>
-              <a:t>01.02.2016</a:t>
+              <a:t>04.02.2016</a:t>
             </a:fld>
             <a:endParaRPr lang="de-CH"/>
           </a:p>
@@ -3403,7 +3404,7 @@
           <a:p>
             <a:fld id="{2C314328-1F4E-4134-AA27-A85D42511787}" type="datetimeFigureOut">
               <a:rPr lang="de-CH" smtClean="0"/>
-              <a:t>01.02.2016</a:t>
+              <a:t>04.02.2016</a:t>
             </a:fld>
             <a:endParaRPr lang="de-CH"/>
           </a:p>
@@ -3574,7 +3575,7 @@
           <a:p>
             <a:fld id="{2C314328-1F4E-4134-AA27-A85D42511787}" type="datetimeFigureOut">
               <a:rPr lang="de-CH" smtClean="0"/>
-              <a:t>01.02.2016</a:t>
+              <a:t>04.02.2016</a:t>
             </a:fld>
             <a:endParaRPr lang="de-CH"/>
           </a:p>
@@ -3928,7 +3929,7 @@
           <a:p>
             <a:fld id="{2C314328-1F4E-4134-AA27-A85D42511787}" type="datetimeFigureOut">
               <a:rPr lang="de-CH" smtClean="0"/>
-              <a:t>01.02.2016</a:t>
+              <a:t>04.02.2016</a:t>
             </a:fld>
             <a:endParaRPr lang="de-CH"/>
           </a:p>
@@ -4310,7 +4311,7 @@
           <a:p>
             <a:fld id="{2C314328-1F4E-4134-AA27-A85D42511787}" type="datetimeFigureOut">
               <a:rPr lang="de-CH" smtClean="0"/>
-              <a:t>01.02.2016</a:t>
+              <a:t>04.02.2016</a:t>
             </a:fld>
             <a:endParaRPr lang="de-CH"/>
           </a:p>
@@ -4597,7 +4598,7 @@
           <a:p>
             <a:fld id="{2C314328-1F4E-4134-AA27-A85D42511787}" type="datetimeFigureOut">
               <a:rPr lang="de-CH" smtClean="0"/>
-              <a:t>01.02.2016</a:t>
+              <a:t>04.02.2016</a:t>
             </a:fld>
             <a:endParaRPr lang="de-CH"/>
           </a:p>
@@ -6925,7 +6926,6 @@
               <a:rPr lang="de-CH" dirty="0" smtClean="0"/>
               <a:t>Tag-Name</a:t>
             </a:r>
-            <a:endParaRPr lang="de-CH" dirty="0" smtClean="0"/>
           </a:p>
         </p:txBody>
       </p:sp>
@@ -7012,13 +7012,8 @@
           <a:p>
             <a:r>
               <a:rPr lang="de-CH" dirty="0" smtClean="0"/>
-              <a:t>Reichert den XML-Tag mit zusätzlichen Informationen </a:t>
-            </a:r>
-            <a:r>
-              <a:rPr lang="de-CH" dirty="0" smtClean="0"/>
-              <a:t>an</a:t>
-            </a:r>
-            <a:endParaRPr lang="de-CH" dirty="0" smtClean="0"/>
+              <a:t>Reichert den XML-Tag mit zusätzlichen Informationen an</a:t>
+            </a:r>
           </a:p>
         </p:txBody>
       </p:sp>
@@ -7126,7 +7121,6 @@
               <a:rPr lang="de-CH" dirty="0" smtClean="0"/>
               <a:t>End-Tag</a:t>
             </a:r>
-            <a:endParaRPr lang="de-CH" dirty="0" smtClean="0"/>
           </a:p>
         </p:txBody>
       </p:sp>
@@ -7164,7 +7158,6 @@
               <a:rPr lang="de-CH" dirty="0" smtClean="0"/>
               <a:t>Wert</a:t>
             </a:r>
-            <a:endParaRPr lang="de-CH" dirty="0" smtClean="0"/>
           </a:p>
         </p:txBody>
       </p:sp>
@@ -16240,6 +16233,365 @@
           <a:p>
             <a:r>
               <a:rPr lang="de-CH" dirty="0" smtClean="0"/>
+              <a:t>Sonderzeichen</a:t>
+            </a:r>
+            <a:endParaRPr lang="de-CH" dirty="0"/>
+          </a:p>
+        </p:txBody>
+      </p:sp>
+      <p:sp>
+        <p:nvSpPr>
+          <p:cNvPr id="3" name="Inhaltsplatzhalter 2"/>
+          <p:cNvSpPr>
+            <a:spLocks noGrp="1"/>
+          </p:cNvSpPr>
+          <p:nvPr>
+            <p:ph idx="1"/>
+          </p:nvPr>
+        </p:nvSpPr>
+        <p:spPr>
+          <a:xfrm>
+            <a:off x="1097280" y="1845734"/>
+            <a:ext cx="10058400" cy="552561"/>
+          </a:xfrm>
+        </p:spPr>
+        <p:txBody>
+          <a:bodyPr/>
+          <a:lstStyle/>
+          <a:p>
+            <a:r>
+              <a:rPr lang="de-CH" dirty="0" smtClean="0"/>
+              <a:t>In HTML müssen Sonderzeichen wie ä/Ä, û, í oder andere speziell annotiert werden.</a:t>
+            </a:r>
+          </a:p>
+          <a:p>
+            <a:endParaRPr lang="de-CH" dirty="0" smtClean="0"/>
+          </a:p>
+          <a:p>
+            <a:endParaRPr lang="de-CH" dirty="0"/>
+          </a:p>
+        </p:txBody>
+      </p:sp>
+      <p:graphicFrame>
+        <p:nvGraphicFramePr>
+          <p:cNvPr id="4" name="Tabelle 3"/>
+          <p:cNvGraphicFramePr>
+            <a:graphicFrameLocks noGrp="1"/>
+          </p:cNvGraphicFramePr>
+          <p:nvPr>
+            <p:extLst>
+              <p:ext uri="{D42A27DB-BD31-4B8C-83A1-F6EECF244321}">
+                <p14:modId xmlns:p14="http://schemas.microsoft.com/office/powerpoint/2010/main" val="2847240478"/>
+              </p:ext>
+            </p:extLst>
+          </p:nvPr>
+        </p:nvGraphicFramePr>
+        <p:xfrm>
+          <a:off x="1733617" y="2877329"/>
+          <a:ext cx="8128000" cy="1483360"/>
+        </p:xfrm>
+        <a:graphic>
+          <a:graphicData uri="http://schemas.openxmlformats.org/drawingml/2006/table">
+            <a:tbl>
+              <a:tblPr firstRow="1" bandRow="1">
+                <a:tableStyleId>{5C22544A-7EE6-4342-B048-85BDC9FD1C3A}</a:tableStyleId>
+              </a:tblPr>
+              <a:tblGrid>
+                <a:gridCol w="4064000"/>
+                <a:gridCol w="4064000"/>
+              </a:tblGrid>
+              <a:tr h="370840">
+                <a:tc>
+                  <a:txBody>
+                    <a:bodyPr/>
+                    <a:lstStyle/>
+                    <a:p>
+                      <a:r>
+                        <a:rPr lang="de-CH" dirty="0" smtClean="0"/>
+                        <a:t>Gewolltes</a:t>
+                      </a:r>
+                      <a:r>
+                        <a:rPr lang="de-CH" baseline="0" dirty="0" smtClean="0"/>
+                        <a:t> Zeichen</a:t>
+                      </a:r>
+                      <a:endParaRPr lang="de-CH" dirty="0"/>
+                    </a:p>
+                  </a:txBody>
+                  <a:tcPr/>
+                </a:tc>
+                <a:tc>
+                  <a:txBody>
+                    <a:bodyPr/>
+                    <a:lstStyle/>
+                    <a:p>
+                      <a:r>
+                        <a:rPr lang="de-CH" dirty="0" smtClean="0"/>
+                        <a:t>Im HTML Code</a:t>
+                      </a:r>
+                      <a:endParaRPr lang="de-CH" dirty="0"/>
+                    </a:p>
+                  </a:txBody>
+                  <a:tcPr/>
+                </a:tc>
+              </a:tr>
+              <a:tr h="370840">
+                <a:tc>
+                  <a:txBody>
+                    <a:bodyPr/>
+                    <a:lstStyle/>
+                    <a:p>
+                      <a:r>
+                        <a:rPr lang="de-CH" dirty="0" smtClean="0"/>
+                        <a:t>ä</a:t>
+                      </a:r>
+                      <a:endParaRPr lang="de-CH" dirty="0"/>
+                    </a:p>
+                  </a:txBody>
+                  <a:tcPr/>
+                </a:tc>
+                <a:tc>
+                  <a:txBody>
+                    <a:bodyPr/>
+                    <a:lstStyle/>
+                    <a:p>
+                      <a:r>
+                        <a:rPr lang="de-CH" dirty="0" smtClean="0"/>
+                        <a:t>$</a:t>
+                      </a:r>
+                      <a:r>
+                        <a:rPr lang="de-CH" dirty="0" err="1" smtClean="0"/>
+                        <a:t>auml</a:t>
+                      </a:r>
+                      <a:r>
+                        <a:rPr lang="de-CH" dirty="0" smtClean="0"/>
+                        <a:t>;</a:t>
+                      </a:r>
+                      <a:endParaRPr lang="de-CH" dirty="0"/>
+                    </a:p>
+                  </a:txBody>
+                  <a:tcPr/>
+                </a:tc>
+              </a:tr>
+              <a:tr h="370840">
+                <a:tc>
+                  <a:txBody>
+                    <a:bodyPr/>
+                    <a:lstStyle/>
+                    <a:p>
+                      <a:r>
+                        <a:rPr lang="de-CH" dirty="0" smtClean="0"/>
+                        <a:t>&amp;</a:t>
+                      </a:r>
+                      <a:endParaRPr lang="de-CH" dirty="0"/>
+                    </a:p>
+                  </a:txBody>
+                  <a:tcPr/>
+                </a:tc>
+                <a:tc>
+                  <a:txBody>
+                    <a:bodyPr/>
+                    <a:lstStyle/>
+                    <a:p>
+                      <a:r>
+                        <a:rPr lang="de-CH" dirty="0" smtClean="0"/>
+                        <a:t>&amp;</a:t>
+                      </a:r>
+                      <a:r>
+                        <a:rPr lang="de-CH" dirty="0" err="1" smtClean="0"/>
+                        <a:t>amp</a:t>
+                      </a:r>
+                      <a:r>
+                        <a:rPr lang="de-CH" dirty="0" smtClean="0"/>
+                        <a:t>;</a:t>
+                      </a:r>
+                      <a:endParaRPr lang="de-CH" dirty="0"/>
+                    </a:p>
+                  </a:txBody>
+                  <a:tcPr/>
+                </a:tc>
+              </a:tr>
+              <a:tr h="370840">
+                <a:tc>
+                  <a:txBody>
+                    <a:bodyPr/>
+                    <a:lstStyle/>
+                    <a:p>
+                      <a:r>
+                        <a:rPr lang="de-CH" dirty="0" smtClean="0"/>
+                        <a:t>``</a:t>
+                      </a:r>
+                      <a:endParaRPr lang="de-CH" dirty="0"/>
+                    </a:p>
+                  </a:txBody>
+                  <a:tcPr/>
+                </a:tc>
+                <a:tc>
+                  <a:txBody>
+                    <a:bodyPr/>
+                    <a:lstStyle/>
+                    <a:p>
+                      <a:r>
+                        <a:rPr lang="de-CH" dirty="0" smtClean="0"/>
+                        <a:t>&amp;</a:t>
+                      </a:r>
+                      <a:r>
+                        <a:rPr lang="de-CH" dirty="0" err="1" smtClean="0"/>
+                        <a:t>quot</a:t>
+                      </a:r>
+                      <a:r>
+                        <a:rPr lang="de-CH" dirty="0" smtClean="0"/>
+                        <a:t>;</a:t>
+                      </a:r>
+                      <a:endParaRPr lang="de-CH" dirty="0"/>
+                    </a:p>
+                  </a:txBody>
+                  <a:tcPr/>
+                </a:tc>
+              </a:tr>
+            </a:tbl>
+          </a:graphicData>
+        </a:graphic>
+      </p:graphicFrame>
+      <p:sp>
+        <p:nvSpPr>
+          <p:cNvPr id="5" name="Textfeld 4"/>
+          <p:cNvSpPr txBox="1"/>
+          <p:nvPr/>
+        </p:nvSpPr>
+        <p:spPr>
+          <a:xfrm>
+            <a:off x="906379" y="4684295"/>
+            <a:ext cx="10563726" cy="923330"/>
+          </a:xfrm>
+          <a:prstGeom prst="rect">
+            <a:avLst/>
+          </a:prstGeom>
+          <a:noFill/>
+        </p:spPr>
+        <p:txBody>
+          <a:bodyPr wrap="square" rtlCol="0">
+            <a:spAutoFit/>
+          </a:bodyPr>
+          <a:lstStyle/>
+          <a:p>
+            <a:r>
+              <a:rPr lang="de-CH" dirty="0" smtClean="0"/>
+              <a:t>Im Code sieht das dann so aus:</a:t>
+            </a:r>
+          </a:p>
+          <a:p>
+            <a:endParaRPr lang="de-CH" dirty="0"/>
+          </a:p>
+          <a:p>
+            <a:endParaRPr lang="de-CH" dirty="0"/>
+          </a:p>
+        </p:txBody>
+      </p:sp>
+      <p:graphicFrame>
+        <p:nvGraphicFramePr>
+          <p:cNvPr id="6" name="Tabelle 5"/>
+          <p:cNvGraphicFramePr>
+            <a:graphicFrameLocks noGrp="1"/>
+          </p:cNvGraphicFramePr>
+          <p:nvPr>
+            <p:extLst>
+              <p:ext uri="{D42A27DB-BD31-4B8C-83A1-F6EECF244321}">
+                <p14:modId xmlns:p14="http://schemas.microsoft.com/office/powerpoint/2010/main" val="3096634048"/>
+              </p:ext>
+            </p:extLst>
+          </p:nvPr>
+        </p:nvGraphicFramePr>
+        <p:xfrm>
+          <a:off x="1733617" y="5236785"/>
+          <a:ext cx="8128000" cy="370840"/>
+        </p:xfrm>
+        <a:graphic>
+          <a:graphicData uri="http://schemas.openxmlformats.org/drawingml/2006/table">
+            <a:tbl>
+              <a:tblPr firstRow="1" bandRow="1">
+                <a:tableStyleId>{BC89EF96-8CEA-46FF-86C4-4CE0E7609802}</a:tableStyleId>
+              </a:tblPr>
+              <a:tblGrid>
+                <a:gridCol w="4064000"/>
+                <a:gridCol w="4064000"/>
+              </a:tblGrid>
+              <a:tr h="370840">
+                <a:tc>
+                  <a:txBody>
+                    <a:bodyPr/>
+                    <a:lstStyle/>
+                    <a:p>
+                      <a:r>
+                        <a:rPr lang="de-CH" dirty="0" smtClean="0"/>
+                        <a:t>‘’</a:t>
+                      </a:r>
+                      <a:endParaRPr lang="de-CH" dirty="0"/>
+                    </a:p>
+                  </a:txBody>
+                  <a:tcPr/>
+                </a:tc>
+                <a:tc>
+                  <a:txBody>
+                    <a:bodyPr/>
+                    <a:lstStyle/>
+                    <a:p>
+                      <a:endParaRPr lang="de-CH" dirty="0"/>
+                    </a:p>
+                  </a:txBody>
+                  <a:tcPr/>
+                </a:tc>
+              </a:tr>
+            </a:tbl>
+          </a:graphicData>
+        </a:graphic>
+      </p:graphicFrame>
+    </p:spTree>
+    <p:extLst>
+      <p:ext uri="{BB962C8B-B14F-4D97-AF65-F5344CB8AC3E}">
+        <p14:creationId xmlns:p14="http://schemas.microsoft.com/office/powerpoint/2010/main" val="3733808703"/>
+      </p:ext>
+    </p:extLst>
+  </p:cSld>
+  <p:clrMapOvr>
+    <a:masterClrMapping/>
+  </p:clrMapOvr>
+</p:sld>
+</file>
+
+<file path=ppt/slides/slide23.xml><?xml version="1.0" encoding="utf-8"?>
+<p:sld xmlns:a="http://schemas.openxmlformats.org/drawingml/2006/main" xmlns:r="http://schemas.openxmlformats.org/officeDocument/2006/relationships" xmlns:p="http://schemas.openxmlformats.org/presentationml/2006/main">
+  <p:cSld>
+    <p:spTree>
+      <p:nvGrpSpPr>
+        <p:cNvPr id="1" name=""/>
+        <p:cNvGrpSpPr/>
+        <p:nvPr/>
+      </p:nvGrpSpPr>
+      <p:grpSpPr>
+        <a:xfrm>
+          <a:off x="0" y="0"/>
+          <a:ext cx="0" cy="0"/>
+          <a:chOff x="0" y="0"/>
+          <a:chExt cx="0" cy="0"/>
+        </a:xfrm>
+      </p:grpSpPr>
+      <p:sp>
+        <p:nvSpPr>
+          <p:cNvPr id="2" name="Titel 1"/>
+          <p:cNvSpPr>
+            <a:spLocks noGrp="1"/>
+          </p:cNvSpPr>
+          <p:nvPr>
+            <p:ph type="title"/>
+          </p:nvPr>
+        </p:nvSpPr>
+        <p:spPr/>
+        <p:txBody>
+          <a:bodyPr/>
+          <a:lstStyle/>
+          <a:p>
+            <a:r>
+              <a:rPr lang="de-CH" dirty="0" smtClean="0"/>
               <a:t>HTML Elemente</a:t>
             </a:r>
             <a:endParaRPr lang="de-CH" dirty="0"/>
@@ -16334,7 +16686,7 @@
 </p:sld>
 </file>
 
-<file path=ppt/slides/slide23.xml><?xml version="1.0" encoding="utf-8"?>
+<file path=ppt/slides/slide24.xml><?xml version="1.0" encoding="utf-8"?>
 <p:sld xmlns:a="http://schemas.openxmlformats.org/drawingml/2006/main" xmlns:r="http://schemas.openxmlformats.org/officeDocument/2006/relationships" xmlns:p="http://schemas.openxmlformats.org/presentationml/2006/main">
   <p:cSld>
     <p:spTree>
@@ -17041,7 +17393,7 @@
 </p:sld>
 </file>
 
-<file path=ppt/slides/slide24.xml><?xml version="1.0" encoding="utf-8"?>
+<file path=ppt/slides/slide25.xml><?xml version="1.0" encoding="utf-8"?>
 <p:sld xmlns:a="http://schemas.openxmlformats.org/drawingml/2006/main" xmlns:r="http://schemas.openxmlformats.org/officeDocument/2006/relationships" xmlns:p="http://schemas.openxmlformats.org/presentationml/2006/main">
   <p:cSld>
     <p:spTree>
@@ -17437,7 +17789,7 @@
 </p:sld>
 </file>
 
-<file path=ppt/slides/slide25.xml><?xml version="1.0" encoding="utf-8"?>
+<file path=ppt/slides/slide26.xml><?xml version="1.0" encoding="utf-8"?>
 <p:sld xmlns:a="http://schemas.openxmlformats.org/drawingml/2006/main" xmlns:r="http://schemas.openxmlformats.org/officeDocument/2006/relationships" xmlns:p="http://schemas.openxmlformats.org/presentationml/2006/main">
   <p:cSld>
     <p:spTree>
@@ -18021,7 +18373,7 @@
 </p:sld>
 </file>
 
-<file path=ppt/slides/slide26.xml><?xml version="1.0" encoding="utf-8"?>
+<file path=ppt/slides/slide27.xml><?xml version="1.0" encoding="utf-8"?>
 <p:sld xmlns:a="http://schemas.openxmlformats.org/drawingml/2006/main" xmlns:r="http://schemas.openxmlformats.org/officeDocument/2006/relationships" xmlns:p="http://schemas.openxmlformats.org/presentationml/2006/main">
   <p:cSld>
     <p:spTree>
@@ -18757,7 +19109,7 @@
 </p:sld>
 </file>
 
-<file path=ppt/slides/slide27.xml><?xml version="1.0" encoding="utf-8"?>
+<file path=ppt/slides/slide28.xml><?xml version="1.0" encoding="utf-8"?>
 <p:sld xmlns:a="http://schemas.openxmlformats.org/drawingml/2006/main" xmlns:r="http://schemas.openxmlformats.org/officeDocument/2006/relationships" xmlns:p="http://schemas.openxmlformats.org/presentationml/2006/main">
   <p:cSld>
     <p:spTree>
@@ -19626,7 +19978,7 @@
 </p:sld>
 </file>
 
-<file path=ppt/slides/slide28.xml><?xml version="1.0" encoding="utf-8"?>
+<file path=ppt/slides/slide29.xml><?xml version="1.0" encoding="utf-8"?>
 <p:sld xmlns:a="http://schemas.openxmlformats.org/drawingml/2006/main" xmlns:r="http://schemas.openxmlformats.org/officeDocument/2006/relationships" xmlns:p="http://schemas.openxmlformats.org/presentationml/2006/main">
   <p:cSld>
     <p:spTree>
@@ -20399,7 +20751,406 @@
 </p:sld>
 </file>
 
-<file path=ppt/slides/slide29.xml><?xml version="1.0" encoding="utf-8"?>
+<file path=ppt/slides/slide3.xml><?xml version="1.0" encoding="utf-8"?>
+<p:sld xmlns:a="http://schemas.openxmlformats.org/drawingml/2006/main" xmlns:r="http://schemas.openxmlformats.org/officeDocument/2006/relationships" xmlns:p="http://schemas.openxmlformats.org/presentationml/2006/main">
+  <p:cSld>
+    <p:spTree>
+      <p:nvGrpSpPr>
+        <p:cNvPr id="1" name=""/>
+        <p:cNvGrpSpPr/>
+        <p:nvPr/>
+      </p:nvGrpSpPr>
+      <p:grpSpPr>
+        <a:xfrm>
+          <a:off x="0" y="0"/>
+          <a:ext cx="0" cy="0"/>
+          <a:chOff x="0" y="0"/>
+          <a:chExt cx="0" cy="0"/>
+        </a:xfrm>
+      </p:grpSpPr>
+      <p:sp>
+        <p:nvSpPr>
+          <p:cNvPr id="2" name="Titel 1"/>
+          <p:cNvSpPr>
+            <a:spLocks noGrp="1"/>
+          </p:cNvSpPr>
+          <p:nvPr>
+            <p:ph type="title"/>
+          </p:nvPr>
+        </p:nvSpPr>
+        <p:spPr/>
+        <p:txBody>
+          <a:bodyPr/>
+          <a:lstStyle/>
+          <a:p>
+            <a:r>
+              <a:rPr lang="de-CH" dirty="0" smtClean="0"/>
+              <a:t>Zu mir</a:t>
+            </a:r>
+            <a:endParaRPr lang="de-CH" dirty="0"/>
+          </a:p>
+        </p:txBody>
+      </p:sp>
+      <p:sp>
+        <p:nvSpPr>
+          <p:cNvPr id="3" name="Inhaltsplatzhalter 2"/>
+          <p:cNvSpPr>
+            <a:spLocks noGrp="1"/>
+          </p:cNvSpPr>
+          <p:nvPr>
+            <p:ph idx="1"/>
+          </p:nvPr>
+        </p:nvSpPr>
+        <p:spPr/>
+        <p:txBody>
+          <a:bodyPr/>
+          <a:lstStyle/>
+          <a:p>
+            <a:r>
+              <a:rPr lang="de-CH" dirty="0" smtClean="0"/>
+              <a:t>Patrick Joos</a:t>
+            </a:r>
+          </a:p>
+          <a:p>
+            <a:pPr lvl="1"/>
+            <a:r>
+              <a:rPr lang="de-CH" dirty="0" smtClean="0"/>
+              <a:t>26</a:t>
+            </a:r>
+          </a:p>
+          <a:p>
+            <a:pPr lvl="1"/>
+            <a:r>
+              <a:rPr lang="de-CH" dirty="0" err="1" smtClean="0"/>
+              <a:t>BSc</a:t>
+            </a:r>
+            <a:r>
+              <a:rPr lang="de-CH" dirty="0" smtClean="0"/>
+              <a:t> Informatik</a:t>
+            </a:r>
+          </a:p>
+          <a:p>
+            <a:pPr lvl="1"/>
+            <a:r>
+              <a:rPr lang="de-CH" dirty="0" smtClean="0"/>
+              <a:t>Würth </a:t>
+            </a:r>
+            <a:r>
+              <a:rPr lang="de-CH" dirty="0" err="1" smtClean="0"/>
+              <a:t>Itensis</a:t>
+            </a:r>
+            <a:endParaRPr lang="de-CH" dirty="0" smtClean="0"/>
+          </a:p>
+          <a:p>
+            <a:pPr lvl="1"/>
+            <a:r>
+              <a:rPr lang="de-CH" dirty="0" smtClean="0"/>
+              <a:t>Lieblingspizza: </a:t>
+            </a:r>
+            <a:r>
+              <a:rPr lang="de-CH" dirty="0" err="1" smtClean="0"/>
+              <a:t>Prosciutto</a:t>
+            </a:r>
+            <a:endParaRPr lang="de-CH" dirty="0" smtClean="0"/>
+          </a:p>
+          <a:p>
+            <a:pPr lvl="1"/>
+            <a:endParaRPr lang="de-CH" dirty="0"/>
+          </a:p>
+        </p:txBody>
+      </p:sp>
+    </p:spTree>
+    <p:extLst>
+      <p:ext uri="{BB962C8B-B14F-4D97-AF65-F5344CB8AC3E}">
+        <p14:creationId xmlns:p14="http://schemas.microsoft.com/office/powerpoint/2010/main" val="753086570"/>
+      </p:ext>
+    </p:extLst>
+  </p:cSld>
+  <p:clrMapOvr>
+    <a:masterClrMapping/>
+  </p:clrMapOvr>
+  <p:timing>
+    <p:tnLst>
+      <p:par>
+        <p:cTn id="1" dur="indefinite" restart="never" nodeType="tmRoot">
+          <p:childTnLst>
+            <p:seq concurrent="1" nextAc="seek">
+              <p:cTn id="2" dur="indefinite" nodeType="mainSeq">
+                <p:childTnLst>
+                  <p:par>
+                    <p:cTn id="3" fill="hold">
+                      <p:stCondLst>
+                        <p:cond delay="indefinite"/>
+                      </p:stCondLst>
+                      <p:childTnLst>
+                        <p:par>
+                          <p:cTn id="4" fill="hold">
+                            <p:stCondLst>
+                              <p:cond delay="0"/>
+                            </p:stCondLst>
+                            <p:childTnLst>
+                              <p:par>
+                                <p:cTn id="5" presetID="1" presetClass="entr" presetSubtype="0" fill="hold" grpId="0" nodeType="clickEffect">
+                                  <p:stCondLst>
+                                    <p:cond delay="0"/>
+                                  </p:stCondLst>
+                                  <p:childTnLst>
+                                    <p:set>
+                                      <p:cBhvr>
+                                        <p:cTn id="6" dur="1" fill="hold">
+                                          <p:stCondLst>
+                                            <p:cond delay="0"/>
+                                          </p:stCondLst>
+                                        </p:cTn>
+                                        <p:tgtEl>
+                                          <p:spTgt spid="3">
+                                            <p:txEl>
+                                              <p:pRg st="0" end="0"/>
+                                            </p:txEl>
+                                          </p:spTgt>
+                                        </p:tgtEl>
+                                        <p:attrNameLst>
+                                          <p:attrName>style.visibility</p:attrName>
+                                        </p:attrNameLst>
+                                      </p:cBhvr>
+                                      <p:to>
+                                        <p:strVal val="visible"/>
+                                      </p:to>
+                                    </p:set>
+                                  </p:childTnLst>
+                                </p:cTn>
+                              </p:par>
+                            </p:childTnLst>
+                          </p:cTn>
+                        </p:par>
+                      </p:childTnLst>
+                    </p:cTn>
+                  </p:par>
+                  <p:par>
+                    <p:cTn id="7" fill="hold">
+                      <p:stCondLst>
+                        <p:cond delay="indefinite"/>
+                      </p:stCondLst>
+                      <p:childTnLst>
+                        <p:par>
+                          <p:cTn id="8" fill="hold">
+                            <p:stCondLst>
+                              <p:cond delay="0"/>
+                            </p:stCondLst>
+                            <p:childTnLst>
+                              <p:par>
+                                <p:cTn id="9" presetID="1" presetClass="entr" presetSubtype="0" fill="hold" grpId="0" nodeType="clickEffect">
+                                  <p:stCondLst>
+                                    <p:cond delay="0"/>
+                                  </p:stCondLst>
+                                  <p:childTnLst>
+                                    <p:set>
+                                      <p:cBhvr>
+                                        <p:cTn id="10" dur="1" fill="hold">
+                                          <p:stCondLst>
+                                            <p:cond delay="0"/>
+                                          </p:stCondLst>
+                                        </p:cTn>
+                                        <p:tgtEl>
+                                          <p:spTgt spid="3">
+                                            <p:txEl>
+                                              <p:pRg st="1" end="1"/>
+                                            </p:txEl>
+                                          </p:spTgt>
+                                        </p:tgtEl>
+                                        <p:attrNameLst>
+                                          <p:attrName>style.visibility</p:attrName>
+                                        </p:attrNameLst>
+                                      </p:cBhvr>
+                                      <p:to>
+                                        <p:strVal val="visible"/>
+                                      </p:to>
+                                    </p:set>
+                                  </p:childTnLst>
+                                </p:cTn>
+                              </p:par>
+                            </p:childTnLst>
+                          </p:cTn>
+                        </p:par>
+                      </p:childTnLst>
+                    </p:cTn>
+                  </p:par>
+                  <p:par>
+                    <p:cTn id="11" fill="hold">
+                      <p:stCondLst>
+                        <p:cond delay="indefinite"/>
+                      </p:stCondLst>
+                      <p:childTnLst>
+                        <p:par>
+                          <p:cTn id="12" fill="hold">
+                            <p:stCondLst>
+                              <p:cond delay="0"/>
+                            </p:stCondLst>
+                            <p:childTnLst>
+                              <p:par>
+                                <p:cTn id="13" presetID="1" presetClass="entr" presetSubtype="0" fill="hold" grpId="0" nodeType="clickEffect">
+                                  <p:stCondLst>
+                                    <p:cond delay="0"/>
+                                  </p:stCondLst>
+                                  <p:childTnLst>
+                                    <p:set>
+                                      <p:cBhvr>
+                                        <p:cTn id="14" dur="1" fill="hold">
+                                          <p:stCondLst>
+                                            <p:cond delay="0"/>
+                                          </p:stCondLst>
+                                        </p:cTn>
+                                        <p:tgtEl>
+                                          <p:spTgt spid="3">
+                                            <p:txEl>
+                                              <p:pRg st="2" end="2"/>
+                                            </p:txEl>
+                                          </p:spTgt>
+                                        </p:tgtEl>
+                                        <p:attrNameLst>
+                                          <p:attrName>style.visibility</p:attrName>
+                                        </p:attrNameLst>
+                                      </p:cBhvr>
+                                      <p:to>
+                                        <p:strVal val="visible"/>
+                                      </p:to>
+                                    </p:set>
+                                  </p:childTnLst>
+                                </p:cTn>
+                              </p:par>
+                            </p:childTnLst>
+                          </p:cTn>
+                        </p:par>
+                      </p:childTnLst>
+                    </p:cTn>
+                  </p:par>
+                  <p:par>
+                    <p:cTn id="15" fill="hold">
+                      <p:stCondLst>
+                        <p:cond delay="indefinite"/>
+                      </p:stCondLst>
+                      <p:childTnLst>
+                        <p:par>
+                          <p:cTn id="16" fill="hold">
+                            <p:stCondLst>
+                              <p:cond delay="0"/>
+                            </p:stCondLst>
+                            <p:childTnLst>
+                              <p:par>
+                                <p:cTn id="17" presetID="1" presetClass="entr" presetSubtype="0" fill="hold" grpId="0" nodeType="clickEffect">
+                                  <p:stCondLst>
+                                    <p:cond delay="0"/>
+                                  </p:stCondLst>
+                                  <p:childTnLst>
+                                    <p:set>
+                                      <p:cBhvr>
+                                        <p:cTn id="18" dur="1" fill="hold">
+                                          <p:stCondLst>
+                                            <p:cond delay="0"/>
+                                          </p:stCondLst>
+                                        </p:cTn>
+                                        <p:tgtEl>
+                                          <p:spTgt spid="3">
+                                            <p:txEl>
+                                              <p:pRg st="3" end="3"/>
+                                            </p:txEl>
+                                          </p:spTgt>
+                                        </p:tgtEl>
+                                        <p:attrNameLst>
+                                          <p:attrName>style.visibility</p:attrName>
+                                        </p:attrNameLst>
+                                      </p:cBhvr>
+                                      <p:to>
+                                        <p:strVal val="visible"/>
+                                      </p:to>
+                                    </p:set>
+                                  </p:childTnLst>
+                                </p:cTn>
+                              </p:par>
+                            </p:childTnLst>
+                          </p:cTn>
+                        </p:par>
+                      </p:childTnLst>
+                    </p:cTn>
+                  </p:par>
+                  <p:par>
+                    <p:cTn id="19" fill="hold">
+                      <p:stCondLst>
+                        <p:cond delay="indefinite"/>
+                      </p:stCondLst>
+                      <p:childTnLst>
+                        <p:par>
+                          <p:cTn id="20" fill="hold">
+                            <p:stCondLst>
+                              <p:cond delay="0"/>
+                            </p:stCondLst>
+                            <p:childTnLst>
+                              <p:par>
+                                <p:cTn id="21" presetID="1" presetClass="entr" presetSubtype="0" fill="hold" grpId="0" nodeType="clickEffect">
+                                  <p:stCondLst>
+                                    <p:cond delay="0"/>
+                                  </p:stCondLst>
+                                  <p:childTnLst>
+                                    <p:set>
+                                      <p:cBhvr>
+                                        <p:cTn id="22" dur="1" fill="hold">
+                                          <p:stCondLst>
+                                            <p:cond delay="0"/>
+                                          </p:stCondLst>
+                                        </p:cTn>
+                                        <p:tgtEl>
+                                          <p:spTgt spid="3">
+                                            <p:txEl>
+                                              <p:pRg st="4" end="4"/>
+                                            </p:txEl>
+                                          </p:spTgt>
+                                        </p:tgtEl>
+                                        <p:attrNameLst>
+                                          <p:attrName>style.visibility</p:attrName>
+                                        </p:attrNameLst>
+                                      </p:cBhvr>
+                                      <p:to>
+                                        <p:strVal val="visible"/>
+                                      </p:to>
+                                    </p:set>
+                                  </p:childTnLst>
+                                </p:cTn>
+                              </p:par>
+                            </p:childTnLst>
+                          </p:cTn>
+                        </p:par>
+                      </p:childTnLst>
+                    </p:cTn>
+                  </p:par>
+                </p:childTnLst>
+              </p:cTn>
+              <p:prevCondLst>
+                <p:cond evt="onPrev" delay="0">
+                  <p:tgtEl>
+                    <p:sldTgt/>
+                  </p:tgtEl>
+                </p:cond>
+              </p:prevCondLst>
+              <p:nextCondLst>
+                <p:cond evt="onNext" delay="0">
+                  <p:tgtEl>
+                    <p:sldTgt/>
+                  </p:tgtEl>
+                </p:cond>
+              </p:nextCondLst>
+            </p:seq>
+          </p:childTnLst>
+        </p:cTn>
+      </p:par>
+    </p:tnLst>
+    <p:bldLst>
+      <p:bldP spid="3" grpId="0" uiExpand="1" build="p"/>
+    </p:bldLst>
+  </p:timing>
+</p:sld>
+</file>
+
+<file path=ppt/slides/slide30.xml><?xml version="1.0" encoding="utf-8"?>
 <p:sld xmlns:a="http://schemas.openxmlformats.org/drawingml/2006/main" xmlns:r="http://schemas.openxmlformats.org/officeDocument/2006/relationships" xmlns:p="http://schemas.openxmlformats.org/presentationml/2006/main">
   <p:cSld>
     <p:spTree>
@@ -22779,406 +23530,7 @@
 </p:sld>
 </file>
 
-<file path=ppt/slides/slide3.xml><?xml version="1.0" encoding="utf-8"?>
-<p:sld xmlns:a="http://schemas.openxmlformats.org/drawingml/2006/main" xmlns:r="http://schemas.openxmlformats.org/officeDocument/2006/relationships" xmlns:p="http://schemas.openxmlformats.org/presentationml/2006/main">
-  <p:cSld>
-    <p:spTree>
-      <p:nvGrpSpPr>
-        <p:cNvPr id="1" name=""/>
-        <p:cNvGrpSpPr/>
-        <p:nvPr/>
-      </p:nvGrpSpPr>
-      <p:grpSpPr>
-        <a:xfrm>
-          <a:off x="0" y="0"/>
-          <a:ext cx="0" cy="0"/>
-          <a:chOff x="0" y="0"/>
-          <a:chExt cx="0" cy="0"/>
-        </a:xfrm>
-      </p:grpSpPr>
-      <p:sp>
-        <p:nvSpPr>
-          <p:cNvPr id="2" name="Titel 1"/>
-          <p:cNvSpPr>
-            <a:spLocks noGrp="1"/>
-          </p:cNvSpPr>
-          <p:nvPr>
-            <p:ph type="title"/>
-          </p:nvPr>
-        </p:nvSpPr>
-        <p:spPr/>
-        <p:txBody>
-          <a:bodyPr/>
-          <a:lstStyle/>
-          <a:p>
-            <a:r>
-              <a:rPr lang="de-CH" dirty="0" smtClean="0"/>
-              <a:t>Zu mir</a:t>
-            </a:r>
-            <a:endParaRPr lang="de-CH" dirty="0"/>
-          </a:p>
-        </p:txBody>
-      </p:sp>
-      <p:sp>
-        <p:nvSpPr>
-          <p:cNvPr id="3" name="Inhaltsplatzhalter 2"/>
-          <p:cNvSpPr>
-            <a:spLocks noGrp="1"/>
-          </p:cNvSpPr>
-          <p:nvPr>
-            <p:ph idx="1"/>
-          </p:nvPr>
-        </p:nvSpPr>
-        <p:spPr/>
-        <p:txBody>
-          <a:bodyPr/>
-          <a:lstStyle/>
-          <a:p>
-            <a:r>
-              <a:rPr lang="de-CH" dirty="0" smtClean="0"/>
-              <a:t>Patrick Joos</a:t>
-            </a:r>
-          </a:p>
-          <a:p>
-            <a:pPr lvl="1"/>
-            <a:r>
-              <a:rPr lang="de-CH" dirty="0" smtClean="0"/>
-              <a:t>26</a:t>
-            </a:r>
-          </a:p>
-          <a:p>
-            <a:pPr lvl="1"/>
-            <a:r>
-              <a:rPr lang="de-CH" dirty="0" err="1" smtClean="0"/>
-              <a:t>BSc</a:t>
-            </a:r>
-            <a:r>
-              <a:rPr lang="de-CH" dirty="0" smtClean="0"/>
-              <a:t> Informatik</a:t>
-            </a:r>
-          </a:p>
-          <a:p>
-            <a:pPr lvl="1"/>
-            <a:r>
-              <a:rPr lang="de-CH" dirty="0" smtClean="0"/>
-              <a:t>Würth </a:t>
-            </a:r>
-            <a:r>
-              <a:rPr lang="de-CH" dirty="0" err="1" smtClean="0"/>
-              <a:t>Itensis</a:t>
-            </a:r>
-            <a:endParaRPr lang="de-CH" dirty="0" smtClean="0"/>
-          </a:p>
-          <a:p>
-            <a:pPr lvl="1"/>
-            <a:r>
-              <a:rPr lang="de-CH" dirty="0" smtClean="0"/>
-              <a:t>Lieblingspizza: </a:t>
-            </a:r>
-            <a:r>
-              <a:rPr lang="de-CH" dirty="0" err="1" smtClean="0"/>
-              <a:t>Prosciutto</a:t>
-            </a:r>
-            <a:endParaRPr lang="de-CH" dirty="0" smtClean="0"/>
-          </a:p>
-          <a:p>
-            <a:pPr lvl="1"/>
-            <a:endParaRPr lang="de-CH" dirty="0"/>
-          </a:p>
-        </p:txBody>
-      </p:sp>
-    </p:spTree>
-    <p:extLst>
-      <p:ext uri="{BB962C8B-B14F-4D97-AF65-F5344CB8AC3E}">
-        <p14:creationId xmlns:p14="http://schemas.microsoft.com/office/powerpoint/2010/main" val="753086570"/>
-      </p:ext>
-    </p:extLst>
-  </p:cSld>
-  <p:clrMapOvr>
-    <a:masterClrMapping/>
-  </p:clrMapOvr>
-  <p:timing>
-    <p:tnLst>
-      <p:par>
-        <p:cTn id="1" dur="indefinite" restart="never" nodeType="tmRoot">
-          <p:childTnLst>
-            <p:seq concurrent="1" nextAc="seek">
-              <p:cTn id="2" dur="indefinite" nodeType="mainSeq">
-                <p:childTnLst>
-                  <p:par>
-                    <p:cTn id="3" fill="hold">
-                      <p:stCondLst>
-                        <p:cond delay="indefinite"/>
-                      </p:stCondLst>
-                      <p:childTnLst>
-                        <p:par>
-                          <p:cTn id="4" fill="hold">
-                            <p:stCondLst>
-                              <p:cond delay="0"/>
-                            </p:stCondLst>
-                            <p:childTnLst>
-                              <p:par>
-                                <p:cTn id="5" presetID="1" presetClass="entr" presetSubtype="0" fill="hold" grpId="0" nodeType="clickEffect">
-                                  <p:stCondLst>
-                                    <p:cond delay="0"/>
-                                  </p:stCondLst>
-                                  <p:childTnLst>
-                                    <p:set>
-                                      <p:cBhvr>
-                                        <p:cTn id="6" dur="1" fill="hold">
-                                          <p:stCondLst>
-                                            <p:cond delay="0"/>
-                                          </p:stCondLst>
-                                        </p:cTn>
-                                        <p:tgtEl>
-                                          <p:spTgt spid="3">
-                                            <p:txEl>
-                                              <p:pRg st="0" end="0"/>
-                                            </p:txEl>
-                                          </p:spTgt>
-                                        </p:tgtEl>
-                                        <p:attrNameLst>
-                                          <p:attrName>style.visibility</p:attrName>
-                                        </p:attrNameLst>
-                                      </p:cBhvr>
-                                      <p:to>
-                                        <p:strVal val="visible"/>
-                                      </p:to>
-                                    </p:set>
-                                  </p:childTnLst>
-                                </p:cTn>
-                              </p:par>
-                            </p:childTnLst>
-                          </p:cTn>
-                        </p:par>
-                      </p:childTnLst>
-                    </p:cTn>
-                  </p:par>
-                  <p:par>
-                    <p:cTn id="7" fill="hold">
-                      <p:stCondLst>
-                        <p:cond delay="indefinite"/>
-                      </p:stCondLst>
-                      <p:childTnLst>
-                        <p:par>
-                          <p:cTn id="8" fill="hold">
-                            <p:stCondLst>
-                              <p:cond delay="0"/>
-                            </p:stCondLst>
-                            <p:childTnLst>
-                              <p:par>
-                                <p:cTn id="9" presetID="1" presetClass="entr" presetSubtype="0" fill="hold" grpId="0" nodeType="clickEffect">
-                                  <p:stCondLst>
-                                    <p:cond delay="0"/>
-                                  </p:stCondLst>
-                                  <p:childTnLst>
-                                    <p:set>
-                                      <p:cBhvr>
-                                        <p:cTn id="10" dur="1" fill="hold">
-                                          <p:stCondLst>
-                                            <p:cond delay="0"/>
-                                          </p:stCondLst>
-                                        </p:cTn>
-                                        <p:tgtEl>
-                                          <p:spTgt spid="3">
-                                            <p:txEl>
-                                              <p:pRg st="1" end="1"/>
-                                            </p:txEl>
-                                          </p:spTgt>
-                                        </p:tgtEl>
-                                        <p:attrNameLst>
-                                          <p:attrName>style.visibility</p:attrName>
-                                        </p:attrNameLst>
-                                      </p:cBhvr>
-                                      <p:to>
-                                        <p:strVal val="visible"/>
-                                      </p:to>
-                                    </p:set>
-                                  </p:childTnLst>
-                                </p:cTn>
-                              </p:par>
-                            </p:childTnLst>
-                          </p:cTn>
-                        </p:par>
-                      </p:childTnLst>
-                    </p:cTn>
-                  </p:par>
-                  <p:par>
-                    <p:cTn id="11" fill="hold">
-                      <p:stCondLst>
-                        <p:cond delay="indefinite"/>
-                      </p:stCondLst>
-                      <p:childTnLst>
-                        <p:par>
-                          <p:cTn id="12" fill="hold">
-                            <p:stCondLst>
-                              <p:cond delay="0"/>
-                            </p:stCondLst>
-                            <p:childTnLst>
-                              <p:par>
-                                <p:cTn id="13" presetID="1" presetClass="entr" presetSubtype="0" fill="hold" grpId="0" nodeType="clickEffect">
-                                  <p:stCondLst>
-                                    <p:cond delay="0"/>
-                                  </p:stCondLst>
-                                  <p:childTnLst>
-                                    <p:set>
-                                      <p:cBhvr>
-                                        <p:cTn id="14" dur="1" fill="hold">
-                                          <p:stCondLst>
-                                            <p:cond delay="0"/>
-                                          </p:stCondLst>
-                                        </p:cTn>
-                                        <p:tgtEl>
-                                          <p:spTgt spid="3">
-                                            <p:txEl>
-                                              <p:pRg st="2" end="2"/>
-                                            </p:txEl>
-                                          </p:spTgt>
-                                        </p:tgtEl>
-                                        <p:attrNameLst>
-                                          <p:attrName>style.visibility</p:attrName>
-                                        </p:attrNameLst>
-                                      </p:cBhvr>
-                                      <p:to>
-                                        <p:strVal val="visible"/>
-                                      </p:to>
-                                    </p:set>
-                                  </p:childTnLst>
-                                </p:cTn>
-                              </p:par>
-                            </p:childTnLst>
-                          </p:cTn>
-                        </p:par>
-                      </p:childTnLst>
-                    </p:cTn>
-                  </p:par>
-                  <p:par>
-                    <p:cTn id="15" fill="hold">
-                      <p:stCondLst>
-                        <p:cond delay="indefinite"/>
-                      </p:stCondLst>
-                      <p:childTnLst>
-                        <p:par>
-                          <p:cTn id="16" fill="hold">
-                            <p:stCondLst>
-                              <p:cond delay="0"/>
-                            </p:stCondLst>
-                            <p:childTnLst>
-                              <p:par>
-                                <p:cTn id="17" presetID="1" presetClass="entr" presetSubtype="0" fill="hold" grpId="0" nodeType="clickEffect">
-                                  <p:stCondLst>
-                                    <p:cond delay="0"/>
-                                  </p:stCondLst>
-                                  <p:childTnLst>
-                                    <p:set>
-                                      <p:cBhvr>
-                                        <p:cTn id="18" dur="1" fill="hold">
-                                          <p:stCondLst>
-                                            <p:cond delay="0"/>
-                                          </p:stCondLst>
-                                        </p:cTn>
-                                        <p:tgtEl>
-                                          <p:spTgt spid="3">
-                                            <p:txEl>
-                                              <p:pRg st="3" end="3"/>
-                                            </p:txEl>
-                                          </p:spTgt>
-                                        </p:tgtEl>
-                                        <p:attrNameLst>
-                                          <p:attrName>style.visibility</p:attrName>
-                                        </p:attrNameLst>
-                                      </p:cBhvr>
-                                      <p:to>
-                                        <p:strVal val="visible"/>
-                                      </p:to>
-                                    </p:set>
-                                  </p:childTnLst>
-                                </p:cTn>
-                              </p:par>
-                            </p:childTnLst>
-                          </p:cTn>
-                        </p:par>
-                      </p:childTnLst>
-                    </p:cTn>
-                  </p:par>
-                  <p:par>
-                    <p:cTn id="19" fill="hold">
-                      <p:stCondLst>
-                        <p:cond delay="indefinite"/>
-                      </p:stCondLst>
-                      <p:childTnLst>
-                        <p:par>
-                          <p:cTn id="20" fill="hold">
-                            <p:stCondLst>
-                              <p:cond delay="0"/>
-                            </p:stCondLst>
-                            <p:childTnLst>
-                              <p:par>
-                                <p:cTn id="21" presetID="1" presetClass="entr" presetSubtype="0" fill="hold" grpId="0" nodeType="clickEffect">
-                                  <p:stCondLst>
-                                    <p:cond delay="0"/>
-                                  </p:stCondLst>
-                                  <p:childTnLst>
-                                    <p:set>
-                                      <p:cBhvr>
-                                        <p:cTn id="22" dur="1" fill="hold">
-                                          <p:stCondLst>
-                                            <p:cond delay="0"/>
-                                          </p:stCondLst>
-                                        </p:cTn>
-                                        <p:tgtEl>
-                                          <p:spTgt spid="3">
-                                            <p:txEl>
-                                              <p:pRg st="4" end="4"/>
-                                            </p:txEl>
-                                          </p:spTgt>
-                                        </p:tgtEl>
-                                        <p:attrNameLst>
-                                          <p:attrName>style.visibility</p:attrName>
-                                        </p:attrNameLst>
-                                      </p:cBhvr>
-                                      <p:to>
-                                        <p:strVal val="visible"/>
-                                      </p:to>
-                                    </p:set>
-                                  </p:childTnLst>
-                                </p:cTn>
-                              </p:par>
-                            </p:childTnLst>
-                          </p:cTn>
-                        </p:par>
-                      </p:childTnLst>
-                    </p:cTn>
-                  </p:par>
-                </p:childTnLst>
-              </p:cTn>
-              <p:prevCondLst>
-                <p:cond evt="onPrev" delay="0">
-                  <p:tgtEl>
-                    <p:sldTgt/>
-                  </p:tgtEl>
-                </p:cond>
-              </p:prevCondLst>
-              <p:nextCondLst>
-                <p:cond evt="onNext" delay="0">
-                  <p:tgtEl>
-                    <p:sldTgt/>
-                  </p:tgtEl>
-                </p:cond>
-              </p:nextCondLst>
-            </p:seq>
-          </p:childTnLst>
-        </p:cTn>
-      </p:par>
-    </p:tnLst>
-    <p:bldLst>
-      <p:bldP spid="3" grpId="0" uiExpand="1" build="p"/>
-    </p:bldLst>
-  </p:timing>
-</p:sld>
-</file>
-
-<file path=ppt/slides/slide30.xml><?xml version="1.0" encoding="utf-8"?>
+<file path=ppt/slides/slide31.xml><?xml version="1.0" encoding="utf-8"?>
 <p:sld xmlns:a="http://schemas.openxmlformats.org/drawingml/2006/main" xmlns:r="http://schemas.openxmlformats.org/officeDocument/2006/relationships" xmlns:p="http://schemas.openxmlformats.org/presentationml/2006/main">
   <p:cSld>
     <p:spTree>
@@ -24102,7 +24454,7 @@
 </p:sld>
 </file>
 
-<file path=ppt/slides/slide31.xml><?xml version="1.0" encoding="utf-8"?>
+<file path=ppt/slides/slide32.xml><?xml version="1.0" encoding="utf-8"?>
 <p:sld xmlns:a="http://schemas.openxmlformats.org/drawingml/2006/main" xmlns:r="http://schemas.openxmlformats.org/officeDocument/2006/relationships" xmlns:p="http://schemas.openxmlformats.org/presentationml/2006/main">
   <p:cSld>
     <p:spTree>
@@ -24678,7 +25030,7 @@
 </p:sld>
 </file>
 
-<file path=ppt/slides/slide32.xml><?xml version="1.0" encoding="utf-8"?>
+<file path=ppt/slides/slide33.xml><?xml version="1.0" encoding="utf-8"?>
 <p:sld xmlns:a="http://schemas.openxmlformats.org/drawingml/2006/main" xmlns:r="http://schemas.openxmlformats.org/officeDocument/2006/relationships" xmlns:p="http://schemas.openxmlformats.org/presentationml/2006/main">
   <p:cSld>
     <p:spTree>
@@ -25239,7 +25591,7 @@
 </p:sld>
 </file>
 
-<file path=ppt/slides/slide33.xml><?xml version="1.0" encoding="utf-8"?>
+<file path=ppt/slides/slide34.xml><?xml version="1.0" encoding="utf-8"?>
 <p:sld xmlns:a="http://schemas.openxmlformats.org/drawingml/2006/main" xmlns:r="http://schemas.openxmlformats.org/officeDocument/2006/relationships" xmlns:p="http://schemas.openxmlformats.org/presentationml/2006/main">
   <p:cSld>
     <p:spTree>
@@ -25538,12 +25890,12 @@
               <a:t> </a:t>
             </a:r>
             <a:r>
-              <a:rPr lang="de-CH" sz="2800" dirty="0" err="1" smtClean="0"/>
-              <a:t>öffen</a:t>
-            </a:r>
-            <a:r>
               <a:rPr lang="de-CH" sz="2800" dirty="0" smtClean="0"/>
-              <a:t> wir einen Link in einem neuen Fenster oder Tab</a:t>
+              <a:t>öffnen </a:t>
+            </a:r>
+            <a:r>
+              <a:rPr lang="de-CH" sz="2800" dirty="0" smtClean="0"/>
+              <a:t>wir einen Link in einem neuen Fenster oder Tab</a:t>
             </a:r>
             <a:endParaRPr lang="de-CH" sz="2800" dirty="0"/>
           </a:p>
@@ -25942,7 +26294,7 @@
 </p:sld>
 </file>
 
-<file path=ppt/slides/slide34.xml><?xml version="1.0" encoding="utf-8"?>
+<file path=ppt/slides/slide35.xml><?xml version="1.0" encoding="utf-8"?>
 <p:sld xmlns:a="http://schemas.openxmlformats.org/drawingml/2006/main" xmlns:r="http://schemas.openxmlformats.org/officeDocument/2006/relationships" xmlns:p="http://schemas.openxmlformats.org/presentationml/2006/main">
   <p:cSld>
     <p:spTree>
@@ -26502,7 +26854,7 @@
 </p:sld>
 </file>
 
-<file path=ppt/slides/slide35.xml><?xml version="1.0" encoding="utf-8"?>
+<file path=ppt/slides/slide36.xml><?xml version="1.0" encoding="utf-8"?>
 <p:sld xmlns:a="http://schemas.openxmlformats.org/drawingml/2006/main" xmlns:r="http://schemas.openxmlformats.org/officeDocument/2006/relationships" xmlns:p="http://schemas.openxmlformats.org/presentationml/2006/main">
   <p:cSld>
     <p:spTree>
@@ -27432,7 +27784,7 @@
 </p:sld>
 </file>
 
-<file path=ppt/slides/slide36.xml><?xml version="1.0" encoding="utf-8"?>
+<file path=ppt/slides/slide37.xml><?xml version="1.0" encoding="utf-8"?>
 <p:sld xmlns:a="http://schemas.openxmlformats.org/drawingml/2006/main" xmlns:r="http://schemas.openxmlformats.org/officeDocument/2006/relationships" xmlns:p="http://schemas.openxmlformats.org/presentationml/2006/main">
   <p:cSld>
     <p:spTree>
@@ -28769,7 +29121,7 @@
 </p:sld>
 </file>
 
-<file path=ppt/slides/slide37.xml><?xml version="1.0" encoding="utf-8"?>
+<file path=ppt/slides/slide38.xml><?xml version="1.0" encoding="utf-8"?>
 <p:sld xmlns:a="http://schemas.openxmlformats.org/drawingml/2006/main" xmlns:r="http://schemas.openxmlformats.org/officeDocument/2006/relationships" xmlns:p="http://schemas.openxmlformats.org/presentationml/2006/main">
   <p:cSld>
     <p:spTree>
@@ -28922,7 +29274,7 @@
 </p:sld>
 </file>
 
-<file path=ppt/slides/slide38.xml><?xml version="1.0" encoding="utf-8"?>
+<file path=ppt/slides/slide39.xml><?xml version="1.0" encoding="utf-8"?>
 <p:sld xmlns:a="http://schemas.openxmlformats.org/drawingml/2006/main" xmlns:r="http://schemas.openxmlformats.org/officeDocument/2006/relationships" xmlns:p="http://schemas.openxmlformats.org/presentationml/2006/main">
   <p:cSld>
     <p:spTree>
@@ -32374,12 +32726,14 @@
 </file>
 
 <file path=customXml/item1.xml><?xml version="1.0" encoding="utf-8"?>
-<?mso-contentType ?>
-<FormTemplates xmlns="http://schemas.microsoft.com/sharepoint/v3/contenttype/forms">
-  <Display>DocumentLibraryForm</Display>
-  <Edit>DocumentLibraryForm</Edit>
-  <New>DocumentLibraryForm</New>
-</FormTemplates>
+<p:properties xmlns:p="http://schemas.microsoft.com/office/2006/metadata/properties" xmlns:xsi="http://www.w3.org/2001/XMLSchema-instance" xmlns:pc="http://schemas.microsoft.com/office/infopath/2007/PartnerControls">
+  <documentManagement>
+    <DocumentType xmlns="B52DB2DB-4C79-421A-B3B5-7B3E39903FAF">Presentation</DocumentType>
+    <Tags xmlns="B52DB2DB-4C79-421A-B3B5-7B3E39903FAF"/>
+    <PublishingExpirationDate xmlns="http://schemas.microsoft.com/sharepoint/v3" xsi:nil="true"/>
+    <PublishingStartDate xmlns="http://schemas.microsoft.com/sharepoint/v3" xsi:nil="true"/>
+  </documentManagement>
+</p:properties>
 </file>
 
 <file path=customXml/item2.xml><?xml version="1.0" encoding="utf-8"?>
@@ -32565,20 +32919,27 @@
 </file>
 
 <file path=customXml/item3.xml><?xml version="1.0" encoding="utf-8"?>
-<p:properties xmlns:p="http://schemas.microsoft.com/office/2006/metadata/properties" xmlns:xsi="http://www.w3.org/2001/XMLSchema-instance" xmlns:pc="http://schemas.microsoft.com/office/infopath/2007/PartnerControls">
-  <documentManagement>
-    <DocumentType xmlns="B52DB2DB-4C79-421A-B3B5-7B3E39903FAF">Presentation</DocumentType>
-    <Tags xmlns="B52DB2DB-4C79-421A-B3B5-7B3E39903FAF"/>
-    <PublishingExpirationDate xmlns="http://schemas.microsoft.com/sharepoint/v3" xsi:nil="true"/>
-    <PublishingStartDate xmlns="http://schemas.microsoft.com/sharepoint/v3" xsi:nil="true"/>
-  </documentManagement>
-</p:properties>
+<?mso-contentType ?>
+<FormTemplates xmlns="http://schemas.microsoft.com/sharepoint/v3/contenttype/forms">
+  <Display>DocumentLibraryForm</Display>
+  <Edit>DocumentLibraryForm</Edit>
+  <New>DocumentLibraryForm</New>
+</FormTemplates>
 </file>
 
 <file path=customXml/itemProps1.xml><?xml version="1.0" encoding="utf-8"?>
-<ds:datastoreItem xmlns:ds="http://schemas.openxmlformats.org/officeDocument/2006/customXml" ds:itemID="{9AE84C29-3D22-4B38-861A-92252ADDEB5A}">
+<ds:datastoreItem xmlns:ds="http://schemas.openxmlformats.org/officeDocument/2006/customXml" ds:itemID="{C37D435A-036C-4A6E-9A9D-B0F04F096E31}">
   <ds:schemaRefs>
-    <ds:schemaRef ds:uri="http://schemas.microsoft.com/sharepoint/v3/contenttype/forms"/>
+    <ds:schemaRef ds:uri="http://purl.org/dc/terms/"/>
+    <ds:schemaRef ds:uri="http://purl.org/dc/dcmitype/"/>
+    <ds:schemaRef ds:uri="http://www.w3.org/XML/1998/namespace"/>
+    <ds:schemaRef ds:uri="http://schemas.microsoft.com/office/2006/metadata/properties"/>
+    <ds:schemaRef ds:uri="http://schemas.microsoft.com/office/2006/documentManagement/types"/>
+    <ds:schemaRef ds:uri="http://purl.org/dc/elements/1.1/"/>
+    <ds:schemaRef ds:uri="http://schemas.microsoft.com/office/infopath/2007/PartnerControls"/>
+    <ds:schemaRef ds:uri="http://schemas.openxmlformats.org/package/2006/metadata/core-properties"/>
+    <ds:schemaRef ds:uri="B52DB2DB-4C79-421A-B3B5-7B3E39903FAF"/>
+    <ds:schemaRef ds:uri="http://schemas.microsoft.com/sharepoint/v3"/>
   </ds:schemaRefs>
 </ds:datastoreItem>
 </file>
@@ -32603,18 +32964,9 @@
 </file>
 
 <file path=customXml/itemProps3.xml><?xml version="1.0" encoding="utf-8"?>
-<ds:datastoreItem xmlns:ds="http://schemas.openxmlformats.org/officeDocument/2006/customXml" ds:itemID="{C37D435A-036C-4A6E-9A9D-B0F04F096E31}">
+<ds:datastoreItem xmlns:ds="http://schemas.openxmlformats.org/officeDocument/2006/customXml" ds:itemID="{9AE84C29-3D22-4B38-861A-92252ADDEB5A}">
   <ds:schemaRefs>
-    <ds:schemaRef ds:uri="http://purl.org/dc/terms/"/>
-    <ds:schemaRef ds:uri="http://purl.org/dc/dcmitype/"/>
-    <ds:schemaRef ds:uri="http://www.w3.org/XML/1998/namespace"/>
-    <ds:schemaRef ds:uri="http://schemas.microsoft.com/office/2006/metadata/properties"/>
-    <ds:schemaRef ds:uri="http://schemas.microsoft.com/office/2006/documentManagement/types"/>
-    <ds:schemaRef ds:uri="http://purl.org/dc/elements/1.1/"/>
-    <ds:schemaRef ds:uri="http://schemas.microsoft.com/office/infopath/2007/PartnerControls"/>
-    <ds:schemaRef ds:uri="http://schemas.openxmlformats.org/package/2006/metadata/core-properties"/>
-    <ds:schemaRef ds:uri="B52DB2DB-4C79-421A-B3B5-7B3E39903FAF"/>
-    <ds:schemaRef ds:uri="http://schemas.microsoft.com/sharepoint/v3"/>
+    <ds:schemaRef ds:uri="http://schemas.microsoft.com/sharepoint/v3/contenttype/forms"/>
   </ds:schemaRefs>
 </ds:datastoreItem>
 </file>